--- a/Presentations/14_04_2020/Modeling Attack Functions.pptx
+++ b/Presentations/14_04_2020/Modeling Attack Functions.pptx
@@ -12,9 +12,22 @@
     <p:sldId id="261" r:id="rId9"/>
     <p:sldId id="262" r:id="rId10"/>
     <p:sldId id="265" r:id="rId11"/>
-    <p:sldId id="266" r:id="rId12"/>
-    <p:sldId id="263" r:id="rId13"/>
-    <p:sldId id="264" r:id="rId14"/>
+    <p:sldId id="268" r:id="rId12"/>
+    <p:sldId id="266" r:id="rId13"/>
+    <p:sldId id="269" r:id="rId14"/>
+    <p:sldId id="272" r:id="rId15"/>
+    <p:sldId id="273" r:id="rId16"/>
+    <p:sldId id="274" r:id="rId17"/>
+    <p:sldId id="275" r:id="rId18"/>
+    <p:sldId id="271" r:id="rId19"/>
+    <p:sldId id="263" r:id="rId20"/>
+    <p:sldId id="264" r:id="rId21"/>
+    <p:sldId id="276" r:id="rId22"/>
+    <p:sldId id="277" r:id="rId23"/>
+    <p:sldId id="278" r:id="rId24"/>
+    <p:sldId id="279" r:id="rId25"/>
+    <p:sldId id="267" r:id="rId26"/>
+    <p:sldId id="270" r:id="rId27"/>
   </p:sldIdLst>
   <p:sldSz cx="12192000" cy="6858000"/>
   <p:notesSz cx="6858000" cy="9144000"/>
@@ -869,6 +882,1500 @@
 </file>
 
 <file path=ppt/diagrams/colors2.xml><?xml version="1.0" encoding="utf-8"?>
+<dgm:colorsDef xmlns:dgm="http://schemas.openxmlformats.org/drawingml/2006/diagram" xmlns:a="http://schemas.openxmlformats.org/drawingml/2006/main" uniqueId="urn:microsoft.com/office/officeart/2005/8/colors/accent3_2">
+  <dgm:title val=""/>
+  <dgm:desc val=""/>
+  <dgm:catLst>
+    <dgm:cat type="accent3" pri="11200"/>
+  </dgm:catLst>
+  <dgm:styleLbl name="node0">
+    <dgm:fillClrLst meth="repeat">
+      <a:schemeClr val="accent3"/>
+    </dgm:fillClrLst>
+    <dgm:linClrLst meth="repeat">
+      <a:schemeClr val="lt1"/>
+    </dgm:linClrLst>
+    <dgm:effectClrLst/>
+    <dgm:txLinClrLst/>
+    <dgm:txFillClrLst/>
+    <dgm:txEffectClrLst/>
+  </dgm:styleLbl>
+  <dgm:styleLbl name="node1">
+    <dgm:fillClrLst meth="repeat">
+      <a:schemeClr val="accent3"/>
+    </dgm:fillClrLst>
+    <dgm:linClrLst meth="repeat">
+      <a:schemeClr val="lt1"/>
+    </dgm:linClrLst>
+    <dgm:effectClrLst/>
+    <dgm:txLinClrLst/>
+    <dgm:txFillClrLst/>
+    <dgm:txEffectClrLst/>
+  </dgm:styleLbl>
+  <dgm:styleLbl name="alignNode1">
+    <dgm:fillClrLst meth="repeat">
+      <a:schemeClr val="accent3"/>
+    </dgm:fillClrLst>
+    <dgm:linClrLst meth="repeat">
+      <a:schemeClr val="accent3"/>
+    </dgm:linClrLst>
+    <dgm:effectClrLst/>
+    <dgm:txLinClrLst/>
+    <dgm:txFillClrLst/>
+    <dgm:txEffectClrLst/>
+  </dgm:styleLbl>
+  <dgm:styleLbl name="lnNode1">
+    <dgm:fillClrLst meth="repeat">
+      <a:schemeClr val="accent3"/>
+    </dgm:fillClrLst>
+    <dgm:linClrLst meth="repeat">
+      <a:schemeClr val="lt1"/>
+    </dgm:linClrLst>
+    <dgm:effectClrLst/>
+    <dgm:txLinClrLst/>
+    <dgm:txFillClrLst/>
+    <dgm:txEffectClrLst/>
+  </dgm:styleLbl>
+  <dgm:styleLbl name="vennNode1">
+    <dgm:fillClrLst meth="repeat">
+      <a:schemeClr val="accent3">
+        <a:alpha val="50000"/>
+      </a:schemeClr>
+    </dgm:fillClrLst>
+    <dgm:linClrLst meth="repeat">
+      <a:schemeClr val="lt1"/>
+    </dgm:linClrLst>
+    <dgm:effectClrLst/>
+    <dgm:txLinClrLst/>
+    <dgm:txFillClrLst/>
+    <dgm:txEffectClrLst/>
+  </dgm:styleLbl>
+  <dgm:styleLbl name="node2">
+    <dgm:fillClrLst meth="repeat">
+      <a:schemeClr val="accent3"/>
+    </dgm:fillClrLst>
+    <dgm:linClrLst meth="repeat">
+      <a:schemeClr val="lt1"/>
+    </dgm:linClrLst>
+    <dgm:effectClrLst/>
+    <dgm:txLinClrLst/>
+    <dgm:txFillClrLst/>
+    <dgm:txEffectClrLst/>
+  </dgm:styleLbl>
+  <dgm:styleLbl name="node3">
+    <dgm:fillClrLst meth="repeat">
+      <a:schemeClr val="accent3"/>
+    </dgm:fillClrLst>
+    <dgm:linClrLst meth="repeat">
+      <a:schemeClr val="lt1"/>
+    </dgm:linClrLst>
+    <dgm:effectClrLst/>
+    <dgm:txLinClrLst/>
+    <dgm:txFillClrLst/>
+    <dgm:txEffectClrLst/>
+  </dgm:styleLbl>
+  <dgm:styleLbl name="node4">
+    <dgm:fillClrLst meth="repeat">
+      <a:schemeClr val="accent3"/>
+    </dgm:fillClrLst>
+    <dgm:linClrLst meth="repeat">
+      <a:schemeClr val="lt1"/>
+    </dgm:linClrLst>
+    <dgm:effectClrLst/>
+    <dgm:txLinClrLst/>
+    <dgm:txFillClrLst/>
+    <dgm:txEffectClrLst/>
+  </dgm:styleLbl>
+  <dgm:styleLbl name="fgImgPlace1">
+    <dgm:fillClrLst meth="repeat">
+      <a:schemeClr val="accent3">
+        <a:tint val="50000"/>
+      </a:schemeClr>
+    </dgm:fillClrLst>
+    <dgm:linClrLst meth="repeat">
+      <a:schemeClr val="lt1"/>
+    </dgm:linClrLst>
+    <dgm:effectClrLst/>
+    <dgm:txLinClrLst/>
+    <dgm:txFillClrLst meth="repeat">
+      <a:schemeClr val="lt1"/>
+    </dgm:txFillClrLst>
+    <dgm:txEffectClrLst/>
+  </dgm:styleLbl>
+  <dgm:styleLbl name="alignImgPlace1">
+    <dgm:fillClrLst meth="repeat">
+      <a:schemeClr val="accent3">
+        <a:tint val="50000"/>
+      </a:schemeClr>
+    </dgm:fillClrLst>
+    <dgm:linClrLst meth="repeat">
+      <a:schemeClr val="lt1"/>
+    </dgm:linClrLst>
+    <dgm:effectClrLst/>
+    <dgm:txLinClrLst/>
+    <dgm:txFillClrLst meth="repeat">
+      <a:schemeClr val="lt1"/>
+    </dgm:txFillClrLst>
+    <dgm:txEffectClrLst/>
+  </dgm:styleLbl>
+  <dgm:styleLbl name="bgImgPlace1">
+    <dgm:fillClrLst meth="repeat">
+      <a:schemeClr val="accent3">
+        <a:tint val="50000"/>
+      </a:schemeClr>
+    </dgm:fillClrLst>
+    <dgm:linClrLst meth="repeat">
+      <a:schemeClr val="lt1"/>
+    </dgm:linClrLst>
+    <dgm:effectClrLst/>
+    <dgm:txLinClrLst/>
+    <dgm:txFillClrLst meth="repeat">
+      <a:schemeClr val="lt1"/>
+    </dgm:txFillClrLst>
+    <dgm:txEffectClrLst/>
+  </dgm:styleLbl>
+  <dgm:styleLbl name="sibTrans2D1">
+    <dgm:fillClrLst meth="repeat">
+      <a:schemeClr val="accent3">
+        <a:tint val="60000"/>
+      </a:schemeClr>
+    </dgm:fillClrLst>
+    <dgm:linClrLst meth="repeat">
+      <a:schemeClr val="accent3">
+        <a:tint val="60000"/>
+      </a:schemeClr>
+    </dgm:linClrLst>
+    <dgm:effectClrLst/>
+    <dgm:txLinClrLst/>
+    <dgm:txFillClrLst/>
+    <dgm:txEffectClrLst/>
+  </dgm:styleLbl>
+  <dgm:styleLbl name="fgSibTrans2D1">
+    <dgm:fillClrLst meth="repeat">
+      <a:schemeClr val="accent3">
+        <a:tint val="60000"/>
+      </a:schemeClr>
+    </dgm:fillClrLst>
+    <dgm:linClrLst meth="repeat">
+      <a:schemeClr val="accent3">
+        <a:tint val="60000"/>
+      </a:schemeClr>
+    </dgm:linClrLst>
+    <dgm:effectClrLst/>
+    <dgm:txLinClrLst/>
+    <dgm:txFillClrLst/>
+    <dgm:txEffectClrLst/>
+  </dgm:styleLbl>
+  <dgm:styleLbl name="bgSibTrans2D1">
+    <dgm:fillClrLst meth="repeat">
+      <a:schemeClr val="accent3">
+        <a:tint val="60000"/>
+      </a:schemeClr>
+    </dgm:fillClrLst>
+    <dgm:linClrLst meth="repeat">
+      <a:schemeClr val="accent3">
+        <a:tint val="60000"/>
+      </a:schemeClr>
+    </dgm:linClrLst>
+    <dgm:effectClrLst/>
+    <dgm:txLinClrLst/>
+    <dgm:txFillClrLst/>
+    <dgm:txEffectClrLst/>
+  </dgm:styleLbl>
+  <dgm:styleLbl name="sibTrans1D1">
+    <dgm:fillClrLst meth="repeat">
+      <a:schemeClr val="accent3"/>
+    </dgm:fillClrLst>
+    <dgm:linClrLst meth="repeat">
+      <a:schemeClr val="accent3"/>
+    </dgm:linClrLst>
+    <dgm:effectClrLst/>
+    <dgm:txLinClrLst/>
+    <dgm:txFillClrLst meth="repeat">
+      <a:schemeClr val="tx1"/>
+    </dgm:txFillClrLst>
+    <dgm:txEffectClrLst/>
+  </dgm:styleLbl>
+  <dgm:styleLbl name="callout">
+    <dgm:fillClrLst meth="repeat">
+      <a:schemeClr val="accent3"/>
+    </dgm:fillClrLst>
+    <dgm:linClrLst meth="repeat">
+      <a:schemeClr val="accent3">
+        <a:tint val="50000"/>
+      </a:schemeClr>
+    </dgm:linClrLst>
+    <dgm:effectClrLst/>
+    <dgm:txLinClrLst/>
+    <dgm:txFillClrLst meth="repeat">
+      <a:schemeClr val="tx1"/>
+    </dgm:txFillClrLst>
+    <dgm:txEffectClrLst/>
+  </dgm:styleLbl>
+  <dgm:styleLbl name="asst0">
+    <dgm:fillClrLst meth="repeat">
+      <a:schemeClr val="accent3"/>
+    </dgm:fillClrLst>
+    <dgm:linClrLst meth="repeat">
+      <a:schemeClr val="lt1"/>
+    </dgm:linClrLst>
+    <dgm:effectClrLst/>
+    <dgm:txLinClrLst/>
+    <dgm:txFillClrLst/>
+    <dgm:txEffectClrLst/>
+  </dgm:styleLbl>
+  <dgm:styleLbl name="asst1">
+    <dgm:fillClrLst meth="repeat">
+      <a:schemeClr val="accent3"/>
+    </dgm:fillClrLst>
+    <dgm:linClrLst meth="repeat">
+      <a:schemeClr val="lt1"/>
+    </dgm:linClrLst>
+    <dgm:effectClrLst/>
+    <dgm:txLinClrLst/>
+    <dgm:txFillClrLst/>
+    <dgm:txEffectClrLst/>
+  </dgm:styleLbl>
+  <dgm:styleLbl name="asst2">
+    <dgm:fillClrLst meth="repeat">
+      <a:schemeClr val="accent3"/>
+    </dgm:fillClrLst>
+    <dgm:linClrLst meth="repeat">
+      <a:schemeClr val="lt1"/>
+    </dgm:linClrLst>
+    <dgm:effectClrLst/>
+    <dgm:txLinClrLst/>
+    <dgm:txFillClrLst/>
+    <dgm:txEffectClrLst/>
+  </dgm:styleLbl>
+  <dgm:styleLbl name="asst3">
+    <dgm:fillClrLst meth="repeat">
+      <a:schemeClr val="accent3"/>
+    </dgm:fillClrLst>
+    <dgm:linClrLst meth="repeat">
+      <a:schemeClr val="lt1"/>
+    </dgm:linClrLst>
+    <dgm:effectClrLst/>
+    <dgm:txLinClrLst/>
+    <dgm:txFillClrLst/>
+    <dgm:txEffectClrLst/>
+  </dgm:styleLbl>
+  <dgm:styleLbl name="asst4">
+    <dgm:fillClrLst meth="repeat">
+      <a:schemeClr val="accent3"/>
+    </dgm:fillClrLst>
+    <dgm:linClrLst meth="repeat">
+      <a:schemeClr val="lt1"/>
+    </dgm:linClrLst>
+    <dgm:effectClrLst/>
+    <dgm:txLinClrLst/>
+    <dgm:txFillClrLst/>
+    <dgm:txEffectClrLst/>
+  </dgm:styleLbl>
+  <dgm:styleLbl name="parChTrans2D1">
+    <dgm:fillClrLst meth="repeat">
+      <a:schemeClr val="accent3">
+        <a:tint val="60000"/>
+      </a:schemeClr>
+    </dgm:fillClrLst>
+    <dgm:linClrLst meth="repeat">
+      <a:schemeClr val="accent3">
+        <a:tint val="60000"/>
+      </a:schemeClr>
+    </dgm:linClrLst>
+    <dgm:effectClrLst/>
+    <dgm:txLinClrLst/>
+    <dgm:txFillClrLst meth="repeat">
+      <a:schemeClr val="lt1"/>
+    </dgm:txFillClrLst>
+    <dgm:txEffectClrLst/>
+  </dgm:styleLbl>
+  <dgm:styleLbl name="parChTrans2D2">
+    <dgm:fillClrLst meth="repeat">
+      <a:schemeClr val="accent3"/>
+    </dgm:fillClrLst>
+    <dgm:linClrLst meth="repeat">
+      <a:schemeClr val="accent3"/>
+    </dgm:linClrLst>
+    <dgm:effectClrLst/>
+    <dgm:txLinClrLst/>
+    <dgm:txFillClrLst meth="repeat">
+      <a:schemeClr val="lt1"/>
+    </dgm:txFillClrLst>
+    <dgm:txEffectClrLst/>
+  </dgm:styleLbl>
+  <dgm:styleLbl name="parChTrans2D3">
+    <dgm:fillClrLst meth="repeat">
+      <a:schemeClr val="accent3"/>
+    </dgm:fillClrLst>
+    <dgm:linClrLst meth="repeat">
+      <a:schemeClr val="accent3"/>
+    </dgm:linClrLst>
+    <dgm:effectClrLst/>
+    <dgm:txLinClrLst/>
+    <dgm:txFillClrLst meth="repeat">
+      <a:schemeClr val="lt1"/>
+    </dgm:txFillClrLst>
+    <dgm:txEffectClrLst/>
+  </dgm:styleLbl>
+  <dgm:styleLbl name="parChTrans2D4">
+    <dgm:fillClrLst meth="repeat">
+      <a:schemeClr val="accent3"/>
+    </dgm:fillClrLst>
+    <dgm:linClrLst meth="repeat">
+      <a:schemeClr val="accent3"/>
+    </dgm:linClrLst>
+    <dgm:effectClrLst/>
+    <dgm:txLinClrLst/>
+    <dgm:txFillClrLst meth="repeat">
+      <a:schemeClr val="lt1"/>
+    </dgm:txFillClrLst>
+    <dgm:txEffectClrLst/>
+  </dgm:styleLbl>
+  <dgm:styleLbl name="parChTrans1D1">
+    <dgm:fillClrLst meth="repeat">
+      <a:schemeClr val="accent3"/>
+    </dgm:fillClrLst>
+    <dgm:linClrLst meth="repeat">
+      <a:schemeClr val="accent3">
+        <a:shade val="60000"/>
+      </a:schemeClr>
+    </dgm:linClrLst>
+    <dgm:effectClrLst/>
+    <dgm:txLinClrLst/>
+    <dgm:txFillClrLst meth="repeat">
+      <a:schemeClr val="tx1"/>
+    </dgm:txFillClrLst>
+    <dgm:txEffectClrLst/>
+  </dgm:styleLbl>
+  <dgm:styleLbl name="parChTrans1D2">
+    <dgm:fillClrLst meth="repeat">
+      <a:schemeClr val="accent3"/>
+    </dgm:fillClrLst>
+    <dgm:linClrLst meth="repeat">
+      <a:schemeClr val="accent3">
+        <a:shade val="60000"/>
+      </a:schemeClr>
+    </dgm:linClrLst>
+    <dgm:effectClrLst/>
+    <dgm:txLinClrLst/>
+    <dgm:txFillClrLst meth="repeat">
+      <a:schemeClr val="tx1"/>
+    </dgm:txFillClrLst>
+    <dgm:txEffectClrLst/>
+  </dgm:styleLbl>
+  <dgm:styleLbl name="parChTrans1D3">
+    <dgm:fillClrLst meth="repeat">
+      <a:schemeClr val="accent3"/>
+    </dgm:fillClrLst>
+    <dgm:linClrLst meth="repeat">
+      <a:schemeClr val="accent3">
+        <a:shade val="80000"/>
+      </a:schemeClr>
+    </dgm:linClrLst>
+    <dgm:effectClrLst/>
+    <dgm:txLinClrLst/>
+    <dgm:txFillClrLst meth="repeat">
+      <a:schemeClr val="tx1"/>
+    </dgm:txFillClrLst>
+    <dgm:txEffectClrLst/>
+  </dgm:styleLbl>
+  <dgm:styleLbl name="parChTrans1D4">
+    <dgm:fillClrLst meth="repeat">
+      <a:schemeClr val="accent3"/>
+    </dgm:fillClrLst>
+    <dgm:linClrLst meth="repeat">
+      <a:schemeClr val="accent3">
+        <a:shade val="80000"/>
+      </a:schemeClr>
+    </dgm:linClrLst>
+    <dgm:effectClrLst/>
+    <dgm:txLinClrLst/>
+    <dgm:txFillClrLst meth="repeat">
+      <a:schemeClr val="tx1"/>
+    </dgm:txFillClrLst>
+    <dgm:txEffectClrLst/>
+  </dgm:styleLbl>
+  <dgm:styleLbl name="fgAcc1">
+    <dgm:fillClrLst meth="repeat">
+      <a:schemeClr val="lt1">
+        <a:alpha val="90000"/>
+      </a:schemeClr>
+    </dgm:fillClrLst>
+    <dgm:linClrLst meth="repeat">
+      <a:schemeClr val="accent3"/>
+    </dgm:linClrLst>
+    <dgm:effectClrLst/>
+    <dgm:txLinClrLst/>
+    <dgm:txFillClrLst meth="repeat">
+      <a:schemeClr val="dk1"/>
+    </dgm:txFillClrLst>
+    <dgm:txEffectClrLst/>
+  </dgm:styleLbl>
+  <dgm:styleLbl name="conFgAcc1">
+    <dgm:fillClrLst meth="repeat">
+      <a:schemeClr val="lt1">
+        <a:alpha val="90000"/>
+      </a:schemeClr>
+    </dgm:fillClrLst>
+    <dgm:linClrLst meth="repeat">
+      <a:schemeClr val="accent3"/>
+    </dgm:linClrLst>
+    <dgm:effectClrLst/>
+    <dgm:txLinClrLst/>
+    <dgm:txFillClrLst meth="repeat">
+      <a:schemeClr val="dk1"/>
+    </dgm:txFillClrLst>
+    <dgm:txEffectClrLst/>
+  </dgm:styleLbl>
+  <dgm:styleLbl name="alignAcc1">
+    <dgm:fillClrLst meth="repeat">
+      <a:schemeClr val="lt1">
+        <a:alpha val="90000"/>
+      </a:schemeClr>
+    </dgm:fillClrLst>
+    <dgm:linClrLst meth="repeat">
+      <a:schemeClr val="accent3"/>
+    </dgm:linClrLst>
+    <dgm:effectClrLst/>
+    <dgm:txLinClrLst/>
+    <dgm:txFillClrLst meth="repeat">
+      <a:schemeClr val="dk1"/>
+    </dgm:txFillClrLst>
+    <dgm:txEffectClrLst/>
+  </dgm:styleLbl>
+  <dgm:styleLbl name="trAlignAcc1">
+    <dgm:fillClrLst meth="repeat">
+      <a:schemeClr val="lt1">
+        <a:alpha val="40000"/>
+      </a:schemeClr>
+    </dgm:fillClrLst>
+    <dgm:linClrLst meth="repeat">
+      <a:schemeClr val="accent3"/>
+    </dgm:linClrLst>
+    <dgm:effectClrLst/>
+    <dgm:txLinClrLst/>
+    <dgm:txFillClrLst meth="repeat">
+      <a:schemeClr val="dk1"/>
+    </dgm:txFillClrLst>
+    <dgm:txEffectClrLst/>
+  </dgm:styleLbl>
+  <dgm:styleLbl name="bgAcc1">
+    <dgm:fillClrLst meth="repeat">
+      <a:schemeClr val="lt1">
+        <a:alpha val="90000"/>
+      </a:schemeClr>
+    </dgm:fillClrLst>
+    <dgm:linClrLst meth="repeat">
+      <a:schemeClr val="accent3"/>
+    </dgm:linClrLst>
+    <dgm:effectClrLst/>
+    <dgm:txLinClrLst/>
+    <dgm:txFillClrLst meth="repeat">
+      <a:schemeClr val="dk1"/>
+    </dgm:txFillClrLst>
+    <dgm:txEffectClrLst/>
+  </dgm:styleLbl>
+  <dgm:styleLbl name="solidFgAcc1">
+    <dgm:fillClrLst meth="repeat">
+      <a:schemeClr val="lt1"/>
+    </dgm:fillClrLst>
+    <dgm:linClrLst meth="repeat">
+      <a:schemeClr val="accent3"/>
+    </dgm:linClrLst>
+    <dgm:effectClrLst/>
+    <dgm:txLinClrLst/>
+    <dgm:txFillClrLst meth="repeat">
+      <a:schemeClr val="dk1"/>
+    </dgm:txFillClrLst>
+    <dgm:txEffectClrLst/>
+  </dgm:styleLbl>
+  <dgm:styleLbl name="solidAlignAcc1">
+    <dgm:fillClrLst meth="repeat">
+      <a:schemeClr val="lt1"/>
+    </dgm:fillClrLst>
+    <dgm:linClrLst meth="repeat">
+      <a:schemeClr val="accent3"/>
+    </dgm:linClrLst>
+    <dgm:effectClrLst/>
+    <dgm:txLinClrLst/>
+    <dgm:txFillClrLst meth="repeat">
+      <a:schemeClr val="dk1"/>
+    </dgm:txFillClrLst>
+    <dgm:txEffectClrLst/>
+  </dgm:styleLbl>
+  <dgm:styleLbl name="solidBgAcc1">
+    <dgm:fillClrLst meth="repeat">
+      <a:schemeClr val="lt1"/>
+    </dgm:fillClrLst>
+    <dgm:linClrLst meth="repeat">
+      <a:schemeClr val="accent3"/>
+    </dgm:linClrLst>
+    <dgm:effectClrLst/>
+    <dgm:txLinClrLst/>
+    <dgm:txFillClrLst meth="repeat">
+      <a:schemeClr val="dk1"/>
+    </dgm:txFillClrLst>
+    <dgm:txEffectClrLst/>
+  </dgm:styleLbl>
+  <dgm:styleLbl name="fgAccFollowNode1">
+    <dgm:fillClrLst meth="repeat">
+      <a:schemeClr val="accent3">
+        <a:alpha val="90000"/>
+        <a:tint val="40000"/>
+      </a:schemeClr>
+    </dgm:fillClrLst>
+    <dgm:linClrLst meth="repeat">
+      <a:schemeClr val="accent3">
+        <a:alpha val="90000"/>
+        <a:tint val="40000"/>
+      </a:schemeClr>
+    </dgm:linClrLst>
+    <dgm:effectClrLst/>
+    <dgm:txLinClrLst/>
+    <dgm:txFillClrLst meth="repeat">
+      <a:schemeClr val="dk1"/>
+    </dgm:txFillClrLst>
+    <dgm:txEffectClrLst/>
+  </dgm:styleLbl>
+  <dgm:styleLbl name="alignAccFollowNode1">
+    <dgm:fillClrLst meth="repeat">
+      <a:schemeClr val="accent3">
+        <a:alpha val="90000"/>
+        <a:tint val="40000"/>
+      </a:schemeClr>
+    </dgm:fillClrLst>
+    <dgm:linClrLst meth="repeat">
+      <a:schemeClr val="accent3">
+        <a:alpha val="90000"/>
+        <a:tint val="40000"/>
+      </a:schemeClr>
+    </dgm:linClrLst>
+    <dgm:effectClrLst/>
+    <dgm:txLinClrLst/>
+    <dgm:txFillClrLst meth="repeat">
+      <a:schemeClr val="dk1"/>
+    </dgm:txFillClrLst>
+    <dgm:txEffectClrLst/>
+  </dgm:styleLbl>
+  <dgm:styleLbl name="bgAccFollowNode1">
+    <dgm:fillClrLst meth="repeat">
+      <a:schemeClr val="accent3">
+        <a:alpha val="90000"/>
+        <a:tint val="40000"/>
+      </a:schemeClr>
+    </dgm:fillClrLst>
+    <dgm:linClrLst meth="repeat">
+      <a:schemeClr val="accent3">
+        <a:alpha val="90000"/>
+        <a:tint val="40000"/>
+      </a:schemeClr>
+    </dgm:linClrLst>
+    <dgm:effectClrLst/>
+    <dgm:txLinClrLst/>
+    <dgm:txFillClrLst meth="repeat">
+      <a:schemeClr val="dk1"/>
+    </dgm:txFillClrLst>
+    <dgm:txEffectClrLst/>
+  </dgm:styleLbl>
+  <dgm:styleLbl name="fgAcc0">
+    <dgm:fillClrLst meth="repeat">
+      <a:schemeClr val="lt1">
+        <a:alpha val="90000"/>
+      </a:schemeClr>
+    </dgm:fillClrLst>
+    <dgm:linClrLst meth="repeat">
+      <a:schemeClr val="accent3"/>
+    </dgm:linClrLst>
+    <dgm:effectClrLst/>
+    <dgm:txLinClrLst/>
+    <dgm:txFillClrLst meth="repeat">
+      <a:schemeClr val="dk1"/>
+    </dgm:txFillClrLst>
+    <dgm:txEffectClrLst/>
+  </dgm:styleLbl>
+  <dgm:styleLbl name="fgAcc2">
+    <dgm:fillClrLst meth="repeat">
+      <a:schemeClr val="lt1">
+        <a:alpha val="90000"/>
+      </a:schemeClr>
+    </dgm:fillClrLst>
+    <dgm:linClrLst meth="repeat">
+      <a:schemeClr val="accent3"/>
+    </dgm:linClrLst>
+    <dgm:effectClrLst/>
+    <dgm:txLinClrLst/>
+    <dgm:txFillClrLst meth="repeat">
+      <a:schemeClr val="dk1"/>
+    </dgm:txFillClrLst>
+    <dgm:txEffectClrLst/>
+  </dgm:styleLbl>
+  <dgm:styleLbl name="fgAcc3">
+    <dgm:fillClrLst meth="repeat">
+      <a:schemeClr val="lt1">
+        <a:alpha val="90000"/>
+      </a:schemeClr>
+    </dgm:fillClrLst>
+    <dgm:linClrLst meth="repeat">
+      <a:schemeClr val="accent3"/>
+    </dgm:linClrLst>
+    <dgm:effectClrLst/>
+    <dgm:txLinClrLst/>
+    <dgm:txFillClrLst meth="repeat">
+      <a:schemeClr val="dk1"/>
+    </dgm:txFillClrLst>
+    <dgm:txEffectClrLst/>
+  </dgm:styleLbl>
+  <dgm:styleLbl name="fgAcc4">
+    <dgm:fillClrLst meth="repeat">
+      <a:schemeClr val="lt1">
+        <a:alpha val="90000"/>
+      </a:schemeClr>
+    </dgm:fillClrLst>
+    <dgm:linClrLst meth="repeat">
+      <a:schemeClr val="accent3"/>
+    </dgm:linClrLst>
+    <dgm:effectClrLst/>
+    <dgm:txLinClrLst/>
+    <dgm:txFillClrLst meth="repeat">
+      <a:schemeClr val="dk1"/>
+    </dgm:txFillClrLst>
+    <dgm:txEffectClrLst/>
+  </dgm:styleLbl>
+  <dgm:styleLbl name="bgShp">
+    <dgm:fillClrLst meth="repeat">
+      <a:schemeClr val="accent3">
+        <a:tint val="40000"/>
+      </a:schemeClr>
+    </dgm:fillClrLst>
+    <dgm:linClrLst meth="repeat">
+      <a:schemeClr val="accent3"/>
+    </dgm:linClrLst>
+    <dgm:effectClrLst/>
+    <dgm:txLinClrLst/>
+    <dgm:txFillClrLst meth="repeat">
+      <a:schemeClr val="dk1"/>
+    </dgm:txFillClrLst>
+    <dgm:txEffectClrLst/>
+  </dgm:styleLbl>
+  <dgm:styleLbl name="dkBgShp">
+    <dgm:fillClrLst meth="repeat">
+      <a:schemeClr val="accent3">
+        <a:shade val="80000"/>
+      </a:schemeClr>
+    </dgm:fillClrLst>
+    <dgm:linClrLst meth="repeat">
+      <a:schemeClr val="accent3"/>
+    </dgm:linClrLst>
+    <dgm:effectClrLst/>
+    <dgm:txLinClrLst/>
+    <dgm:txFillClrLst meth="repeat">
+      <a:schemeClr val="lt1"/>
+    </dgm:txFillClrLst>
+    <dgm:txEffectClrLst/>
+  </dgm:styleLbl>
+  <dgm:styleLbl name="trBgShp">
+    <dgm:fillClrLst meth="repeat">
+      <a:schemeClr val="accent3">
+        <a:tint val="50000"/>
+        <a:alpha val="40000"/>
+      </a:schemeClr>
+    </dgm:fillClrLst>
+    <dgm:linClrLst meth="repeat">
+      <a:schemeClr val="accent3"/>
+    </dgm:linClrLst>
+    <dgm:effectClrLst/>
+    <dgm:txLinClrLst/>
+    <dgm:txFillClrLst meth="repeat">
+      <a:schemeClr val="lt1"/>
+    </dgm:txFillClrLst>
+    <dgm:txEffectClrLst/>
+  </dgm:styleLbl>
+  <dgm:styleLbl name="fgShp">
+    <dgm:fillClrLst meth="repeat">
+      <a:schemeClr val="accent3">
+        <a:tint val="60000"/>
+      </a:schemeClr>
+    </dgm:fillClrLst>
+    <dgm:linClrLst meth="repeat">
+      <a:schemeClr val="lt1"/>
+    </dgm:linClrLst>
+    <dgm:effectClrLst/>
+    <dgm:txLinClrLst/>
+    <dgm:txFillClrLst meth="repeat">
+      <a:schemeClr val="dk1"/>
+    </dgm:txFillClrLst>
+    <dgm:txEffectClrLst/>
+  </dgm:styleLbl>
+  <dgm:styleLbl name="revTx">
+    <dgm:fillClrLst meth="repeat">
+      <a:schemeClr val="lt1">
+        <a:alpha val="0"/>
+      </a:schemeClr>
+    </dgm:fillClrLst>
+    <dgm:linClrLst meth="repeat">
+      <a:schemeClr val="dk1">
+        <a:alpha val="0"/>
+      </a:schemeClr>
+    </dgm:linClrLst>
+    <dgm:effectClrLst/>
+    <dgm:txLinClrLst/>
+    <dgm:txFillClrLst meth="repeat">
+      <a:schemeClr val="tx1"/>
+    </dgm:txFillClrLst>
+    <dgm:txEffectClrLst/>
+  </dgm:styleLbl>
+</dgm:colorsDef>
+</file>
+
+<file path=ppt/diagrams/colors3.xml><?xml version="1.0" encoding="utf-8"?>
+<dgm:colorsDef xmlns:dgm="http://schemas.openxmlformats.org/drawingml/2006/diagram" xmlns:a="http://schemas.openxmlformats.org/drawingml/2006/main" uniqueId="urn:microsoft.com/office/officeart/2005/8/colors/accent3_2">
+  <dgm:title val=""/>
+  <dgm:desc val=""/>
+  <dgm:catLst>
+    <dgm:cat type="accent3" pri="11200"/>
+  </dgm:catLst>
+  <dgm:styleLbl name="node0">
+    <dgm:fillClrLst meth="repeat">
+      <a:schemeClr val="accent3"/>
+    </dgm:fillClrLst>
+    <dgm:linClrLst meth="repeat">
+      <a:schemeClr val="lt1"/>
+    </dgm:linClrLst>
+    <dgm:effectClrLst/>
+    <dgm:txLinClrLst/>
+    <dgm:txFillClrLst/>
+    <dgm:txEffectClrLst/>
+  </dgm:styleLbl>
+  <dgm:styleLbl name="node1">
+    <dgm:fillClrLst meth="repeat">
+      <a:schemeClr val="accent3"/>
+    </dgm:fillClrLst>
+    <dgm:linClrLst meth="repeat">
+      <a:schemeClr val="lt1"/>
+    </dgm:linClrLst>
+    <dgm:effectClrLst/>
+    <dgm:txLinClrLst/>
+    <dgm:txFillClrLst/>
+    <dgm:txEffectClrLst/>
+  </dgm:styleLbl>
+  <dgm:styleLbl name="alignNode1">
+    <dgm:fillClrLst meth="repeat">
+      <a:schemeClr val="accent3"/>
+    </dgm:fillClrLst>
+    <dgm:linClrLst meth="repeat">
+      <a:schemeClr val="accent3"/>
+    </dgm:linClrLst>
+    <dgm:effectClrLst/>
+    <dgm:txLinClrLst/>
+    <dgm:txFillClrLst/>
+    <dgm:txEffectClrLst/>
+  </dgm:styleLbl>
+  <dgm:styleLbl name="lnNode1">
+    <dgm:fillClrLst meth="repeat">
+      <a:schemeClr val="accent3"/>
+    </dgm:fillClrLst>
+    <dgm:linClrLst meth="repeat">
+      <a:schemeClr val="lt1"/>
+    </dgm:linClrLst>
+    <dgm:effectClrLst/>
+    <dgm:txLinClrLst/>
+    <dgm:txFillClrLst/>
+    <dgm:txEffectClrLst/>
+  </dgm:styleLbl>
+  <dgm:styleLbl name="vennNode1">
+    <dgm:fillClrLst meth="repeat">
+      <a:schemeClr val="accent3">
+        <a:alpha val="50000"/>
+      </a:schemeClr>
+    </dgm:fillClrLst>
+    <dgm:linClrLst meth="repeat">
+      <a:schemeClr val="lt1"/>
+    </dgm:linClrLst>
+    <dgm:effectClrLst/>
+    <dgm:txLinClrLst/>
+    <dgm:txFillClrLst/>
+    <dgm:txEffectClrLst/>
+  </dgm:styleLbl>
+  <dgm:styleLbl name="node2">
+    <dgm:fillClrLst meth="repeat">
+      <a:schemeClr val="accent3"/>
+    </dgm:fillClrLst>
+    <dgm:linClrLst meth="repeat">
+      <a:schemeClr val="lt1"/>
+    </dgm:linClrLst>
+    <dgm:effectClrLst/>
+    <dgm:txLinClrLst/>
+    <dgm:txFillClrLst/>
+    <dgm:txEffectClrLst/>
+  </dgm:styleLbl>
+  <dgm:styleLbl name="node3">
+    <dgm:fillClrLst meth="repeat">
+      <a:schemeClr val="accent3"/>
+    </dgm:fillClrLst>
+    <dgm:linClrLst meth="repeat">
+      <a:schemeClr val="lt1"/>
+    </dgm:linClrLst>
+    <dgm:effectClrLst/>
+    <dgm:txLinClrLst/>
+    <dgm:txFillClrLst/>
+    <dgm:txEffectClrLst/>
+  </dgm:styleLbl>
+  <dgm:styleLbl name="node4">
+    <dgm:fillClrLst meth="repeat">
+      <a:schemeClr val="accent3"/>
+    </dgm:fillClrLst>
+    <dgm:linClrLst meth="repeat">
+      <a:schemeClr val="lt1"/>
+    </dgm:linClrLst>
+    <dgm:effectClrLst/>
+    <dgm:txLinClrLst/>
+    <dgm:txFillClrLst/>
+    <dgm:txEffectClrLst/>
+  </dgm:styleLbl>
+  <dgm:styleLbl name="fgImgPlace1">
+    <dgm:fillClrLst meth="repeat">
+      <a:schemeClr val="accent3">
+        <a:tint val="50000"/>
+      </a:schemeClr>
+    </dgm:fillClrLst>
+    <dgm:linClrLst meth="repeat">
+      <a:schemeClr val="lt1"/>
+    </dgm:linClrLst>
+    <dgm:effectClrLst/>
+    <dgm:txLinClrLst/>
+    <dgm:txFillClrLst meth="repeat">
+      <a:schemeClr val="lt1"/>
+    </dgm:txFillClrLst>
+    <dgm:txEffectClrLst/>
+  </dgm:styleLbl>
+  <dgm:styleLbl name="alignImgPlace1">
+    <dgm:fillClrLst meth="repeat">
+      <a:schemeClr val="accent3">
+        <a:tint val="50000"/>
+      </a:schemeClr>
+    </dgm:fillClrLst>
+    <dgm:linClrLst meth="repeat">
+      <a:schemeClr val="lt1"/>
+    </dgm:linClrLst>
+    <dgm:effectClrLst/>
+    <dgm:txLinClrLst/>
+    <dgm:txFillClrLst meth="repeat">
+      <a:schemeClr val="lt1"/>
+    </dgm:txFillClrLst>
+    <dgm:txEffectClrLst/>
+  </dgm:styleLbl>
+  <dgm:styleLbl name="bgImgPlace1">
+    <dgm:fillClrLst meth="repeat">
+      <a:schemeClr val="accent3">
+        <a:tint val="50000"/>
+      </a:schemeClr>
+    </dgm:fillClrLst>
+    <dgm:linClrLst meth="repeat">
+      <a:schemeClr val="lt1"/>
+    </dgm:linClrLst>
+    <dgm:effectClrLst/>
+    <dgm:txLinClrLst/>
+    <dgm:txFillClrLst meth="repeat">
+      <a:schemeClr val="lt1"/>
+    </dgm:txFillClrLst>
+    <dgm:txEffectClrLst/>
+  </dgm:styleLbl>
+  <dgm:styleLbl name="sibTrans2D1">
+    <dgm:fillClrLst meth="repeat">
+      <a:schemeClr val="accent3">
+        <a:tint val="60000"/>
+      </a:schemeClr>
+    </dgm:fillClrLst>
+    <dgm:linClrLst meth="repeat">
+      <a:schemeClr val="accent3">
+        <a:tint val="60000"/>
+      </a:schemeClr>
+    </dgm:linClrLst>
+    <dgm:effectClrLst/>
+    <dgm:txLinClrLst/>
+    <dgm:txFillClrLst/>
+    <dgm:txEffectClrLst/>
+  </dgm:styleLbl>
+  <dgm:styleLbl name="fgSibTrans2D1">
+    <dgm:fillClrLst meth="repeat">
+      <a:schemeClr val="accent3">
+        <a:tint val="60000"/>
+      </a:schemeClr>
+    </dgm:fillClrLst>
+    <dgm:linClrLst meth="repeat">
+      <a:schemeClr val="accent3">
+        <a:tint val="60000"/>
+      </a:schemeClr>
+    </dgm:linClrLst>
+    <dgm:effectClrLst/>
+    <dgm:txLinClrLst/>
+    <dgm:txFillClrLst/>
+    <dgm:txEffectClrLst/>
+  </dgm:styleLbl>
+  <dgm:styleLbl name="bgSibTrans2D1">
+    <dgm:fillClrLst meth="repeat">
+      <a:schemeClr val="accent3">
+        <a:tint val="60000"/>
+      </a:schemeClr>
+    </dgm:fillClrLst>
+    <dgm:linClrLst meth="repeat">
+      <a:schemeClr val="accent3">
+        <a:tint val="60000"/>
+      </a:schemeClr>
+    </dgm:linClrLst>
+    <dgm:effectClrLst/>
+    <dgm:txLinClrLst/>
+    <dgm:txFillClrLst/>
+    <dgm:txEffectClrLst/>
+  </dgm:styleLbl>
+  <dgm:styleLbl name="sibTrans1D1">
+    <dgm:fillClrLst meth="repeat">
+      <a:schemeClr val="accent3"/>
+    </dgm:fillClrLst>
+    <dgm:linClrLst meth="repeat">
+      <a:schemeClr val="accent3"/>
+    </dgm:linClrLst>
+    <dgm:effectClrLst/>
+    <dgm:txLinClrLst/>
+    <dgm:txFillClrLst meth="repeat">
+      <a:schemeClr val="tx1"/>
+    </dgm:txFillClrLst>
+    <dgm:txEffectClrLst/>
+  </dgm:styleLbl>
+  <dgm:styleLbl name="callout">
+    <dgm:fillClrLst meth="repeat">
+      <a:schemeClr val="accent3"/>
+    </dgm:fillClrLst>
+    <dgm:linClrLst meth="repeat">
+      <a:schemeClr val="accent3">
+        <a:tint val="50000"/>
+      </a:schemeClr>
+    </dgm:linClrLst>
+    <dgm:effectClrLst/>
+    <dgm:txLinClrLst/>
+    <dgm:txFillClrLst meth="repeat">
+      <a:schemeClr val="tx1"/>
+    </dgm:txFillClrLst>
+    <dgm:txEffectClrLst/>
+  </dgm:styleLbl>
+  <dgm:styleLbl name="asst0">
+    <dgm:fillClrLst meth="repeat">
+      <a:schemeClr val="accent3"/>
+    </dgm:fillClrLst>
+    <dgm:linClrLst meth="repeat">
+      <a:schemeClr val="lt1"/>
+    </dgm:linClrLst>
+    <dgm:effectClrLst/>
+    <dgm:txLinClrLst/>
+    <dgm:txFillClrLst/>
+    <dgm:txEffectClrLst/>
+  </dgm:styleLbl>
+  <dgm:styleLbl name="asst1">
+    <dgm:fillClrLst meth="repeat">
+      <a:schemeClr val="accent3"/>
+    </dgm:fillClrLst>
+    <dgm:linClrLst meth="repeat">
+      <a:schemeClr val="lt1"/>
+    </dgm:linClrLst>
+    <dgm:effectClrLst/>
+    <dgm:txLinClrLst/>
+    <dgm:txFillClrLst/>
+    <dgm:txEffectClrLst/>
+  </dgm:styleLbl>
+  <dgm:styleLbl name="asst2">
+    <dgm:fillClrLst meth="repeat">
+      <a:schemeClr val="accent3"/>
+    </dgm:fillClrLst>
+    <dgm:linClrLst meth="repeat">
+      <a:schemeClr val="lt1"/>
+    </dgm:linClrLst>
+    <dgm:effectClrLst/>
+    <dgm:txLinClrLst/>
+    <dgm:txFillClrLst/>
+    <dgm:txEffectClrLst/>
+  </dgm:styleLbl>
+  <dgm:styleLbl name="asst3">
+    <dgm:fillClrLst meth="repeat">
+      <a:schemeClr val="accent3"/>
+    </dgm:fillClrLst>
+    <dgm:linClrLst meth="repeat">
+      <a:schemeClr val="lt1"/>
+    </dgm:linClrLst>
+    <dgm:effectClrLst/>
+    <dgm:txLinClrLst/>
+    <dgm:txFillClrLst/>
+    <dgm:txEffectClrLst/>
+  </dgm:styleLbl>
+  <dgm:styleLbl name="asst4">
+    <dgm:fillClrLst meth="repeat">
+      <a:schemeClr val="accent3"/>
+    </dgm:fillClrLst>
+    <dgm:linClrLst meth="repeat">
+      <a:schemeClr val="lt1"/>
+    </dgm:linClrLst>
+    <dgm:effectClrLst/>
+    <dgm:txLinClrLst/>
+    <dgm:txFillClrLst/>
+    <dgm:txEffectClrLst/>
+  </dgm:styleLbl>
+  <dgm:styleLbl name="parChTrans2D1">
+    <dgm:fillClrLst meth="repeat">
+      <a:schemeClr val="accent3">
+        <a:tint val="60000"/>
+      </a:schemeClr>
+    </dgm:fillClrLst>
+    <dgm:linClrLst meth="repeat">
+      <a:schemeClr val="accent3">
+        <a:tint val="60000"/>
+      </a:schemeClr>
+    </dgm:linClrLst>
+    <dgm:effectClrLst/>
+    <dgm:txLinClrLst/>
+    <dgm:txFillClrLst meth="repeat">
+      <a:schemeClr val="lt1"/>
+    </dgm:txFillClrLst>
+    <dgm:txEffectClrLst/>
+  </dgm:styleLbl>
+  <dgm:styleLbl name="parChTrans2D2">
+    <dgm:fillClrLst meth="repeat">
+      <a:schemeClr val="accent3"/>
+    </dgm:fillClrLst>
+    <dgm:linClrLst meth="repeat">
+      <a:schemeClr val="accent3"/>
+    </dgm:linClrLst>
+    <dgm:effectClrLst/>
+    <dgm:txLinClrLst/>
+    <dgm:txFillClrLst meth="repeat">
+      <a:schemeClr val="lt1"/>
+    </dgm:txFillClrLst>
+    <dgm:txEffectClrLst/>
+  </dgm:styleLbl>
+  <dgm:styleLbl name="parChTrans2D3">
+    <dgm:fillClrLst meth="repeat">
+      <a:schemeClr val="accent3"/>
+    </dgm:fillClrLst>
+    <dgm:linClrLst meth="repeat">
+      <a:schemeClr val="accent3"/>
+    </dgm:linClrLst>
+    <dgm:effectClrLst/>
+    <dgm:txLinClrLst/>
+    <dgm:txFillClrLst meth="repeat">
+      <a:schemeClr val="lt1"/>
+    </dgm:txFillClrLst>
+    <dgm:txEffectClrLst/>
+  </dgm:styleLbl>
+  <dgm:styleLbl name="parChTrans2D4">
+    <dgm:fillClrLst meth="repeat">
+      <a:schemeClr val="accent3"/>
+    </dgm:fillClrLst>
+    <dgm:linClrLst meth="repeat">
+      <a:schemeClr val="accent3"/>
+    </dgm:linClrLst>
+    <dgm:effectClrLst/>
+    <dgm:txLinClrLst/>
+    <dgm:txFillClrLst meth="repeat">
+      <a:schemeClr val="lt1"/>
+    </dgm:txFillClrLst>
+    <dgm:txEffectClrLst/>
+  </dgm:styleLbl>
+  <dgm:styleLbl name="parChTrans1D1">
+    <dgm:fillClrLst meth="repeat">
+      <a:schemeClr val="accent3"/>
+    </dgm:fillClrLst>
+    <dgm:linClrLst meth="repeat">
+      <a:schemeClr val="accent3">
+        <a:shade val="60000"/>
+      </a:schemeClr>
+    </dgm:linClrLst>
+    <dgm:effectClrLst/>
+    <dgm:txLinClrLst/>
+    <dgm:txFillClrLst meth="repeat">
+      <a:schemeClr val="tx1"/>
+    </dgm:txFillClrLst>
+    <dgm:txEffectClrLst/>
+  </dgm:styleLbl>
+  <dgm:styleLbl name="parChTrans1D2">
+    <dgm:fillClrLst meth="repeat">
+      <a:schemeClr val="accent3"/>
+    </dgm:fillClrLst>
+    <dgm:linClrLst meth="repeat">
+      <a:schemeClr val="accent3">
+        <a:shade val="60000"/>
+      </a:schemeClr>
+    </dgm:linClrLst>
+    <dgm:effectClrLst/>
+    <dgm:txLinClrLst/>
+    <dgm:txFillClrLst meth="repeat">
+      <a:schemeClr val="tx1"/>
+    </dgm:txFillClrLst>
+    <dgm:txEffectClrLst/>
+  </dgm:styleLbl>
+  <dgm:styleLbl name="parChTrans1D3">
+    <dgm:fillClrLst meth="repeat">
+      <a:schemeClr val="accent3"/>
+    </dgm:fillClrLst>
+    <dgm:linClrLst meth="repeat">
+      <a:schemeClr val="accent3">
+        <a:shade val="80000"/>
+      </a:schemeClr>
+    </dgm:linClrLst>
+    <dgm:effectClrLst/>
+    <dgm:txLinClrLst/>
+    <dgm:txFillClrLst meth="repeat">
+      <a:schemeClr val="tx1"/>
+    </dgm:txFillClrLst>
+    <dgm:txEffectClrLst/>
+  </dgm:styleLbl>
+  <dgm:styleLbl name="parChTrans1D4">
+    <dgm:fillClrLst meth="repeat">
+      <a:schemeClr val="accent3"/>
+    </dgm:fillClrLst>
+    <dgm:linClrLst meth="repeat">
+      <a:schemeClr val="accent3">
+        <a:shade val="80000"/>
+      </a:schemeClr>
+    </dgm:linClrLst>
+    <dgm:effectClrLst/>
+    <dgm:txLinClrLst/>
+    <dgm:txFillClrLst meth="repeat">
+      <a:schemeClr val="tx1"/>
+    </dgm:txFillClrLst>
+    <dgm:txEffectClrLst/>
+  </dgm:styleLbl>
+  <dgm:styleLbl name="fgAcc1">
+    <dgm:fillClrLst meth="repeat">
+      <a:schemeClr val="lt1">
+        <a:alpha val="90000"/>
+      </a:schemeClr>
+    </dgm:fillClrLst>
+    <dgm:linClrLst meth="repeat">
+      <a:schemeClr val="accent3"/>
+    </dgm:linClrLst>
+    <dgm:effectClrLst/>
+    <dgm:txLinClrLst/>
+    <dgm:txFillClrLst meth="repeat">
+      <a:schemeClr val="dk1"/>
+    </dgm:txFillClrLst>
+    <dgm:txEffectClrLst/>
+  </dgm:styleLbl>
+  <dgm:styleLbl name="conFgAcc1">
+    <dgm:fillClrLst meth="repeat">
+      <a:schemeClr val="lt1">
+        <a:alpha val="90000"/>
+      </a:schemeClr>
+    </dgm:fillClrLst>
+    <dgm:linClrLst meth="repeat">
+      <a:schemeClr val="accent3"/>
+    </dgm:linClrLst>
+    <dgm:effectClrLst/>
+    <dgm:txLinClrLst/>
+    <dgm:txFillClrLst meth="repeat">
+      <a:schemeClr val="dk1"/>
+    </dgm:txFillClrLst>
+    <dgm:txEffectClrLst/>
+  </dgm:styleLbl>
+  <dgm:styleLbl name="alignAcc1">
+    <dgm:fillClrLst meth="repeat">
+      <a:schemeClr val="lt1">
+        <a:alpha val="90000"/>
+      </a:schemeClr>
+    </dgm:fillClrLst>
+    <dgm:linClrLst meth="repeat">
+      <a:schemeClr val="accent3"/>
+    </dgm:linClrLst>
+    <dgm:effectClrLst/>
+    <dgm:txLinClrLst/>
+    <dgm:txFillClrLst meth="repeat">
+      <a:schemeClr val="dk1"/>
+    </dgm:txFillClrLst>
+    <dgm:txEffectClrLst/>
+  </dgm:styleLbl>
+  <dgm:styleLbl name="trAlignAcc1">
+    <dgm:fillClrLst meth="repeat">
+      <a:schemeClr val="lt1">
+        <a:alpha val="40000"/>
+      </a:schemeClr>
+    </dgm:fillClrLst>
+    <dgm:linClrLst meth="repeat">
+      <a:schemeClr val="accent3"/>
+    </dgm:linClrLst>
+    <dgm:effectClrLst/>
+    <dgm:txLinClrLst/>
+    <dgm:txFillClrLst meth="repeat">
+      <a:schemeClr val="dk1"/>
+    </dgm:txFillClrLst>
+    <dgm:txEffectClrLst/>
+  </dgm:styleLbl>
+  <dgm:styleLbl name="bgAcc1">
+    <dgm:fillClrLst meth="repeat">
+      <a:schemeClr val="lt1">
+        <a:alpha val="90000"/>
+      </a:schemeClr>
+    </dgm:fillClrLst>
+    <dgm:linClrLst meth="repeat">
+      <a:schemeClr val="accent3"/>
+    </dgm:linClrLst>
+    <dgm:effectClrLst/>
+    <dgm:txLinClrLst/>
+    <dgm:txFillClrLst meth="repeat">
+      <a:schemeClr val="dk1"/>
+    </dgm:txFillClrLst>
+    <dgm:txEffectClrLst/>
+  </dgm:styleLbl>
+  <dgm:styleLbl name="solidFgAcc1">
+    <dgm:fillClrLst meth="repeat">
+      <a:schemeClr val="lt1"/>
+    </dgm:fillClrLst>
+    <dgm:linClrLst meth="repeat">
+      <a:schemeClr val="accent3"/>
+    </dgm:linClrLst>
+    <dgm:effectClrLst/>
+    <dgm:txLinClrLst/>
+    <dgm:txFillClrLst meth="repeat">
+      <a:schemeClr val="dk1"/>
+    </dgm:txFillClrLst>
+    <dgm:txEffectClrLst/>
+  </dgm:styleLbl>
+  <dgm:styleLbl name="solidAlignAcc1">
+    <dgm:fillClrLst meth="repeat">
+      <a:schemeClr val="lt1"/>
+    </dgm:fillClrLst>
+    <dgm:linClrLst meth="repeat">
+      <a:schemeClr val="accent3"/>
+    </dgm:linClrLst>
+    <dgm:effectClrLst/>
+    <dgm:txLinClrLst/>
+    <dgm:txFillClrLst meth="repeat">
+      <a:schemeClr val="dk1"/>
+    </dgm:txFillClrLst>
+    <dgm:txEffectClrLst/>
+  </dgm:styleLbl>
+  <dgm:styleLbl name="solidBgAcc1">
+    <dgm:fillClrLst meth="repeat">
+      <a:schemeClr val="lt1"/>
+    </dgm:fillClrLst>
+    <dgm:linClrLst meth="repeat">
+      <a:schemeClr val="accent3"/>
+    </dgm:linClrLst>
+    <dgm:effectClrLst/>
+    <dgm:txLinClrLst/>
+    <dgm:txFillClrLst meth="repeat">
+      <a:schemeClr val="dk1"/>
+    </dgm:txFillClrLst>
+    <dgm:txEffectClrLst/>
+  </dgm:styleLbl>
+  <dgm:styleLbl name="fgAccFollowNode1">
+    <dgm:fillClrLst meth="repeat">
+      <a:schemeClr val="accent3">
+        <a:alpha val="90000"/>
+        <a:tint val="40000"/>
+      </a:schemeClr>
+    </dgm:fillClrLst>
+    <dgm:linClrLst meth="repeat">
+      <a:schemeClr val="accent3">
+        <a:alpha val="90000"/>
+        <a:tint val="40000"/>
+      </a:schemeClr>
+    </dgm:linClrLst>
+    <dgm:effectClrLst/>
+    <dgm:txLinClrLst/>
+    <dgm:txFillClrLst meth="repeat">
+      <a:schemeClr val="dk1"/>
+    </dgm:txFillClrLst>
+    <dgm:txEffectClrLst/>
+  </dgm:styleLbl>
+  <dgm:styleLbl name="alignAccFollowNode1">
+    <dgm:fillClrLst meth="repeat">
+      <a:schemeClr val="accent3">
+        <a:alpha val="90000"/>
+        <a:tint val="40000"/>
+      </a:schemeClr>
+    </dgm:fillClrLst>
+    <dgm:linClrLst meth="repeat">
+      <a:schemeClr val="accent3">
+        <a:alpha val="90000"/>
+        <a:tint val="40000"/>
+      </a:schemeClr>
+    </dgm:linClrLst>
+    <dgm:effectClrLst/>
+    <dgm:txLinClrLst/>
+    <dgm:txFillClrLst meth="repeat">
+      <a:schemeClr val="dk1"/>
+    </dgm:txFillClrLst>
+    <dgm:txEffectClrLst/>
+  </dgm:styleLbl>
+  <dgm:styleLbl name="bgAccFollowNode1">
+    <dgm:fillClrLst meth="repeat">
+      <a:schemeClr val="accent3">
+        <a:alpha val="90000"/>
+        <a:tint val="40000"/>
+      </a:schemeClr>
+    </dgm:fillClrLst>
+    <dgm:linClrLst meth="repeat">
+      <a:schemeClr val="accent3">
+        <a:alpha val="90000"/>
+        <a:tint val="40000"/>
+      </a:schemeClr>
+    </dgm:linClrLst>
+    <dgm:effectClrLst/>
+    <dgm:txLinClrLst/>
+    <dgm:txFillClrLst meth="repeat">
+      <a:schemeClr val="dk1"/>
+    </dgm:txFillClrLst>
+    <dgm:txEffectClrLst/>
+  </dgm:styleLbl>
+  <dgm:styleLbl name="fgAcc0">
+    <dgm:fillClrLst meth="repeat">
+      <a:schemeClr val="lt1">
+        <a:alpha val="90000"/>
+      </a:schemeClr>
+    </dgm:fillClrLst>
+    <dgm:linClrLst meth="repeat">
+      <a:schemeClr val="accent3"/>
+    </dgm:linClrLst>
+    <dgm:effectClrLst/>
+    <dgm:txLinClrLst/>
+    <dgm:txFillClrLst meth="repeat">
+      <a:schemeClr val="dk1"/>
+    </dgm:txFillClrLst>
+    <dgm:txEffectClrLst/>
+  </dgm:styleLbl>
+  <dgm:styleLbl name="fgAcc2">
+    <dgm:fillClrLst meth="repeat">
+      <a:schemeClr val="lt1">
+        <a:alpha val="90000"/>
+      </a:schemeClr>
+    </dgm:fillClrLst>
+    <dgm:linClrLst meth="repeat">
+      <a:schemeClr val="accent3"/>
+    </dgm:linClrLst>
+    <dgm:effectClrLst/>
+    <dgm:txLinClrLst/>
+    <dgm:txFillClrLst meth="repeat">
+      <a:schemeClr val="dk1"/>
+    </dgm:txFillClrLst>
+    <dgm:txEffectClrLst/>
+  </dgm:styleLbl>
+  <dgm:styleLbl name="fgAcc3">
+    <dgm:fillClrLst meth="repeat">
+      <a:schemeClr val="lt1">
+        <a:alpha val="90000"/>
+      </a:schemeClr>
+    </dgm:fillClrLst>
+    <dgm:linClrLst meth="repeat">
+      <a:schemeClr val="accent3"/>
+    </dgm:linClrLst>
+    <dgm:effectClrLst/>
+    <dgm:txLinClrLst/>
+    <dgm:txFillClrLst meth="repeat">
+      <a:schemeClr val="dk1"/>
+    </dgm:txFillClrLst>
+    <dgm:txEffectClrLst/>
+  </dgm:styleLbl>
+  <dgm:styleLbl name="fgAcc4">
+    <dgm:fillClrLst meth="repeat">
+      <a:schemeClr val="lt1">
+        <a:alpha val="90000"/>
+      </a:schemeClr>
+    </dgm:fillClrLst>
+    <dgm:linClrLst meth="repeat">
+      <a:schemeClr val="accent3"/>
+    </dgm:linClrLst>
+    <dgm:effectClrLst/>
+    <dgm:txLinClrLst/>
+    <dgm:txFillClrLst meth="repeat">
+      <a:schemeClr val="dk1"/>
+    </dgm:txFillClrLst>
+    <dgm:txEffectClrLst/>
+  </dgm:styleLbl>
+  <dgm:styleLbl name="bgShp">
+    <dgm:fillClrLst meth="repeat">
+      <a:schemeClr val="accent3">
+        <a:tint val="40000"/>
+      </a:schemeClr>
+    </dgm:fillClrLst>
+    <dgm:linClrLst meth="repeat">
+      <a:schemeClr val="accent3"/>
+    </dgm:linClrLst>
+    <dgm:effectClrLst/>
+    <dgm:txLinClrLst/>
+    <dgm:txFillClrLst meth="repeat">
+      <a:schemeClr val="dk1"/>
+    </dgm:txFillClrLst>
+    <dgm:txEffectClrLst/>
+  </dgm:styleLbl>
+  <dgm:styleLbl name="dkBgShp">
+    <dgm:fillClrLst meth="repeat">
+      <a:schemeClr val="accent3">
+        <a:shade val="80000"/>
+      </a:schemeClr>
+    </dgm:fillClrLst>
+    <dgm:linClrLst meth="repeat">
+      <a:schemeClr val="accent3"/>
+    </dgm:linClrLst>
+    <dgm:effectClrLst/>
+    <dgm:txLinClrLst/>
+    <dgm:txFillClrLst meth="repeat">
+      <a:schemeClr val="lt1"/>
+    </dgm:txFillClrLst>
+    <dgm:txEffectClrLst/>
+  </dgm:styleLbl>
+  <dgm:styleLbl name="trBgShp">
+    <dgm:fillClrLst meth="repeat">
+      <a:schemeClr val="accent3">
+        <a:tint val="50000"/>
+        <a:alpha val="40000"/>
+      </a:schemeClr>
+    </dgm:fillClrLst>
+    <dgm:linClrLst meth="repeat">
+      <a:schemeClr val="accent3"/>
+    </dgm:linClrLst>
+    <dgm:effectClrLst/>
+    <dgm:txLinClrLst/>
+    <dgm:txFillClrLst meth="repeat">
+      <a:schemeClr val="lt1"/>
+    </dgm:txFillClrLst>
+    <dgm:txEffectClrLst/>
+  </dgm:styleLbl>
+  <dgm:styleLbl name="fgShp">
+    <dgm:fillClrLst meth="repeat">
+      <a:schemeClr val="accent3">
+        <a:tint val="60000"/>
+      </a:schemeClr>
+    </dgm:fillClrLst>
+    <dgm:linClrLst meth="repeat">
+      <a:schemeClr val="lt1"/>
+    </dgm:linClrLst>
+    <dgm:effectClrLst/>
+    <dgm:txLinClrLst/>
+    <dgm:txFillClrLst meth="repeat">
+      <a:schemeClr val="dk1"/>
+    </dgm:txFillClrLst>
+    <dgm:txEffectClrLst/>
+  </dgm:styleLbl>
+  <dgm:styleLbl name="revTx">
+    <dgm:fillClrLst meth="repeat">
+      <a:schemeClr val="lt1">
+        <a:alpha val="0"/>
+      </a:schemeClr>
+    </dgm:fillClrLst>
+    <dgm:linClrLst meth="repeat">
+      <a:schemeClr val="dk1">
+        <a:alpha val="0"/>
+      </a:schemeClr>
+    </dgm:linClrLst>
+    <dgm:effectClrLst/>
+    <dgm:txLinClrLst/>
+    <dgm:txFillClrLst meth="repeat">
+      <a:schemeClr val="tx1"/>
+    </dgm:txFillClrLst>
+    <dgm:txEffectClrLst/>
+  </dgm:styleLbl>
+</dgm:colorsDef>
+</file>
+
+<file path=ppt/diagrams/colors4.xml><?xml version="1.0" encoding="utf-8"?>
 <dgm:colorsDef xmlns:dgm="http://schemas.openxmlformats.org/drawingml/2006/diagram" xmlns:a="http://schemas.openxmlformats.org/drawingml/2006/main" uniqueId="urn:microsoft.com/office/officeart/2005/8/colors/accent3_2">
   <dgm:title val=""/>
   <dgm:desc val=""/>
@@ -2688,6 +4195,1194 @@
     <dgm:cxn modelId="{5E458EE0-F411-4FF0-913D-FBD28ACAB249}" type="presParOf" srcId="{870E45BF-D05A-409C-AA09-2A00F46ED2E2}" destId="{77F9B981-0E42-417E-8609-5B2889FD97DD}" srcOrd="1" destOrd="0" presId="urn:microsoft.com/office/officeart/2018/5/layout/IconCircleLabelList"/>
     <dgm:cxn modelId="{7F87984F-55E7-4516-BF78-F5F418B71077}" type="presParOf" srcId="{870E45BF-D05A-409C-AA09-2A00F46ED2E2}" destId="{8CC69C74-FE33-41B3-9CAD-804635E8E966}" srcOrd="2" destOrd="0" presId="urn:microsoft.com/office/officeart/2018/5/layout/IconCircleLabelList"/>
     <dgm:cxn modelId="{30AB12E1-D9D5-4537-A18A-239D24FEE14E}" type="presParOf" srcId="{870E45BF-D05A-409C-AA09-2A00F46ED2E2}" destId="{09B67EFE-CFBF-425B-B2B4-0BCB95AF782E}" srcOrd="3" destOrd="0" presId="urn:microsoft.com/office/officeart/2018/5/layout/IconCircleLabelList"/>
+  </dgm:cxnLst>
+  <dgm:bg/>
+  <dgm:whole/>
+  <dgm:extLst>
+    <a:ext uri="http://schemas.microsoft.com/office/drawing/2008/diagram">
+      <dsp:dataModelExt xmlns:dsp="http://schemas.microsoft.com/office/drawing/2008/diagram" relId="rId6" minVer="http://schemas.openxmlformats.org/drawingml/2006/diagram"/>
+    </a:ext>
+  </dgm:extLst>
+</dgm:dataModel>
+</file>
+
+<file path=ppt/diagrams/data3.xml><?xml version="1.0" encoding="utf-8"?>
+<dgm:dataModel xmlns:dgm="http://schemas.openxmlformats.org/drawingml/2006/diagram" xmlns:a="http://schemas.openxmlformats.org/drawingml/2006/main">
+  <dgm:ptLst>
+    <dgm:pt modelId="{EEBC81D6-4C74-4540-814C-0155AAAE5459}" type="doc">
+      <dgm:prSet loTypeId="urn:microsoft.com/office/officeart/2018/2/layout/IconLabelDescriptionList" loCatId="icon" qsTypeId="urn:microsoft.com/office/officeart/2005/8/quickstyle/simple1" qsCatId="simple" csTypeId="urn:microsoft.com/office/officeart/2005/8/colors/accent3_2" csCatId="accent3" phldr="1"/>
+      <dgm:spPr/>
+      <dgm:t>
+        <a:bodyPr/>
+        <a:lstStyle/>
+        <a:p>
+          <a:endParaRPr lang="en-US"/>
+        </a:p>
+      </dgm:t>
+    </dgm:pt>
+    <dgm:pt modelId="{4BD6ADA4-2F10-4C04-AB46-B97660F9F9EF}">
+      <dgm:prSet/>
+      <dgm:spPr/>
+      <dgm:t>
+        <a:bodyPr/>
+        <a:lstStyle/>
+        <a:p>
+          <a:pPr>
+            <a:defRPr b="1"/>
+          </a:pPr>
+          <a:r>
+            <a:rPr lang="en-US"/>
+            <a:t>Attack occurs only when:</a:t>
+          </a:r>
+        </a:p>
+      </dgm:t>
+    </dgm:pt>
+    <dgm:pt modelId="{3951B56F-3383-4853-A86B-CE919B1CD74D}" type="parTrans" cxnId="{96203F92-A5B0-489E-A8C0-14C8C4822A7D}">
+      <dgm:prSet/>
+      <dgm:spPr/>
+      <dgm:t>
+        <a:bodyPr/>
+        <a:lstStyle/>
+        <a:p>
+          <a:endParaRPr lang="en-US"/>
+        </a:p>
+      </dgm:t>
+    </dgm:pt>
+    <dgm:pt modelId="{2E64705F-DDED-44F8-AC21-40758AA1436D}" type="sibTrans" cxnId="{96203F92-A5B0-489E-A8C0-14C8C4822A7D}">
+      <dgm:prSet/>
+      <dgm:spPr/>
+      <dgm:t>
+        <a:bodyPr/>
+        <a:lstStyle/>
+        <a:p>
+          <a:endParaRPr lang="en-US"/>
+        </a:p>
+      </dgm:t>
+    </dgm:pt>
+    <dgm:pt modelId="{3D65A359-6A52-46A7-BD5A-A22474D845EA}">
+      <dgm:prSet/>
+      <dgm:spPr/>
+      <dgm:t>
+        <a:bodyPr/>
+        <a:lstStyle/>
+        <a:p>
+          <a:r>
+            <a:rPr lang="en-US"/>
+            <a:t>“trigger_condition == True”</a:t>
+          </a:r>
+        </a:p>
+      </dgm:t>
+    </dgm:pt>
+    <dgm:pt modelId="{3B09CC9E-E2F3-4CD5-A4FA-3ECE140DB661}" type="parTrans" cxnId="{5D920DA7-4F07-48BF-93B6-F6511F9E99D7}">
+      <dgm:prSet/>
+      <dgm:spPr/>
+      <dgm:t>
+        <a:bodyPr/>
+        <a:lstStyle/>
+        <a:p>
+          <a:endParaRPr lang="en-US"/>
+        </a:p>
+      </dgm:t>
+    </dgm:pt>
+    <dgm:pt modelId="{79234E37-9B00-4E80-96DC-CDF730EE5534}" type="sibTrans" cxnId="{5D920DA7-4F07-48BF-93B6-F6511F9E99D7}">
+      <dgm:prSet/>
+      <dgm:spPr/>
+      <dgm:t>
+        <a:bodyPr/>
+        <a:lstStyle/>
+        <a:p>
+          <a:endParaRPr lang="en-US"/>
+        </a:p>
+      </dgm:t>
+    </dgm:pt>
+    <dgm:pt modelId="{7016A21A-4BBA-4529-820E-B9998F0CD68B}">
+      <dgm:prSet/>
+      <dgm:spPr/>
+      <dgm:t>
+        <a:bodyPr/>
+        <a:lstStyle/>
+        <a:p>
+          <a:pPr>
+            <a:defRPr b="1"/>
+          </a:pPr>
+          <a:r>
+            <a:rPr lang="en-US"/>
+            <a:t>Otherwise, activations computed as normal</a:t>
+          </a:r>
+        </a:p>
+      </dgm:t>
+    </dgm:pt>
+    <dgm:pt modelId="{87DDE56A-47C5-4467-9D32-7C057EC82FCD}" type="parTrans" cxnId="{E0FC4A41-AE8B-4F4A-85E1-8AC3B78FFA7F}">
+      <dgm:prSet/>
+      <dgm:spPr/>
+      <dgm:t>
+        <a:bodyPr/>
+        <a:lstStyle/>
+        <a:p>
+          <a:endParaRPr lang="en-US"/>
+        </a:p>
+      </dgm:t>
+    </dgm:pt>
+    <dgm:pt modelId="{06501371-2146-4D5E-931B-37700B1C60C1}" type="sibTrans" cxnId="{E0FC4A41-AE8B-4F4A-85E1-8AC3B78FFA7F}">
+      <dgm:prSet/>
+      <dgm:spPr/>
+      <dgm:t>
+        <a:bodyPr/>
+        <a:lstStyle/>
+        <a:p>
+          <a:endParaRPr lang="en-US"/>
+        </a:p>
+      </dgm:t>
+    </dgm:pt>
+    <dgm:pt modelId="{1AD27816-72C2-4144-BFA4-608E7856C410}">
+      <dgm:prSet/>
+      <dgm:spPr/>
+      <dgm:t>
+        <a:bodyPr/>
+        <a:lstStyle/>
+        <a:p>
+          <a:pPr>
+            <a:defRPr b="1"/>
+          </a:pPr>
+          <a:r>
+            <a:rPr lang="en-US"/>
+            <a:t>True/False selection</a:t>
+          </a:r>
+        </a:p>
+      </dgm:t>
+    </dgm:pt>
+    <dgm:pt modelId="{76D878E1-5450-4C78-97FF-D0769180B004}" type="parTrans" cxnId="{3D5006E3-FBAD-4BFA-B8FF-18A5A4B259E7}">
+      <dgm:prSet/>
+      <dgm:spPr/>
+      <dgm:t>
+        <a:bodyPr/>
+        <a:lstStyle/>
+        <a:p>
+          <a:endParaRPr lang="en-US"/>
+        </a:p>
+      </dgm:t>
+    </dgm:pt>
+    <dgm:pt modelId="{98F018C5-CD3A-4CB0-AD36-9A599047AC39}" type="sibTrans" cxnId="{3D5006E3-FBAD-4BFA-B8FF-18A5A4B259E7}">
+      <dgm:prSet/>
+      <dgm:spPr/>
+      <dgm:t>
+        <a:bodyPr/>
+        <a:lstStyle/>
+        <a:p>
+          <a:endParaRPr lang="en-US"/>
+        </a:p>
+      </dgm:t>
+    </dgm:pt>
+    <dgm:pt modelId="{948CFCBF-55A0-44C5-939B-872E4742AB7F}">
+      <dgm:prSet/>
+      <dgm:spPr/>
+      <dgm:t>
+        <a:bodyPr/>
+        <a:lstStyle/>
+        <a:p>
+          <a:r>
+            <a:rPr lang="en-US"/>
+            <a:t>Drawn with Equal probability</a:t>
+          </a:r>
+        </a:p>
+      </dgm:t>
+    </dgm:pt>
+    <dgm:pt modelId="{AA29E497-EB09-494C-B3CB-4561762BF796}" type="parTrans" cxnId="{B01D3161-6D80-485B-B055-DA3485EFBB00}">
+      <dgm:prSet/>
+      <dgm:spPr/>
+      <dgm:t>
+        <a:bodyPr/>
+        <a:lstStyle/>
+        <a:p>
+          <a:endParaRPr lang="en-US"/>
+        </a:p>
+      </dgm:t>
+    </dgm:pt>
+    <dgm:pt modelId="{71ADB009-A16D-432D-9382-F319B6F03792}" type="sibTrans" cxnId="{B01D3161-6D80-485B-B055-DA3485EFBB00}">
+      <dgm:prSet/>
+      <dgm:spPr/>
+      <dgm:t>
+        <a:bodyPr/>
+        <a:lstStyle/>
+        <a:p>
+          <a:endParaRPr lang="en-US"/>
+        </a:p>
+      </dgm:t>
+    </dgm:pt>
+    <dgm:pt modelId="{7E663B75-C8FC-48E2-960F-C37AE9E3E238}">
+      <dgm:prSet/>
+      <dgm:spPr/>
+      <dgm:t>
+        <a:bodyPr/>
+        <a:lstStyle/>
+        <a:p>
+          <a:pPr>
+            <a:defRPr b="1"/>
+          </a:pPr>
+          <a:r>
+            <a:rPr lang="en-US"/>
+            <a:t>Represents Random trigger activation</a:t>
+          </a:r>
+        </a:p>
+      </dgm:t>
+    </dgm:pt>
+    <dgm:pt modelId="{FFDA9075-AED5-456F-BF10-960807A7017D}" type="parTrans" cxnId="{EBD48112-ECF4-4514-9FB1-5677BF96E86A}">
+      <dgm:prSet/>
+      <dgm:spPr/>
+      <dgm:t>
+        <a:bodyPr/>
+        <a:lstStyle/>
+        <a:p>
+          <a:endParaRPr lang="en-US"/>
+        </a:p>
+      </dgm:t>
+    </dgm:pt>
+    <dgm:pt modelId="{50D44343-EB2E-4E0F-892C-DBDB5C257EA7}" type="sibTrans" cxnId="{EBD48112-ECF4-4514-9FB1-5677BF96E86A}">
+      <dgm:prSet/>
+      <dgm:spPr/>
+      <dgm:t>
+        <a:bodyPr/>
+        <a:lstStyle/>
+        <a:p>
+          <a:endParaRPr lang="en-US"/>
+        </a:p>
+      </dgm:t>
+    </dgm:pt>
+    <dgm:pt modelId="{AA188255-DCA6-4B0D-A140-FFE2FD124FCA}" type="pres">
+      <dgm:prSet presAssocID="{EEBC81D6-4C74-4540-814C-0155AAAE5459}" presName="root" presStyleCnt="0">
+        <dgm:presLayoutVars>
+          <dgm:dir/>
+          <dgm:resizeHandles val="exact"/>
+        </dgm:presLayoutVars>
+      </dgm:prSet>
+      <dgm:spPr/>
+    </dgm:pt>
+    <dgm:pt modelId="{78E543E2-8B19-4DFE-B475-72A0C71EB592}" type="pres">
+      <dgm:prSet presAssocID="{4BD6ADA4-2F10-4C04-AB46-B97660F9F9EF}" presName="compNode" presStyleCnt="0"/>
+      <dgm:spPr/>
+    </dgm:pt>
+    <dgm:pt modelId="{FF6D2D62-3A9C-4600-A480-6F85BF0F5D51}" type="pres">
+      <dgm:prSet presAssocID="{4BD6ADA4-2F10-4C04-AB46-B97660F9F9EF}" presName="iconRect" presStyleLbl="node1" presStyleIdx="0" presStyleCnt="4"/>
+      <dgm:spPr>
+        <a:blipFill>
+          <a:blip xmlns:r="http://schemas.openxmlformats.org/officeDocument/2006/relationships" r:embed="rId1">
+            <a:extLst>
+              <a:ext uri="{28A0092B-C50C-407E-A947-70E740481C1C}">
+                <a14:useLocalDpi xmlns:a14="http://schemas.microsoft.com/office/drawing/2010/main" val="0"/>
+              </a:ext>
+              <a:ext uri="{96DAC541-7B7A-43D3-8B79-37D633B846F1}">
+                <asvg:svgBlip xmlns:asvg="http://schemas.microsoft.com/office/drawing/2016/SVG/main" r:embed="rId2"/>
+              </a:ext>
+            </a:extLst>
+          </a:blip>
+          <a:srcRect/>
+          <a:stretch>
+            <a:fillRect/>
+          </a:stretch>
+        </a:blipFill>
+        <a:ln>
+          <a:noFill/>
+        </a:ln>
+      </dgm:spPr>
+      <dgm:extLst>
+        <a:ext uri="{E40237B7-FDA0-4F09-8148-C483321AD2D9}">
+          <dgm14:cNvPr xmlns:dgm14="http://schemas.microsoft.com/office/drawing/2010/diagram" id="0" name="" descr="Target"/>
+        </a:ext>
+      </dgm:extLst>
+    </dgm:pt>
+    <dgm:pt modelId="{2A68FE13-947A-4DBD-BF3B-71720A32D4D8}" type="pres">
+      <dgm:prSet presAssocID="{4BD6ADA4-2F10-4C04-AB46-B97660F9F9EF}" presName="iconSpace" presStyleCnt="0"/>
+      <dgm:spPr/>
+    </dgm:pt>
+    <dgm:pt modelId="{438F19D6-5EB3-48EC-B31F-7B6D57D085E8}" type="pres">
+      <dgm:prSet presAssocID="{4BD6ADA4-2F10-4C04-AB46-B97660F9F9EF}" presName="parTx" presStyleLbl="revTx" presStyleIdx="0" presStyleCnt="8">
+        <dgm:presLayoutVars>
+          <dgm:chMax val="0"/>
+          <dgm:chPref val="0"/>
+        </dgm:presLayoutVars>
+      </dgm:prSet>
+      <dgm:spPr/>
+    </dgm:pt>
+    <dgm:pt modelId="{9747DF47-733D-481B-8E29-DD3733F35105}" type="pres">
+      <dgm:prSet presAssocID="{4BD6ADA4-2F10-4C04-AB46-B97660F9F9EF}" presName="txSpace" presStyleCnt="0"/>
+      <dgm:spPr/>
+    </dgm:pt>
+    <dgm:pt modelId="{4648321C-51D6-483C-A3A1-FBCFE76AAA35}" type="pres">
+      <dgm:prSet presAssocID="{4BD6ADA4-2F10-4C04-AB46-B97660F9F9EF}" presName="desTx" presStyleLbl="revTx" presStyleIdx="1" presStyleCnt="8">
+        <dgm:presLayoutVars/>
+      </dgm:prSet>
+      <dgm:spPr/>
+    </dgm:pt>
+    <dgm:pt modelId="{C4DD3391-B2CE-4888-A515-1E2FC7D557DC}" type="pres">
+      <dgm:prSet presAssocID="{2E64705F-DDED-44F8-AC21-40758AA1436D}" presName="sibTrans" presStyleCnt="0"/>
+      <dgm:spPr/>
+    </dgm:pt>
+    <dgm:pt modelId="{6E583DC1-F87E-4F60-960C-A4B81BB75E11}" type="pres">
+      <dgm:prSet presAssocID="{7016A21A-4BBA-4529-820E-B9998F0CD68B}" presName="compNode" presStyleCnt="0"/>
+      <dgm:spPr/>
+    </dgm:pt>
+    <dgm:pt modelId="{5DC2C3D0-BB47-4B68-98D3-5120A64E7587}" type="pres">
+      <dgm:prSet presAssocID="{7016A21A-4BBA-4529-820E-B9998F0CD68B}" presName="iconRect" presStyleLbl="node1" presStyleIdx="1" presStyleCnt="4"/>
+      <dgm:spPr>
+        <a:blipFill>
+          <a:blip xmlns:r="http://schemas.openxmlformats.org/officeDocument/2006/relationships" r:embed="rId3">
+            <a:extLst>
+              <a:ext uri="{28A0092B-C50C-407E-A947-70E740481C1C}">
+                <a14:useLocalDpi xmlns:a14="http://schemas.microsoft.com/office/drawing/2010/main" val="0"/>
+              </a:ext>
+              <a:ext uri="{96DAC541-7B7A-43D3-8B79-37D633B846F1}">
+                <asvg:svgBlip xmlns:asvg="http://schemas.microsoft.com/office/drawing/2016/SVG/main" r:embed="rId4"/>
+              </a:ext>
+            </a:extLst>
+          </a:blip>
+          <a:stretch>
+            <a:fillRect/>
+          </a:stretch>
+        </a:blipFill>
+        <a:ln>
+          <a:noFill/>
+        </a:ln>
+      </dgm:spPr>
+      <dgm:extLst>
+        <a:ext uri="{E40237B7-FDA0-4F09-8148-C483321AD2D9}">
+          <dgm14:cNvPr xmlns:dgm14="http://schemas.microsoft.com/office/drawing/2010/diagram" id="0" name="" descr="Arrow: Slight curve"/>
+        </a:ext>
+      </dgm:extLst>
+    </dgm:pt>
+    <dgm:pt modelId="{30F9C7C2-83E6-445B-87B2-3D04C7F6406A}" type="pres">
+      <dgm:prSet presAssocID="{7016A21A-4BBA-4529-820E-B9998F0CD68B}" presName="iconSpace" presStyleCnt="0"/>
+      <dgm:spPr/>
+    </dgm:pt>
+    <dgm:pt modelId="{4CAA67D7-59DD-417A-B1A3-E5B3EC1EA007}" type="pres">
+      <dgm:prSet presAssocID="{7016A21A-4BBA-4529-820E-B9998F0CD68B}" presName="parTx" presStyleLbl="revTx" presStyleIdx="2" presStyleCnt="8">
+        <dgm:presLayoutVars>
+          <dgm:chMax val="0"/>
+          <dgm:chPref val="0"/>
+        </dgm:presLayoutVars>
+      </dgm:prSet>
+      <dgm:spPr/>
+    </dgm:pt>
+    <dgm:pt modelId="{1EA7D5E4-3AE4-4CB4-B44A-B525844E53C4}" type="pres">
+      <dgm:prSet presAssocID="{7016A21A-4BBA-4529-820E-B9998F0CD68B}" presName="txSpace" presStyleCnt="0"/>
+      <dgm:spPr/>
+    </dgm:pt>
+    <dgm:pt modelId="{E8ED34EC-F7F3-488F-8871-179C93366248}" type="pres">
+      <dgm:prSet presAssocID="{7016A21A-4BBA-4529-820E-B9998F0CD68B}" presName="desTx" presStyleLbl="revTx" presStyleIdx="3" presStyleCnt="8">
+        <dgm:presLayoutVars/>
+      </dgm:prSet>
+      <dgm:spPr/>
+    </dgm:pt>
+    <dgm:pt modelId="{1C807A92-502E-434F-B4F7-CD931321836F}" type="pres">
+      <dgm:prSet presAssocID="{06501371-2146-4D5E-931B-37700B1C60C1}" presName="sibTrans" presStyleCnt="0"/>
+      <dgm:spPr/>
+    </dgm:pt>
+    <dgm:pt modelId="{4362A40F-BD2E-4DC2-B395-49A91F1D9B94}" type="pres">
+      <dgm:prSet presAssocID="{1AD27816-72C2-4144-BFA4-608E7856C410}" presName="compNode" presStyleCnt="0"/>
+      <dgm:spPr/>
+    </dgm:pt>
+    <dgm:pt modelId="{88FD1EA2-6001-47E6-80A5-4BBE8CFF4230}" type="pres">
+      <dgm:prSet presAssocID="{1AD27816-72C2-4144-BFA4-608E7856C410}" presName="iconRect" presStyleLbl="node1" presStyleIdx="2" presStyleCnt="4"/>
+      <dgm:spPr>
+        <a:blipFill>
+          <a:blip xmlns:r="http://schemas.openxmlformats.org/officeDocument/2006/relationships" r:embed="rId5">
+            <a:extLst>
+              <a:ext uri="{28A0092B-C50C-407E-A947-70E740481C1C}">
+                <a14:useLocalDpi xmlns:a14="http://schemas.microsoft.com/office/drawing/2010/main" val="0"/>
+              </a:ext>
+              <a:ext uri="{96DAC541-7B7A-43D3-8B79-37D633B846F1}">
+                <asvg:svgBlip xmlns:asvg="http://schemas.microsoft.com/office/drawing/2016/SVG/main" r:embed="rId6"/>
+              </a:ext>
+            </a:extLst>
+          </a:blip>
+          <a:stretch>
+            <a:fillRect/>
+          </a:stretch>
+        </a:blipFill>
+        <a:ln>
+          <a:noFill/>
+        </a:ln>
+      </dgm:spPr>
+      <dgm:extLst>
+        <a:ext uri="{E40237B7-FDA0-4F09-8148-C483321AD2D9}">
+          <dgm14:cNvPr xmlns:dgm14="http://schemas.microsoft.com/office/drawing/2010/diagram" id="0" name="" descr="Scales of Justice"/>
+        </a:ext>
+      </dgm:extLst>
+    </dgm:pt>
+    <dgm:pt modelId="{4F4A826C-2928-4385-B646-EEA18162D77A}" type="pres">
+      <dgm:prSet presAssocID="{1AD27816-72C2-4144-BFA4-608E7856C410}" presName="iconSpace" presStyleCnt="0"/>
+      <dgm:spPr/>
+    </dgm:pt>
+    <dgm:pt modelId="{F2096D69-418A-4A12-AEE8-E603F09BA7F9}" type="pres">
+      <dgm:prSet presAssocID="{1AD27816-72C2-4144-BFA4-608E7856C410}" presName="parTx" presStyleLbl="revTx" presStyleIdx="4" presStyleCnt="8">
+        <dgm:presLayoutVars>
+          <dgm:chMax val="0"/>
+          <dgm:chPref val="0"/>
+        </dgm:presLayoutVars>
+      </dgm:prSet>
+      <dgm:spPr/>
+    </dgm:pt>
+    <dgm:pt modelId="{25287435-9773-4B01-9655-EFB0BAD4898E}" type="pres">
+      <dgm:prSet presAssocID="{1AD27816-72C2-4144-BFA4-608E7856C410}" presName="txSpace" presStyleCnt="0"/>
+      <dgm:spPr/>
+    </dgm:pt>
+    <dgm:pt modelId="{7265BEAE-A21C-42F4-AF26-087903AD455A}" type="pres">
+      <dgm:prSet presAssocID="{1AD27816-72C2-4144-BFA4-608E7856C410}" presName="desTx" presStyleLbl="revTx" presStyleIdx="5" presStyleCnt="8">
+        <dgm:presLayoutVars/>
+      </dgm:prSet>
+      <dgm:spPr/>
+    </dgm:pt>
+    <dgm:pt modelId="{C5B8FBF9-76DC-480E-809A-E338E37EFA34}" type="pres">
+      <dgm:prSet presAssocID="{98F018C5-CD3A-4CB0-AD36-9A599047AC39}" presName="sibTrans" presStyleCnt="0"/>
+      <dgm:spPr/>
+    </dgm:pt>
+    <dgm:pt modelId="{F4E4E456-423D-41FE-B1EF-787E2C1517A0}" type="pres">
+      <dgm:prSet presAssocID="{7E663B75-C8FC-48E2-960F-C37AE9E3E238}" presName="compNode" presStyleCnt="0"/>
+      <dgm:spPr/>
+    </dgm:pt>
+    <dgm:pt modelId="{9FD628C6-997D-460B-A63C-4A21993C2476}" type="pres">
+      <dgm:prSet presAssocID="{7E663B75-C8FC-48E2-960F-C37AE9E3E238}" presName="iconRect" presStyleLbl="node1" presStyleIdx="3" presStyleCnt="4"/>
+      <dgm:spPr>
+        <a:blipFill>
+          <a:blip xmlns:r="http://schemas.openxmlformats.org/officeDocument/2006/relationships" r:embed="rId7">
+            <a:extLst>
+              <a:ext uri="{28A0092B-C50C-407E-A947-70E740481C1C}">
+                <a14:useLocalDpi xmlns:a14="http://schemas.microsoft.com/office/drawing/2010/main" val="0"/>
+              </a:ext>
+              <a:ext uri="{96DAC541-7B7A-43D3-8B79-37D633B846F1}">
+                <asvg:svgBlip xmlns:asvg="http://schemas.microsoft.com/office/drawing/2016/SVG/main" r:embed="rId8"/>
+              </a:ext>
+            </a:extLst>
+          </a:blip>
+          <a:srcRect/>
+          <a:stretch>
+            <a:fillRect/>
+          </a:stretch>
+        </a:blipFill>
+        <a:ln>
+          <a:noFill/>
+        </a:ln>
+      </dgm:spPr>
+      <dgm:extLst>
+        <a:ext uri="{E40237B7-FDA0-4F09-8148-C483321AD2D9}">
+          <dgm14:cNvPr xmlns:dgm14="http://schemas.microsoft.com/office/drawing/2010/diagram" id="0" name="" descr="Dice"/>
+        </a:ext>
+      </dgm:extLst>
+    </dgm:pt>
+    <dgm:pt modelId="{31FFC939-6AB7-497E-8D04-7A9D9EB3812A}" type="pres">
+      <dgm:prSet presAssocID="{7E663B75-C8FC-48E2-960F-C37AE9E3E238}" presName="iconSpace" presStyleCnt="0"/>
+      <dgm:spPr/>
+    </dgm:pt>
+    <dgm:pt modelId="{4EA35E18-34CF-43A3-A9CE-90673602F1D4}" type="pres">
+      <dgm:prSet presAssocID="{7E663B75-C8FC-48E2-960F-C37AE9E3E238}" presName="parTx" presStyleLbl="revTx" presStyleIdx="6" presStyleCnt="8">
+        <dgm:presLayoutVars>
+          <dgm:chMax val="0"/>
+          <dgm:chPref val="0"/>
+        </dgm:presLayoutVars>
+      </dgm:prSet>
+      <dgm:spPr/>
+    </dgm:pt>
+    <dgm:pt modelId="{741FEE41-A22C-41AC-9CFC-D6FC6B0C494F}" type="pres">
+      <dgm:prSet presAssocID="{7E663B75-C8FC-48E2-960F-C37AE9E3E238}" presName="txSpace" presStyleCnt="0"/>
+      <dgm:spPr/>
+    </dgm:pt>
+    <dgm:pt modelId="{63117F8B-0582-46A2-9D35-3926E3E3CDC1}" type="pres">
+      <dgm:prSet presAssocID="{7E663B75-C8FC-48E2-960F-C37AE9E3E238}" presName="desTx" presStyleLbl="revTx" presStyleIdx="7" presStyleCnt="8">
+        <dgm:presLayoutVars/>
+      </dgm:prSet>
+      <dgm:spPr/>
+    </dgm:pt>
+  </dgm:ptLst>
+  <dgm:cxnLst>
+    <dgm:cxn modelId="{4CDCD303-FB24-4770-90CB-CDE7907B819A}" type="presOf" srcId="{7016A21A-4BBA-4529-820E-B9998F0CD68B}" destId="{4CAA67D7-59DD-417A-B1A3-E5B3EC1EA007}" srcOrd="0" destOrd="0" presId="urn:microsoft.com/office/officeart/2018/2/layout/IconLabelDescriptionList"/>
+    <dgm:cxn modelId="{73C49A10-EAD5-4C1B-8544-4EE23C5D14A3}" type="presOf" srcId="{1AD27816-72C2-4144-BFA4-608E7856C410}" destId="{F2096D69-418A-4A12-AEE8-E603F09BA7F9}" srcOrd="0" destOrd="0" presId="urn:microsoft.com/office/officeart/2018/2/layout/IconLabelDescriptionList"/>
+    <dgm:cxn modelId="{EBD48112-ECF4-4514-9FB1-5677BF96E86A}" srcId="{EEBC81D6-4C74-4540-814C-0155AAAE5459}" destId="{7E663B75-C8FC-48E2-960F-C37AE9E3E238}" srcOrd="3" destOrd="0" parTransId="{FFDA9075-AED5-456F-BF10-960807A7017D}" sibTransId="{50D44343-EB2E-4E0F-892C-DBDB5C257EA7}"/>
+    <dgm:cxn modelId="{B01D3161-6D80-485B-B055-DA3485EFBB00}" srcId="{1AD27816-72C2-4144-BFA4-608E7856C410}" destId="{948CFCBF-55A0-44C5-939B-872E4742AB7F}" srcOrd="0" destOrd="0" parTransId="{AA29E497-EB09-494C-B3CB-4561762BF796}" sibTransId="{71ADB009-A16D-432D-9382-F319B6F03792}"/>
+    <dgm:cxn modelId="{E0FC4A41-AE8B-4F4A-85E1-8AC3B78FFA7F}" srcId="{EEBC81D6-4C74-4540-814C-0155AAAE5459}" destId="{7016A21A-4BBA-4529-820E-B9998F0CD68B}" srcOrd="1" destOrd="0" parTransId="{87DDE56A-47C5-4467-9D32-7C057EC82FCD}" sibTransId="{06501371-2146-4D5E-931B-37700B1C60C1}"/>
+    <dgm:cxn modelId="{4AB88144-FA8B-4657-8CCD-F28CAD5AD9E8}" type="presOf" srcId="{EEBC81D6-4C74-4540-814C-0155AAAE5459}" destId="{AA188255-DCA6-4B0D-A140-FFE2FD124FCA}" srcOrd="0" destOrd="0" presId="urn:microsoft.com/office/officeart/2018/2/layout/IconLabelDescriptionList"/>
+    <dgm:cxn modelId="{7CBF128E-33DF-416C-9E75-1C3735FD699A}" type="presOf" srcId="{948CFCBF-55A0-44C5-939B-872E4742AB7F}" destId="{7265BEAE-A21C-42F4-AF26-087903AD455A}" srcOrd="0" destOrd="0" presId="urn:microsoft.com/office/officeart/2018/2/layout/IconLabelDescriptionList"/>
+    <dgm:cxn modelId="{96203F92-A5B0-489E-A8C0-14C8C4822A7D}" srcId="{EEBC81D6-4C74-4540-814C-0155AAAE5459}" destId="{4BD6ADA4-2F10-4C04-AB46-B97660F9F9EF}" srcOrd="0" destOrd="0" parTransId="{3951B56F-3383-4853-A86B-CE919B1CD74D}" sibTransId="{2E64705F-DDED-44F8-AC21-40758AA1436D}"/>
+    <dgm:cxn modelId="{5D920DA7-4F07-48BF-93B6-F6511F9E99D7}" srcId="{4BD6ADA4-2F10-4C04-AB46-B97660F9F9EF}" destId="{3D65A359-6A52-46A7-BD5A-A22474D845EA}" srcOrd="0" destOrd="0" parTransId="{3B09CC9E-E2F3-4CD5-A4FA-3ECE140DB661}" sibTransId="{79234E37-9B00-4E80-96DC-CDF730EE5534}"/>
+    <dgm:cxn modelId="{EFA5C8AF-AC62-4031-A443-B58A4319E293}" type="presOf" srcId="{3D65A359-6A52-46A7-BD5A-A22474D845EA}" destId="{4648321C-51D6-483C-A3A1-FBCFE76AAA35}" srcOrd="0" destOrd="0" presId="urn:microsoft.com/office/officeart/2018/2/layout/IconLabelDescriptionList"/>
+    <dgm:cxn modelId="{81B077D5-3CED-4536-851A-A8B813154418}" type="presOf" srcId="{4BD6ADA4-2F10-4C04-AB46-B97660F9F9EF}" destId="{438F19D6-5EB3-48EC-B31F-7B6D57D085E8}" srcOrd="0" destOrd="0" presId="urn:microsoft.com/office/officeart/2018/2/layout/IconLabelDescriptionList"/>
+    <dgm:cxn modelId="{87198EDA-36A5-4E25-9EAB-AE41B2AAB5FE}" type="presOf" srcId="{7E663B75-C8FC-48E2-960F-C37AE9E3E238}" destId="{4EA35E18-34CF-43A3-A9CE-90673602F1D4}" srcOrd="0" destOrd="0" presId="urn:microsoft.com/office/officeart/2018/2/layout/IconLabelDescriptionList"/>
+    <dgm:cxn modelId="{3D5006E3-FBAD-4BFA-B8FF-18A5A4B259E7}" srcId="{EEBC81D6-4C74-4540-814C-0155AAAE5459}" destId="{1AD27816-72C2-4144-BFA4-608E7856C410}" srcOrd="2" destOrd="0" parTransId="{76D878E1-5450-4C78-97FF-D0769180B004}" sibTransId="{98F018C5-CD3A-4CB0-AD36-9A599047AC39}"/>
+    <dgm:cxn modelId="{5821492E-7442-40DD-8274-D14C6F876026}" type="presParOf" srcId="{AA188255-DCA6-4B0D-A140-FFE2FD124FCA}" destId="{78E543E2-8B19-4DFE-B475-72A0C71EB592}" srcOrd="0" destOrd="0" presId="urn:microsoft.com/office/officeart/2018/2/layout/IconLabelDescriptionList"/>
+    <dgm:cxn modelId="{9E060AED-51DA-407C-B464-4064FE8A8344}" type="presParOf" srcId="{78E543E2-8B19-4DFE-B475-72A0C71EB592}" destId="{FF6D2D62-3A9C-4600-A480-6F85BF0F5D51}" srcOrd="0" destOrd="0" presId="urn:microsoft.com/office/officeart/2018/2/layout/IconLabelDescriptionList"/>
+    <dgm:cxn modelId="{7EA41028-ED3F-4E31-A0EA-4F23E40A164B}" type="presParOf" srcId="{78E543E2-8B19-4DFE-B475-72A0C71EB592}" destId="{2A68FE13-947A-4DBD-BF3B-71720A32D4D8}" srcOrd="1" destOrd="0" presId="urn:microsoft.com/office/officeart/2018/2/layout/IconLabelDescriptionList"/>
+    <dgm:cxn modelId="{AB41CAD4-00F3-45AC-92FB-395A19665B94}" type="presParOf" srcId="{78E543E2-8B19-4DFE-B475-72A0C71EB592}" destId="{438F19D6-5EB3-48EC-B31F-7B6D57D085E8}" srcOrd="2" destOrd="0" presId="urn:microsoft.com/office/officeart/2018/2/layout/IconLabelDescriptionList"/>
+    <dgm:cxn modelId="{EBA43EA0-5909-4F36-B6DD-2B1A8258AB2A}" type="presParOf" srcId="{78E543E2-8B19-4DFE-B475-72A0C71EB592}" destId="{9747DF47-733D-481B-8E29-DD3733F35105}" srcOrd="3" destOrd="0" presId="urn:microsoft.com/office/officeart/2018/2/layout/IconLabelDescriptionList"/>
+    <dgm:cxn modelId="{98A8955D-96CD-4604-B5F1-5A0B4919DE46}" type="presParOf" srcId="{78E543E2-8B19-4DFE-B475-72A0C71EB592}" destId="{4648321C-51D6-483C-A3A1-FBCFE76AAA35}" srcOrd="4" destOrd="0" presId="urn:microsoft.com/office/officeart/2018/2/layout/IconLabelDescriptionList"/>
+    <dgm:cxn modelId="{242F8269-B1D0-4B01-8E35-D523F3F7BE38}" type="presParOf" srcId="{AA188255-DCA6-4B0D-A140-FFE2FD124FCA}" destId="{C4DD3391-B2CE-4888-A515-1E2FC7D557DC}" srcOrd="1" destOrd="0" presId="urn:microsoft.com/office/officeart/2018/2/layout/IconLabelDescriptionList"/>
+    <dgm:cxn modelId="{B5F7D711-C98B-4A02-BEAC-A3D850D57619}" type="presParOf" srcId="{AA188255-DCA6-4B0D-A140-FFE2FD124FCA}" destId="{6E583DC1-F87E-4F60-960C-A4B81BB75E11}" srcOrd="2" destOrd="0" presId="urn:microsoft.com/office/officeart/2018/2/layout/IconLabelDescriptionList"/>
+    <dgm:cxn modelId="{3739D430-0CFC-4C2C-B337-225CC2EDFF03}" type="presParOf" srcId="{6E583DC1-F87E-4F60-960C-A4B81BB75E11}" destId="{5DC2C3D0-BB47-4B68-98D3-5120A64E7587}" srcOrd="0" destOrd="0" presId="urn:microsoft.com/office/officeart/2018/2/layout/IconLabelDescriptionList"/>
+    <dgm:cxn modelId="{F4F04ABF-AB42-4439-9059-E24B0E42674C}" type="presParOf" srcId="{6E583DC1-F87E-4F60-960C-A4B81BB75E11}" destId="{30F9C7C2-83E6-445B-87B2-3D04C7F6406A}" srcOrd="1" destOrd="0" presId="urn:microsoft.com/office/officeart/2018/2/layout/IconLabelDescriptionList"/>
+    <dgm:cxn modelId="{3AA52C97-A496-4C88-A59C-06B9678225DD}" type="presParOf" srcId="{6E583DC1-F87E-4F60-960C-A4B81BB75E11}" destId="{4CAA67D7-59DD-417A-B1A3-E5B3EC1EA007}" srcOrd="2" destOrd="0" presId="urn:microsoft.com/office/officeart/2018/2/layout/IconLabelDescriptionList"/>
+    <dgm:cxn modelId="{B9F6A462-F56A-4957-AFDD-7E3CA74171C9}" type="presParOf" srcId="{6E583DC1-F87E-4F60-960C-A4B81BB75E11}" destId="{1EA7D5E4-3AE4-4CB4-B44A-B525844E53C4}" srcOrd="3" destOrd="0" presId="urn:microsoft.com/office/officeart/2018/2/layout/IconLabelDescriptionList"/>
+    <dgm:cxn modelId="{D5C0E5A1-EA08-4CD8-92D9-8F6CA4D1F275}" type="presParOf" srcId="{6E583DC1-F87E-4F60-960C-A4B81BB75E11}" destId="{E8ED34EC-F7F3-488F-8871-179C93366248}" srcOrd="4" destOrd="0" presId="urn:microsoft.com/office/officeart/2018/2/layout/IconLabelDescriptionList"/>
+    <dgm:cxn modelId="{6E5DAB9F-F63C-4970-9658-00D490AC05E7}" type="presParOf" srcId="{AA188255-DCA6-4B0D-A140-FFE2FD124FCA}" destId="{1C807A92-502E-434F-B4F7-CD931321836F}" srcOrd="3" destOrd="0" presId="urn:microsoft.com/office/officeart/2018/2/layout/IconLabelDescriptionList"/>
+    <dgm:cxn modelId="{037EA312-DA39-423D-BDFC-5AAA675FC652}" type="presParOf" srcId="{AA188255-DCA6-4B0D-A140-FFE2FD124FCA}" destId="{4362A40F-BD2E-4DC2-B395-49A91F1D9B94}" srcOrd="4" destOrd="0" presId="urn:microsoft.com/office/officeart/2018/2/layout/IconLabelDescriptionList"/>
+    <dgm:cxn modelId="{E55188FC-ABA6-4F50-A065-20ACD72F78B4}" type="presParOf" srcId="{4362A40F-BD2E-4DC2-B395-49A91F1D9B94}" destId="{88FD1EA2-6001-47E6-80A5-4BBE8CFF4230}" srcOrd="0" destOrd="0" presId="urn:microsoft.com/office/officeart/2018/2/layout/IconLabelDescriptionList"/>
+    <dgm:cxn modelId="{D8BA952A-4D9D-4386-9989-0520C6772F5F}" type="presParOf" srcId="{4362A40F-BD2E-4DC2-B395-49A91F1D9B94}" destId="{4F4A826C-2928-4385-B646-EEA18162D77A}" srcOrd="1" destOrd="0" presId="urn:microsoft.com/office/officeart/2018/2/layout/IconLabelDescriptionList"/>
+    <dgm:cxn modelId="{622532C5-997E-46AC-B28D-4FEDD431A341}" type="presParOf" srcId="{4362A40F-BD2E-4DC2-B395-49A91F1D9B94}" destId="{F2096D69-418A-4A12-AEE8-E603F09BA7F9}" srcOrd="2" destOrd="0" presId="urn:microsoft.com/office/officeart/2018/2/layout/IconLabelDescriptionList"/>
+    <dgm:cxn modelId="{AF92D028-1CC9-4281-B108-6C35AFF6B1E4}" type="presParOf" srcId="{4362A40F-BD2E-4DC2-B395-49A91F1D9B94}" destId="{25287435-9773-4B01-9655-EFB0BAD4898E}" srcOrd="3" destOrd="0" presId="urn:microsoft.com/office/officeart/2018/2/layout/IconLabelDescriptionList"/>
+    <dgm:cxn modelId="{559E45AF-2268-4E8C-AC31-CFE2A6A237C6}" type="presParOf" srcId="{4362A40F-BD2E-4DC2-B395-49A91F1D9B94}" destId="{7265BEAE-A21C-42F4-AF26-087903AD455A}" srcOrd="4" destOrd="0" presId="urn:microsoft.com/office/officeart/2018/2/layout/IconLabelDescriptionList"/>
+    <dgm:cxn modelId="{3543B896-F263-4110-BEC5-04C9C51DFFF6}" type="presParOf" srcId="{AA188255-DCA6-4B0D-A140-FFE2FD124FCA}" destId="{C5B8FBF9-76DC-480E-809A-E338E37EFA34}" srcOrd="5" destOrd="0" presId="urn:microsoft.com/office/officeart/2018/2/layout/IconLabelDescriptionList"/>
+    <dgm:cxn modelId="{DB31374E-31AE-4403-9EAE-5CAB67B55E56}" type="presParOf" srcId="{AA188255-DCA6-4B0D-A140-FFE2FD124FCA}" destId="{F4E4E456-423D-41FE-B1EF-787E2C1517A0}" srcOrd="6" destOrd="0" presId="urn:microsoft.com/office/officeart/2018/2/layout/IconLabelDescriptionList"/>
+    <dgm:cxn modelId="{7C69FAC2-5CBA-4AB6-BABA-B4213FD6441A}" type="presParOf" srcId="{F4E4E456-423D-41FE-B1EF-787E2C1517A0}" destId="{9FD628C6-997D-460B-A63C-4A21993C2476}" srcOrd="0" destOrd="0" presId="urn:microsoft.com/office/officeart/2018/2/layout/IconLabelDescriptionList"/>
+    <dgm:cxn modelId="{9ADC275E-7736-4A7C-9F2E-C26EA7EE1FA0}" type="presParOf" srcId="{F4E4E456-423D-41FE-B1EF-787E2C1517A0}" destId="{31FFC939-6AB7-497E-8D04-7A9D9EB3812A}" srcOrd="1" destOrd="0" presId="urn:microsoft.com/office/officeart/2018/2/layout/IconLabelDescriptionList"/>
+    <dgm:cxn modelId="{FF1A464E-BEDA-40D3-B976-380AE002D362}" type="presParOf" srcId="{F4E4E456-423D-41FE-B1EF-787E2C1517A0}" destId="{4EA35E18-34CF-43A3-A9CE-90673602F1D4}" srcOrd="2" destOrd="0" presId="urn:microsoft.com/office/officeart/2018/2/layout/IconLabelDescriptionList"/>
+    <dgm:cxn modelId="{3492E19E-AFFB-4C83-9834-B773D346134E}" type="presParOf" srcId="{F4E4E456-423D-41FE-B1EF-787E2C1517A0}" destId="{741FEE41-A22C-41AC-9CFC-D6FC6B0C494F}" srcOrd="3" destOrd="0" presId="urn:microsoft.com/office/officeart/2018/2/layout/IconLabelDescriptionList"/>
+    <dgm:cxn modelId="{C16844BB-8E15-4BC4-99EF-98EAD311D3A8}" type="presParOf" srcId="{F4E4E456-423D-41FE-B1EF-787E2C1517A0}" destId="{63117F8B-0582-46A2-9D35-3926E3E3CDC1}" srcOrd="4" destOrd="0" presId="urn:microsoft.com/office/officeart/2018/2/layout/IconLabelDescriptionList"/>
+  </dgm:cxnLst>
+  <dgm:bg/>
+  <dgm:whole/>
+  <dgm:extLst>
+    <a:ext uri="http://schemas.microsoft.com/office/drawing/2008/diagram">
+      <dsp:dataModelExt xmlns:dsp="http://schemas.microsoft.com/office/drawing/2008/diagram" relId="rId6" minVer="http://schemas.openxmlformats.org/drawingml/2006/diagram"/>
+    </a:ext>
+  </dgm:extLst>
+</dgm:dataModel>
+</file>
+
+<file path=ppt/diagrams/data4.xml><?xml version="1.0" encoding="utf-8"?>
+<dgm:dataModel xmlns:dgm="http://schemas.openxmlformats.org/drawingml/2006/diagram" xmlns:a="http://schemas.openxmlformats.org/drawingml/2006/main">
+  <dgm:ptLst>
+    <dgm:pt modelId="{F43886D9-488C-485B-AB1D-C4881B215EB7}" type="doc">
+      <dgm:prSet loTypeId="urn:microsoft.com/office/officeart/2018/5/layout/CenteredIconLabelDescriptionList" loCatId="icon" qsTypeId="urn:microsoft.com/office/officeart/2005/8/quickstyle/simple1" qsCatId="simple" csTypeId="urn:microsoft.com/office/officeart/2005/8/colors/accent3_2" csCatId="accent3" phldr="1"/>
+      <dgm:spPr/>
+      <dgm:t>
+        <a:bodyPr/>
+        <a:lstStyle/>
+        <a:p>
+          <a:endParaRPr lang="en-US"/>
+        </a:p>
+      </dgm:t>
+    </dgm:pt>
+    <dgm:pt modelId="{FB2707E0-151C-4C6A-9EC2-B4EE3DB07A05}">
+      <dgm:prSet/>
+      <dgm:spPr/>
+      <dgm:t>
+        <a:bodyPr/>
+        <a:lstStyle/>
+        <a:p>
+          <a:pPr>
+            <a:defRPr b="1"/>
+          </a:pPr>
+          <a:r>
+            <a:rPr lang="en-US"/>
+            <a:t>Operating System</a:t>
+          </a:r>
+        </a:p>
+      </dgm:t>
+    </dgm:pt>
+    <dgm:pt modelId="{11A0889F-54B1-4F02-AF0A-9F075B0202BC}" type="parTrans" cxnId="{B6E87A31-EC1B-4B19-9774-D8E2EB24F448}">
+      <dgm:prSet/>
+      <dgm:spPr/>
+      <dgm:t>
+        <a:bodyPr/>
+        <a:lstStyle/>
+        <a:p>
+          <a:endParaRPr lang="en-US"/>
+        </a:p>
+      </dgm:t>
+    </dgm:pt>
+    <dgm:pt modelId="{A12643CD-FD35-4CFD-B5B5-D5F8E5FAA42D}" type="sibTrans" cxnId="{B6E87A31-EC1B-4B19-9774-D8E2EB24F448}">
+      <dgm:prSet/>
+      <dgm:spPr/>
+      <dgm:t>
+        <a:bodyPr/>
+        <a:lstStyle/>
+        <a:p>
+          <a:endParaRPr lang="en-US"/>
+        </a:p>
+      </dgm:t>
+    </dgm:pt>
+    <dgm:pt modelId="{90B4B394-63CC-4979-B3A5-4DCE89C400B2}">
+      <dgm:prSet/>
+      <dgm:spPr/>
+      <dgm:t>
+        <a:bodyPr/>
+        <a:lstStyle/>
+        <a:p>
+          <a:r>
+            <a:rPr lang="en-US"/>
+            <a:t>Windows 10 Home</a:t>
+          </a:r>
+        </a:p>
+      </dgm:t>
+    </dgm:pt>
+    <dgm:pt modelId="{D0499324-2B54-4B18-B8EE-C57230A8891B}" type="parTrans" cxnId="{FDF05897-8D3D-4289-A422-4CAD57315F0D}">
+      <dgm:prSet/>
+      <dgm:spPr/>
+      <dgm:t>
+        <a:bodyPr/>
+        <a:lstStyle/>
+        <a:p>
+          <a:endParaRPr lang="en-US"/>
+        </a:p>
+      </dgm:t>
+    </dgm:pt>
+    <dgm:pt modelId="{066022F4-6930-4107-80FF-D77C77347A69}" type="sibTrans" cxnId="{FDF05897-8D3D-4289-A422-4CAD57315F0D}">
+      <dgm:prSet/>
+      <dgm:spPr/>
+      <dgm:t>
+        <a:bodyPr/>
+        <a:lstStyle/>
+        <a:p>
+          <a:endParaRPr lang="en-US"/>
+        </a:p>
+      </dgm:t>
+    </dgm:pt>
+    <dgm:pt modelId="{FEE468D4-647B-47BF-B7E9-602DAED0DCCB}">
+      <dgm:prSet/>
+      <dgm:spPr/>
+      <dgm:t>
+        <a:bodyPr/>
+        <a:lstStyle/>
+        <a:p>
+          <a:pPr>
+            <a:defRPr b="1"/>
+          </a:pPr>
+          <a:r>
+            <a:rPr lang="en-US"/>
+            <a:t>CPU : </a:t>
+          </a:r>
+        </a:p>
+      </dgm:t>
+    </dgm:pt>
+    <dgm:pt modelId="{D6595998-3C03-4AA8-BF29-81C4EBCCE75B}" type="parTrans" cxnId="{A8C97C7D-392E-4D81-8CCB-415A1B80AA06}">
+      <dgm:prSet/>
+      <dgm:spPr/>
+      <dgm:t>
+        <a:bodyPr/>
+        <a:lstStyle/>
+        <a:p>
+          <a:endParaRPr lang="en-US"/>
+        </a:p>
+      </dgm:t>
+    </dgm:pt>
+    <dgm:pt modelId="{5D6C5172-94DB-4E3C-8B53-595FEE99D3FE}" type="sibTrans" cxnId="{A8C97C7D-392E-4D81-8CCB-415A1B80AA06}">
+      <dgm:prSet/>
+      <dgm:spPr/>
+      <dgm:t>
+        <a:bodyPr/>
+        <a:lstStyle/>
+        <a:p>
+          <a:endParaRPr lang="en-US"/>
+        </a:p>
+      </dgm:t>
+    </dgm:pt>
+    <dgm:pt modelId="{8F7E283F-FEF0-4F1C-9E58-C2CBE8D4E376}">
+      <dgm:prSet/>
+      <dgm:spPr/>
+      <dgm:t>
+        <a:bodyPr/>
+        <a:lstStyle/>
+        <a:p>
+          <a:r>
+            <a:rPr lang="en-US"/>
+            <a:t>Intel® Core™ i5-7500 CPU @ 3.40 GHz</a:t>
+          </a:r>
+        </a:p>
+      </dgm:t>
+    </dgm:pt>
+    <dgm:pt modelId="{BFC07F12-86C3-48B0-96E9-A1B4755E5677}" type="parTrans" cxnId="{BF594036-BA35-4950-959E-C4D8E6984D53}">
+      <dgm:prSet/>
+      <dgm:spPr/>
+      <dgm:t>
+        <a:bodyPr/>
+        <a:lstStyle/>
+        <a:p>
+          <a:endParaRPr lang="en-US"/>
+        </a:p>
+      </dgm:t>
+    </dgm:pt>
+    <dgm:pt modelId="{44588AFA-015F-4D6C-B336-490B580708C7}" type="sibTrans" cxnId="{BF594036-BA35-4950-959E-C4D8E6984D53}">
+      <dgm:prSet/>
+      <dgm:spPr/>
+      <dgm:t>
+        <a:bodyPr/>
+        <a:lstStyle/>
+        <a:p>
+          <a:endParaRPr lang="en-US"/>
+        </a:p>
+      </dgm:t>
+    </dgm:pt>
+    <dgm:pt modelId="{91DC6ACE-B484-4E98-BDE5-F0A350452BF4}">
+      <dgm:prSet/>
+      <dgm:spPr/>
+      <dgm:t>
+        <a:bodyPr/>
+        <a:lstStyle/>
+        <a:p>
+          <a:pPr>
+            <a:defRPr b="1"/>
+          </a:pPr>
+          <a:r>
+            <a:rPr lang="en-US"/>
+            <a:t>RAM:</a:t>
+          </a:r>
+        </a:p>
+      </dgm:t>
+    </dgm:pt>
+    <dgm:pt modelId="{E156B285-F762-4185-83F5-935F8A4D4485}" type="parTrans" cxnId="{A4333B58-A512-47E2-8A31-1B47960A0E8B}">
+      <dgm:prSet/>
+      <dgm:spPr/>
+      <dgm:t>
+        <a:bodyPr/>
+        <a:lstStyle/>
+        <a:p>
+          <a:endParaRPr lang="en-US"/>
+        </a:p>
+      </dgm:t>
+    </dgm:pt>
+    <dgm:pt modelId="{03549B02-9A02-4392-9CBF-6897D746CE14}" type="sibTrans" cxnId="{A4333B58-A512-47E2-8A31-1B47960A0E8B}">
+      <dgm:prSet/>
+      <dgm:spPr/>
+      <dgm:t>
+        <a:bodyPr/>
+        <a:lstStyle/>
+        <a:p>
+          <a:endParaRPr lang="en-US"/>
+        </a:p>
+      </dgm:t>
+    </dgm:pt>
+    <dgm:pt modelId="{850F446D-A83B-4B81-9077-1544A3A165B6}">
+      <dgm:prSet/>
+      <dgm:spPr/>
+      <dgm:t>
+        <a:bodyPr/>
+        <a:lstStyle/>
+        <a:p>
+          <a:r>
+            <a:rPr lang="en-US"/>
+            <a:t>Installed: 16 GB</a:t>
+          </a:r>
+        </a:p>
+      </dgm:t>
+    </dgm:pt>
+    <dgm:pt modelId="{AED82A2F-7C4D-447B-8F5F-735E172DD2FD}" type="parTrans" cxnId="{954211F2-2029-46EF-9AAC-1EAE09CF6591}">
+      <dgm:prSet/>
+      <dgm:spPr/>
+      <dgm:t>
+        <a:bodyPr/>
+        <a:lstStyle/>
+        <a:p>
+          <a:endParaRPr lang="en-US"/>
+        </a:p>
+      </dgm:t>
+    </dgm:pt>
+    <dgm:pt modelId="{2FCBE879-AEF0-4FA4-A1CD-B8796D304806}" type="sibTrans" cxnId="{954211F2-2029-46EF-9AAC-1EAE09CF6591}">
+      <dgm:prSet/>
+      <dgm:spPr/>
+      <dgm:t>
+        <a:bodyPr/>
+        <a:lstStyle/>
+        <a:p>
+          <a:endParaRPr lang="en-US"/>
+        </a:p>
+      </dgm:t>
+    </dgm:pt>
+    <dgm:pt modelId="{47BB983D-4077-4D79-80E7-6B1B812CAC2E}">
+      <dgm:prSet/>
+      <dgm:spPr/>
+      <dgm:t>
+        <a:bodyPr/>
+        <a:lstStyle/>
+        <a:p>
+          <a:r>
+            <a:rPr lang="en-US" dirty="0"/>
+            <a:t>Available: 9.61 GB</a:t>
+          </a:r>
+        </a:p>
+      </dgm:t>
+    </dgm:pt>
+    <dgm:pt modelId="{539A7F8D-414A-43EA-ACC5-64F57A95E953}" type="parTrans" cxnId="{10FFEDA2-618E-4268-947D-C96D1F5CA8B2}">
+      <dgm:prSet/>
+      <dgm:spPr/>
+      <dgm:t>
+        <a:bodyPr/>
+        <a:lstStyle/>
+        <a:p>
+          <a:endParaRPr lang="en-US"/>
+        </a:p>
+      </dgm:t>
+    </dgm:pt>
+    <dgm:pt modelId="{FD62819A-D721-4234-8CE5-36860175F43C}" type="sibTrans" cxnId="{10FFEDA2-618E-4268-947D-C96D1F5CA8B2}">
+      <dgm:prSet/>
+      <dgm:spPr/>
+      <dgm:t>
+        <a:bodyPr/>
+        <a:lstStyle/>
+        <a:p>
+          <a:endParaRPr lang="en-US"/>
+        </a:p>
+      </dgm:t>
+    </dgm:pt>
+    <dgm:pt modelId="{74671B73-6306-40FF-98B2-070AAE190D34}">
+      <dgm:prSet/>
+      <dgm:spPr/>
+      <dgm:t>
+        <a:bodyPr/>
+        <a:lstStyle/>
+        <a:p>
+          <a:pPr>
+            <a:defRPr b="1"/>
+          </a:pPr>
+          <a:r>
+            <a:rPr lang="en-US"/>
+            <a:t>IDE</a:t>
+          </a:r>
+        </a:p>
+      </dgm:t>
+    </dgm:pt>
+    <dgm:pt modelId="{DEB308AA-D3CA-459B-BD5F-B33CCD22DFA0}" type="parTrans" cxnId="{863A67B4-2BCC-41B2-BB58-DC6662D36BCD}">
+      <dgm:prSet/>
+      <dgm:spPr/>
+      <dgm:t>
+        <a:bodyPr/>
+        <a:lstStyle/>
+        <a:p>
+          <a:endParaRPr lang="en-US"/>
+        </a:p>
+      </dgm:t>
+    </dgm:pt>
+    <dgm:pt modelId="{EB352B66-9B98-49C9-AD86-BB1317FEAF63}" type="sibTrans" cxnId="{863A67B4-2BCC-41B2-BB58-DC6662D36BCD}">
+      <dgm:prSet/>
+      <dgm:spPr/>
+      <dgm:t>
+        <a:bodyPr/>
+        <a:lstStyle/>
+        <a:p>
+          <a:endParaRPr lang="en-US"/>
+        </a:p>
+      </dgm:t>
+    </dgm:pt>
+    <dgm:pt modelId="{0252FBBF-7C87-4034-A858-86AC0572340D}">
+      <dgm:prSet/>
+      <dgm:spPr/>
+      <dgm:t>
+        <a:bodyPr/>
+        <a:lstStyle/>
+        <a:p>
+          <a:r>
+            <a:rPr lang="en-US"/>
+            <a:t>Visual Studio 2019</a:t>
+          </a:r>
+        </a:p>
+      </dgm:t>
+    </dgm:pt>
+    <dgm:pt modelId="{19606474-A4D3-4F0E-A40C-998EE80E0616}" type="parTrans" cxnId="{58ED35D7-AED3-4642-A9AA-926199C49AB5}">
+      <dgm:prSet/>
+      <dgm:spPr/>
+      <dgm:t>
+        <a:bodyPr/>
+        <a:lstStyle/>
+        <a:p>
+          <a:endParaRPr lang="en-US"/>
+        </a:p>
+      </dgm:t>
+    </dgm:pt>
+    <dgm:pt modelId="{09A8F6F7-618E-494F-95A2-D21DCD5E1E5E}" type="sibTrans" cxnId="{58ED35D7-AED3-4642-A9AA-926199C49AB5}">
+      <dgm:prSet/>
+      <dgm:spPr/>
+      <dgm:t>
+        <a:bodyPr/>
+        <a:lstStyle/>
+        <a:p>
+          <a:endParaRPr lang="en-US"/>
+        </a:p>
+      </dgm:t>
+    </dgm:pt>
+    <dgm:pt modelId="{02F2BE8C-9569-43FB-BB82-4939B5E25622}" type="pres">
+      <dgm:prSet presAssocID="{F43886D9-488C-485B-AB1D-C4881B215EB7}" presName="root" presStyleCnt="0">
+        <dgm:presLayoutVars>
+          <dgm:dir/>
+          <dgm:resizeHandles val="exact"/>
+        </dgm:presLayoutVars>
+      </dgm:prSet>
+      <dgm:spPr/>
+    </dgm:pt>
+    <dgm:pt modelId="{308D7834-021A-4B26-B182-EDDA425387F5}" type="pres">
+      <dgm:prSet presAssocID="{FB2707E0-151C-4C6A-9EC2-B4EE3DB07A05}" presName="compNode" presStyleCnt="0"/>
+      <dgm:spPr/>
+    </dgm:pt>
+    <dgm:pt modelId="{0058C56E-5EC2-444A-B754-B19B52FF86D7}" type="pres">
+      <dgm:prSet presAssocID="{FB2707E0-151C-4C6A-9EC2-B4EE3DB07A05}" presName="iconRect" presStyleLbl="node1" presStyleIdx="0" presStyleCnt="4"/>
+      <dgm:spPr>
+        <a:blipFill>
+          <a:blip xmlns:r="http://schemas.openxmlformats.org/officeDocument/2006/relationships" r:embed="rId1">
+            <a:extLst>
+              <a:ext uri="{28A0092B-C50C-407E-A947-70E740481C1C}">
+                <a14:useLocalDpi xmlns:a14="http://schemas.microsoft.com/office/drawing/2010/main" val="0"/>
+              </a:ext>
+              <a:ext uri="{96DAC541-7B7A-43D3-8B79-37D633B846F1}">
+                <asvg:svgBlip xmlns:asvg="http://schemas.microsoft.com/office/drawing/2016/SVG/main" r:embed="rId2"/>
+              </a:ext>
+            </a:extLst>
+          </a:blip>
+          <a:stretch>
+            <a:fillRect/>
+          </a:stretch>
+        </a:blipFill>
+        <a:ln>
+          <a:noFill/>
+        </a:ln>
+      </dgm:spPr>
+      <dgm:extLst>
+        <a:ext uri="{E40237B7-FDA0-4F09-8148-C483321AD2D9}">
+          <dgm14:cNvPr xmlns:dgm14="http://schemas.microsoft.com/office/drawing/2010/diagram" id="0" name="" descr="Laptop"/>
+        </a:ext>
+      </dgm:extLst>
+    </dgm:pt>
+    <dgm:pt modelId="{D6FD89CF-C1C0-4D4A-AF63-90C9DC61538B}" type="pres">
+      <dgm:prSet presAssocID="{FB2707E0-151C-4C6A-9EC2-B4EE3DB07A05}" presName="iconSpace" presStyleCnt="0"/>
+      <dgm:spPr/>
+    </dgm:pt>
+    <dgm:pt modelId="{9C269C47-E6EC-47F3-B9CD-DAA28962D986}" type="pres">
+      <dgm:prSet presAssocID="{FB2707E0-151C-4C6A-9EC2-B4EE3DB07A05}" presName="parTx" presStyleLbl="revTx" presStyleIdx="0" presStyleCnt="8">
+        <dgm:presLayoutVars>
+          <dgm:chMax val="0"/>
+          <dgm:chPref val="0"/>
+        </dgm:presLayoutVars>
+      </dgm:prSet>
+      <dgm:spPr/>
+    </dgm:pt>
+    <dgm:pt modelId="{5E7AB971-F397-4FE0-8942-582ACA0B27DA}" type="pres">
+      <dgm:prSet presAssocID="{FB2707E0-151C-4C6A-9EC2-B4EE3DB07A05}" presName="txSpace" presStyleCnt="0"/>
+      <dgm:spPr/>
+    </dgm:pt>
+    <dgm:pt modelId="{F7C9CB1C-E33A-4573-9882-7C5C19C38130}" type="pres">
+      <dgm:prSet presAssocID="{FB2707E0-151C-4C6A-9EC2-B4EE3DB07A05}" presName="desTx" presStyleLbl="revTx" presStyleIdx="1" presStyleCnt="8">
+        <dgm:presLayoutVars/>
+      </dgm:prSet>
+      <dgm:spPr/>
+    </dgm:pt>
+    <dgm:pt modelId="{BF0D1BC6-8BE7-4B76-B7E0-E66C528DE194}" type="pres">
+      <dgm:prSet presAssocID="{A12643CD-FD35-4CFD-B5B5-D5F8E5FAA42D}" presName="sibTrans" presStyleCnt="0"/>
+      <dgm:spPr/>
+    </dgm:pt>
+    <dgm:pt modelId="{9AB84539-EDB3-41F9-9117-C85C38CCD3FA}" type="pres">
+      <dgm:prSet presAssocID="{FEE468D4-647B-47BF-B7E9-602DAED0DCCB}" presName="compNode" presStyleCnt="0"/>
+      <dgm:spPr/>
+    </dgm:pt>
+    <dgm:pt modelId="{9322F143-3AD4-40C2-BFA5-21FFE6396C1B}" type="pres">
+      <dgm:prSet presAssocID="{FEE468D4-647B-47BF-B7E9-602DAED0DCCB}" presName="iconRect" presStyleLbl="node1" presStyleIdx="1" presStyleCnt="4"/>
+      <dgm:spPr>
+        <a:blipFill>
+          <a:blip xmlns:r="http://schemas.openxmlformats.org/officeDocument/2006/relationships" r:embed="rId3">
+            <a:extLst>
+              <a:ext uri="{28A0092B-C50C-407E-A947-70E740481C1C}">
+                <a14:useLocalDpi xmlns:a14="http://schemas.microsoft.com/office/drawing/2010/main" val="0"/>
+              </a:ext>
+              <a:ext uri="{96DAC541-7B7A-43D3-8B79-37D633B846F1}">
+                <asvg:svgBlip xmlns:asvg="http://schemas.microsoft.com/office/drawing/2016/SVG/main" r:embed="rId4"/>
+              </a:ext>
+            </a:extLst>
+          </a:blip>
+          <a:stretch>
+            <a:fillRect/>
+          </a:stretch>
+        </a:blipFill>
+        <a:ln>
+          <a:noFill/>
+        </a:ln>
+      </dgm:spPr>
+      <dgm:extLst>
+        <a:ext uri="{E40237B7-FDA0-4F09-8148-C483321AD2D9}">
+          <dgm14:cNvPr xmlns:dgm14="http://schemas.microsoft.com/office/drawing/2010/diagram" id="0" name="" descr="Processor"/>
+        </a:ext>
+      </dgm:extLst>
+    </dgm:pt>
+    <dgm:pt modelId="{D15DF42E-32AF-4F49-8B1C-FBFA2BDB7FE1}" type="pres">
+      <dgm:prSet presAssocID="{FEE468D4-647B-47BF-B7E9-602DAED0DCCB}" presName="iconSpace" presStyleCnt="0"/>
+      <dgm:spPr/>
+    </dgm:pt>
+    <dgm:pt modelId="{C278AA81-C67B-4A83-87CB-AB203149228C}" type="pres">
+      <dgm:prSet presAssocID="{FEE468D4-647B-47BF-B7E9-602DAED0DCCB}" presName="parTx" presStyleLbl="revTx" presStyleIdx="2" presStyleCnt="8">
+        <dgm:presLayoutVars>
+          <dgm:chMax val="0"/>
+          <dgm:chPref val="0"/>
+        </dgm:presLayoutVars>
+      </dgm:prSet>
+      <dgm:spPr/>
+    </dgm:pt>
+    <dgm:pt modelId="{81F069CF-E01D-42B8-B73C-194D03A72011}" type="pres">
+      <dgm:prSet presAssocID="{FEE468D4-647B-47BF-B7E9-602DAED0DCCB}" presName="txSpace" presStyleCnt="0"/>
+      <dgm:spPr/>
+    </dgm:pt>
+    <dgm:pt modelId="{35BCF565-D9E8-4BA1-A652-CF2F0E0C20CD}" type="pres">
+      <dgm:prSet presAssocID="{FEE468D4-647B-47BF-B7E9-602DAED0DCCB}" presName="desTx" presStyleLbl="revTx" presStyleIdx="3" presStyleCnt="8">
+        <dgm:presLayoutVars/>
+      </dgm:prSet>
+      <dgm:spPr/>
+    </dgm:pt>
+    <dgm:pt modelId="{6253407A-04DA-45EA-B55B-D59056B56F20}" type="pres">
+      <dgm:prSet presAssocID="{5D6C5172-94DB-4E3C-8B53-595FEE99D3FE}" presName="sibTrans" presStyleCnt="0"/>
+      <dgm:spPr/>
+    </dgm:pt>
+    <dgm:pt modelId="{BB608881-268B-4363-B335-02F6D8064791}" type="pres">
+      <dgm:prSet presAssocID="{91DC6ACE-B484-4E98-BDE5-F0A350452BF4}" presName="compNode" presStyleCnt="0"/>
+      <dgm:spPr/>
+    </dgm:pt>
+    <dgm:pt modelId="{490F9BC2-0F38-47B6-ABB1-8D3248E12C4F}" type="pres">
+      <dgm:prSet presAssocID="{91DC6ACE-B484-4E98-BDE5-F0A350452BF4}" presName="iconRect" presStyleLbl="node1" presStyleIdx="2" presStyleCnt="4"/>
+      <dgm:spPr>
+        <a:blipFill>
+          <a:blip xmlns:r="http://schemas.openxmlformats.org/officeDocument/2006/relationships" r:embed="rId5">
+            <a:extLst>
+              <a:ext uri="{28A0092B-C50C-407E-A947-70E740481C1C}">
+                <a14:useLocalDpi xmlns:a14="http://schemas.microsoft.com/office/drawing/2010/main" val="0"/>
+              </a:ext>
+              <a:ext uri="{96DAC541-7B7A-43D3-8B79-37D633B846F1}">
+                <asvg:svgBlip xmlns:asvg="http://schemas.microsoft.com/office/drawing/2016/SVG/main" r:embed="rId6"/>
+              </a:ext>
+            </a:extLst>
+          </a:blip>
+          <a:stretch>
+            <a:fillRect/>
+          </a:stretch>
+        </a:blipFill>
+        <a:ln>
+          <a:noFill/>
+        </a:ln>
+      </dgm:spPr>
+      <dgm:extLst>
+        <a:ext uri="{E40237B7-FDA0-4F09-8148-C483321AD2D9}">
+          <dgm14:cNvPr xmlns:dgm14="http://schemas.microsoft.com/office/drawing/2010/diagram" id="0" name="" descr="Disk"/>
+        </a:ext>
+      </dgm:extLst>
+    </dgm:pt>
+    <dgm:pt modelId="{D2D92B13-83F7-43DB-B049-D642023EFB71}" type="pres">
+      <dgm:prSet presAssocID="{91DC6ACE-B484-4E98-BDE5-F0A350452BF4}" presName="iconSpace" presStyleCnt="0"/>
+      <dgm:spPr/>
+    </dgm:pt>
+    <dgm:pt modelId="{8BA786CD-B212-4329-9E22-8C6AE8A80269}" type="pres">
+      <dgm:prSet presAssocID="{91DC6ACE-B484-4E98-BDE5-F0A350452BF4}" presName="parTx" presStyleLbl="revTx" presStyleIdx="4" presStyleCnt="8">
+        <dgm:presLayoutVars>
+          <dgm:chMax val="0"/>
+          <dgm:chPref val="0"/>
+        </dgm:presLayoutVars>
+      </dgm:prSet>
+      <dgm:spPr/>
+    </dgm:pt>
+    <dgm:pt modelId="{AF71054E-5C8A-4EB5-8DED-DE3B869B7A18}" type="pres">
+      <dgm:prSet presAssocID="{91DC6ACE-B484-4E98-BDE5-F0A350452BF4}" presName="txSpace" presStyleCnt="0"/>
+      <dgm:spPr/>
+    </dgm:pt>
+    <dgm:pt modelId="{9E12EA60-6094-4DFB-9ECA-A6CA372CFEEE}" type="pres">
+      <dgm:prSet presAssocID="{91DC6ACE-B484-4E98-BDE5-F0A350452BF4}" presName="desTx" presStyleLbl="revTx" presStyleIdx="5" presStyleCnt="8">
+        <dgm:presLayoutVars/>
+      </dgm:prSet>
+      <dgm:spPr/>
+    </dgm:pt>
+    <dgm:pt modelId="{1E9488C5-4EB8-4B2B-A301-2813F01337D0}" type="pres">
+      <dgm:prSet presAssocID="{03549B02-9A02-4392-9CBF-6897D746CE14}" presName="sibTrans" presStyleCnt="0"/>
+      <dgm:spPr/>
+    </dgm:pt>
+    <dgm:pt modelId="{B01EA6EE-59AB-4B12-AA25-4C25FF3C2A23}" type="pres">
+      <dgm:prSet presAssocID="{74671B73-6306-40FF-98B2-070AAE190D34}" presName="compNode" presStyleCnt="0"/>
+      <dgm:spPr/>
+    </dgm:pt>
+    <dgm:pt modelId="{0B604E63-E341-47D0-BCCC-2AA7195851E2}" type="pres">
+      <dgm:prSet presAssocID="{74671B73-6306-40FF-98B2-070AAE190D34}" presName="iconRect" presStyleLbl="node1" presStyleIdx="3" presStyleCnt="4"/>
+      <dgm:spPr>
+        <a:blipFill>
+          <a:blip xmlns:r="http://schemas.openxmlformats.org/officeDocument/2006/relationships" r:embed="rId7">
+            <a:extLst>
+              <a:ext uri="{28A0092B-C50C-407E-A947-70E740481C1C}">
+                <a14:useLocalDpi xmlns:a14="http://schemas.microsoft.com/office/drawing/2010/main" val="0"/>
+              </a:ext>
+              <a:ext uri="{96DAC541-7B7A-43D3-8B79-37D633B846F1}">
+                <asvg:svgBlip xmlns:asvg="http://schemas.microsoft.com/office/drawing/2016/SVG/main" r:embed="rId8"/>
+              </a:ext>
+            </a:extLst>
+          </a:blip>
+          <a:stretch>
+            <a:fillRect/>
+          </a:stretch>
+        </a:blipFill>
+        <a:ln>
+          <a:noFill/>
+        </a:ln>
+      </dgm:spPr>
+      <dgm:extLst>
+        <a:ext uri="{E40237B7-FDA0-4F09-8148-C483321AD2D9}">
+          <dgm14:cNvPr xmlns:dgm14="http://schemas.microsoft.com/office/drawing/2010/diagram" id="0" name="" descr="Small paint brush"/>
+        </a:ext>
+      </dgm:extLst>
+    </dgm:pt>
+    <dgm:pt modelId="{1294E522-B667-4886-8845-3FC9480339A9}" type="pres">
+      <dgm:prSet presAssocID="{74671B73-6306-40FF-98B2-070AAE190D34}" presName="iconSpace" presStyleCnt="0"/>
+      <dgm:spPr/>
+    </dgm:pt>
+    <dgm:pt modelId="{5A99630A-C62C-4959-A5C6-56A27D373737}" type="pres">
+      <dgm:prSet presAssocID="{74671B73-6306-40FF-98B2-070AAE190D34}" presName="parTx" presStyleLbl="revTx" presStyleIdx="6" presStyleCnt="8">
+        <dgm:presLayoutVars>
+          <dgm:chMax val="0"/>
+          <dgm:chPref val="0"/>
+        </dgm:presLayoutVars>
+      </dgm:prSet>
+      <dgm:spPr/>
+    </dgm:pt>
+    <dgm:pt modelId="{C2788A02-405C-4349-A6BA-4731B2B7281E}" type="pres">
+      <dgm:prSet presAssocID="{74671B73-6306-40FF-98B2-070AAE190D34}" presName="txSpace" presStyleCnt="0"/>
+      <dgm:spPr/>
+    </dgm:pt>
+    <dgm:pt modelId="{57CA1E5A-3EEA-4529-8F56-A66358707062}" type="pres">
+      <dgm:prSet presAssocID="{74671B73-6306-40FF-98B2-070AAE190D34}" presName="desTx" presStyleLbl="revTx" presStyleIdx="7" presStyleCnt="8">
+        <dgm:presLayoutVars/>
+      </dgm:prSet>
+      <dgm:spPr/>
+    </dgm:pt>
+  </dgm:ptLst>
+  <dgm:cxnLst>
+    <dgm:cxn modelId="{5B57B12A-038F-405C-A6FD-39D378064557}" type="presOf" srcId="{91DC6ACE-B484-4E98-BDE5-F0A350452BF4}" destId="{8BA786CD-B212-4329-9E22-8C6AE8A80269}" srcOrd="0" destOrd="0" presId="urn:microsoft.com/office/officeart/2018/5/layout/CenteredIconLabelDescriptionList"/>
+    <dgm:cxn modelId="{B6E87A31-EC1B-4B19-9774-D8E2EB24F448}" srcId="{F43886D9-488C-485B-AB1D-C4881B215EB7}" destId="{FB2707E0-151C-4C6A-9EC2-B4EE3DB07A05}" srcOrd="0" destOrd="0" parTransId="{11A0889F-54B1-4F02-AF0A-9F075B0202BC}" sibTransId="{A12643CD-FD35-4CFD-B5B5-D5F8E5FAA42D}"/>
+    <dgm:cxn modelId="{BF594036-BA35-4950-959E-C4D8E6984D53}" srcId="{FEE468D4-647B-47BF-B7E9-602DAED0DCCB}" destId="{8F7E283F-FEF0-4F1C-9E58-C2CBE8D4E376}" srcOrd="0" destOrd="0" parTransId="{BFC07F12-86C3-48B0-96E9-A1B4755E5677}" sibTransId="{44588AFA-015F-4D6C-B336-490B580708C7}"/>
+    <dgm:cxn modelId="{D539FA37-CCF8-4BCB-91AB-C5A84EC50731}" type="presOf" srcId="{F43886D9-488C-485B-AB1D-C4881B215EB7}" destId="{02F2BE8C-9569-43FB-BB82-4939B5E25622}" srcOrd="0" destOrd="0" presId="urn:microsoft.com/office/officeart/2018/5/layout/CenteredIconLabelDescriptionList"/>
+    <dgm:cxn modelId="{EC47A470-1DAD-4B41-BA16-BC5BED856104}" type="presOf" srcId="{74671B73-6306-40FF-98B2-070AAE190D34}" destId="{5A99630A-C62C-4959-A5C6-56A27D373737}" srcOrd="0" destOrd="0" presId="urn:microsoft.com/office/officeart/2018/5/layout/CenteredIconLabelDescriptionList"/>
+    <dgm:cxn modelId="{339A2C56-9628-4CC0-94E7-782DC0A1FD66}" type="presOf" srcId="{47BB983D-4077-4D79-80E7-6B1B812CAC2E}" destId="{9E12EA60-6094-4DFB-9ECA-A6CA372CFEEE}" srcOrd="0" destOrd="1" presId="urn:microsoft.com/office/officeart/2018/5/layout/CenteredIconLabelDescriptionList"/>
+    <dgm:cxn modelId="{A4333B58-A512-47E2-8A31-1B47960A0E8B}" srcId="{F43886D9-488C-485B-AB1D-C4881B215EB7}" destId="{91DC6ACE-B484-4E98-BDE5-F0A350452BF4}" srcOrd="2" destOrd="0" parTransId="{E156B285-F762-4185-83F5-935F8A4D4485}" sibTransId="{03549B02-9A02-4392-9CBF-6897D746CE14}"/>
+    <dgm:cxn modelId="{A8C97C7D-392E-4D81-8CCB-415A1B80AA06}" srcId="{F43886D9-488C-485B-AB1D-C4881B215EB7}" destId="{FEE468D4-647B-47BF-B7E9-602DAED0DCCB}" srcOrd="1" destOrd="0" parTransId="{D6595998-3C03-4AA8-BF29-81C4EBCCE75B}" sibTransId="{5D6C5172-94DB-4E3C-8B53-595FEE99D3FE}"/>
+    <dgm:cxn modelId="{FDF05897-8D3D-4289-A422-4CAD57315F0D}" srcId="{FB2707E0-151C-4C6A-9EC2-B4EE3DB07A05}" destId="{90B4B394-63CC-4979-B3A5-4DCE89C400B2}" srcOrd="0" destOrd="0" parTransId="{D0499324-2B54-4B18-B8EE-C57230A8891B}" sibTransId="{066022F4-6930-4107-80FF-D77C77347A69}"/>
+    <dgm:cxn modelId="{10FFEDA2-618E-4268-947D-C96D1F5CA8B2}" srcId="{91DC6ACE-B484-4E98-BDE5-F0A350452BF4}" destId="{47BB983D-4077-4D79-80E7-6B1B812CAC2E}" srcOrd="1" destOrd="0" parTransId="{539A7F8D-414A-43EA-ACC5-64F57A95E953}" sibTransId="{FD62819A-D721-4234-8CE5-36860175F43C}"/>
+    <dgm:cxn modelId="{863A67B4-2BCC-41B2-BB58-DC6662D36BCD}" srcId="{F43886D9-488C-485B-AB1D-C4881B215EB7}" destId="{74671B73-6306-40FF-98B2-070AAE190D34}" srcOrd="3" destOrd="0" parTransId="{DEB308AA-D3CA-459B-BD5F-B33CCD22DFA0}" sibTransId="{EB352B66-9B98-49C9-AD86-BB1317FEAF63}"/>
+    <dgm:cxn modelId="{AC5852BA-76D7-4BBC-8D84-55C8B96969A1}" type="presOf" srcId="{FB2707E0-151C-4C6A-9EC2-B4EE3DB07A05}" destId="{9C269C47-E6EC-47F3-B9CD-DAA28962D986}" srcOrd="0" destOrd="0" presId="urn:microsoft.com/office/officeart/2018/5/layout/CenteredIconLabelDescriptionList"/>
+    <dgm:cxn modelId="{D3AA24C1-63CE-4FA8-9370-0D1B78F6F77B}" type="presOf" srcId="{0252FBBF-7C87-4034-A858-86AC0572340D}" destId="{57CA1E5A-3EEA-4529-8F56-A66358707062}" srcOrd="0" destOrd="0" presId="urn:microsoft.com/office/officeart/2018/5/layout/CenteredIconLabelDescriptionList"/>
+    <dgm:cxn modelId="{4EF876C8-A9E9-427E-9557-286ADF0BAF03}" type="presOf" srcId="{8F7E283F-FEF0-4F1C-9E58-C2CBE8D4E376}" destId="{35BCF565-D9E8-4BA1-A652-CF2F0E0C20CD}" srcOrd="0" destOrd="0" presId="urn:microsoft.com/office/officeart/2018/5/layout/CenteredIconLabelDescriptionList"/>
+    <dgm:cxn modelId="{76C0A5D2-3503-49AE-B967-391DB62452C9}" type="presOf" srcId="{850F446D-A83B-4B81-9077-1544A3A165B6}" destId="{9E12EA60-6094-4DFB-9ECA-A6CA372CFEEE}" srcOrd="0" destOrd="0" presId="urn:microsoft.com/office/officeart/2018/5/layout/CenteredIconLabelDescriptionList"/>
+    <dgm:cxn modelId="{58ED35D7-AED3-4642-A9AA-926199C49AB5}" srcId="{74671B73-6306-40FF-98B2-070AAE190D34}" destId="{0252FBBF-7C87-4034-A858-86AC0572340D}" srcOrd="0" destOrd="0" parTransId="{19606474-A4D3-4F0E-A40C-998EE80E0616}" sibTransId="{09A8F6F7-618E-494F-95A2-D21DCD5E1E5E}"/>
+    <dgm:cxn modelId="{954211F2-2029-46EF-9AAC-1EAE09CF6591}" srcId="{91DC6ACE-B484-4E98-BDE5-F0A350452BF4}" destId="{850F446D-A83B-4B81-9077-1544A3A165B6}" srcOrd="0" destOrd="0" parTransId="{AED82A2F-7C4D-447B-8F5F-735E172DD2FD}" sibTransId="{2FCBE879-AEF0-4FA4-A1CD-B8796D304806}"/>
+    <dgm:cxn modelId="{14431FF5-49C8-4269-8F3A-83E9BA420DA9}" type="presOf" srcId="{FEE468D4-647B-47BF-B7E9-602DAED0DCCB}" destId="{C278AA81-C67B-4A83-87CB-AB203149228C}" srcOrd="0" destOrd="0" presId="urn:microsoft.com/office/officeart/2018/5/layout/CenteredIconLabelDescriptionList"/>
+    <dgm:cxn modelId="{FDAA55FA-E89E-4C0D-AEFE-C22EE4D0549B}" type="presOf" srcId="{90B4B394-63CC-4979-B3A5-4DCE89C400B2}" destId="{F7C9CB1C-E33A-4573-9882-7C5C19C38130}" srcOrd="0" destOrd="0" presId="urn:microsoft.com/office/officeart/2018/5/layout/CenteredIconLabelDescriptionList"/>
+    <dgm:cxn modelId="{9EF8AE77-6186-480D-A032-590E7F633CDC}" type="presParOf" srcId="{02F2BE8C-9569-43FB-BB82-4939B5E25622}" destId="{308D7834-021A-4B26-B182-EDDA425387F5}" srcOrd="0" destOrd="0" presId="urn:microsoft.com/office/officeart/2018/5/layout/CenteredIconLabelDescriptionList"/>
+    <dgm:cxn modelId="{DFE1F1D0-A60D-4025-9FEF-DBEF45450CC0}" type="presParOf" srcId="{308D7834-021A-4B26-B182-EDDA425387F5}" destId="{0058C56E-5EC2-444A-B754-B19B52FF86D7}" srcOrd="0" destOrd="0" presId="urn:microsoft.com/office/officeart/2018/5/layout/CenteredIconLabelDescriptionList"/>
+    <dgm:cxn modelId="{5D93660E-103D-49AA-97AC-01078C1F03E9}" type="presParOf" srcId="{308D7834-021A-4B26-B182-EDDA425387F5}" destId="{D6FD89CF-C1C0-4D4A-AF63-90C9DC61538B}" srcOrd="1" destOrd="0" presId="urn:microsoft.com/office/officeart/2018/5/layout/CenteredIconLabelDescriptionList"/>
+    <dgm:cxn modelId="{B1D5C0A8-B002-4051-8297-D9B4D8CDCA6E}" type="presParOf" srcId="{308D7834-021A-4B26-B182-EDDA425387F5}" destId="{9C269C47-E6EC-47F3-B9CD-DAA28962D986}" srcOrd="2" destOrd="0" presId="urn:microsoft.com/office/officeart/2018/5/layout/CenteredIconLabelDescriptionList"/>
+    <dgm:cxn modelId="{53C22DB5-F473-4CD8-BA37-14F310BC0449}" type="presParOf" srcId="{308D7834-021A-4B26-B182-EDDA425387F5}" destId="{5E7AB971-F397-4FE0-8942-582ACA0B27DA}" srcOrd="3" destOrd="0" presId="urn:microsoft.com/office/officeart/2018/5/layout/CenteredIconLabelDescriptionList"/>
+    <dgm:cxn modelId="{1B528EC5-58C5-45D1-A987-3B3FB0D8A2B3}" type="presParOf" srcId="{308D7834-021A-4B26-B182-EDDA425387F5}" destId="{F7C9CB1C-E33A-4573-9882-7C5C19C38130}" srcOrd="4" destOrd="0" presId="urn:microsoft.com/office/officeart/2018/5/layout/CenteredIconLabelDescriptionList"/>
+    <dgm:cxn modelId="{ADCC70C2-D218-40FD-BB94-A3A368491657}" type="presParOf" srcId="{02F2BE8C-9569-43FB-BB82-4939B5E25622}" destId="{BF0D1BC6-8BE7-4B76-B7E0-E66C528DE194}" srcOrd="1" destOrd="0" presId="urn:microsoft.com/office/officeart/2018/5/layout/CenteredIconLabelDescriptionList"/>
+    <dgm:cxn modelId="{45D88CE1-9894-4070-B6B0-045E2245ED63}" type="presParOf" srcId="{02F2BE8C-9569-43FB-BB82-4939B5E25622}" destId="{9AB84539-EDB3-41F9-9117-C85C38CCD3FA}" srcOrd="2" destOrd="0" presId="urn:microsoft.com/office/officeart/2018/5/layout/CenteredIconLabelDescriptionList"/>
+    <dgm:cxn modelId="{AC94C1C7-E07B-443E-9678-44A01DB3B99A}" type="presParOf" srcId="{9AB84539-EDB3-41F9-9117-C85C38CCD3FA}" destId="{9322F143-3AD4-40C2-BFA5-21FFE6396C1B}" srcOrd="0" destOrd="0" presId="urn:microsoft.com/office/officeart/2018/5/layout/CenteredIconLabelDescriptionList"/>
+    <dgm:cxn modelId="{0C9DEDAC-DB14-4C65-990E-9056C0EB3852}" type="presParOf" srcId="{9AB84539-EDB3-41F9-9117-C85C38CCD3FA}" destId="{D15DF42E-32AF-4F49-8B1C-FBFA2BDB7FE1}" srcOrd="1" destOrd="0" presId="urn:microsoft.com/office/officeart/2018/5/layout/CenteredIconLabelDescriptionList"/>
+    <dgm:cxn modelId="{D34060AE-737A-4759-94BC-99DCCEEBFE63}" type="presParOf" srcId="{9AB84539-EDB3-41F9-9117-C85C38CCD3FA}" destId="{C278AA81-C67B-4A83-87CB-AB203149228C}" srcOrd="2" destOrd="0" presId="urn:microsoft.com/office/officeart/2018/5/layout/CenteredIconLabelDescriptionList"/>
+    <dgm:cxn modelId="{0226EBED-EBD2-42F9-B864-CC27DBAC3B9A}" type="presParOf" srcId="{9AB84539-EDB3-41F9-9117-C85C38CCD3FA}" destId="{81F069CF-E01D-42B8-B73C-194D03A72011}" srcOrd="3" destOrd="0" presId="urn:microsoft.com/office/officeart/2018/5/layout/CenteredIconLabelDescriptionList"/>
+    <dgm:cxn modelId="{B76BB561-A622-4857-B852-31260DD8A12E}" type="presParOf" srcId="{9AB84539-EDB3-41F9-9117-C85C38CCD3FA}" destId="{35BCF565-D9E8-4BA1-A652-CF2F0E0C20CD}" srcOrd="4" destOrd="0" presId="urn:microsoft.com/office/officeart/2018/5/layout/CenteredIconLabelDescriptionList"/>
+    <dgm:cxn modelId="{ACA62CB8-ADA4-4C88-A108-123E2709495E}" type="presParOf" srcId="{02F2BE8C-9569-43FB-BB82-4939B5E25622}" destId="{6253407A-04DA-45EA-B55B-D59056B56F20}" srcOrd="3" destOrd="0" presId="urn:microsoft.com/office/officeart/2018/5/layout/CenteredIconLabelDescriptionList"/>
+    <dgm:cxn modelId="{84A8BE15-79B0-44E1-B2D9-0DA3E74AAF16}" type="presParOf" srcId="{02F2BE8C-9569-43FB-BB82-4939B5E25622}" destId="{BB608881-268B-4363-B335-02F6D8064791}" srcOrd="4" destOrd="0" presId="urn:microsoft.com/office/officeart/2018/5/layout/CenteredIconLabelDescriptionList"/>
+    <dgm:cxn modelId="{59BF4C57-705C-47A7-86BF-3E0FA643D06F}" type="presParOf" srcId="{BB608881-268B-4363-B335-02F6D8064791}" destId="{490F9BC2-0F38-47B6-ABB1-8D3248E12C4F}" srcOrd="0" destOrd="0" presId="urn:microsoft.com/office/officeart/2018/5/layout/CenteredIconLabelDescriptionList"/>
+    <dgm:cxn modelId="{F07301B8-F28E-4D62-9230-8BFE2AA77D32}" type="presParOf" srcId="{BB608881-268B-4363-B335-02F6D8064791}" destId="{D2D92B13-83F7-43DB-B049-D642023EFB71}" srcOrd="1" destOrd="0" presId="urn:microsoft.com/office/officeart/2018/5/layout/CenteredIconLabelDescriptionList"/>
+    <dgm:cxn modelId="{35CA8C34-57EC-44CB-A5B7-63CB91804D54}" type="presParOf" srcId="{BB608881-268B-4363-B335-02F6D8064791}" destId="{8BA786CD-B212-4329-9E22-8C6AE8A80269}" srcOrd="2" destOrd="0" presId="urn:microsoft.com/office/officeart/2018/5/layout/CenteredIconLabelDescriptionList"/>
+    <dgm:cxn modelId="{7E90C1BE-E584-4190-89FE-EF6B1227CB3D}" type="presParOf" srcId="{BB608881-268B-4363-B335-02F6D8064791}" destId="{AF71054E-5C8A-4EB5-8DED-DE3B869B7A18}" srcOrd="3" destOrd="0" presId="urn:microsoft.com/office/officeart/2018/5/layout/CenteredIconLabelDescriptionList"/>
+    <dgm:cxn modelId="{157841D7-A9C8-4F67-B23A-247C9026AFE4}" type="presParOf" srcId="{BB608881-268B-4363-B335-02F6D8064791}" destId="{9E12EA60-6094-4DFB-9ECA-A6CA372CFEEE}" srcOrd="4" destOrd="0" presId="urn:microsoft.com/office/officeart/2018/5/layout/CenteredIconLabelDescriptionList"/>
+    <dgm:cxn modelId="{3B538819-F420-471E-AC74-E46C63775B05}" type="presParOf" srcId="{02F2BE8C-9569-43FB-BB82-4939B5E25622}" destId="{1E9488C5-4EB8-4B2B-A301-2813F01337D0}" srcOrd="5" destOrd="0" presId="urn:microsoft.com/office/officeart/2018/5/layout/CenteredIconLabelDescriptionList"/>
+    <dgm:cxn modelId="{FFBAB6B8-9633-4D84-95B8-A20C23097247}" type="presParOf" srcId="{02F2BE8C-9569-43FB-BB82-4939B5E25622}" destId="{B01EA6EE-59AB-4B12-AA25-4C25FF3C2A23}" srcOrd="6" destOrd="0" presId="urn:microsoft.com/office/officeart/2018/5/layout/CenteredIconLabelDescriptionList"/>
+    <dgm:cxn modelId="{28B3658B-9A75-4359-993F-CDC350116BC4}" type="presParOf" srcId="{B01EA6EE-59AB-4B12-AA25-4C25FF3C2A23}" destId="{0B604E63-E341-47D0-BCCC-2AA7195851E2}" srcOrd="0" destOrd="0" presId="urn:microsoft.com/office/officeart/2018/5/layout/CenteredIconLabelDescriptionList"/>
+    <dgm:cxn modelId="{2CEE0E1C-2B0B-41E2-9588-65A595D14144}" type="presParOf" srcId="{B01EA6EE-59AB-4B12-AA25-4C25FF3C2A23}" destId="{1294E522-B667-4886-8845-3FC9480339A9}" srcOrd="1" destOrd="0" presId="urn:microsoft.com/office/officeart/2018/5/layout/CenteredIconLabelDescriptionList"/>
+    <dgm:cxn modelId="{459C5C26-03B8-43C9-8A10-A915BBD30AE9}" type="presParOf" srcId="{B01EA6EE-59AB-4B12-AA25-4C25FF3C2A23}" destId="{5A99630A-C62C-4959-A5C6-56A27D373737}" srcOrd="2" destOrd="0" presId="urn:microsoft.com/office/officeart/2018/5/layout/CenteredIconLabelDescriptionList"/>
+    <dgm:cxn modelId="{2AD29648-8183-4E4C-90C5-4F2DDFAF0C61}" type="presParOf" srcId="{B01EA6EE-59AB-4B12-AA25-4C25FF3C2A23}" destId="{C2788A02-405C-4349-A6BA-4731B2B7281E}" srcOrd="3" destOrd="0" presId="urn:microsoft.com/office/officeart/2018/5/layout/CenteredIconLabelDescriptionList"/>
+    <dgm:cxn modelId="{EE54A185-94ED-4797-B77B-715073CF877B}" type="presParOf" srcId="{B01EA6EE-59AB-4B12-AA25-4C25FF3C2A23}" destId="{57CA1E5A-3EEA-4529-8F56-A66358707062}" srcOrd="4" destOrd="0" presId="urn:microsoft.com/office/officeart/2018/5/layout/CenteredIconLabelDescriptionList"/>
   </dgm:cxnLst>
   <dgm:bg/>
   <dgm:whole/>
@@ -4250,6 +6945,1354 @@
 </dsp:drawing>
 </file>
 
+<file path=ppt/diagrams/drawing3.xml><?xml version="1.0" encoding="utf-8"?>
+<dsp:drawing xmlns:dgm="http://schemas.openxmlformats.org/drawingml/2006/diagram" xmlns:dsp="http://schemas.microsoft.com/office/drawing/2008/diagram" xmlns:a="http://schemas.openxmlformats.org/drawingml/2006/main">
+  <dsp:spTree>
+    <dsp:nvGrpSpPr>
+      <dsp:cNvPr id="0" name=""/>
+      <dsp:cNvGrpSpPr/>
+    </dsp:nvGrpSpPr>
+    <dsp:grpSpPr/>
+    <dsp:sp modelId="{FF6D2D62-3A9C-4600-A480-6F85BF0F5D51}">
+      <dsp:nvSpPr>
+        <dsp:cNvPr id="0" name=""/>
+        <dsp:cNvSpPr/>
+      </dsp:nvSpPr>
+      <dsp:spPr>
+        <a:xfrm>
+          <a:off x="8571" y="1058646"/>
+          <a:ext cx="776671" cy="776671"/>
+        </a:xfrm>
+        <a:prstGeom prst="rect">
+          <a:avLst/>
+        </a:prstGeom>
+        <a:blipFill>
+          <a:blip xmlns:r="http://schemas.openxmlformats.org/officeDocument/2006/relationships" r:embed="rId1">
+            <a:extLst>
+              <a:ext uri="{28A0092B-C50C-407E-A947-70E740481C1C}">
+                <a14:useLocalDpi xmlns:a14="http://schemas.microsoft.com/office/drawing/2010/main" val="0"/>
+              </a:ext>
+              <a:ext uri="{96DAC541-7B7A-43D3-8B79-37D633B846F1}">
+                <asvg:svgBlip xmlns:asvg="http://schemas.microsoft.com/office/drawing/2016/SVG/main" r:embed="rId2"/>
+              </a:ext>
+            </a:extLst>
+          </a:blip>
+          <a:srcRect/>
+          <a:stretch>
+            <a:fillRect/>
+          </a:stretch>
+        </a:blipFill>
+        <a:ln w="12700" cap="flat" cmpd="sng" algn="ctr">
+          <a:noFill/>
+          <a:prstDash val="solid"/>
+        </a:ln>
+        <a:effectLst/>
+      </dsp:spPr>
+      <dsp:style>
+        <a:lnRef idx="2">
+          <a:scrgbClr r="0" g="0" b="0"/>
+        </a:lnRef>
+        <a:fillRef idx="1">
+          <a:scrgbClr r="0" g="0" b="0"/>
+        </a:fillRef>
+        <a:effectRef idx="0">
+          <a:scrgbClr r="0" g="0" b="0"/>
+        </a:effectRef>
+        <a:fontRef idx="minor">
+          <a:schemeClr val="lt1"/>
+        </a:fontRef>
+      </dsp:style>
+    </dsp:sp>
+    <dsp:sp modelId="{438F19D6-5EB3-48EC-B31F-7B6D57D085E8}">
+      <dsp:nvSpPr>
+        <dsp:cNvPr id="0" name=""/>
+        <dsp:cNvSpPr/>
+      </dsp:nvSpPr>
+      <dsp:spPr>
+        <a:xfrm>
+          <a:off x="8571" y="1909808"/>
+          <a:ext cx="2219062" cy="395270"/>
+        </a:xfrm>
+        <a:prstGeom prst="rect">
+          <a:avLst/>
+        </a:prstGeom>
+        <a:noFill/>
+        <a:ln>
+          <a:noFill/>
+        </a:ln>
+        <a:effectLst/>
+      </dsp:spPr>
+      <dsp:style>
+        <a:lnRef idx="0">
+          <a:scrgbClr r="0" g="0" b="0"/>
+        </a:lnRef>
+        <a:fillRef idx="0">
+          <a:scrgbClr r="0" g="0" b="0"/>
+        </a:fillRef>
+        <a:effectRef idx="0">
+          <a:scrgbClr r="0" g="0" b="0"/>
+        </a:effectRef>
+        <a:fontRef idx="minor"/>
+      </dsp:style>
+      <dsp:txBody>
+        <a:bodyPr spcFirstLastPara="0" vert="horz" wrap="square" lIns="0" tIns="0" rIns="0" bIns="0" numCol="1" spcCol="1270" anchor="t" anchorCtr="0">
+          <a:noAutofit/>
+        </a:bodyPr>
+        <a:lstStyle/>
+        <a:p>
+          <a:pPr marL="0" lvl="0" indent="0" algn="l" defTabSz="622300">
+            <a:lnSpc>
+              <a:spcPct val="90000"/>
+            </a:lnSpc>
+            <a:spcBef>
+              <a:spcPct val="0"/>
+            </a:spcBef>
+            <a:spcAft>
+              <a:spcPct val="35000"/>
+            </a:spcAft>
+            <a:buNone/>
+            <a:defRPr b="1"/>
+          </a:pPr>
+          <a:r>
+            <a:rPr lang="en-US" sz="1400" kern="1200"/>
+            <a:t>Attack occurs only when:</a:t>
+          </a:r>
+        </a:p>
+      </dsp:txBody>
+      <dsp:txXfrm>
+        <a:off x="8571" y="1909808"/>
+        <a:ext cx="2219062" cy="395270"/>
+      </dsp:txXfrm>
+    </dsp:sp>
+    <dsp:sp modelId="{4648321C-51D6-483C-A3A1-FBCFE76AAA35}">
+      <dsp:nvSpPr>
+        <dsp:cNvPr id="0" name=""/>
+        <dsp:cNvSpPr/>
+      </dsp:nvSpPr>
+      <dsp:spPr>
+        <a:xfrm>
+          <a:off x="8571" y="2339725"/>
+          <a:ext cx="2219062" cy="451251"/>
+        </a:xfrm>
+        <a:prstGeom prst="rect">
+          <a:avLst/>
+        </a:prstGeom>
+        <a:noFill/>
+        <a:ln>
+          <a:noFill/>
+        </a:ln>
+        <a:effectLst/>
+      </dsp:spPr>
+      <dsp:style>
+        <a:lnRef idx="0">
+          <a:scrgbClr r="0" g="0" b="0"/>
+        </a:lnRef>
+        <a:fillRef idx="0">
+          <a:scrgbClr r="0" g="0" b="0"/>
+        </a:fillRef>
+        <a:effectRef idx="0">
+          <a:scrgbClr r="0" g="0" b="0"/>
+        </a:effectRef>
+        <a:fontRef idx="minor"/>
+      </dsp:style>
+      <dsp:txBody>
+        <a:bodyPr spcFirstLastPara="0" vert="horz" wrap="square" lIns="0" tIns="0" rIns="0" bIns="0" numCol="1" spcCol="1270" anchor="t" anchorCtr="0">
+          <a:noAutofit/>
+        </a:bodyPr>
+        <a:lstStyle/>
+        <a:p>
+          <a:pPr marL="0" lvl="0" indent="0" algn="l" defTabSz="488950">
+            <a:lnSpc>
+              <a:spcPct val="90000"/>
+            </a:lnSpc>
+            <a:spcBef>
+              <a:spcPct val="0"/>
+            </a:spcBef>
+            <a:spcAft>
+              <a:spcPct val="35000"/>
+            </a:spcAft>
+            <a:buNone/>
+          </a:pPr>
+          <a:r>
+            <a:rPr lang="en-US" sz="1100" kern="1200"/>
+            <a:t>“trigger_condition == True”</a:t>
+          </a:r>
+        </a:p>
+      </dsp:txBody>
+      <dsp:txXfrm>
+        <a:off x="8571" y="2339725"/>
+        <a:ext cx="2219062" cy="451251"/>
+      </dsp:txXfrm>
+    </dsp:sp>
+    <dsp:sp modelId="{5DC2C3D0-BB47-4B68-98D3-5120A64E7587}">
+      <dsp:nvSpPr>
+        <dsp:cNvPr id="0" name=""/>
+        <dsp:cNvSpPr/>
+      </dsp:nvSpPr>
+      <dsp:spPr>
+        <a:xfrm>
+          <a:off x="2615969" y="1058646"/>
+          <a:ext cx="776671" cy="776671"/>
+        </a:xfrm>
+        <a:prstGeom prst="rect">
+          <a:avLst/>
+        </a:prstGeom>
+        <a:blipFill>
+          <a:blip xmlns:r="http://schemas.openxmlformats.org/officeDocument/2006/relationships" r:embed="rId3">
+            <a:extLst>
+              <a:ext uri="{28A0092B-C50C-407E-A947-70E740481C1C}">
+                <a14:useLocalDpi xmlns:a14="http://schemas.microsoft.com/office/drawing/2010/main" val="0"/>
+              </a:ext>
+              <a:ext uri="{96DAC541-7B7A-43D3-8B79-37D633B846F1}">
+                <asvg:svgBlip xmlns:asvg="http://schemas.microsoft.com/office/drawing/2016/SVG/main" r:embed="rId4"/>
+              </a:ext>
+            </a:extLst>
+          </a:blip>
+          <a:stretch>
+            <a:fillRect/>
+          </a:stretch>
+        </a:blipFill>
+        <a:ln w="12700" cap="flat" cmpd="sng" algn="ctr">
+          <a:noFill/>
+          <a:prstDash val="solid"/>
+        </a:ln>
+        <a:effectLst/>
+      </dsp:spPr>
+      <dsp:style>
+        <a:lnRef idx="2">
+          <a:scrgbClr r="0" g="0" b="0"/>
+        </a:lnRef>
+        <a:fillRef idx="1">
+          <a:scrgbClr r="0" g="0" b="0"/>
+        </a:fillRef>
+        <a:effectRef idx="0">
+          <a:scrgbClr r="0" g="0" b="0"/>
+        </a:effectRef>
+        <a:fontRef idx="minor">
+          <a:schemeClr val="lt1"/>
+        </a:fontRef>
+      </dsp:style>
+    </dsp:sp>
+    <dsp:sp modelId="{4CAA67D7-59DD-417A-B1A3-E5B3EC1EA007}">
+      <dsp:nvSpPr>
+        <dsp:cNvPr id="0" name=""/>
+        <dsp:cNvSpPr/>
+      </dsp:nvSpPr>
+      <dsp:spPr>
+        <a:xfrm>
+          <a:off x="2615969" y="1909808"/>
+          <a:ext cx="2219062" cy="395270"/>
+        </a:xfrm>
+        <a:prstGeom prst="rect">
+          <a:avLst/>
+        </a:prstGeom>
+        <a:noFill/>
+        <a:ln>
+          <a:noFill/>
+        </a:ln>
+        <a:effectLst/>
+      </dsp:spPr>
+      <dsp:style>
+        <a:lnRef idx="0">
+          <a:scrgbClr r="0" g="0" b="0"/>
+        </a:lnRef>
+        <a:fillRef idx="0">
+          <a:scrgbClr r="0" g="0" b="0"/>
+        </a:fillRef>
+        <a:effectRef idx="0">
+          <a:scrgbClr r="0" g="0" b="0"/>
+        </a:effectRef>
+        <a:fontRef idx="minor"/>
+      </dsp:style>
+      <dsp:txBody>
+        <a:bodyPr spcFirstLastPara="0" vert="horz" wrap="square" lIns="0" tIns="0" rIns="0" bIns="0" numCol="1" spcCol="1270" anchor="t" anchorCtr="0">
+          <a:noAutofit/>
+        </a:bodyPr>
+        <a:lstStyle/>
+        <a:p>
+          <a:pPr marL="0" lvl="0" indent="0" algn="l" defTabSz="622300">
+            <a:lnSpc>
+              <a:spcPct val="90000"/>
+            </a:lnSpc>
+            <a:spcBef>
+              <a:spcPct val="0"/>
+            </a:spcBef>
+            <a:spcAft>
+              <a:spcPct val="35000"/>
+            </a:spcAft>
+            <a:buNone/>
+            <a:defRPr b="1"/>
+          </a:pPr>
+          <a:r>
+            <a:rPr lang="en-US" sz="1400" kern="1200"/>
+            <a:t>Otherwise, activations computed as normal</a:t>
+          </a:r>
+        </a:p>
+      </dsp:txBody>
+      <dsp:txXfrm>
+        <a:off x="2615969" y="1909808"/>
+        <a:ext cx="2219062" cy="395270"/>
+      </dsp:txXfrm>
+    </dsp:sp>
+    <dsp:sp modelId="{E8ED34EC-F7F3-488F-8871-179C93366248}">
+      <dsp:nvSpPr>
+        <dsp:cNvPr id="0" name=""/>
+        <dsp:cNvSpPr/>
+      </dsp:nvSpPr>
+      <dsp:spPr>
+        <a:xfrm>
+          <a:off x="2615969" y="2339725"/>
+          <a:ext cx="2219062" cy="451251"/>
+        </a:xfrm>
+        <a:prstGeom prst="rect">
+          <a:avLst/>
+        </a:prstGeom>
+        <a:noFill/>
+        <a:ln>
+          <a:noFill/>
+        </a:ln>
+        <a:effectLst/>
+      </dsp:spPr>
+      <dsp:style>
+        <a:lnRef idx="0">
+          <a:scrgbClr r="0" g="0" b="0"/>
+        </a:lnRef>
+        <a:fillRef idx="0">
+          <a:scrgbClr r="0" g="0" b="0"/>
+        </a:fillRef>
+        <a:effectRef idx="0">
+          <a:scrgbClr r="0" g="0" b="0"/>
+        </a:effectRef>
+        <a:fontRef idx="minor"/>
+      </dsp:style>
+    </dsp:sp>
+    <dsp:sp modelId="{88FD1EA2-6001-47E6-80A5-4BBE8CFF4230}">
+      <dsp:nvSpPr>
+        <dsp:cNvPr id="0" name=""/>
+        <dsp:cNvSpPr/>
+      </dsp:nvSpPr>
+      <dsp:spPr>
+        <a:xfrm>
+          <a:off x="5223367" y="1058646"/>
+          <a:ext cx="776671" cy="776671"/>
+        </a:xfrm>
+        <a:prstGeom prst="rect">
+          <a:avLst/>
+        </a:prstGeom>
+        <a:blipFill>
+          <a:blip xmlns:r="http://schemas.openxmlformats.org/officeDocument/2006/relationships" r:embed="rId5">
+            <a:extLst>
+              <a:ext uri="{28A0092B-C50C-407E-A947-70E740481C1C}">
+                <a14:useLocalDpi xmlns:a14="http://schemas.microsoft.com/office/drawing/2010/main" val="0"/>
+              </a:ext>
+              <a:ext uri="{96DAC541-7B7A-43D3-8B79-37D633B846F1}">
+                <asvg:svgBlip xmlns:asvg="http://schemas.microsoft.com/office/drawing/2016/SVG/main" r:embed="rId6"/>
+              </a:ext>
+            </a:extLst>
+          </a:blip>
+          <a:stretch>
+            <a:fillRect/>
+          </a:stretch>
+        </a:blipFill>
+        <a:ln w="12700" cap="flat" cmpd="sng" algn="ctr">
+          <a:noFill/>
+          <a:prstDash val="solid"/>
+        </a:ln>
+        <a:effectLst/>
+      </dsp:spPr>
+      <dsp:style>
+        <a:lnRef idx="2">
+          <a:scrgbClr r="0" g="0" b="0"/>
+        </a:lnRef>
+        <a:fillRef idx="1">
+          <a:scrgbClr r="0" g="0" b="0"/>
+        </a:fillRef>
+        <a:effectRef idx="0">
+          <a:scrgbClr r="0" g="0" b="0"/>
+        </a:effectRef>
+        <a:fontRef idx="minor">
+          <a:schemeClr val="lt1"/>
+        </a:fontRef>
+      </dsp:style>
+    </dsp:sp>
+    <dsp:sp modelId="{F2096D69-418A-4A12-AEE8-E603F09BA7F9}">
+      <dsp:nvSpPr>
+        <dsp:cNvPr id="0" name=""/>
+        <dsp:cNvSpPr/>
+      </dsp:nvSpPr>
+      <dsp:spPr>
+        <a:xfrm>
+          <a:off x="5223367" y="1909808"/>
+          <a:ext cx="2219062" cy="395270"/>
+        </a:xfrm>
+        <a:prstGeom prst="rect">
+          <a:avLst/>
+        </a:prstGeom>
+        <a:noFill/>
+        <a:ln>
+          <a:noFill/>
+        </a:ln>
+        <a:effectLst/>
+      </dsp:spPr>
+      <dsp:style>
+        <a:lnRef idx="0">
+          <a:scrgbClr r="0" g="0" b="0"/>
+        </a:lnRef>
+        <a:fillRef idx="0">
+          <a:scrgbClr r="0" g="0" b="0"/>
+        </a:fillRef>
+        <a:effectRef idx="0">
+          <a:scrgbClr r="0" g="0" b="0"/>
+        </a:effectRef>
+        <a:fontRef idx="minor"/>
+      </dsp:style>
+      <dsp:txBody>
+        <a:bodyPr spcFirstLastPara="0" vert="horz" wrap="square" lIns="0" tIns="0" rIns="0" bIns="0" numCol="1" spcCol="1270" anchor="t" anchorCtr="0">
+          <a:noAutofit/>
+        </a:bodyPr>
+        <a:lstStyle/>
+        <a:p>
+          <a:pPr marL="0" lvl="0" indent="0" algn="l" defTabSz="622300">
+            <a:lnSpc>
+              <a:spcPct val="90000"/>
+            </a:lnSpc>
+            <a:spcBef>
+              <a:spcPct val="0"/>
+            </a:spcBef>
+            <a:spcAft>
+              <a:spcPct val="35000"/>
+            </a:spcAft>
+            <a:buNone/>
+            <a:defRPr b="1"/>
+          </a:pPr>
+          <a:r>
+            <a:rPr lang="en-US" sz="1400" kern="1200"/>
+            <a:t>True/False selection</a:t>
+          </a:r>
+        </a:p>
+      </dsp:txBody>
+      <dsp:txXfrm>
+        <a:off x="5223367" y="1909808"/>
+        <a:ext cx="2219062" cy="395270"/>
+      </dsp:txXfrm>
+    </dsp:sp>
+    <dsp:sp modelId="{7265BEAE-A21C-42F4-AF26-087903AD455A}">
+      <dsp:nvSpPr>
+        <dsp:cNvPr id="0" name=""/>
+        <dsp:cNvSpPr/>
+      </dsp:nvSpPr>
+      <dsp:spPr>
+        <a:xfrm>
+          <a:off x="5223367" y="2339725"/>
+          <a:ext cx="2219062" cy="451251"/>
+        </a:xfrm>
+        <a:prstGeom prst="rect">
+          <a:avLst/>
+        </a:prstGeom>
+        <a:noFill/>
+        <a:ln>
+          <a:noFill/>
+        </a:ln>
+        <a:effectLst/>
+      </dsp:spPr>
+      <dsp:style>
+        <a:lnRef idx="0">
+          <a:scrgbClr r="0" g="0" b="0"/>
+        </a:lnRef>
+        <a:fillRef idx="0">
+          <a:scrgbClr r="0" g="0" b="0"/>
+        </a:fillRef>
+        <a:effectRef idx="0">
+          <a:scrgbClr r="0" g="0" b="0"/>
+        </a:effectRef>
+        <a:fontRef idx="minor"/>
+      </dsp:style>
+      <dsp:txBody>
+        <a:bodyPr spcFirstLastPara="0" vert="horz" wrap="square" lIns="0" tIns="0" rIns="0" bIns="0" numCol="1" spcCol="1270" anchor="t" anchorCtr="0">
+          <a:noAutofit/>
+        </a:bodyPr>
+        <a:lstStyle/>
+        <a:p>
+          <a:pPr marL="0" lvl="0" indent="0" algn="l" defTabSz="488950">
+            <a:lnSpc>
+              <a:spcPct val="90000"/>
+            </a:lnSpc>
+            <a:spcBef>
+              <a:spcPct val="0"/>
+            </a:spcBef>
+            <a:spcAft>
+              <a:spcPct val="35000"/>
+            </a:spcAft>
+            <a:buNone/>
+          </a:pPr>
+          <a:r>
+            <a:rPr lang="en-US" sz="1100" kern="1200"/>
+            <a:t>Drawn with Equal probability</a:t>
+          </a:r>
+        </a:p>
+      </dsp:txBody>
+      <dsp:txXfrm>
+        <a:off x="5223367" y="2339725"/>
+        <a:ext cx="2219062" cy="451251"/>
+      </dsp:txXfrm>
+    </dsp:sp>
+    <dsp:sp modelId="{9FD628C6-997D-460B-A63C-4A21993C2476}">
+      <dsp:nvSpPr>
+        <dsp:cNvPr id="0" name=""/>
+        <dsp:cNvSpPr/>
+      </dsp:nvSpPr>
+      <dsp:spPr>
+        <a:xfrm>
+          <a:off x="7830766" y="1058646"/>
+          <a:ext cx="776671" cy="776671"/>
+        </a:xfrm>
+        <a:prstGeom prst="rect">
+          <a:avLst/>
+        </a:prstGeom>
+        <a:blipFill>
+          <a:blip xmlns:r="http://schemas.openxmlformats.org/officeDocument/2006/relationships" r:embed="rId7">
+            <a:extLst>
+              <a:ext uri="{28A0092B-C50C-407E-A947-70E740481C1C}">
+                <a14:useLocalDpi xmlns:a14="http://schemas.microsoft.com/office/drawing/2010/main" val="0"/>
+              </a:ext>
+              <a:ext uri="{96DAC541-7B7A-43D3-8B79-37D633B846F1}">
+                <asvg:svgBlip xmlns:asvg="http://schemas.microsoft.com/office/drawing/2016/SVG/main" r:embed="rId8"/>
+              </a:ext>
+            </a:extLst>
+          </a:blip>
+          <a:srcRect/>
+          <a:stretch>
+            <a:fillRect/>
+          </a:stretch>
+        </a:blipFill>
+        <a:ln w="12700" cap="flat" cmpd="sng" algn="ctr">
+          <a:noFill/>
+          <a:prstDash val="solid"/>
+        </a:ln>
+        <a:effectLst/>
+      </dsp:spPr>
+      <dsp:style>
+        <a:lnRef idx="2">
+          <a:scrgbClr r="0" g="0" b="0"/>
+        </a:lnRef>
+        <a:fillRef idx="1">
+          <a:scrgbClr r="0" g="0" b="0"/>
+        </a:fillRef>
+        <a:effectRef idx="0">
+          <a:scrgbClr r="0" g="0" b="0"/>
+        </a:effectRef>
+        <a:fontRef idx="minor">
+          <a:schemeClr val="lt1"/>
+        </a:fontRef>
+      </dsp:style>
+    </dsp:sp>
+    <dsp:sp modelId="{4EA35E18-34CF-43A3-A9CE-90673602F1D4}">
+      <dsp:nvSpPr>
+        <dsp:cNvPr id="0" name=""/>
+        <dsp:cNvSpPr/>
+      </dsp:nvSpPr>
+      <dsp:spPr>
+        <a:xfrm>
+          <a:off x="7830766" y="1909808"/>
+          <a:ext cx="2219062" cy="395270"/>
+        </a:xfrm>
+        <a:prstGeom prst="rect">
+          <a:avLst/>
+        </a:prstGeom>
+        <a:noFill/>
+        <a:ln>
+          <a:noFill/>
+        </a:ln>
+        <a:effectLst/>
+      </dsp:spPr>
+      <dsp:style>
+        <a:lnRef idx="0">
+          <a:scrgbClr r="0" g="0" b="0"/>
+        </a:lnRef>
+        <a:fillRef idx="0">
+          <a:scrgbClr r="0" g="0" b="0"/>
+        </a:fillRef>
+        <a:effectRef idx="0">
+          <a:scrgbClr r="0" g="0" b="0"/>
+        </a:effectRef>
+        <a:fontRef idx="minor"/>
+      </dsp:style>
+      <dsp:txBody>
+        <a:bodyPr spcFirstLastPara="0" vert="horz" wrap="square" lIns="0" tIns="0" rIns="0" bIns="0" numCol="1" spcCol="1270" anchor="t" anchorCtr="0">
+          <a:noAutofit/>
+        </a:bodyPr>
+        <a:lstStyle/>
+        <a:p>
+          <a:pPr marL="0" lvl="0" indent="0" algn="l" defTabSz="622300">
+            <a:lnSpc>
+              <a:spcPct val="90000"/>
+            </a:lnSpc>
+            <a:spcBef>
+              <a:spcPct val="0"/>
+            </a:spcBef>
+            <a:spcAft>
+              <a:spcPct val="35000"/>
+            </a:spcAft>
+            <a:buNone/>
+            <a:defRPr b="1"/>
+          </a:pPr>
+          <a:r>
+            <a:rPr lang="en-US" sz="1400" kern="1200"/>
+            <a:t>Represents Random trigger activation</a:t>
+          </a:r>
+        </a:p>
+      </dsp:txBody>
+      <dsp:txXfrm>
+        <a:off x="7830766" y="1909808"/>
+        <a:ext cx="2219062" cy="395270"/>
+      </dsp:txXfrm>
+    </dsp:sp>
+    <dsp:sp modelId="{63117F8B-0582-46A2-9D35-3926E3E3CDC1}">
+      <dsp:nvSpPr>
+        <dsp:cNvPr id="0" name=""/>
+        <dsp:cNvSpPr/>
+      </dsp:nvSpPr>
+      <dsp:spPr>
+        <a:xfrm>
+          <a:off x="7830766" y="2339725"/>
+          <a:ext cx="2219062" cy="451251"/>
+        </a:xfrm>
+        <a:prstGeom prst="rect">
+          <a:avLst/>
+        </a:prstGeom>
+        <a:noFill/>
+        <a:ln>
+          <a:noFill/>
+        </a:ln>
+        <a:effectLst/>
+      </dsp:spPr>
+      <dsp:style>
+        <a:lnRef idx="0">
+          <a:scrgbClr r="0" g="0" b="0"/>
+        </a:lnRef>
+        <a:fillRef idx="0">
+          <a:scrgbClr r="0" g="0" b="0"/>
+        </a:fillRef>
+        <a:effectRef idx="0">
+          <a:scrgbClr r="0" g="0" b="0"/>
+        </a:effectRef>
+        <a:fontRef idx="minor"/>
+      </dsp:style>
+    </dsp:sp>
+  </dsp:spTree>
+</dsp:drawing>
+</file>
+
+<file path=ppt/diagrams/drawing4.xml><?xml version="1.0" encoding="utf-8"?>
+<dsp:drawing xmlns:dgm="http://schemas.openxmlformats.org/drawingml/2006/diagram" xmlns:dsp="http://schemas.microsoft.com/office/drawing/2008/diagram" xmlns:a="http://schemas.openxmlformats.org/drawingml/2006/main">
+  <dsp:spTree>
+    <dsp:nvGrpSpPr>
+      <dsp:cNvPr id="0" name=""/>
+      <dsp:cNvGrpSpPr/>
+    </dsp:nvGrpSpPr>
+    <dsp:grpSpPr/>
+    <dsp:sp modelId="{0058C56E-5EC2-444A-B754-B19B52FF86D7}">
+      <dsp:nvSpPr>
+        <dsp:cNvPr id="0" name=""/>
+        <dsp:cNvSpPr/>
+      </dsp:nvSpPr>
+      <dsp:spPr>
+        <a:xfrm>
+          <a:off x="729766" y="1058646"/>
+          <a:ext cx="776671" cy="776671"/>
+        </a:xfrm>
+        <a:prstGeom prst="rect">
+          <a:avLst/>
+        </a:prstGeom>
+        <a:blipFill>
+          <a:blip xmlns:r="http://schemas.openxmlformats.org/officeDocument/2006/relationships" r:embed="rId1">
+            <a:extLst>
+              <a:ext uri="{28A0092B-C50C-407E-A947-70E740481C1C}">
+                <a14:useLocalDpi xmlns:a14="http://schemas.microsoft.com/office/drawing/2010/main" val="0"/>
+              </a:ext>
+              <a:ext uri="{96DAC541-7B7A-43D3-8B79-37D633B846F1}">
+                <asvg:svgBlip xmlns:asvg="http://schemas.microsoft.com/office/drawing/2016/SVG/main" r:embed="rId2"/>
+              </a:ext>
+            </a:extLst>
+          </a:blip>
+          <a:stretch>
+            <a:fillRect/>
+          </a:stretch>
+        </a:blipFill>
+        <a:ln w="12700" cap="flat" cmpd="sng" algn="ctr">
+          <a:noFill/>
+          <a:prstDash val="solid"/>
+        </a:ln>
+        <a:effectLst/>
+      </dsp:spPr>
+      <dsp:style>
+        <a:lnRef idx="2">
+          <a:scrgbClr r="0" g="0" b="0"/>
+        </a:lnRef>
+        <a:fillRef idx="1">
+          <a:scrgbClr r="0" g="0" b="0"/>
+        </a:fillRef>
+        <a:effectRef idx="0">
+          <a:scrgbClr r="0" g="0" b="0"/>
+        </a:effectRef>
+        <a:fontRef idx="minor">
+          <a:schemeClr val="lt1"/>
+        </a:fontRef>
+      </dsp:style>
+    </dsp:sp>
+    <dsp:sp modelId="{9C269C47-E6EC-47F3-B9CD-DAA28962D986}">
+      <dsp:nvSpPr>
+        <dsp:cNvPr id="0" name=""/>
+        <dsp:cNvSpPr/>
+      </dsp:nvSpPr>
+      <dsp:spPr>
+        <a:xfrm>
+          <a:off x="8571" y="1909808"/>
+          <a:ext cx="2219062" cy="332859"/>
+        </a:xfrm>
+        <a:prstGeom prst="rect">
+          <a:avLst/>
+        </a:prstGeom>
+        <a:noFill/>
+        <a:ln>
+          <a:noFill/>
+        </a:ln>
+        <a:effectLst/>
+      </dsp:spPr>
+      <dsp:style>
+        <a:lnRef idx="0">
+          <a:scrgbClr r="0" g="0" b="0"/>
+        </a:lnRef>
+        <a:fillRef idx="0">
+          <a:scrgbClr r="0" g="0" b="0"/>
+        </a:fillRef>
+        <a:effectRef idx="0">
+          <a:scrgbClr r="0" g="0" b="0"/>
+        </a:effectRef>
+        <a:fontRef idx="minor"/>
+      </dsp:style>
+      <dsp:txBody>
+        <a:bodyPr spcFirstLastPara="0" vert="horz" wrap="square" lIns="0" tIns="0" rIns="0" bIns="0" numCol="1" spcCol="1270" anchor="t" anchorCtr="0">
+          <a:noAutofit/>
+        </a:bodyPr>
+        <a:lstStyle/>
+        <a:p>
+          <a:pPr marL="0" lvl="0" indent="0" algn="ctr" defTabSz="889000">
+            <a:lnSpc>
+              <a:spcPct val="90000"/>
+            </a:lnSpc>
+            <a:spcBef>
+              <a:spcPct val="0"/>
+            </a:spcBef>
+            <a:spcAft>
+              <a:spcPct val="35000"/>
+            </a:spcAft>
+            <a:buNone/>
+            <a:defRPr b="1"/>
+          </a:pPr>
+          <a:r>
+            <a:rPr lang="en-US" sz="2000" kern="1200"/>
+            <a:t>Operating System</a:t>
+          </a:r>
+        </a:p>
+      </dsp:txBody>
+      <dsp:txXfrm>
+        <a:off x="8571" y="1909808"/>
+        <a:ext cx="2219062" cy="332859"/>
+      </dsp:txXfrm>
+    </dsp:sp>
+    <dsp:sp modelId="{F7C9CB1C-E33A-4573-9882-7C5C19C38130}">
+      <dsp:nvSpPr>
+        <dsp:cNvPr id="0" name=""/>
+        <dsp:cNvSpPr/>
+      </dsp:nvSpPr>
+      <dsp:spPr>
+        <a:xfrm>
+          <a:off x="8571" y="2277314"/>
+          <a:ext cx="2219062" cy="513662"/>
+        </a:xfrm>
+        <a:prstGeom prst="rect">
+          <a:avLst/>
+        </a:prstGeom>
+        <a:noFill/>
+        <a:ln>
+          <a:noFill/>
+        </a:ln>
+        <a:effectLst/>
+      </dsp:spPr>
+      <dsp:style>
+        <a:lnRef idx="0">
+          <a:scrgbClr r="0" g="0" b="0"/>
+        </a:lnRef>
+        <a:fillRef idx="0">
+          <a:scrgbClr r="0" g="0" b="0"/>
+        </a:fillRef>
+        <a:effectRef idx="0">
+          <a:scrgbClr r="0" g="0" b="0"/>
+        </a:effectRef>
+        <a:fontRef idx="minor"/>
+      </dsp:style>
+      <dsp:txBody>
+        <a:bodyPr spcFirstLastPara="0" vert="horz" wrap="square" lIns="0" tIns="0" rIns="0" bIns="0" numCol="1" spcCol="1270" anchor="t" anchorCtr="0">
+          <a:noAutofit/>
+        </a:bodyPr>
+        <a:lstStyle/>
+        <a:p>
+          <a:pPr marL="0" lvl="0" indent="0" algn="ctr" defTabSz="666750">
+            <a:lnSpc>
+              <a:spcPct val="90000"/>
+            </a:lnSpc>
+            <a:spcBef>
+              <a:spcPct val="0"/>
+            </a:spcBef>
+            <a:spcAft>
+              <a:spcPct val="35000"/>
+            </a:spcAft>
+            <a:buNone/>
+          </a:pPr>
+          <a:r>
+            <a:rPr lang="en-US" sz="1500" kern="1200"/>
+            <a:t>Windows 10 Home</a:t>
+          </a:r>
+        </a:p>
+      </dsp:txBody>
+      <dsp:txXfrm>
+        <a:off x="8571" y="2277314"/>
+        <a:ext cx="2219062" cy="513662"/>
+      </dsp:txXfrm>
+    </dsp:sp>
+    <dsp:sp modelId="{9322F143-3AD4-40C2-BFA5-21FFE6396C1B}">
+      <dsp:nvSpPr>
+        <dsp:cNvPr id="0" name=""/>
+        <dsp:cNvSpPr/>
+      </dsp:nvSpPr>
+      <dsp:spPr>
+        <a:xfrm>
+          <a:off x="3337164" y="1058646"/>
+          <a:ext cx="776671" cy="776671"/>
+        </a:xfrm>
+        <a:prstGeom prst="rect">
+          <a:avLst/>
+        </a:prstGeom>
+        <a:blipFill>
+          <a:blip xmlns:r="http://schemas.openxmlformats.org/officeDocument/2006/relationships" r:embed="rId3">
+            <a:extLst>
+              <a:ext uri="{28A0092B-C50C-407E-A947-70E740481C1C}">
+                <a14:useLocalDpi xmlns:a14="http://schemas.microsoft.com/office/drawing/2010/main" val="0"/>
+              </a:ext>
+              <a:ext uri="{96DAC541-7B7A-43D3-8B79-37D633B846F1}">
+                <asvg:svgBlip xmlns:asvg="http://schemas.microsoft.com/office/drawing/2016/SVG/main" r:embed="rId4"/>
+              </a:ext>
+            </a:extLst>
+          </a:blip>
+          <a:stretch>
+            <a:fillRect/>
+          </a:stretch>
+        </a:blipFill>
+        <a:ln w="12700" cap="flat" cmpd="sng" algn="ctr">
+          <a:noFill/>
+          <a:prstDash val="solid"/>
+        </a:ln>
+        <a:effectLst/>
+      </dsp:spPr>
+      <dsp:style>
+        <a:lnRef idx="2">
+          <a:scrgbClr r="0" g="0" b="0"/>
+        </a:lnRef>
+        <a:fillRef idx="1">
+          <a:scrgbClr r="0" g="0" b="0"/>
+        </a:fillRef>
+        <a:effectRef idx="0">
+          <a:scrgbClr r="0" g="0" b="0"/>
+        </a:effectRef>
+        <a:fontRef idx="minor">
+          <a:schemeClr val="lt1"/>
+        </a:fontRef>
+      </dsp:style>
+    </dsp:sp>
+    <dsp:sp modelId="{C278AA81-C67B-4A83-87CB-AB203149228C}">
+      <dsp:nvSpPr>
+        <dsp:cNvPr id="0" name=""/>
+        <dsp:cNvSpPr/>
+      </dsp:nvSpPr>
+      <dsp:spPr>
+        <a:xfrm>
+          <a:off x="2615969" y="1909808"/>
+          <a:ext cx="2219062" cy="332859"/>
+        </a:xfrm>
+        <a:prstGeom prst="rect">
+          <a:avLst/>
+        </a:prstGeom>
+        <a:noFill/>
+        <a:ln>
+          <a:noFill/>
+        </a:ln>
+        <a:effectLst/>
+      </dsp:spPr>
+      <dsp:style>
+        <a:lnRef idx="0">
+          <a:scrgbClr r="0" g="0" b="0"/>
+        </a:lnRef>
+        <a:fillRef idx="0">
+          <a:scrgbClr r="0" g="0" b="0"/>
+        </a:fillRef>
+        <a:effectRef idx="0">
+          <a:scrgbClr r="0" g="0" b="0"/>
+        </a:effectRef>
+        <a:fontRef idx="minor"/>
+      </dsp:style>
+      <dsp:txBody>
+        <a:bodyPr spcFirstLastPara="0" vert="horz" wrap="square" lIns="0" tIns="0" rIns="0" bIns="0" numCol="1" spcCol="1270" anchor="t" anchorCtr="0">
+          <a:noAutofit/>
+        </a:bodyPr>
+        <a:lstStyle/>
+        <a:p>
+          <a:pPr marL="0" lvl="0" indent="0" algn="ctr" defTabSz="889000">
+            <a:lnSpc>
+              <a:spcPct val="90000"/>
+            </a:lnSpc>
+            <a:spcBef>
+              <a:spcPct val="0"/>
+            </a:spcBef>
+            <a:spcAft>
+              <a:spcPct val="35000"/>
+            </a:spcAft>
+            <a:buNone/>
+            <a:defRPr b="1"/>
+          </a:pPr>
+          <a:r>
+            <a:rPr lang="en-US" sz="2000" kern="1200"/>
+            <a:t>CPU : </a:t>
+          </a:r>
+        </a:p>
+      </dsp:txBody>
+      <dsp:txXfrm>
+        <a:off x="2615969" y="1909808"/>
+        <a:ext cx="2219062" cy="332859"/>
+      </dsp:txXfrm>
+    </dsp:sp>
+    <dsp:sp modelId="{35BCF565-D9E8-4BA1-A652-CF2F0E0C20CD}">
+      <dsp:nvSpPr>
+        <dsp:cNvPr id="0" name=""/>
+        <dsp:cNvSpPr/>
+      </dsp:nvSpPr>
+      <dsp:spPr>
+        <a:xfrm>
+          <a:off x="2615969" y="2277314"/>
+          <a:ext cx="2219062" cy="513662"/>
+        </a:xfrm>
+        <a:prstGeom prst="rect">
+          <a:avLst/>
+        </a:prstGeom>
+        <a:noFill/>
+        <a:ln>
+          <a:noFill/>
+        </a:ln>
+        <a:effectLst/>
+      </dsp:spPr>
+      <dsp:style>
+        <a:lnRef idx="0">
+          <a:scrgbClr r="0" g="0" b="0"/>
+        </a:lnRef>
+        <a:fillRef idx="0">
+          <a:scrgbClr r="0" g="0" b="0"/>
+        </a:fillRef>
+        <a:effectRef idx="0">
+          <a:scrgbClr r="0" g="0" b="0"/>
+        </a:effectRef>
+        <a:fontRef idx="minor"/>
+      </dsp:style>
+      <dsp:txBody>
+        <a:bodyPr spcFirstLastPara="0" vert="horz" wrap="square" lIns="0" tIns="0" rIns="0" bIns="0" numCol="1" spcCol="1270" anchor="t" anchorCtr="0">
+          <a:noAutofit/>
+        </a:bodyPr>
+        <a:lstStyle/>
+        <a:p>
+          <a:pPr marL="0" lvl="0" indent="0" algn="ctr" defTabSz="666750">
+            <a:lnSpc>
+              <a:spcPct val="90000"/>
+            </a:lnSpc>
+            <a:spcBef>
+              <a:spcPct val="0"/>
+            </a:spcBef>
+            <a:spcAft>
+              <a:spcPct val="35000"/>
+            </a:spcAft>
+            <a:buNone/>
+          </a:pPr>
+          <a:r>
+            <a:rPr lang="en-US" sz="1500" kern="1200"/>
+            <a:t>Intel® Core™ i5-7500 CPU @ 3.40 GHz</a:t>
+          </a:r>
+        </a:p>
+      </dsp:txBody>
+      <dsp:txXfrm>
+        <a:off x="2615969" y="2277314"/>
+        <a:ext cx="2219062" cy="513662"/>
+      </dsp:txXfrm>
+    </dsp:sp>
+    <dsp:sp modelId="{490F9BC2-0F38-47B6-ABB1-8D3248E12C4F}">
+      <dsp:nvSpPr>
+        <dsp:cNvPr id="0" name=""/>
+        <dsp:cNvSpPr/>
+      </dsp:nvSpPr>
+      <dsp:spPr>
+        <a:xfrm>
+          <a:off x="5944563" y="1058646"/>
+          <a:ext cx="776671" cy="776671"/>
+        </a:xfrm>
+        <a:prstGeom prst="rect">
+          <a:avLst/>
+        </a:prstGeom>
+        <a:blipFill>
+          <a:blip xmlns:r="http://schemas.openxmlformats.org/officeDocument/2006/relationships" r:embed="rId5">
+            <a:extLst>
+              <a:ext uri="{28A0092B-C50C-407E-A947-70E740481C1C}">
+                <a14:useLocalDpi xmlns:a14="http://schemas.microsoft.com/office/drawing/2010/main" val="0"/>
+              </a:ext>
+              <a:ext uri="{96DAC541-7B7A-43D3-8B79-37D633B846F1}">
+                <asvg:svgBlip xmlns:asvg="http://schemas.microsoft.com/office/drawing/2016/SVG/main" r:embed="rId6"/>
+              </a:ext>
+            </a:extLst>
+          </a:blip>
+          <a:stretch>
+            <a:fillRect/>
+          </a:stretch>
+        </a:blipFill>
+        <a:ln w="12700" cap="flat" cmpd="sng" algn="ctr">
+          <a:noFill/>
+          <a:prstDash val="solid"/>
+        </a:ln>
+        <a:effectLst/>
+      </dsp:spPr>
+      <dsp:style>
+        <a:lnRef idx="2">
+          <a:scrgbClr r="0" g="0" b="0"/>
+        </a:lnRef>
+        <a:fillRef idx="1">
+          <a:scrgbClr r="0" g="0" b="0"/>
+        </a:fillRef>
+        <a:effectRef idx="0">
+          <a:scrgbClr r="0" g="0" b="0"/>
+        </a:effectRef>
+        <a:fontRef idx="minor">
+          <a:schemeClr val="lt1"/>
+        </a:fontRef>
+      </dsp:style>
+    </dsp:sp>
+    <dsp:sp modelId="{8BA786CD-B212-4329-9E22-8C6AE8A80269}">
+      <dsp:nvSpPr>
+        <dsp:cNvPr id="0" name=""/>
+        <dsp:cNvSpPr/>
+      </dsp:nvSpPr>
+      <dsp:spPr>
+        <a:xfrm>
+          <a:off x="5223367" y="1909808"/>
+          <a:ext cx="2219062" cy="332859"/>
+        </a:xfrm>
+        <a:prstGeom prst="rect">
+          <a:avLst/>
+        </a:prstGeom>
+        <a:noFill/>
+        <a:ln>
+          <a:noFill/>
+        </a:ln>
+        <a:effectLst/>
+      </dsp:spPr>
+      <dsp:style>
+        <a:lnRef idx="0">
+          <a:scrgbClr r="0" g="0" b="0"/>
+        </a:lnRef>
+        <a:fillRef idx="0">
+          <a:scrgbClr r="0" g="0" b="0"/>
+        </a:fillRef>
+        <a:effectRef idx="0">
+          <a:scrgbClr r="0" g="0" b="0"/>
+        </a:effectRef>
+        <a:fontRef idx="minor"/>
+      </dsp:style>
+      <dsp:txBody>
+        <a:bodyPr spcFirstLastPara="0" vert="horz" wrap="square" lIns="0" tIns="0" rIns="0" bIns="0" numCol="1" spcCol="1270" anchor="t" anchorCtr="0">
+          <a:noAutofit/>
+        </a:bodyPr>
+        <a:lstStyle/>
+        <a:p>
+          <a:pPr marL="0" lvl="0" indent="0" algn="ctr" defTabSz="889000">
+            <a:lnSpc>
+              <a:spcPct val="90000"/>
+            </a:lnSpc>
+            <a:spcBef>
+              <a:spcPct val="0"/>
+            </a:spcBef>
+            <a:spcAft>
+              <a:spcPct val="35000"/>
+            </a:spcAft>
+            <a:buNone/>
+            <a:defRPr b="1"/>
+          </a:pPr>
+          <a:r>
+            <a:rPr lang="en-US" sz="2000" kern="1200"/>
+            <a:t>RAM:</a:t>
+          </a:r>
+        </a:p>
+      </dsp:txBody>
+      <dsp:txXfrm>
+        <a:off x="5223367" y="1909808"/>
+        <a:ext cx="2219062" cy="332859"/>
+      </dsp:txXfrm>
+    </dsp:sp>
+    <dsp:sp modelId="{9E12EA60-6094-4DFB-9ECA-A6CA372CFEEE}">
+      <dsp:nvSpPr>
+        <dsp:cNvPr id="0" name=""/>
+        <dsp:cNvSpPr/>
+      </dsp:nvSpPr>
+      <dsp:spPr>
+        <a:xfrm>
+          <a:off x="5223367" y="2277314"/>
+          <a:ext cx="2219062" cy="513662"/>
+        </a:xfrm>
+        <a:prstGeom prst="rect">
+          <a:avLst/>
+        </a:prstGeom>
+        <a:noFill/>
+        <a:ln>
+          <a:noFill/>
+        </a:ln>
+        <a:effectLst/>
+      </dsp:spPr>
+      <dsp:style>
+        <a:lnRef idx="0">
+          <a:scrgbClr r="0" g="0" b="0"/>
+        </a:lnRef>
+        <a:fillRef idx="0">
+          <a:scrgbClr r="0" g="0" b="0"/>
+        </a:fillRef>
+        <a:effectRef idx="0">
+          <a:scrgbClr r="0" g="0" b="0"/>
+        </a:effectRef>
+        <a:fontRef idx="minor"/>
+      </dsp:style>
+      <dsp:txBody>
+        <a:bodyPr spcFirstLastPara="0" vert="horz" wrap="square" lIns="0" tIns="0" rIns="0" bIns="0" numCol="1" spcCol="1270" anchor="t" anchorCtr="0">
+          <a:noAutofit/>
+        </a:bodyPr>
+        <a:lstStyle/>
+        <a:p>
+          <a:pPr marL="0" lvl="0" indent="0" algn="ctr" defTabSz="666750">
+            <a:lnSpc>
+              <a:spcPct val="90000"/>
+            </a:lnSpc>
+            <a:spcBef>
+              <a:spcPct val="0"/>
+            </a:spcBef>
+            <a:spcAft>
+              <a:spcPct val="35000"/>
+            </a:spcAft>
+            <a:buNone/>
+          </a:pPr>
+          <a:r>
+            <a:rPr lang="en-US" sz="1500" kern="1200"/>
+            <a:t>Installed: 16 GB</a:t>
+          </a:r>
+        </a:p>
+        <a:p>
+          <a:pPr marL="0" lvl="0" indent="0" algn="ctr" defTabSz="666750">
+            <a:lnSpc>
+              <a:spcPct val="90000"/>
+            </a:lnSpc>
+            <a:spcBef>
+              <a:spcPct val="0"/>
+            </a:spcBef>
+            <a:spcAft>
+              <a:spcPct val="35000"/>
+            </a:spcAft>
+            <a:buNone/>
+          </a:pPr>
+          <a:r>
+            <a:rPr lang="en-US" sz="1500" kern="1200" dirty="0"/>
+            <a:t>Available: 9.61 GB</a:t>
+          </a:r>
+        </a:p>
+      </dsp:txBody>
+      <dsp:txXfrm>
+        <a:off x="5223367" y="2277314"/>
+        <a:ext cx="2219062" cy="513662"/>
+      </dsp:txXfrm>
+    </dsp:sp>
+    <dsp:sp modelId="{0B604E63-E341-47D0-BCCC-2AA7195851E2}">
+      <dsp:nvSpPr>
+        <dsp:cNvPr id="0" name=""/>
+        <dsp:cNvSpPr/>
+      </dsp:nvSpPr>
+      <dsp:spPr>
+        <a:xfrm>
+          <a:off x="8551961" y="1058646"/>
+          <a:ext cx="776671" cy="776671"/>
+        </a:xfrm>
+        <a:prstGeom prst="rect">
+          <a:avLst/>
+        </a:prstGeom>
+        <a:blipFill>
+          <a:blip xmlns:r="http://schemas.openxmlformats.org/officeDocument/2006/relationships" r:embed="rId7">
+            <a:extLst>
+              <a:ext uri="{28A0092B-C50C-407E-A947-70E740481C1C}">
+                <a14:useLocalDpi xmlns:a14="http://schemas.microsoft.com/office/drawing/2010/main" val="0"/>
+              </a:ext>
+              <a:ext uri="{96DAC541-7B7A-43D3-8B79-37D633B846F1}">
+                <asvg:svgBlip xmlns:asvg="http://schemas.microsoft.com/office/drawing/2016/SVG/main" r:embed="rId8"/>
+              </a:ext>
+            </a:extLst>
+          </a:blip>
+          <a:stretch>
+            <a:fillRect/>
+          </a:stretch>
+        </a:blipFill>
+        <a:ln w="12700" cap="flat" cmpd="sng" algn="ctr">
+          <a:noFill/>
+          <a:prstDash val="solid"/>
+        </a:ln>
+        <a:effectLst/>
+      </dsp:spPr>
+      <dsp:style>
+        <a:lnRef idx="2">
+          <a:scrgbClr r="0" g="0" b="0"/>
+        </a:lnRef>
+        <a:fillRef idx="1">
+          <a:scrgbClr r="0" g="0" b="0"/>
+        </a:fillRef>
+        <a:effectRef idx="0">
+          <a:scrgbClr r="0" g="0" b="0"/>
+        </a:effectRef>
+        <a:fontRef idx="minor">
+          <a:schemeClr val="lt1"/>
+        </a:fontRef>
+      </dsp:style>
+    </dsp:sp>
+    <dsp:sp modelId="{5A99630A-C62C-4959-A5C6-56A27D373737}">
+      <dsp:nvSpPr>
+        <dsp:cNvPr id="0" name=""/>
+        <dsp:cNvSpPr/>
+      </dsp:nvSpPr>
+      <dsp:spPr>
+        <a:xfrm>
+          <a:off x="7830766" y="1909808"/>
+          <a:ext cx="2219062" cy="332859"/>
+        </a:xfrm>
+        <a:prstGeom prst="rect">
+          <a:avLst/>
+        </a:prstGeom>
+        <a:noFill/>
+        <a:ln>
+          <a:noFill/>
+        </a:ln>
+        <a:effectLst/>
+      </dsp:spPr>
+      <dsp:style>
+        <a:lnRef idx="0">
+          <a:scrgbClr r="0" g="0" b="0"/>
+        </a:lnRef>
+        <a:fillRef idx="0">
+          <a:scrgbClr r="0" g="0" b="0"/>
+        </a:fillRef>
+        <a:effectRef idx="0">
+          <a:scrgbClr r="0" g="0" b="0"/>
+        </a:effectRef>
+        <a:fontRef idx="minor"/>
+      </dsp:style>
+      <dsp:txBody>
+        <a:bodyPr spcFirstLastPara="0" vert="horz" wrap="square" lIns="0" tIns="0" rIns="0" bIns="0" numCol="1" spcCol="1270" anchor="t" anchorCtr="0">
+          <a:noAutofit/>
+        </a:bodyPr>
+        <a:lstStyle/>
+        <a:p>
+          <a:pPr marL="0" lvl="0" indent="0" algn="ctr" defTabSz="889000">
+            <a:lnSpc>
+              <a:spcPct val="90000"/>
+            </a:lnSpc>
+            <a:spcBef>
+              <a:spcPct val="0"/>
+            </a:spcBef>
+            <a:spcAft>
+              <a:spcPct val="35000"/>
+            </a:spcAft>
+            <a:buNone/>
+            <a:defRPr b="1"/>
+          </a:pPr>
+          <a:r>
+            <a:rPr lang="en-US" sz="2000" kern="1200"/>
+            <a:t>IDE</a:t>
+          </a:r>
+        </a:p>
+      </dsp:txBody>
+      <dsp:txXfrm>
+        <a:off x="7830766" y="1909808"/>
+        <a:ext cx="2219062" cy="332859"/>
+      </dsp:txXfrm>
+    </dsp:sp>
+    <dsp:sp modelId="{57CA1E5A-3EEA-4529-8F56-A66358707062}">
+      <dsp:nvSpPr>
+        <dsp:cNvPr id="0" name=""/>
+        <dsp:cNvSpPr/>
+      </dsp:nvSpPr>
+      <dsp:spPr>
+        <a:xfrm>
+          <a:off x="7830766" y="2277314"/>
+          <a:ext cx="2219062" cy="513662"/>
+        </a:xfrm>
+        <a:prstGeom prst="rect">
+          <a:avLst/>
+        </a:prstGeom>
+        <a:noFill/>
+        <a:ln>
+          <a:noFill/>
+        </a:ln>
+        <a:effectLst/>
+      </dsp:spPr>
+      <dsp:style>
+        <a:lnRef idx="0">
+          <a:scrgbClr r="0" g="0" b="0"/>
+        </a:lnRef>
+        <a:fillRef idx="0">
+          <a:scrgbClr r="0" g="0" b="0"/>
+        </a:fillRef>
+        <a:effectRef idx="0">
+          <a:scrgbClr r="0" g="0" b="0"/>
+        </a:effectRef>
+        <a:fontRef idx="minor"/>
+      </dsp:style>
+      <dsp:txBody>
+        <a:bodyPr spcFirstLastPara="0" vert="horz" wrap="square" lIns="0" tIns="0" rIns="0" bIns="0" numCol="1" spcCol="1270" anchor="t" anchorCtr="0">
+          <a:noAutofit/>
+        </a:bodyPr>
+        <a:lstStyle/>
+        <a:p>
+          <a:pPr marL="0" lvl="0" indent="0" algn="ctr" defTabSz="666750">
+            <a:lnSpc>
+              <a:spcPct val="90000"/>
+            </a:lnSpc>
+            <a:spcBef>
+              <a:spcPct val="0"/>
+            </a:spcBef>
+            <a:spcAft>
+              <a:spcPct val="35000"/>
+            </a:spcAft>
+            <a:buNone/>
+          </a:pPr>
+          <a:r>
+            <a:rPr lang="en-US" sz="1500" kern="1200"/>
+            <a:t>Visual Studio 2019</a:t>
+          </a:r>
+        </a:p>
+      </dsp:txBody>
+      <dsp:txXfrm>
+        <a:off x="7830766" y="2277314"/>
+        <a:ext cx="2219062" cy="513662"/>
+      </dsp:txXfrm>
+    </dsp:sp>
+  </dsp:spTree>
+</dsp:drawing>
+</file>
+
 <file path=ppt/diagrams/layout1.xml><?xml version="1.0" encoding="utf-8"?>
 <dgm:layoutDef xmlns:dgm="http://schemas.openxmlformats.org/drawingml/2006/diagram" xmlns:a="http://schemas.openxmlformats.org/drawingml/2006/main" uniqueId="urn:microsoft.com/office/officeart/2018/2/layout/IconVerticalSolidList">
   <dgm:title val="Icon Vertical Solid List"/>
@@ -4759,6 +8802,416 @@
 </dgm:layoutDef>
 </file>
 
+<file path=ppt/diagrams/layout3.xml><?xml version="1.0" encoding="utf-8"?>
+<dgm:layoutDef xmlns:dgm="http://schemas.openxmlformats.org/drawingml/2006/diagram" xmlns:a="http://schemas.openxmlformats.org/drawingml/2006/main" uniqueId="urn:microsoft.com/office/officeart/2018/2/layout/IconLabelDescriptionList">
+  <dgm:title val="Icon Label Description List"/>
+  <dgm:desc val="Use to show non-sequential or grouped chunks of information. The placeholder holds an icon or small picture, and corresponding text boxes show Level 1 and Level 2 text respectively. Works well for minimal Level 1 text accompanied by lengthier Level two text."/>
+  <dgm:catLst>
+    <dgm:cat type="icon" pri="500"/>
+  </dgm:catLst>
+  <dgm:sampData useDef="1">
+    <dgm:dataModel>
+      <dgm:ptLst/>
+      <dgm:bg/>
+      <dgm:whole/>
+    </dgm:dataModel>
+  </dgm:sampData>
+  <dgm:styleData useDef="1">
+    <dgm:dataModel>
+      <dgm:ptLst/>
+      <dgm:bg/>
+      <dgm:whole/>
+    </dgm:dataModel>
+  </dgm:styleData>
+  <dgm:clrData useDef="1">
+    <dgm:dataModel>
+      <dgm:ptLst/>
+      <dgm:bg/>
+      <dgm:whole/>
+    </dgm:dataModel>
+  </dgm:clrData>
+  <dgm:layoutNode name="root">
+    <dgm:varLst>
+      <dgm:dir/>
+      <dgm:resizeHandles val="exact"/>
+    </dgm:varLst>
+    <dgm:choose name="Name0">
+      <dgm:if name="Name1" axis="self" func="var" arg="dir" op="equ" val="norm">
+        <dgm:alg type="lin"/>
+      </dgm:if>
+      <dgm:else name="Name2">
+        <dgm:alg type="lin">
+          <dgm:param type="linDir" val="fromR"/>
+        </dgm:alg>
+      </dgm:else>
+    </dgm:choose>
+    <dgm:shape xmlns:r="http://schemas.openxmlformats.org/officeDocument/2006/relationships" r:blip="">
+      <dgm:adjLst/>
+    </dgm:shape>
+    <dgm:presOf/>
+    <dgm:constrLst>
+      <dgm:constr type="h" for="ch" forName="compNode" refType="h" fact="0.45"/>
+      <dgm:constr type="w" for="ch" forName="compNode" val="120"/>
+      <dgm:constr type="w" for="ch" forName="sibTrans" refType="w" refFor="ch" refForName="compNode" fact="0.175"/>
+      <dgm:constr type="primFontSz" for="des" forName="parTx" val="36"/>
+      <dgm:constr type="primFontSz" for="des" forName="desTx" refType="primFontSz" refFor="des" refForName="parTx" op="lte" fact="0.75"/>
+      <dgm:constr type="h" for="des" forName="compNode" op="equ"/>
+      <dgm:constr type="h" for="des" forName="iconRect" op="equ"/>
+      <dgm:constr type="w" for="des" forName="iconRect" op="equ"/>
+      <dgm:constr type="h" for="des" forName="iconSpace" op="equ"/>
+      <dgm:constr type="h" for="des" forName="parTx" op="equ"/>
+      <dgm:constr type="h" for="des" forName="txSpace" op="equ"/>
+      <dgm:constr type="h" for="des" forName="desTx" op="equ"/>
+    </dgm:constrLst>
+    <dgm:ruleLst>
+      <dgm:rule type="w" for="ch" forName="compNode" val="0" fact="NaN" max="NaN"/>
+    </dgm:ruleLst>
+    <dgm:forEach name="Name3" axis="ch" ptType="node">
+      <dgm:layoutNode name="compNode">
+        <dgm:alg type="composite"/>
+        <dgm:shape xmlns:r="http://schemas.openxmlformats.org/officeDocument/2006/relationships" r:blip="">
+          <dgm:adjLst/>
+        </dgm:shape>
+        <dgm:presOf axis="self"/>
+        <dgm:constrLst>
+          <dgm:constr type="w" for="ch" forName="iconRect" refType="w" fact="0.35"/>
+          <dgm:constr type="h" for="ch" forName="iconRect" refType="w" refFor="ch" refForName="iconRect"/>
+          <dgm:constr type="l" for="ch" forName="iconRect"/>
+          <dgm:constr type="t" for="ch" forName="iconRect"/>
+          <dgm:constr type="w" for="ch" forName="iconSpace" refType="w"/>
+          <dgm:constr type="h" for="ch" forName="iconSpace" refType="h" fact="0.043"/>
+          <dgm:constr type="l" for="ch" forName="iconSpace"/>
+          <dgm:constr type="t" for="ch" forName="iconSpace" refType="b" refFor="ch" refForName="iconRect"/>
+          <dgm:constr type="w" for="ch" forName="parTx" refType="w"/>
+          <dgm:constr type="h" for="ch" forName="parTx" refType="w" fact="0.15"/>
+          <dgm:constr type="l" for="ch" forName="parTx"/>
+          <dgm:constr type="t" for="ch" forName="parTx" refType="b" refFor="ch" refForName="iconSpace"/>
+          <dgm:constr type="h" for="ch" forName="txSpace" refType="h" fact="0.02"/>
+          <dgm:constr type="w" for="ch" forName="txSpace" refType="w"/>
+          <dgm:constr type="l" for="ch" forName="txSpace"/>
+          <dgm:constr type="t" for="ch" forName="txSpace" refType="b" refFor="ch" refForName="parTx"/>
+          <dgm:constr type="w" for="ch" forName="desTx" refType="w"/>
+          <dgm:constr type="l" for="ch" forName="desTx"/>
+          <dgm:constr type="t" for="ch" forName="desTx" refType="b" refFor="ch" refForName="txSpace"/>
+        </dgm:constrLst>
+        <dgm:ruleLst>
+          <dgm:rule type="h" val="INF" fact="NaN" max="NaN"/>
+        </dgm:ruleLst>
+        <dgm:layoutNode name="iconRect" styleLbl="node1">
+          <dgm:alg type="sp"/>
+          <dgm:shape xmlns:r="http://schemas.openxmlformats.org/officeDocument/2006/relationships" type="rect" r:blip="" blipPhldr="1">
+            <dgm:adjLst/>
+          </dgm:shape>
+          <dgm:presOf/>
+          <dgm:constrLst/>
+          <dgm:ruleLst/>
+        </dgm:layoutNode>
+        <dgm:layoutNode name="iconSpace">
+          <dgm:alg type="sp"/>
+          <dgm:shape xmlns:r="http://schemas.openxmlformats.org/officeDocument/2006/relationships" r:blip="">
+            <dgm:adjLst/>
+          </dgm:shape>
+          <dgm:presOf/>
+          <dgm:constrLst/>
+          <dgm:ruleLst/>
+        </dgm:layoutNode>
+        <dgm:layoutNode name="parTx" styleLbl="revTx">
+          <dgm:varLst>
+            <dgm:chMax val="0"/>
+            <dgm:chPref val="0"/>
+          </dgm:varLst>
+          <dgm:alg type="tx">
+            <dgm:param type="txAnchorVert" val="t"/>
+            <dgm:param type="parTxLTRAlign" val="l"/>
+            <dgm:param type="shpTxLTRAlignCh" val="l"/>
+            <dgm:param type="parTxRTLAlign" val="r"/>
+            <dgm:param type="shpTxRTLAlignCh" val="r"/>
+          </dgm:alg>
+          <dgm:shape xmlns:r="http://schemas.openxmlformats.org/officeDocument/2006/relationships" type="rect" r:blip="">
+            <dgm:adjLst/>
+          </dgm:shape>
+          <dgm:presOf axis="self" ptType="node"/>
+          <dgm:constrLst>
+            <dgm:constr type="lMarg"/>
+            <dgm:constr type="rMarg"/>
+            <dgm:constr type="tMarg"/>
+            <dgm:constr type="bMarg"/>
+          </dgm:constrLst>
+          <dgm:ruleLst>
+            <dgm:rule type="primFontSz" val="14" fact="NaN" max="NaN"/>
+            <dgm:rule type="h" val="INF" fact="NaN" max="NaN"/>
+          </dgm:ruleLst>
+        </dgm:layoutNode>
+        <dgm:layoutNode name="txSpace">
+          <dgm:alg type="sp"/>
+          <dgm:shape xmlns:r="http://schemas.openxmlformats.org/officeDocument/2006/relationships" r:blip="">
+            <dgm:adjLst/>
+          </dgm:shape>
+          <dgm:presOf/>
+          <dgm:constrLst/>
+          <dgm:ruleLst/>
+        </dgm:layoutNode>
+        <dgm:layoutNode name="desTx" styleLbl="revTx">
+          <dgm:varLst/>
+          <dgm:alg type="tx">
+            <dgm:param type="stBulletLvl" val="0"/>
+            <dgm:param type="txAnchorVert" val="t"/>
+            <dgm:param type="parTxLTRAlign" val="l"/>
+            <dgm:param type="shpTxLTRAlignCh" val="l"/>
+            <dgm:param type="parTxRTLAlign" val="r"/>
+            <dgm:param type="shpTxRTLAlignCh" val="r"/>
+          </dgm:alg>
+          <dgm:shape xmlns:r="http://schemas.openxmlformats.org/officeDocument/2006/relationships" type="rect" r:blip="">
+            <dgm:adjLst/>
+          </dgm:shape>
+          <dgm:presOf axis="des" ptType="node"/>
+          <dgm:constrLst>
+            <dgm:constr type="secFontSz" refType="primFontSz"/>
+            <dgm:constr type="lMarg"/>
+            <dgm:constr type="rMarg"/>
+            <dgm:constr type="tMarg"/>
+            <dgm:constr type="bMarg"/>
+          </dgm:constrLst>
+          <dgm:ruleLst>
+            <dgm:rule type="primFontSz" val="NaN" fact="NaN" max="17"/>
+            <dgm:rule type="h" val="INF" fact="NaN" max="NaN"/>
+          </dgm:ruleLst>
+        </dgm:layoutNode>
+      </dgm:layoutNode>
+      <dgm:forEach name="Name4" axis="followSib" ptType="sibTrans" cnt="1">
+        <dgm:layoutNode name="sibTrans">
+          <dgm:alg type="sp"/>
+          <dgm:shape xmlns:r="http://schemas.openxmlformats.org/officeDocument/2006/relationships" r:blip="">
+            <dgm:adjLst/>
+          </dgm:shape>
+          <dgm:presOf axis="self"/>
+          <dgm:constrLst/>
+          <dgm:ruleLst/>
+        </dgm:layoutNode>
+      </dgm:forEach>
+    </dgm:forEach>
+  </dgm:layoutNode>
+  <dgm:extLst>
+    <a:ext uri="{68A01E43-0DF5-4B5B-8FA6-DAF915123BFB}">
+      <dgm1612:lstStyle xmlns:dgm1612="http://schemas.microsoft.com/office/drawing/2016/12/diagram">
+        <a:lvl1pPr>
+          <a:lnSpc>
+            <a:spcPct val="100000"/>
+          </a:lnSpc>
+          <a:defRPr b="1"/>
+        </a:lvl1pPr>
+        <a:lvl2pPr>
+          <a:lnSpc>
+            <a:spcPct val="100000"/>
+          </a:lnSpc>
+        </a:lvl2pPr>
+      </dgm1612:lstStyle>
+    </a:ext>
+  </dgm:extLst>
+</dgm:layoutDef>
+</file>
+
+<file path=ppt/diagrams/layout4.xml><?xml version="1.0" encoding="utf-8"?>
+<dgm:layoutDef xmlns:dgm="http://schemas.openxmlformats.org/drawingml/2006/diagram" xmlns:a="http://schemas.openxmlformats.org/drawingml/2006/main" uniqueId="urn:microsoft.com/office/officeart/2018/5/layout/CenteredIconLabelDescriptionList">
+  <dgm:title val="Centered Icon Label Description List"/>
+  <dgm:desc val="Use to show non-sequential or grouped chunks of information. The placeholder holds an icon or small picture, and corresponding text boxes show Level 1 and Level 2 text respectively. Works well for minimal Level 1 text accompanied by lengthier Level two text."/>
+  <dgm:catLst>
+    <dgm:cat type="icon" pri="500"/>
+  </dgm:catLst>
+  <dgm:sampData useDef="1">
+    <dgm:dataModel>
+      <dgm:ptLst/>
+      <dgm:bg/>
+      <dgm:whole/>
+    </dgm:dataModel>
+  </dgm:sampData>
+  <dgm:styleData useDef="1">
+    <dgm:dataModel>
+      <dgm:ptLst/>
+      <dgm:bg/>
+      <dgm:whole/>
+    </dgm:dataModel>
+  </dgm:styleData>
+  <dgm:clrData useDef="1">
+    <dgm:dataModel>
+      <dgm:ptLst/>
+      <dgm:bg/>
+      <dgm:whole/>
+    </dgm:dataModel>
+  </dgm:clrData>
+  <dgm:layoutNode name="root">
+    <dgm:varLst>
+      <dgm:dir/>
+      <dgm:resizeHandles val="exact"/>
+    </dgm:varLst>
+    <dgm:choose name="Name0">
+      <dgm:if name="Name1" axis="self" func="var" arg="dir" op="equ" val="norm">
+        <dgm:alg type="lin"/>
+      </dgm:if>
+      <dgm:else name="Name2">
+        <dgm:alg type="lin">
+          <dgm:param type="linDir" val="fromR"/>
+        </dgm:alg>
+      </dgm:else>
+    </dgm:choose>
+    <dgm:shape xmlns:r="http://schemas.openxmlformats.org/officeDocument/2006/relationships" r:blip="">
+      <dgm:adjLst/>
+    </dgm:shape>
+    <dgm:presOf/>
+    <dgm:constrLst>
+      <dgm:constr type="h" for="ch" forName="compNode" refType="h" fact="0.45"/>
+      <dgm:constr type="w" for="ch" forName="compNode" val="120"/>
+      <dgm:constr type="w" for="ch" forName="sibTrans" refType="w" refFor="ch" refForName="compNode" fact="0.175"/>
+      <dgm:constr type="primFontSz" for="des" forName="parTx" val="36"/>
+      <dgm:constr type="primFontSz" for="des" forName="desTx" refType="primFontSz" refFor="des" refForName="parTx" op="lte" fact="0.75"/>
+      <dgm:constr type="h" for="des" forName="compNode" op="equ"/>
+      <dgm:constr type="h" for="des" forName="iconRect" op="equ"/>
+      <dgm:constr type="w" for="des" forName="iconRect" op="equ"/>
+      <dgm:constr type="h" for="des" forName="iconSpace" op="equ"/>
+      <dgm:constr type="h" for="des" forName="parTx" op="equ"/>
+      <dgm:constr type="h" for="des" forName="txSpace" op="equ"/>
+      <dgm:constr type="h" for="des" forName="desTx" op="equ"/>
+    </dgm:constrLst>
+    <dgm:ruleLst>
+      <dgm:rule type="w" for="ch" forName="compNode" val="0" fact="NaN" max="NaN"/>
+    </dgm:ruleLst>
+    <dgm:forEach name="Name3" axis="ch" ptType="node">
+      <dgm:layoutNode name="compNode">
+        <dgm:alg type="composite"/>
+        <dgm:shape xmlns:r="http://schemas.openxmlformats.org/officeDocument/2006/relationships" r:blip="">
+          <dgm:adjLst/>
+        </dgm:shape>
+        <dgm:presOf axis="self"/>
+        <dgm:constrLst>
+          <dgm:constr type="w" for="ch" forName="iconRect" refType="w" fact="0.35"/>
+          <dgm:constr type="h" for="ch" forName="iconRect" refType="w" refFor="ch" refForName="iconRect"/>
+          <dgm:constr type="ctrX" for="ch" forName="iconRect" refType="w" fact="0.5"/>
+          <dgm:constr type="t" for="ch" forName="iconRect"/>
+          <dgm:constr type="w" for="ch" forName="iconSpace" refType="w"/>
+          <dgm:constr type="h" for="ch" forName="iconSpace" refType="h" fact="0.043"/>
+          <dgm:constr type="l" for="ch" forName="iconSpace"/>
+          <dgm:constr type="t" for="ch" forName="iconSpace" refType="b" refFor="ch" refForName="iconRect"/>
+          <dgm:constr type="w" for="ch" forName="parTx" refType="w"/>
+          <dgm:constr type="h" for="ch" forName="parTx" refType="w" fact="0.15"/>
+          <dgm:constr type="l" for="ch" forName="parTx"/>
+          <dgm:constr type="t" for="ch" forName="parTx" refType="b" refFor="ch" refForName="iconSpace"/>
+          <dgm:constr type="h" for="ch" forName="txSpace" refType="h" fact="0.02"/>
+          <dgm:constr type="w" for="ch" forName="txSpace" refType="w"/>
+          <dgm:constr type="l" for="ch" forName="txSpace"/>
+          <dgm:constr type="t" for="ch" forName="txSpace" refType="b" refFor="ch" refForName="parTx"/>
+          <dgm:constr type="w" for="ch" forName="desTx" refType="w"/>
+          <dgm:constr type="l" for="ch" forName="desTx"/>
+          <dgm:constr type="t" for="ch" forName="desTx" refType="b" refFor="ch" refForName="txSpace"/>
+        </dgm:constrLst>
+        <dgm:ruleLst>
+          <dgm:rule type="h" val="INF" fact="NaN" max="NaN"/>
+        </dgm:ruleLst>
+        <dgm:layoutNode name="iconRect" styleLbl="node1">
+          <dgm:alg type="sp"/>
+          <dgm:shape xmlns:r="http://schemas.openxmlformats.org/officeDocument/2006/relationships" type="rect" r:blip="" blipPhldr="1">
+            <dgm:adjLst/>
+          </dgm:shape>
+          <dgm:presOf/>
+          <dgm:constrLst/>
+          <dgm:ruleLst/>
+        </dgm:layoutNode>
+        <dgm:layoutNode name="iconSpace">
+          <dgm:alg type="sp"/>
+          <dgm:shape xmlns:r="http://schemas.openxmlformats.org/officeDocument/2006/relationships" r:blip="">
+            <dgm:adjLst/>
+          </dgm:shape>
+          <dgm:presOf/>
+          <dgm:constrLst/>
+          <dgm:ruleLst/>
+        </dgm:layoutNode>
+        <dgm:layoutNode name="parTx" styleLbl="revTx">
+          <dgm:varLst>
+            <dgm:chMax val="0"/>
+            <dgm:chPref val="0"/>
+          </dgm:varLst>
+          <dgm:alg type="tx">
+            <dgm:param type="txAnchorVert" val="t"/>
+          </dgm:alg>
+          <dgm:shape xmlns:r="http://schemas.openxmlformats.org/officeDocument/2006/relationships" type="rect" r:blip="">
+            <dgm:adjLst/>
+          </dgm:shape>
+          <dgm:presOf axis="self" ptType="node"/>
+          <dgm:constrLst>
+            <dgm:constr type="lMarg"/>
+            <dgm:constr type="rMarg"/>
+            <dgm:constr type="tMarg"/>
+            <dgm:constr type="bMarg"/>
+          </dgm:constrLst>
+          <dgm:ruleLst>
+            <dgm:rule type="primFontSz" val="14" fact="NaN" max="NaN"/>
+            <dgm:rule type="h" val="INF" fact="NaN" max="NaN"/>
+          </dgm:ruleLst>
+        </dgm:layoutNode>
+        <dgm:layoutNode name="txSpace">
+          <dgm:alg type="sp"/>
+          <dgm:shape xmlns:r="http://schemas.openxmlformats.org/officeDocument/2006/relationships" r:blip="">
+            <dgm:adjLst/>
+          </dgm:shape>
+          <dgm:presOf/>
+          <dgm:constrLst/>
+          <dgm:ruleLst/>
+        </dgm:layoutNode>
+        <dgm:layoutNode name="desTx" styleLbl="revTx">
+          <dgm:varLst/>
+          <dgm:alg type="tx">
+            <dgm:param type="stBulletLvl" val="0"/>
+            <dgm:param type="txAnchorVert" val="t"/>
+          </dgm:alg>
+          <dgm:shape xmlns:r="http://schemas.openxmlformats.org/officeDocument/2006/relationships" type="rect" r:blip="">
+            <dgm:adjLst/>
+          </dgm:shape>
+          <dgm:presOf axis="des" ptType="node"/>
+          <dgm:constrLst>
+            <dgm:constr type="secFontSz" refType="primFontSz"/>
+            <dgm:constr type="lMarg"/>
+            <dgm:constr type="rMarg"/>
+            <dgm:constr type="tMarg"/>
+            <dgm:constr type="bMarg"/>
+          </dgm:constrLst>
+          <dgm:ruleLst>
+            <dgm:rule type="primFontSz" val="NaN" fact="NaN" max="17"/>
+            <dgm:rule type="h" val="INF" fact="NaN" max="NaN"/>
+          </dgm:ruleLst>
+        </dgm:layoutNode>
+      </dgm:layoutNode>
+      <dgm:forEach name="Name4" axis="followSib" ptType="sibTrans" cnt="1">
+        <dgm:layoutNode name="sibTrans">
+          <dgm:alg type="sp"/>
+          <dgm:shape xmlns:r="http://schemas.openxmlformats.org/officeDocument/2006/relationships" r:blip="">
+            <dgm:adjLst/>
+          </dgm:shape>
+          <dgm:presOf axis="self"/>
+          <dgm:constrLst/>
+          <dgm:ruleLst/>
+        </dgm:layoutNode>
+      </dgm:forEach>
+    </dgm:forEach>
+  </dgm:layoutNode>
+  <dgm:extLst>
+    <a:ext uri="{68A01E43-0DF5-4B5B-8FA6-DAF915123BFB}">
+      <dgm1612:lstStyle xmlns:dgm1612="http://schemas.microsoft.com/office/drawing/2016/12/diagram">
+        <a:lvl1pPr>
+          <a:lnSpc>
+            <a:spcPct val="100000"/>
+          </a:lnSpc>
+          <a:defRPr b="1"/>
+        </a:lvl1pPr>
+        <a:lvl2pPr>
+          <a:lnSpc>
+            <a:spcPct val="100000"/>
+          </a:lnSpc>
+        </a:lvl2pPr>
+      </dgm1612:lstStyle>
+    </a:ext>
+  </dgm:extLst>
+</dgm:layoutDef>
+</file>
+
 <file path=ppt/diagrams/quickStyle1.xml><?xml version="1.0" encoding="utf-8"?>
 <dgm:styleDef xmlns:dgm="http://schemas.openxmlformats.org/drawingml/2006/diagram" xmlns:a="http://schemas.openxmlformats.org/drawingml/2006/main" uniqueId="urn:microsoft.com/office/officeart/2005/8/quickstyle/simple1">
   <dgm:title val=""/>
@@ -5794,6 +10247,2074 @@
 </file>
 
 <file path=ppt/diagrams/quickStyle2.xml><?xml version="1.0" encoding="utf-8"?>
+<dgm:styleDef xmlns:dgm="http://schemas.openxmlformats.org/drawingml/2006/diagram" xmlns:a="http://schemas.openxmlformats.org/drawingml/2006/main" uniqueId="urn:microsoft.com/office/officeart/2005/8/quickstyle/simple1">
+  <dgm:title val=""/>
+  <dgm:desc val=""/>
+  <dgm:catLst>
+    <dgm:cat type="simple" pri="10100"/>
+  </dgm:catLst>
+  <dgm:scene3d>
+    <a:camera prst="orthographicFront"/>
+    <a:lightRig rig="threePt" dir="t"/>
+  </dgm:scene3d>
+  <dgm:styleLbl name="node0">
+    <dgm:scene3d>
+      <a:camera prst="orthographicFront"/>
+      <a:lightRig rig="threePt" dir="t"/>
+    </dgm:scene3d>
+    <dgm:sp3d/>
+    <dgm:txPr/>
+    <dgm:style>
+      <a:lnRef idx="2">
+        <a:scrgbClr r="0" g="0" b="0"/>
+      </a:lnRef>
+      <a:fillRef idx="1">
+        <a:scrgbClr r="0" g="0" b="0"/>
+      </a:fillRef>
+      <a:effectRef idx="0">
+        <a:scrgbClr r="0" g="0" b="0"/>
+      </a:effectRef>
+      <a:fontRef idx="minor">
+        <a:schemeClr val="lt1"/>
+      </a:fontRef>
+    </dgm:style>
+  </dgm:styleLbl>
+  <dgm:styleLbl name="lnNode1">
+    <dgm:scene3d>
+      <a:camera prst="orthographicFront"/>
+      <a:lightRig rig="threePt" dir="t"/>
+    </dgm:scene3d>
+    <dgm:sp3d/>
+    <dgm:txPr/>
+    <dgm:style>
+      <a:lnRef idx="2">
+        <a:scrgbClr r="0" g="0" b="0"/>
+      </a:lnRef>
+      <a:fillRef idx="1">
+        <a:scrgbClr r="0" g="0" b="0"/>
+      </a:fillRef>
+      <a:effectRef idx="0">
+        <a:scrgbClr r="0" g="0" b="0"/>
+      </a:effectRef>
+      <a:fontRef idx="minor">
+        <a:schemeClr val="lt1"/>
+      </a:fontRef>
+    </dgm:style>
+  </dgm:styleLbl>
+  <dgm:styleLbl name="vennNode1">
+    <dgm:scene3d>
+      <a:camera prst="orthographicFront"/>
+      <a:lightRig rig="threePt" dir="t"/>
+    </dgm:scene3d>
+    <dgm:sp3d/>
+    <dgm:txPr/>
+    <dgm:style>
+      <a:lnRef idx="2">
+        <a:scrgbClr r="0" g="0" b="0"/>
+      </a:lnRef>
+      <a:fillRef idx="1">
+        <a:scrgbClr r="0" g="0" b="0"/>
+      </a:fillRef>
+      <a:effectRef idx="0">
+        <a:scrgbClr r="0" g="0" b="0"/>
+      </a:effectRef>
+      <a:fontRef idx="minor">
+        <a:schemeClr val="tx1"/>
+      </a:fontRef>
+    </dgm:style>
+  </dgm:styleLbl>
+  <dgm:styleLbl name="alignNode1">
+    <dgm:scene3d>
+      <a:camera prst="orthographicFront"/>
+      <a:lightRig rig="threePt" dir="t"/>
+    </dgm:scene3d>
+    <dgm:sp3d/>
+    <dgm:txPr/>
+    <dgm:style>
+      <a:lnRef idx="2">
+        <a:scrgbClr r="0" g="0" b="0"/>
+      </a:lnRef>
+      <a:fillRef idx="1">
+        <a:scrgbClr r="0" g="0" b="0"/>
+      </a:fillRef>
+      <a:effectRef idx="0">
+        <a:scrgbClr r="0" g="0" b="0"/>
+      </a:effectRef>
+      <a:fontRef idx="minor">
+        <a:schemeClr val="lt1"/>
+      </a:fontRef>
+    </dgm:style>
+  </dgm:styleLbl>
+  <dgm:styleLbl name="node1">
+    <dgm:scene3d>
+      <a:camera prst="orthographicFront"/>
+      <a:lightRig rig="threePt" dir="t"/>
+    </dgm:scene3d>
+    <dgm:sp3d/>
+    <dgm:txPr/>
+    <dgm:style>
+      <a:lnRef idx="2">
+        <a:scrgbClr r="0" g="0" b="0"/>
+      </a:lnRef>
+      <a:fillRef idx="1">
+        <a:scrgbClr r="0" g="0" b="0"/>
+      </a:fillRef>
+      <a:effectRef idx="0">
+        <a:scrgbClr r="0" g="0" b="0"/>
+      </a:effectRef>
+      <a:fontRef idx="minor">
+        <a:schemeClr val="lt1"/>
+      </a:fontRef>
+    </dgm:style>
+  </dgm:styleLbl>
+  <dgm:styleLbl name="node2">
+    <dgm:scene3d>
+      <a:camera prst="orthographicFront"/>
+      <a:lightRig rig="threePt" dir="t"/>
+    </dgm:scene3d>
+    <dgm:sp3d/>
+    <dgm:txPr/>
+    <dgm:style>
+      <a:lnRef idx="2">
+        <a:scrgbClr r="0" g="0" b="0"/>
+      </a:lnRef>
+      <a:fillRef idx="1">
+        <a:scrgbClr r="0" g="0" b="0"/>
+      </a:fillRef>
+      <a:effectRef idx="0">
+        <a:scrgbClr r="0" g="0" b="0"/>
+      </a:effectRef>
+      <a:fontRef idx="minor">
+        <a:schemeClr val="lt1"/>
+      </a:fontRef>
+    </dgm:style>
+  </dgm:styleLbl>
+  <dgm:styleLbl name="node3">
+    <dgm:scene3d>
+      <a:camera prst="orthographicFront"/>
+      <a:lightRig rig="threePt" dir="t"/>
+    </dgm:scene3d>
+    <dgm:sp3d/>
+    <dgm:txPr/>
+    <dgm:style>
+      <a:lnRef idx="2">
+        <a:scrgbClr r="0" g="0" b="0"/>
+      </a:lnRef>
+      <a:fillRef idx="1">
+        <a:scrgbClr r="0" g="0" b="0"/>
+      </a:fillRef>
+      <a:effectRef idx="0">
+        <a:scrgbClr r="0" g="0" b="0"/>
+      </a:effectRef>
+      <a:fontRef idx="minor">
+        <a:schemeClr val="lt1"/>
+      </a:fontRef>
+    </dgm:style>
+  </dgm:styleLbl>
+  <dgm:styleLbl name="node4">
+    <dgm:scene3d>
+      <a:camera prst="orthographicFront"/>
+      <a:lightRig rig="threePt" dir="t"/>
+    </dgm:scene3d>
+    <dgm:sp3d/>
+    <dgm:txPr/>
+    <dgm:style>
+      <a:lnRef idx="2">
+        <a:scrgbClr r="0" g="0" b="0"/>
+      </a:lnRef>
+      <a:fillRef idx="1">
+        <a:scrgbClr r="0" g="0" b="0"/>
+      </a:fillRef>
+      <a:effectRef idx="0">
+        <a:scrgbClr r="0" g="0" b="0"/>
+      </a:effectRef>
+      <a:fontRef idx="minor">
+        <a:schemeClr val="lt1"/>
+      </a:fontRef>
+    </dgm:style>
+  </dgm:styleLbl>
+  <dgm:styleLbl name="fgImgPlace1">
+    <dgm:scene3d>
+      <a:camera prst="orthographicFront"/>
+      <a:lightRig rig="threePt" dir="t"/>
+    </dgm:scene3d>
+    <dgm:sp3d/>
+    <dgm:txPr/>
+    <dgm:style>
+      <a:lnRef idx="2">
+        <a:scrgbClr r="0" g="0" b="0"/>
+      </a:lnRef>
+      <a:fillRef idx="1">
+        <a:scrgbClr r="0" g="0" b="0"/>
+      </a:fillRef>
+      <a:effectRef idx="0">
+        <a:scrgbClr r="0" g="0" b="0"/>
+      </a:effectRef>
+      <a:fontRef idx="minor"/>
+    </dgm:style>
+  </dgm:styleLbl>
+  <dgm:styleLbl name="alignImgPlace1">
+    <dgm:scene3d>
+      <a:camera prst="orthographicFront"/>
+      <a:lightRig rig="threePt" dir="t"/>
+    </dgm:scene3d>
+    <dgm:sp3d/>
+    <dgm:txPr/>
+    <dgm:style>
+      <a:lnRef idx="2">
+        <a:scrgbClr r="0" g="0" b="0"/>
+      </a:lnRef>
+      <a:fillRef idx="1">
+        <a:scrgbClr r="0" g="0" b="0"/>
+      </a:fillRef>
+      <a:effectRef idx="0">
+        <a:scrgbClr r="0" g="0" b="0"/>
+      </a:effectRef>
+      <a:fontRef idx="minor"/>
+    </dgm:style>
+  </dgm:styleLbl>
+  <dgm:styleLbl name="bgImgPlace1">
+    <dgm:scene3d>
+      <a:camera prst="orthographicFront"/>
+      <a:lightRig rig="threePt" dir="t"/>
+    </dgm:scene3d>
+    <dgm:sp3d/>
+    <dgm:txPr/>
+    <dgm:style>
+      <a:lnRef idx="2">
+        <a:scrgbClr r="0" g="0" b="0"/>
+      </a:lnRef>
+      <a:fillRef idx="1">
+        <a:scrgbClr r="0" g="0" b="0"/>
+      </a:fillRef>
+      <a:effectRef idx="0">
+        <a:scrgbClr r="0" g="0" b="0"/>
+      </a:effectRef>
+      <a:fontRef idx="minor"/>
+    </dgm:style>
+  </dgm:styleLbl>
+  <dgm:styleLbl name="sibTrans2D1">
+    <dgm:scene3d>
+      <a:camera prst="orthographicFront"/>
+      <a:lightRig rig="threePt" dir="t"/>
+    </dgm:scene3d>
+    <dgm:sp3d/>
+    <dgm:txPr/>
+    <dgm:style>
+      <a:lnRef idx="0">
+        <a:scrgbClr r="0" g="0" b="0"/>
+      </a:lnRef>
+      <a:fillRef idx="1">
+        <a:scrgbClr r="0" g="0" b="0"/>
+      </a:fillRef>
+      <a:effectRef idx="0">
+        <a:scrgbClr r="0" g="0" b="0"/>
+      </a:effectRef>
+      <a:fontRef idx="minor">
+        <a:schemeClr val="lt1"/>
+      </a:fontRef>
+    </dgm:style>
+  </dgm:styleLbl>
+  <dgm:styleLbl name="fgSibTrans2D1">
+    <dgm:scene3d>
+      <a:camera prst="orthographicFront"/>
+      <a:lightRig rig="threePt" dir="t"/>
+    </dgm:scene3d>
+    <dgm:sp3d/>
+    <dgm:txPr/>
+    <dgm:style>
+      <a:lnRef idx="0">
+        <a:scrgbClr r="0" g="0" b="0"/>
+      </a:lnRef>
+      <a:fillRef idx="1">
+        <a:scrgbClr r="0" g="0" b="0"/>
+      </a:fillRef>
+      <a:effectRef idx="0">
+        <a:scrgbClr r="0" g="0" b="0"/>
+      </a:effectRef>
+      <a:fontRef idx="minor">
+        <a:schemeClr val="lt1"/>
+      </a:fontRef>
+    </dgm:style>
+  </dgm:styleLbl>
+  <dgm:styleLbl name="bgSibTrans2D1">
+    <dgm:scene3d>
+      <a:camera prst="orthographicFront"/>
+      <a:lightRig rig="threePt" dir="t"/>
+    </dgm:scene3d>
+    <dgm:sp3d/>
+    <dgm:txPr/>
+    <dgm:style>
+      <a:lnRef idx="0">
+        <a:scrgbClr r="0" g="0" b="0"/>
+      </a:lnRef>
+      <a:fillRef idx="1">
+        <a:scrgbClr r="0" g="0" b="0"/>
+      </a:fillRef>
+      <a:effectRef idx="0">
+        <a:scrgbClr r="0" g="0" b="0"/>
+      </a:effectRef>
+      <a:fontRef idx="minor">
+        <a:schemeClr val="lt1"/>
+      </a:fontRef>
+    </dgm:style>
+  </dgm:styleLbl>
+  <dgm:styleLbl name="sibTrans1D1">
+    <dgm:scene3d>
+      <a:camera prst="orthographicFront"/>
+      <a:lightRig rig="threePt" dir="t"/>
+    </dgm:scene3d>
+    <dgm:sp3d/>
+    <dgm:txPr/>
+    <dgm:style>
+      <a:lnRef idx="1">
+        <a:scrgbClr r="0" g="0" b="0"/>
+      </a:lnRef>
+      <a:fillRef idx="0">
+        <a:scrgbClr r="0" g="0" b="0"/>
+      </a:fillRef>
+      <a:effectRef idx="0">
+        <a:scrgbClr r="0" g="0" b="0"/>
+      </a:effectRef>
+      <a:fontRef idx="minor"/>
+    </dgm:style>
+  </dgm:styleLbl>
+  <dgm:styleLbl name="callout">
+    <dgm:scene3d>
+      <a:camera prst="orthographicFront"/>
+      <a:lightRig rig="threePt" dir="t"/>
+    </dgm:scene3d>
+    <dgm:sp3d/>
+    <dgm:txPr/>
+    <dgm:style>
+      <a:lnRef idx="2">
+        <a:scrgbClr r="0" g="0" b="0"/>
+      </a:lnRef>
+      <a:fillRef idx="1">
+        <a:scrgbClr r="0" g="0" b="0"/>
+      </a:fillRef>
+      <a:effectRef idx="0">
+        <a:scrgbClr r="0" g="0" b="0"/>
+      </a:effectRef>
+      <a:fontRef idx="minor"/>
+    </dgm:style>
+  </dgm:styleLbl>
+  <dgm:styleLbl name="asst0">
+    <dgm:scene3d>
+      <a:camera prst="orthographicFront"/>
+      <a:lightRig rig="threePt" dir="t"/>
+    </dgm:scene3d>
+    <dgm:sp3d/>
+    <dgm:txPr/>
+    <dgm:style>
+      <a:lnRef idx="2">
+        <a:scrgbClr r="0" g="0" b="0"/>
+      </a:lnRef>
+      <a:fillRef idx="1">
+        <a:scrgbClr r="0" g="0" b="0"/>
+      </a:fillRef>
+      <a:effectRef idx="0">
+        <a:scrgbClr r="0" g="0" b="0"/>
+      </a:effectRef>
+      <a:fontRef idx="minor">
+        <a:schemeClr val="lt1"/>
+      </a:fontRef>
+    </dgm:style>
+  </dgm:styleLbl>
+  <dgm:styleLbl name="asst1">
+    <dgm:scene3d>
+      <a:camera prst="orthographicFront"/>
+      <a:lightRig rig="threePt" dir="t"/>
+    </dgm:scene3d>
+    <dgm:sp3d/>
+    <dgm:txPr/>
+    <dgm:style>
+      <a:lnRef idx="2">
+        <a:scrgbClr r="0" g="0" b="0"/>
+      </a:lnRef>
+      <a:fillRef idx="1">
+        <a:scrgbClr r="0" g="0" b="0"/>
+      </a:fillRef>
+      <a:effectRef idx="0">
+        <a:scrgbClr r="0" g="0" b="0"/>
+      </a:effectRef>
+      <a:fontRef idx="minor">
+        <a:schemeClr val="lt1"/>
+      </a:fontRef>
+    </dgm:style>
+  </dgm:styleLbl>
+  <dgm:styleLbl name="asst2">
+    <dgm:scene3d>
+      <a:camera prst="orthographicFront"/>
+      <a:lightRig rig="threePt" dir="t"/>
+    </dgm:scene3d>
+    <dgm:sp3d/>
+    <dgm:txPr/>
+    <dgm:style>
+      <a:lnRef idx="2">
+        <a:scrgbClr r="0" g="0" b="0"/>
+      </a:lnRef>
+      <a:fillRef idx="1">
+        <a:scrgbClr r="0" g="0" b="0"/>
+      </a:fillRef>
+      <a:effectRef idx="0">
+        <a:scrgbClr r="0" g="0" b="0"/>
+      </a:effectRef>
+      <a:fontRef idx="minor">
+        <a:schemeClr val="lt1"/>
+      </a:fontRef>
+    </dgm:style>
+  </dgm:styleLbl>
+  <dgm:styleLbl name="asst3">
+    <dgm:scene3d>
+      <a:camera prst="orthographicFront"/>
+      <a:lightRig rig="threePt" dir="t"/>
+    </dgm:scene3d>
+    <dgm:sp3d/>
+    <dgm:txPr/>
+    <dgm:style>
+      <a:lnRef idx="2">
+        <a:scrgbClr r="0" g="0" b="0"/>
+      </a:lnRef>
+      <a:fillRef idx="1">
+        <a:scrgbClr r="0" g="0" b="0"/>
+      </a:fillRef>
+      <a:effectRef idx="0">
+        <a:scrgbClr r="0" g="0" b="0"/>
+      </a:effectRef>
+      <a:fontRef idx="minor">
+        <a:schemeClr val="lt1"/>
+      </a:fontRef>
+    </dgm:style>
+  </dgm:styleLbl>
+  <dgm:styleLbl name="asst4">
+    <dgm:scene3d>
+      <a:camera prst="orthographicFront"/>
+      <a:lightRig rig="threePt" dir="t"/>
+    </dgm:scene3d>
+    <dgm:sp3d/>
+    <dgm:txPr/>
+    <dgm:style>
+      <a:lnRef idx="2">
+        <a:scrgbClr r="0" g="0" b="0"/>
+      </a:lnRef>
+      <a:fillRef idx="1">
+        <a:scrgbClr r="0" g="0" b="0"/>
+      </a:fillRef>
+      <a:effectRef idx="0">
+        <a:scrgbClr r="0" g="0" b="0"/>
+      </a:effectRef>
+      <a:fontRef idx="minor">
+        <a:schemeClr val="lt1"/>
+      </a:fontRef>
+    </dgm:style>
+  </dgm:styleLbl>
+  <dgm:styleLbl name="parChTrans2D1">
+    <dgm:scene3d>
+      <a:camera prst="orthographicFront"/>
+      <a:lightRig rig="threePt" dir="t"/>
+    </dgm:scene3d>
+    <dgm:sp3d/>
+    <dgm:txPr/>
+    <dgm:style>
+      <a:lnRef idx="2">
+        <a:scrgbClr r="0" g="0" b="0"/>
+      </a:lnRef>
+      <a:fillRef idx="1">
+        <a:scrgbClr r="0" g="0" b="0"/>
+      </a:fillRef>
+      <a:effectRef idx="0">
+        <a:scrgbClr r="0" g="0" b="0"/>
+      </a:effectRef>
+      <a:fontRef idx="minor">
+        <a:schemeClr val="lt1"/>
+      </a:fontRef>
+    </dgm:style>
+  </dgm:styleLbl>
+  <dgm:styleLbl name="parChTrans2D2">
+    <dgm:scene3d>
+      <a:camera prst="orthographicFront"/>
+      <a:lightRig rig="threePt" dir="t"/>
+    </dgm:scene3d>
+    <dgm:sp3d/>
+    <dgm:txPr/>
+    <dgm:style>
+      <a:lnRef idx="2">
+        <a:scrgbClr r="0" g="0" b="0"/>
+      </a:lnRef>
+      <a:fillRef idx="1">
+        <a:scrgbClr r="0" g="0" b="0"/>
+      </a:fillRef>
+      <a:effectRef idx="0">
+        <a:scrgbClr r="0" g="0" b="0"/>
+      </a:effectRef>
+      <a:fontRef idx="minor">
+        <a:schemeClr val="lt1"/>
+      </a:fontRef>
+    </dgm:style>
+  </dgm:styleLbl>
+  <dgm:styleLbl name="parChTrans2D3">
+    <dgm:scene3d>
+      <a:camera prst="orthographicFront"/>
+      <a:lightRig rig="threePt" dir="t"/>
+    </dgm:scene3d>
+    <dgm:sp3d/>
+    <dgm:txPr/>
+    <dgm:style>
+      <a:lnRef idx="2">
+        <a:scrgbClr r="0" g="0" b="0"/>
+      </a:lnRef>
+      <a:fillRef idx="1">
+        <a:scrgbClr r="0" g="0" b="0"/>
+      </a:fillRef>
+      <a:effectRef idx="0">
+        <a:scrgbClr r="0" g="0" b="0"/>
+      </a:effectRef>
+      <a:fontRef idx="minor">
+        <a:schemeClr val="lt1"/>
+      </a:fontRef>
+    </dgm:style>
+  </dgm:styleLbl>
+  <dgm:styleLbl name="parChTrans2D4">
+    <dgm:scene3d>
+      <a:camera prst="orthographicFront"/>
+      <a:lightRig rig="threePt" dir="t"/>
+    </dgm:scene3d>
+    <dgm:sp3d/>
+    <dgm:txPr/>
+    <dgm:style>
+      <a:lnRef idx="2">
+        <a:scrgbClr r="0" g="0" b="0"/>
+      </a:lnRef>
+      <a:fillRef idx="1">
+        <a:scrgbClr r="0" g="0" b="0"/>
+      </a:fillRef>
+      <a:effectRef idx="0">
+        <a:scrgbClr r="0" g="0" b="0"/>
+      </a:effectRef>
+      <a:fontRef idx="minor">
+        <a:schemeClr val="lt1"/>
+      </a:fontRef>
+    </dgm:style>
+  </dgm:styleLbl>
+  <dgm:styleLbl name="parChTrans1D1">
+    <dgm:scene3d>
+      <a:camera prst="orthographicFront"/>
+      <a:lightRig rig="threePt" dir="t"/>
+    </dgm:scene3d>
+    <dgm:sp3d/>
+    <dgm:txPr/>
+    <dgm:style>
+      <a:lnRef idx="2">
+        <a:scrgbClr r="0" g="0" b="0"/>
+      </a:lnRef>
+      <a:fillRef idx="0">
+        <a:scrgbClr r="0" g="0" b="0"/>
+      </a:fillRef>
+      <a:effectRef idx="0">
+        <a:scrgbClr r="0" g="0" b="0"/>
+      </a:effectRef>
+      <a:fontRef idx="minor"/>
+    </dgm:style>
+  </dgm:styleLbl>
+  <dgm:styleLbl name="parChTrans1D2">
+    <dgm:scene3d>
+      <a:camera prst="orthographicFront"/>
+      <a:lightRig rig="threePt" dir="t"/>
+    </dgm:scene3d>
+    <dgm:sp3d/>
+    <dgm:txPr/>
+    <dgm:style>
+      <a:lnRef idx="2">
+        <a:scrgbClr r="0" g="0" b="0"/>
+      </a:lnRef>
+      <a:fillRef idx="0">
+        <a:scrgbClr r="0" g="0" b="0"/>
+      </a:fillRef>
+      <a:effectRef idx="0">
+        <a:scrgbClr r="0" g="0" b="0"/>
+      </a:effectRef>
+      <a:fontRef idx="minor"/>
+    </dgm:style>
+  </dgm:styleLbl>
+  <dgm:styleLbl name="parChTrans1D3">
+    <dgm:scene3d>
+      <a:camera prst="orthographicFront"/>
+      <a:lightRig rig="threePt" dir="t"/>
+    </dgm:scene3d>
+    <dgm:sp3d/>
+    <dgm:txPr/>
+    <dgm:style>
+      <a:lnRef idx="2">
+        <a:scrgbClr r="0" g="0" b="0"/>
+      </a:lnRef>
+      <a:fillRef idx="0">
+        <a:scrgbClr r="0" g="0" b="0"/>
+      </a:fillRef>
+      <a:effectRef idx="0">
+        <a:scrgbClr r="0" g="0" b="0"/>
+      </a:effectRef>
+      <a:fontRef idx="minor"/>
+    </dgm:style>
+  </dgm:styleLbl>
+  <dgm:styleLbl name="parChTrans1D4">
+    <dgm:scene3d>
+      <a:camera prst="orthographicFront"/>
+      <a:lightRig rig="threePt" dir="t"/>
+    </dgm:scene3d>
+    <dgm:sp3d/>
+    <dgm:txPr/>
+    <dgm:style>
+      <a:lnRef idx="2">
+        <a:scrgbClr r="0" g="0" b="0"/>
+      </a:lnRef>
+      <a:fillRef idx="0">
+        <a:scrgbClr r="0" g="0" b="0"/>
+      </a:fillRef>
+      <a:effectRef idx="0">
+        <a:scrgbClr r="0" g="0" b="0"/>
+      </a:effectRef>
+      <a:fontRef idx="minor"/>
+    </dgm:style>
+  </dgm:styleLbl>
+  <dgm:styleLbl name="fgAcc1">
+    <dgm:scene3d>
+      <a:camera prst="orthographicFront"/>
+      <a:lightRig rig="threePt" dir="t"/>
+    </dgm:scene3d>
+    <dgm:sp3d/>
+    <dgm:txPr/>
+    <dgm:style>
+      <a:lnRef idx="2">
+        <a:scrgbClr r="0" g="0" b="0"/>
+      </a:lnRef>
+      <a:fillRef idx="1">
+        <a:scrgbClr r="0" g="0" b="0"/>
+      </a:fillRef>
+      <a:effectRef idx="0">
+        <a:scrgbClr r="0" g="0" b="0"/>
+      </a:effectRef>
+      <a:fontRef idx="minor"/>
+    </dgm:style>
+  </dgm:styleLbl>
+  <dgm:styleLbl name="conFgAcc1">
+    <dgm:scene3d>
+      <a:camera prst="orthographicFront"/>
+      <a:lightRig rig="threePt" dir="t"/>
+    </dgm:scene3d>
+    <dgm:sp3d/>
+    <dgm:txPr/>
+    <dgm:style>
+      <a:lnRef idx="2">
+        <a:scrgbClr r="0" g="0" b="0"/>
+      </a:lnRef>
+      <a:fillRef idx="1">
+        <a:scrgbClr r="0" g="0" b="0"/>
+      </a:fillRef>
+      <a:effectRef idx="0">
+        <a:scrgbClr r="0" g="0" b="0"/>
+      </a:effectRef>
+      <a:fontRef idx="minor"/>
+    </dgm:style>
+  </dgm:styleLbl>
+  <dgm:styleLbl name="alignAcc1">
+    <dgm:scene3d>
+      <a:camera prst="orthographicFront"/>
+      <a:lightRig rig="threePt" dir="t"/>
+    </dgm:scene3d>
+    <dgm:sp3d/>
+    <dgm:txPr/>
+    <dgm:style>
+      <a:lnRef idx="2">
+        <a:scrgbClr r="0" g="0" b="0"/>
+      </a:lnRef>
+      <a:fillRef idx="1">
+        <a:scrgbClr r="0" g="0" b="0"/>
+      </a:fillRef>
+      <a:effectRef idx="0">
+        <a:scrgbClr r="0" g="0" b="0"/>
+      </a:effectRef>
+      <a:fontRef idx="minor"/>
+    </dgm:style>
+  </dgm:styleLbl>
+  <dgm:styleLbl name="trAlignAcc1">
+    <dgm:scene3d>
+      <a:camera prst="orthographicFront"/>
+      <a:lightRig rig="threePt" dir="t"/>
+    </dgm:scene3d>
+    <dgm:sp3d/>
+    <dgm:txPr/>
+    <dgm:style>
+      <a:lnRef idx="1">
+        <a:scrgbClr r="0" g="0" b="0"/>
+      </a:lnRef>
+      <a:fillRef idx="1">
+        <a:scrgbClr r="0" g="0" b="0"/>
+      </a:fillRef>
+      <a:effectRef idx="0">
+        <a:scrgbClr r="0" g="0" b="0"/>
+      </a:effectRef>
+      <a:fontRef idx="minor"/>
+    </dgm:style>
+  </dgm:styleLbl>
+  <dgm:styleLbl name="bgAcc1">
+    <dgm:scene3d>
+      <a:camera prst="orthographicFront"/>
+      <a:lightRig rig="threePt" dir="t"/>
+    </dgm:scene3d>
+    <dgm:sp3d/>
+    <dgm:txPr/>
+    <dgm:style>
+      <a:lnRef idx="2">
+        <a:scrgbClr r="0" g="0" b="0"/>
+      </a:lnRef>
+      <a:fillRef idx="1">
+        <a:scrgbClr r="0" g="0" b="0"/>
+      </a:fillRef>
+      <a:effectRef idx="0">
+        <a:scrgbClr r="0" g="0" b="0"/>
+      </a:effectRef>
+      <a:fontRef idx="minor"/>
+    </dgm:style>
+  </dgm:styleLbl>
+  <dgm:styleLbl name="solidFgAcc1">
+    <dgm:scene3d>
+      <a:camera prst="orthographicFront"/>
+      <a:lightRig rig="threePt" dir="t"/>
+    </dgm:scene3d>
+    <dgm:sp3d/>
+    <dgm:txPr/>
+    <dgm:style>
+      <a:lnRef idx="2">
+        <a:scrgbClr r="0" g="0" b="0"/>
+      </a:lnRef>
+      <a:fillRef idx="1">
+        <a:scrgbClr r="0" g="0" b="0"/>
+      </a:fillRef>
+      <a:effectRef idx="0">
+        <a:scrgbClr r="0" g="0" b="0"/>
+      </a:effectRef>
+      <a:fontRef idx="minor"/>
+    </dgm:style>
+  </dgm:styleLbl>
+  <dgm:styleLbl name="solidAlignAcc1">
+    <dgm:scene3d>
+      <a:camera prst="orthographicFront"/>
+      <a:lightRig rig="threePt" dir="t"/>
+    </dgm:scene3d>
+    <dgm:sp3d/>
+    <dgm:txPr/>
+    <dgm:style>
+      <a:lnRef idx="2">
+        <a:scrgbClr r="0" g="0" b="0"/>
+      </a:lnRef>
+      <a:fillRef idx="1">
+        <a:scrgbClr r="0" g="0" b="0"/>
+      </a:fillRef>
+      <a:effectRef idx="0">
+        <a:scrgbClr r="0" g="0" b="0"/>
+      </a:effectRef>
+      <a:fontRef idx="minor"/>
+    </dgm:style>
+  </dgm:styleLbl>
+  <dgm:styleLbl name="solidBgAcc1">
+    <dgm:scene3d>
+      <a:camera prst="orthographicFront"/>
+      <a:lightRig rig="threePt" dir="t"/>
+    </dgm:scene3d>
+    <dgm:sp3d/>
+    <dgm:txPr/>
+    <dgm:style>
+      <a:lnRef idx="2">
+        <a:scrgbClr r="0" g="0" b="0"/>
+      </a:lnRef>
+      <a:fillRef idx="1">
+        <a:scrgbClr r="0" g="0" b="0"/>
+      </a:fillRef>
+      <a:effectRef idx="0">
+        <a:scrgbClr r="0" g="0" b="0"/>
+      </a:effectRef>
+      <a:fontRef idx="minor"/>
+    </dgm:style>
+  </dgm:styleLbl>
+  <dgm:styleLbl name="fgAccFollowNode1">
+    <dgm:scene3d>
+      <a:camera prst="orthographicFront"/>
+      <a:lightRig rig="threePt" dir="t"/>
+    </dgm:scene3d>
+    <dgm:sp3d/>
+    <dgm:txPr/>
+    <dgm:style>
+      <a:lnRef idx="2">
+        <a:scrgbClr r="0" g="0" b="0"/>
+      </a:lnRef>
+      <a:fillRef idx="1">
+        <a:scrgbClr r="0" g="0" b="0"/>
+      </a:fillRef>
+      <a:effectRef idx="0">
+        <a:scrgbClr r="0" g="0" b="0"/>
+      </a:effectRef>
+      <a:fontRef idx="minor"/>
+    </dgm:style>
+  </dgm:styleLbl>
+  <dgm:styleLbl name="alignAccFollowNode1">
+    <dgm:scene3d>
+      <a:camera prst="orthographicFront"/>
+      <a:lightRig rig="threePt" dir="t"/>
+    </dgm:scene3d>
+    <dgm:sp3d/>
+    <dgm:txPr/>
+    <dgm:style>
+      <a:lnRef idx="2">
+        <a:scrgbClr r="0" g="0" b="0"/>
+      </a:lnRef>
+      <a:fillRef idx="1">
+        <a:scrgbClr r="0" g="0" b="0"/>
+      </a:fillRef>
+      <a:effectRef idx="0">
+        <a:scrgbClr r="0" g="0" b="0"/>
+      </a:effectRef>
+      <a:fontRef idx="minor"/>
+    </dgm:style>
+  </dgm:styleLbl>
+  <dgm:styleLbl name="bgAccFollowNode1">
+    <dgm:scene3d>
+      <a:camera prst="orthographicFront"/>
+      <a:lightRig rig="threePt" dir="t"/>
+    </dgm:scene3d>
+    <dgm:sp3d/>
+    <dgm:txPr/>
+    <dgm:style>
+      <a:lnRef idx="2">
+        <a:scrgbClr r="0" g="0" b="0"/>
+      </a:lnRef>
+      <a:fillRef idx="1">
+        <a:scrgbClr r="0" g="0" b="0"/>
+      </a:fillRef>
+      <a:effectRef idx="0">
+        <a:scrgbClr r="0" g="0" b="0"/>
+      </a:effectRef>
+      <a:fontRef idx="minor"/>
+    </dgm:style>
+  </dgm:styleLbl>
+  <dgm:styleLbl name="fgAcc0">
+    <dgm:scene3d>
+      <a:camera prst="orthographicFront"/>
+      <a:lightRig rig="threePt" dir="t"/>
+    </dgm:scene3d>
+    <dgm:sp3d/>
+    <dgm:txPr/>
+    <dgm:style>
+      <a:lnRef idx="2">
+        <a:scrgbClr r="0" g="0" b="0"/>
+      </a:lnRef>
+      <a:fillRef idx="1">
+        <a:scrgbClr r="0" g="0" b="0"/>
+      </a:fillRef>
+      <a:effectRef idx="0">
+        <a:scrgbClr r="0" g="0" b="0"/>
+      </a:effectRef>
+      <a:fontRef idx="minor"/>
+    </dgm:style>
+  </dgm:styleLbl>
+  <dgm:styleLbl name="fgAcc2">
+    <dgm:scene3d>
+      <a:camera prst="orthographicFront"/>
+      <a:lightRig rig="threePt" dir="t"/>
+    </dgm:scene3d>
+    <dgm:sp3d/>
+    <dgm:txPr/>
+    <dgm:style>
+      <a:lnRef idx="2">
+        <a:scrgbClr r="0" g="0" b="0"/>
+      </a:lnRef>
+      <a:fillRef idx="1">
+        <a:scrgbClr r="0" g="0" b="0"/>
+      </a:fillRef>
+      <a:effectRef idx="0">
+        <a:scrgbClr r="0" g="0" b="0"/>
+      </a:effectRef>
+      <a:fontRef idx="minor"/>
+    </dgm:style>
+  </dgm:styleLbl>
+  <dgm:styleLbl name="fgAcc3">
+    <dgm:scene3d>
+      <a:camera prst="orthographicFront"/>
+      <a:lightRig rig="threePt" dir="t"/>
+    </dgm:scene3d>
+    <dgm:sp3d/>
+    <dgm:txPr/>
+    <dgm:style>
+      <a:lnRef idx="2">
+        <a:scrgbClr r="0" g="0" b="0"/>
+      </a:lnRef>
+      <a:fillRef idx="1">
+        <a:scrgbClr r="0" g="0" b="0"/>
+      </a:fillRef>
+      <a:effectRef idx="0">
+        <a:scrgbClr r="0" g="0" b="0"/>
+      </a:effectRef>
+      <a:fontRef idx="minor"/>
+    </dgm:style>
+  </dgm:styleLbl>
+  <dgm:styleLbl name="fgAcc4">
+    <dgm:scene3d>
+      <a:camera prst="orthographicFront"/>
+      <a:lightRig rig="threePt" dir="t"/>
+    </dgm:scene3d>
+    <dgm:sp3d/>
+    <dgm:txPr/>
+    <dgm:style>
+      <a:lnRef idx="2">
+        <a:scrgbClr r="0" g="0" b="0"/>
+      </a:lnRef>
+      <a:fillRef idx="1">
+        <a:scrgbClr r="0" g="0" b="0"/>
+      </a:fillRef>
+      <a:effectRef idx="0">
+        <a:scrgbClr r="0" g="0" b="0"/>
+      </a:effectRef>
+      <a:fontRef idx="minor"/>
+    </dgm:style>
+  </dgm:styleLbl>
+  <dgm:styleLbl name="bgShp">
+    <dgm:scene3d>
+      <a:camera prst="orthographicFront"/>
+      <a:lightRig rig="threePt" dir="t"/>
+    </dgm:scene3d>
+    <dgm:sp3d/>
+    <dgm:txPr/>
+    <dgm:style>
+      <a:lnRef idx="0">
+        <a:scrgbClr r="0" g="0" b="0"/>
+      </a:lnRef>
+      <a:fillRef idx="1">
+        <a:scrgbClr r="0" g="0" b="0"/>
+      </a:fillRef>
+      <a:effectRef idx="0">
+        <a:scrgbClr r="0" g="0" b="0"/>
+      </a:effectRef>
+      <a:fontRef idx="minor"/>
+    </dgm:style>
+  </dgm:styleLbl>
+  <dgm:styleLbl name="dkBgShp">
+    <dgm:scene3d>
+      <a:camera prst="orthographicFront"/>
+      <a:lightRig rig="threePt" dir="t"/>
+    </dgm:scene3d>
+    <dgm:sp3d/>
+    <dgm:txPr/>
+    <dgm:style>
+      <a:lnRef idx="0">
+        <a:scrgbClr r="0" g="0" b="0"/>
+      </a:lnRef>
+      <a:fillRef idx="1">
+        <a:scrgbClr r="0" g="0" b="0"/>
+      </a:fillRef>
+      <a:effectRef idx="0">
+        <a:scrgbClr r="0" g="0" b="0"/>
+      </a:effectRef>
+      <a:fontRef idx="minor"/>
+    </dgm:style>
+  </dgm:styleLbl>
+  <dgm:styleLbl name="trBgShp">
+    <dgm:scene3d>
+      <a:camera prst="orthographicFront"/>
+      <a:lightRig rig="threePt" dir="t"/>
+    </dgm:scene3d>
+    <dgm:sp3d/>
+    <dgm:txPr/>
+    <dgm:style>
+      <a:lnRef idx="0">
+        <a:scrgbClr r="0" g="0" b="0"/>
+      </a:lnRef>
+      <a:fillRef idx="1">
+        <a:scrgbClr r="0" g="0" b="0"/>
+      </a:fillRef>
+      <a:effectRef idx="0">
+        <a:scrgbClr r="0" g="0" b="0"/>
+      </a:effectRef>
+      <a:fontRef idx="minor"/>
+    </dgm:style>
+  </dgm:styleLbl>
+  <dgm:styleLbl name="fgShp">
+    <dgm:scene3d>
+      <a:camera prst="orthographicFront"/>
+      <a:lightRig rig="threePt" dir="t"/>
+    </dgm:scene3d>
+    <dgm:sp3d/>
+    <dgm:txPr/>
+    <dgm:style>
+      <a:lnRef idx="2">
+        <a:scrgbClr r="0" g="0" b="0"/>
+      </a:lnRef>
+      <a:fillRef idx="1">
+        <a:scrgbClr r="0" g="0" b="0"/>
+      </a:fillRef>
+      <a:effectRef idx="0">
+        <a:scrgbClr r="0" g="0" b="0"/>
+      </a:effectRef>
+      <a:fontRef idx="minor"/>
+    </dgm:style>
+  </dgm:styleLbl>
+  <dgm:styleLbl name="revTx">
+    <dgm:scene3d>
+      <a:camera prst="orthographicFront"/>
+      <a:lightRig rig="threePt" dir="t"/>
+    </dgm:scene3d>
+    <dgm:sp3d/>
+    <dgm:txPr/>
+    <dgm:style>
+      <a:lnRef idx="0">
+        <a:scrgbClr r="0" g="0" b="0"/>
+      </a:lnRef>
+      <a:fillRef idx="0">
+        <a:scrgbClr r="0" g="0" b="0"/>
+      </a:fillRef>
+      <a:effectRef idx="0">
+        <a:scrgbClr r="0" g="0" b="0"/>
+      </a:effectRef>
+      <a:fontRef idx="minor"/>
+    </dgm:style>
+  </dgm:styleLbl>
+</dgm:styleDef>
+</file>
+
+<file path=ppt/diagrams/quickStyle3.xml><?xml version="1.0" encoding="utf-8"?>
+<dgm:styleDef xmlns:dgm="http://schemas.openxmlformats.org/drawingml/2006/diagram" xmlns:a="http://schemas.openxmlformats.org/drawingml/2006/main" uniqueId="urn:microsoft.com/office/officeart/2005/8/quickstyle/simple1">
+  <dgm:title val=""/>
+  <dgm:desc val=""/>
+  <dgm:catLst>
+    <dgm:cat type="simple" pri="10100"/>
+  </dgm:catLst>
+  <dgm:scene3d>
+    <a:camera prst="orthographicFront"/>
+    <a:lightRig rig="threePt" dir="t"/>
+  </dgm:scene3d>
+  <dgm:styleLbl name="node0">
+    <dgm:scene3d>
+      <a:camera prst="orthographicFront"/>
+      <a:lightRig rig="threePt" dir="t"/>
+    </dgm:scene3d>
+    <dgm:sp3d/>
+    <dgm:txPr/>
+    <dgm:style>
+      <a:lnRef idx="2">
+        <a:scrgbClr r="0" g="0" b="0"/>
+      </a:lnRef>
+      <a:fillRef idx="1">
+        <a:scrgbClr r="0" g="0" b="0"/>
+      </a:fillRef>
+      <a:effectRef idx="0">
+        <a:scrgbClr r="0" g="0" b="0"/>
+      </a:effectRef>
+      <a:fontRef idx="minor">
+        <a:schemeClr val="lt1"/>
+      </a:fontRef>
+    </dgm:style>
+  </dgm:styleLbl>
+  <dgm:styleLbl name="lnNode1">
+    <dgm:scene3d>
+      <a:camera prst="orthographicFront"/>
+      <a:lightRig rig="threePt" dir="t"/>
+    </dgm:scene3d>
+    <dgm:sp3d/>
+    <dgm:txPr/>
+    <dgm:style>
+      <a:lnRef idx="2">
+        <a:scrgbClr r="0" g="0" b="0"/>
+      </a:lnRef>
+      <a:fillRef idx="1">
+        <a:scrgbClr r="0" g="0" b="0"/>
+      </a:fillRef>
+      <a:effectRef idx="0">
+        <a:scrgbClr r="0" g="0" b="0"/>
+      </a:effectRef>
+      <a:fontRef idx="minor">
+        <a:schemeClr val="lt1"/>
+      </a:fontRef>
+    </dgm:style>
+  </dgm:styleLbl>
+  <dgm:styleLbl name="vennNode1">
+    <dgm:scene3d>
+      <a:camera prst="orthographicFront"/>
+      <a:lightRig rig="threePt" dir="t"/>
+    </dgm:scene3d>
+    <dgm:sp3d/>
+    <dgm:txPr/>
+    <dgm:style>
+      <a:lnRef idx="2">
+        <a:scrgbClr r="0" g="0" b="0"/>
+      </a:lnRef>
+      <a:fillRef idx="1">
+        <a:scrgbClr r="0" g="0" b="0"/>
+      </a:fillRef>
+      <a:effectRef idx="0">
+        <a:scrgbClr r="0" g="0" b="0"/>
+      </a:effectRef>
+      <a:fontRef idx="minor">
+        <a:schemeClr val="tx1"/>
+      </a:fontRef>
+    </dgm:style>
+  </dgm:styleLbl>
+  <dgm:styleLbl name="alignNode1">
+    <dgm:scene3d>
+      <a:camera prst="orthographicFront"/>
+      <a:lightRig rig="threePt" dir="t"/>
+    </dgm:scene3d>
+    <dgm:sp3d/>
+    <dgm:txPr/>
+    <dgm:style>
+      <a:lnRef idx="2">
+        <a:scrgbClr r="0" g="0" b="0"/>
+      </a:lnRef>
+      <a:fillRef idx="1">
+        <a:scrgbClr r="0" g="0" b="0"/>
+      </a:fillRef>
+      <a:effectRef idx="0">
+        <a:scrgbClr r="0" g="0" b="0"/>
+      </a:effectRef>
+      <a:fontRef idx="minor">
+        <a:schemeClr val="lt1"/>
+      </a:fontRef>
+    </dgm:style>
+  </dgm:styleLbl>
+  <dgm:styleLbl name="node1">
+    <dgm:scene3d>
+      <a:camera prst="orthographicFront"/>
+      <a:lightRig rig="threePt" dir="t"/>
+    </dgm:scene3d>
+    <dgm:sp3d/>
+    <dgm:txPr/>
+    <dgm:style>
+      <a:lnRef idx="2">
+        <a:scrgbClr r="0" g="0" b="0"/>
+      </a:lnRef>
+      <a:fillRef idx="1">
+        <a:scrgbClr r="0" g="0" b="0"/>
+      </a:fillRef>
+      <a:effectRef idx="0">
+        <a:scrgbClr r="0" g="0" b="0"/>
+      </a:effectRef>
+      <a:fontRef idx="minor">
+        <a:schemeClr val="lt1"/>
+      </a:fontRef>
+    </dgm:style>
+  </dgm:styleLbl>
+  <dgm:styleLbl name="node2">
+    <dgm:scene3d>
+      <a:camera prst="orthographicFront"/>
+      <a:lightRig rig="threePt" dir="t"/>
+    </dgm:scene3d>
+    <dgm:sp3d/>
+    <dgm:txPr/>
+    <dgm:style>
+      <a:lnRef idx="2">
+        <a:scrgbClr r="0" g="0" b="0"/>
+      </a:lnRef>
+      <a:fillRef idx="1">
+        <a:scrgbClr r="0" g="0" b="0"/>
+      </a:fillRef>
+      <a:effectRef idx="0">
+        <a:scrgbClr r="0" g="0" b="0"/>
+      </a:effectRef>
+      <a:fontRef idx="minor">
+        <a:schemeClr val="lt1"/>
+      </a:fontRef>
+    </dgm:style>
+  </dgm:styleLbl>
+  <dgm:styleLbl name="node3">
+    <dgm:scene3d>
+      <a:camera prst="orthographicFront"/>
+      <a:lightRig rig="threePt" dir="t"/>
+    </dgm:scene3d>
+    <dgm:sp3d/>
+    <dgm:txPr/>
+    <dgm:style>
+      <a:lnRef idx="2">
+        <a:scrgbClr r="0" g="0" b="0"/>
+      </a:lnRef>
+      <a:fillRef idx="1">
+        <a:scrgbClr r="0" g="0" b="0"/>
+      </a:fillRef>
+      <a:effectRef idx="0">
+        <a:scrgbClr r="0" g="0" b="0"/>
+      </a:effectRef>
+      <a:fontRef idx="minor">
+        <a:schemeClr val="lt1"/>
+      </a:fontRef>
+    </dgm:style>
+  </dgm:styleLbl>
+  <dgm:styleLbl name="node4">
+    <dgm:scene3d>
+      <a:camera prst="orthographicFront"/>
+      <a:lightRig rig="threePt" dir="t"/>
+    </dgm:scene3d>
+    <dgm:sp3d/>
+    <dgm:txPr/>
+    <dgm:style>
+      <a:lnRef idx="2">
+        <a:scrgbClr r="0" g="0" b="0"/>
+      </a:lnRef>
+      <a:fillRef idx="1">
+        <a:scrgbClr r="0" g="0" b="0"/>
+      </a:fillRef>
+      <a:effectRef idx="0">
+        <a:scrgbClr r="0" g="0" b="0"/>
+      </a:effectRef>
+      <a:fontRef idx="minor">
+        <a:schemeClr val="lt1"/>
+      </a:fontRef>
+    </dgm:style>
+  </dgm:styleLbl>
+  <dgm:styleLbl name="fgImgPlace1">
+    <dgm:scene3d>
+      <a:camera prst="orthographicFront"/>
+      <a:lightRig rig="threePt" dir="t"/>
+    </dgm:scene3d>
+    <dgm:sp3d/>
+    <dgm:txPr/>
+    <dgm:style>
+      <a:lnRef idx="2">
+        <a:scrgbClr r="0" g="0" b="0"/>
+      </a:lnRef>
+      <a:fillRef idx="1">
+        <a:scrgbClr r="0" g="0" b="0"/>
+      </a:fillRef>
+      <a:effectRef idx="0">
+        <a:scrgbClr r="0" g="0" b="0"/>
+      </a:effectRef>
+      <a:fontRef idx="minor"/>
+    </dgm:style>
+  </dgm:styleLbl>
+  <dgm:styleLbl name="alignImgPlace1">
+    <dgm:scene3d>
+      <a:camera prst="orthographicFront"/>
+      <a:lightRig rig="threePt" dir="t"/>
+    </dgm:scene3d>
+    <dgm:sp3d/>
+    <dgm:txPr/>
+    <dgm:style>
+      <a:lnRef idx="2">
+        <a:scrgbClr r="0" g="0" b="0"/>
+      </a:lnRef>
+      <a:fillRef idx="1">
+        <a:scrgbClr r="0" g="0" b="0"/>
+      </a:fillRef>
+      <a:effectRef idx="0">
+        <a:scrgbClr r="0" g="0" b="0"/>
+      </a:effectRef>
+      <a:fontRef idx="minor"/>
+    </dgm:style>
+  </dgm:styleLbl>
+  <dgm:styleLbl name="bgImgPlace1">
+    <dgm:scene3d>
+      <a:camera prst="orthographicFront"/>
+      <a:lightRig rig="threePt" dir="t"/>
+    </dgm:scene3d>
+    <dgm:sp3d/>
+    <dgm:txPr/>
+    <dgm:style>
+      <a:lnRef idx="2">
+        <a:scrgbClr r="0" g="0" b="0"/>
+      </a:lnRef>
+      <a:fillRef idx="1">
+        <a:scrgbClr r="0" g="0" b="0"/>
+      </a:fillRef>
+      <a:effectRef idx="0">
+        <a:scrgbClr r="0" g="0" b="0"/>
+      </a:effectRef>
+      <a:fontRef idx="minor"/>
+    </dgm:style>
+  </dgm:styleLbl>
+  <dgm:styleLbl name="sibTrans2D1">
+    <dgm:scene3d>
+      <a:camera prst="orthographicFront"/>
+      <a:lightRig rig="threePt" dir="t"/>
+    </dgm:scene3d>
+    <dgm:sp3d/>
+    <dgm:txPr/>
+    <dgm:style>
+      <a:lnRef idx="0">
+        <a:scrgbClr r="0" g="0" b="0"/>
+      </a:lnRef>
+      <a:fillRef idx="1">
+        <a:scrgbClr r="0" g="0" b="0"/>
+      </a:fillRef>
+      <a:effectRef idx="0">
+        <a:scrgbClr r="0" g="0" b="0"/>
+      </a:effectRef>
+      <a:fontRef idx="minor">
+        <a:schemeClr val="lt1"/>
+      </a:fontRef>
+    </dgm:style>
+  </dgm:styleLbl>
+  <dgm:styleLbl name="fgSibTrans2D1">
+    <dgm:scene3d>
+      <a:camera prst="orthographicFront"/>
+      <a:lightRig rig="threePt" dir="t"/>
+    </dgm:scene3d>
+    <dgm:sp3d/>
+    <dgm:txPr/>
+    <dgm:style>
+      <a:lnRef idx="0">
+        <a:scrgbClr r="0" g="0" b="0"/>
+      </a:lnRef>
+      <a:fillRef idx="1">
+        <a:scrgbClr r="0" g="0" b="0"/>
+      </a:fillRef>
+      <a:effectRef idx="0">
+        <a:scrgbClr r="0" g="0" b="0"/>
+      </a:effectRef>
+      <a:fontRef idx="minor">
+        <a:schemeClr val="lt1"/>
+      </a:fontRef>
+    </dgm:style>
+  </dgm:styleLbl>
+  <dgm:styleLbl name="bgSibTrans2D1">
+    <dgm:scene3d>
+      <a:camera prst="orthographicFront"/>
+      <a:lightRig rig="threePt" dir="t"/>
+    </dgm:scene3d>
+    <dgm:sp3d/>
+    <dgm:txPr/>
+    <dgm:style>
+      <a:lnRef idx="0">
+        <a:scrgbClr r="0" g="0" b="0"/>
+      </a:lnRef>
+      <a:fillRef idx="1">
+        <a:scrgbClr r="0" g="0" b="0"/>
+      </a:fillRef>
+      <a:effectRef idx="0">
+        <a:scrgbClr r="0" g="0" b="0"/>
+      </a:effectRef>
+      <a:fontRef idx="minor">
+        <a:schemeClr val="lt1"/>
+      </a:fontRef>
+    </dgm:style>
+  </dgm:styleLbl>
+  <dgm:styleLbl name="sibTrans1D1">
+    <dgm:scene3d>
+      <a:camera prst="orthographicFront"/>
+      <a:lightRig rig="threePt" dir="t"/>
+    </dgm:scene3d>
+    <dgm:sp3d/>
+    <dgm:txPr/>
+    <dgm:style>
+      <a:lnRef idx="1">
+        <a:scrgbClr r="0" g="0" b="0"/>
+      </a:lnRef>
+      <a:fillRef idx="0">
+        <a:scrgbClr r="0" g="0" b="0"/>
+      </a:fillRef>
+      <a:effectRef idx="0">
+        <a:scrgbClr r="0" g="0" b="0"/>
+      </a:effectRef>
+      <a:fontRef idx="minor"/>
+    </dgm:style>
+  </dgm:styleLbl>
+  <dgm:styleLbl name="callout">
+    <dgm:scene3d>
+      <a:camera prst="orthographicFront"/>
+      <a:lightRig rig="threePt" dir="t"/>
+    </dgm:scene3d>
+    <dgm:sp3d/>
+    <dgm:txPr/>
+    <dgm:style>
+      <a:lnRef idx="2">
+        <a:scrgbClr r="0" g="0" b="0"/>
+      </a:lnRef>
+      <a:fillRef idx="1">
+        <a:scrgbClr r="0" g="0" b="0"/>
+      </a:fillRef>
+      <a:effectRef idx="0">
+        <a:scrgbClr r="0" g="0" b="0"/>
+      </a:effectRef>
+      <a:fontRef idx="minor"/>
+    </dgm:style>
+  </dgm:styleLbl>
+  <dgm:styleLbl name="asst0">
+    <dgm:scene3d>
+      <a:camera prst="orthographicFront"/>
+      <a:lightRig rig="threePt" dir="t"/>
+    </dgm:scene3d>
+    <dgm:sp3d/>
+    <dgm:txPr/>
+    <dgm:style>
+      <a:lnRef idx="2">
+        <a:scrgbClr r="0" g="0" b="0"/>
+      </a:lnRef>
+      <a:fillRef idx="1">
+        <a:scrgbClr r="0" g="0" b="0"/>
+      </a:fillRef>
+      <a:effectRef idx="0">
+        <a:scrgbClr r="0" g="0" b="0"/>
+      </a:effectRef>
+      <a:fontRef idx="minor">
+        <a:schemeClr val="lt1"/>
+      </a:fontRef>
+    </dgm:style>
+  </dgm:styleLbl>
+  <dgm:styleLbl name="asst1">
+    <dgm:scene3d>
+      <a:camera prst="orthographicFront"/>
+      <a:lightRig rig="threePt" dir="t"/>
+    </dgm:scene3d>
+    <dgm:sp3d/>
+    <dgm:txPr/>
+    <dgm:style>
+      <a:lnRef idx="2">
+        <a:scrgbClr r="0" g="0" b="0"/>
+      </a:lnRef>
+      <a:fillRef idx="1">
+        <a:scrgbClr r="0" g="0" b="0"/>
+      </a:fillRef>
+      <a:effectRef idx="0">
+        <a:scrgbClr r="0" g="0" b="0"/>
+      </a:effectRef>
+      <a:fontRef idx="minor">
+        <a:schemeClr val="lt1"/>
+      </a:fontRef>
+    </dgm:style>
+  </dgm:styleLbl>
+  <dgm:styleLbl name="asst2">
+    <dgm:scene3d>
+      <a:camera prst="orthographicFront"/>
+      <a:lightRig rig="threePt" dir="t"/>
+    </dgm:scene3d>
+    <dgm:sp3d/>
+    <dgm:txPr/>
+    <dgm:style>
+      <a:lnRef idx="2">
+        <a:scrgbClr r="0" g="0" b="0"/>
+      </a:lnRef>
+      <a:fillRef idx="1">
+        <a:scrgbClr r="0" g="0" b="0"/>
+      </a:fillRef>
+      <a:effectRef idx="0">
+        <a:scrgbClr r="0" g="0" b="0"/>
+      </a:effectRef>
+      <a:fontRef idx="minor">
+        <a:schemeClr val="lt1"/>
+      </a:fontRef>
+    </dgm:style>
+  </dgm:styleLbl>
+  <dgm:styleLbl name="asst3">
+    <dgm:scene3d>
+      <a:camera prst="orthographicFront"/>
+      <a:lightRig rig="threePt" dir="t"/>
+    </dgm:scene3d>
+    <dgm:sp3d/>
+    <dgm:txPr/>
+    <dgm:style>
+      <a:lnRef idx="2">
+        <a:scrgbClr r="0" g="0" b="0"/>
+      </a:lnRef>
+      <a:fillRef idx="1">
+        <a:scrgbClr r="0" g="0" b="0"/>
+      </a:fillRef>
+      <a:effectRef idx="0">
+        <a:scrgbClr r="0" g="0" b="0"/>
+      </a:effectRef>
+      <a:fontRef idx="minor">
+        <a:schemeClr val="lt1"/>
+      </a:fontRef>
+    </dgm:style>
+  </dgm:styleLbl>
+  <dgm:styleLbl name="asst4">
+    <dgm:scene3d>
+      <a:camera prst="orthographicFront"/>
+      <a:lightRig rig="threePt" dir="t"/>
+    </dgm:scene3d>
+    <dgm:sp3d/>
+    <dgm:txPr/>
+    <dgm:style>
+      <a:lnRef idx="2">
+        <a:scrgbClr r="0" g="0" b="0"/>
+      </a:lnRef>
+      <a:fillRef idx="1">
+        <a:scrgbClr r="0" g="0" b="0"/>
+      </a:fillRef>
+      <a:effectRef idx="0">
+        <a:scrgbClr r="0" g="0" b="0"/>
+      </a:effectRef>
+      <a:fontRef idx="minor">
+        <a:schemeClr val="lt1"/>
+      </a:fontRef>
+    </dgm:style>
+  </dgm:styleLbl>
+  <dgm:styleLbl name="parChTrans2D1">
+    <dgm:scene3d>
+      <a:camera prst="orthographicFront"/>
+      <a:lightRig rig="threePt" dir="t"/>
+    </dgm:scene3d>
+    <dgm:sp3d/>
+    <dgm:txPr/>
+    <dgm:style>
+      <a:lnRef idx="2">
+        <a:scrgbClr r="0" g="0" b="0"/>
+      </a:lnRef>
+      <a:fillRef idx="1">
+        <a:scrgbClr r="0" g="0" b="0"/>
+      </a:fillRef>
+      <a:effectRef idx="0">
+        <a:scrgbClr r="0" g="0" b="0"/>
+      </a:effectRef>
+      <a:fontRef idx="minor">
+        <a:schemeClr val="lt1"/>
+      </a:fontRef>
+    </dgm:style>
+  </dgm:styleLbl>
+  <dgm:styleLbl name="parChTrans2D2">
+    <dgm:scene3d>
+      <a:camera prst="orthographicFront"/>
+      <a:lightRig rig="threePt" dir="t"/>
+    </dgm:scene3d>
+    <dgm:sp3d/>
+    <dgm:txPr/>
+    <dgm:style>
+      <a:lnRef idx="2">
+        <a:scrgbClr r="0" g="0" b="0"/>
+      </a:lnRef>
+      <a:fillRef idx="1">
+        <a:scrgbClr r="0" g="0" b="0"/>
+      </a:fillRef>
+      <a:effectRef idx="0">
+        <a:scrgbClr r="0" g="0" b="0"/>
+      </a:effectRef>
+      <a:fontRef idx="minor">
+        <a:schemeClr val="lt1"/>
+      </a:fontRef>
+    </dgm:style>
+  </dgm:styleLbl>
+  <dgm:styleLbl name="parChTrans2D3">
+    <dgm:scene3d>
+      <a:camera prst="orthographicFront"/>
+      <a:lightRig rig="threePt" dir="t"/>
+    </dgm:scene3d>
+    <dgm:sp3d/>
+    <dgm:txPr/>
+    <dgm:style>
+      <a:lnRef idx="2">
+        <a:scrgbClr r="0" g="0" b="0"/>
+      </a:lnRef>
+      <a:fillRef idx="1">
+        <a:scrgbClr r="0" g="0" b="0"/>
+      </a:fillRef>
+      <a:effectRef idx="0">
+        <a:scrgbClr r="0" g="0" b="0"/>
+      </a:effectRef>
+      <a:fontRef idx="minor">
+        <a:schemeClr val="lt1"/>
+      </a:fontRef>
+    </dgm:style>
+  </dgm:styleLbl>
+  <dgm:styleLbl name="parChTrans2D4">
+    <dgm:scene3d>
+      <a:camera prst="orthographicFront"/>
+      <a:lightRig rig="threePt" dir="t"/>
+    </dgm:scene3d>
+    <dgm:sp3d/>
+    <dgm:txPr/>
+    <dgm:style>
+      <a:lnRef idx="2">
+        <a:scrgbClr r="0" g="0" b="0"/>
+      </a:lnRef>
+      <a:fillRef idx="1">
+        <a:scrgbClr r="0" g="0" b="0"/>
+      </a:fillRef>
+      <a:effectRef idx="0">
+        <a:scrgbClr r="0" g="0" b="0"/>
+      </a:effectRef>
+      <a:fontRef idx="minor">
+        <a:schemeClr val="lt1"/>
+      </a:fontRef>
+    </dgm:style>
+  </dgm:styleLbl>
+  <dgm:styleLbl name="parChTrans1D1">
+    <dgm:scene3d>
+      <a:camera prst="orthographicFront"/>
+      <a:lightRig rig="threePt" dir="t"/>
+    </dgm:scene3d>
+    <dgm:sp3d/>
+    <dgm:txPr/>
+    <dgm:style>
+      <a:lnRef idx="2">
+        <a:scrgbClr r="0" g="0" b="0"/>
+      </a:lnRef>
+      <a:fillRef idx="0">
+        <a:scrgbClr r="0" g="0" b="0"/>
+      </a:fillRef>
+      <a:effectRef idx="0">
+        <a:scrgbClr r="0" g="0" b="0"/>
+      </a:effectRef>
+      <a:fontRef idx="minor"/>
+    </dgm:style>
+  </dgm:styleLbl>
+  <dgm:styleLbl name="parChTrans1D2">
+    <dgm:scene3d>
+      <a:camera prst="orthographicFront"/>
+      <a:lightRig rig="threePt" dir="t"/>
+    </dgm:scene3d>
+    <dgm:sp3d/>
+    <dgm:txPr/>
+    <dgm:style>
+      <a:lnRef idx="2">
+        <a:scrgbClr r="0" g="0" b="0"/>
+      </a:lnRef>
+      <a:fillRef idx="0">
+        <a:scrgbClr r="0" g="0" b="0"/>
+      </a:fillRef>
+      <a:effectRef idx="0">
+        <a:scrgbClr r="0" g="0" b="0"/>
+      </a:effectRef>
+      <a:fontRef idx="minor"/>
+    </dgm:style>
+  </dgm:styleLbl>
+  <dgm:styleLbl name="parChTrans1D3">
+    <dgm:scene3d>
+      <a:camera prst="orthographicFront"/>
+      <a:lightRig rig="threePt" dir="t"/>
+    </dgm:scene3d>
+    <dgm:sp3d/>
+    <dgm:txPr/>
+    <dgm:style>
+      <a:lnRef idx="2">
+        <a:scrgbClr r="0" g="0" b="0"/>
+      </a:lnRef>
+      <a:fillRef idx="0">
+        <a:scrgbClr r="0" g="0" b="0"/>
+      </a:fillRef>
+      <a:effectRef idx="0">
+        <a:scrgbClr r="0" g="0" b="0"/>
+      </a:effectRef>
+      <a:fontRef idx="minor"/>
+    </dgm:style>
+  </dgm:styleLbl>
+  <dgm:styleLbl name="parChTrans1D4">
+    <dgm:scene3d>
+      <a:camera prst="orthographicFront"/>
+      <a:lightRig rig="threePt" dir="t"/>
+    </dgm:scene3d>
+    <dgm:sp3d/>
+    <dgm:txPr/>
+    <dgm:style>
+      <a:lnRef idx="2">
+        <a:scrgbClr r="0" g="0" b="0"/>
+      </a:lnRef>
+      <a:fillRef idx="0">
+        <a:scrgbClr r="0" g="0" b="0"/>
+      </a:fillRef>
+      <a:effectRef idx="0">
+        <a:scrgbClr r="0" g="0" b="0"/>
+      </a:effectRef>
+      <a:fontRef idx="minor"/>
+    </dgm:style>
+  </dgm:styleLbl>
+  <dgm:styleLbl name="fgAcc1">
+    <dgm:scene3d>
+      <a:camera prst="orthographicFront"/>
+      <a:lightRig rig="threePt" dir="t"/>
+    </dgm:scene3d>
+    <dgm:sp3d/>
+    <dgm:txPr/>
+    <dgm:style>
+      <a:lnRef idx="2">
+        <a:scrgbClr r="0" g="0" b="0"/>
+      </a:lnRef>
+      <a:fillRef idx="1">
+        <a:scrgbClr r="0" g="0" b="0"/>
+      </a:fillRef>
+      <a:effectRef idx="0">
+        <a:scrgbClr r="0" g="0" b="0"/>
+      </a:effectRef>
+      <a:fontRef idx="minor"/>
+    </dgm:style>
+  </dgm:styleLbl>
+  <dgm:styleLbl name="conFgAcc1">
+    <dgm:scene3d>
+      <a:camera prst="orthographicFront"/>
+      <a:lightRig rig="threePt" dir="t"/>
+    </dgm:scene3d>
+    <dgm:sp3d/>
+    <dgm:txPr/>
+    <dgm:style>
+      <a:lnRef idx="2">
+        <a:scrgbClr r="0" g="0" b="0"/>
+      </a:lnRef>
+      <a:fillRef idx="1">
+        <a:scrgbClr r="0" g="0" b="0"/>
+      </a:fillRef>
+      <a:effectRef idx="0">
+        <a:scrgbClr r="0" g="0" b="0"/>
+      </a:effectRef>
+      <a:fontRef idx="minor"/>
+    </dgm:style>
+  </dgm:styleLbl>
+  <dgm:styleLbl name="alignAcc1">
+    <dgm:scene3d>
+      <a:camera prst="orthographicFront"/>
+      <a:lightRig rig="threePt" dir="t"/>
+    </dgm:scene3d>
+    <dgm:sp3d/>
+    <dgm:txPr/>
+    <dgm:style>
+      <a:lnRef idx="2">
+        <a:scrgbClr r="0" g="0" b="0"/>
+      </a:lnRef>
+      <a:fillRef idx="1">
+        <a:scrgbClr r="0" g="0" b="0"/>
+      </a:fillRef>
+      <a:effectRef idx="0">
+        <a:scrgbClr r="0" g="0" b="0"/>
+      </a:effectRef>
+      <a:fontRef idx="minor"/>
+    </dgm:style>
+  </dgm:styleLbl>
+  <dgm:styleLbl name="trAlignAcc1">
+    <dgm:scene3d>
+      <a:camera prst="orthographicFront"/>
+      <a:lightRig rig="threePt" dir="t"/>
+    </dgm:scene3d>
+    <dgm:sp3d/>
+    <dgm:txPr/>
+    <dgm:style>
+      <a:lnRef idx="1">
+        <a:scrgbClr r="0" g="0" b="0"/>
+      </a:lnRef>
+      <a:fillRef idx="1">
+        <a:scrgbClr r="0" g="0" b="0"/>
+      </a:fillRef>
+      <a:effectRef idx="0">
+        <a:scrgbClr r="0" g="0" b="0"/>
+      </a:effectRef>
+      <a:fontRef idx="minor"/>
+    </dgm:style>
+  </dgm:styleLbl>
+  <dgm:styleLbl name="bgAcc1">
+    <dgm:scene3d>
+      <a:camera prst="orthographicFront"/>
+      <a:lightRig rig="threePt" dir="t"/>
+    </dgm:scene3d>
+    <dgm:sp3d/>
+    <dgm:txPr/>
+    <dgm:style>
+      <a:lnRef idx="2">
+        <a:scrgbClr r="0" g="0" b="0"/>
+      </a:lnRef>
+      <a:fillRef idx="1">
+        <a:scrgbClr r="0" g="0" b="0"/>
+      </a:fillRef>
+      <a:effectRef idx="0">
+        <a:scrgbClr r="0" g="0" b="0"/>
+      </a:effectRef>
+      <a:fontRef idx="minor"/>
+    </dgm:style>
+  </dgm:styleLbl>
+  <dgm:styleLbl name="solidFgAcc1">
+    <dgm:scene3d>
+      <a:camera prst="orthographicFront"/>
+      <a:lightRig rig="threePt" dir="t"/>
+    </dgm:scene3d>
+    <dgm:sp3d/>
+    <dgm:txPr/>
+    <dgm:style>
+      <a:lnRef idx="2">
+        <a:scrgbClr r="0" g="0" b="0"/>
+      </a:lnRef>
+      <a:fillRef idx="1">
+        <a:scrgbClr r="0" g="0" b="0"/>
+      </a:fillRef>
+      <a:effectRef idx="0">
+        <a:scrgbClr r="0" g="0" b="0"/>
+      </a:effectRef>
+      <a:fontRef idx="minor"/>
+    </dgm:style>
+  </dgm:styleLbl>
+  <dgm:styleLbl name="solidAlignAcc1">
+    <dgm:scene3d>
+      <a:camera prst="orthographicFront"/>
+      <a:lightRig rig="threePt" dir="t"/>
+    </dgm:scene3d>
+    <dgm:sp3d/>
+    <dgm:txPr/>
+    <dgm:style>
+      <a:lnRef idx="2">
+        <a:scrgbClr r="0" g="0" b="0"/>
+      </a:lnRef>
+      <a:fillRef idx="1">
+        <a:scrgbClr r="0" g="0" b="0"/>
+      </a:fillRef>
+      <a:effectRef idx="0">
+        <a:scrgbClr r="0" g="0" b="0"/>
+      </a:effectRef>
+      <a:fontRef idx="minor"/>
+    </dgm:style>
+  </dgm:styleLbl>
+  <dgm:styleLbl name="solidBgAcc1">
+    <dgm:scene3d>
+      <a:camera prst="orthographicFront"/>
+      <a:lightRig rig="threePt" dir="t"/>
+    </dgm:scene3d>
+    <dgm:sp3d/>
+    <dgm:txPr/>
+    <dgm:style>
+      <a:lnRef idx="2">
+        <a:scrgbClr r="0" g="0" b="0"/>
+      </a:lnRef>
+      <a:fillRef idx="1">
+        <a:scrgbClr r="0" g="0" b="0"/>
+      </a:fillRef>
+      <a:effectRef idx="0">
+        <a:scrgbClr r="0" g="0" b="0"/>
+      </a:effectRef>
+      <a:fontRef idx="minor"/>
+    </dgm:style>
+  </dgm:styleLbl>
+  <dgm:styleLbl name="fgAccFollowNode1">
+    <dgm:scene3d>
+      <a:camera prst="orthographicFront"/>
+      <a:lightRig rig="threePt" dir="t"/>
+    </dgm:scene3d>
+    <dgm:sp3d/>
+    <dgm:txPr/>
+    <dgm:style>
+      <a:lnRef idx="2">
+        <a:scrgbClr r="0" g="0" b="0"/>
+      </a:lnRef>
+      <a:fillRef idx="1">
+        <a:scrgbClr r="0" g="0" b="0"/>
+      </a:fillRef>
+      <a:effectRef idx="0">
+        <a:scrgbClr r="0" g="0" b="0"/>
+      </a:effectRef>
+      <a:fontRef idx="minor"/>
+    </dgm:style>
+  </dgm:styleLbl>
+  <dgm:styleLbl name="alignAccFollowNode1">
+    <dgm:scene3d>
+      <a:camera prst="orthographicFront"/>
+      <a:lightRig rig="threePt" dir="t"/>
+    </dgm:scene3d>
+    <dgm:sp3d/>
+    <dgm:txPr/>
+    <dgm:style>
+      <a:lnRef idx="2">
+        <a:scrgbClr r="0" g="0" b="0"/>
+      </a:lnRef>
+      <a:fillRef idx="1">
+        <a:scrgbClr r="0" g="0" b="0"/>
+      </a:fillRef>
+      <a:effectRef idx="0">
+        <a:scrgbClr r="0" g="0" b="0"/>
+      </a:effectRef>
+      <a:fontRef idx="minor"/>
+    </dgm:style>
+  </dgm:styleLbl>
+  <dgm:styleLbl name="bgAccFollowNode1">
+    <dgm:scene3d>
+      <a:camera prst="orthographicFront"/>
+      <a:lightRig rig="threePt" dir="t"/>
+    </dgm:scene3d>
+    <dgm:sp3d/>
+    <dgm:txPr/>
+    <dgm:style>
+      <a:lnRef idx="2">
+        <a:scrgbClr r="0" g="0" b="0"/>
+      </a:lnRef>
+      <a:fillRef idx="1">
+        <a:scrgbClr r="0" g="0" b="0"/>
+      </a:fillRef>
+      <a:effectRef idx="0">
+        <a:scrgbClr r="0" g="0" b="0"/>
+      </a:effectRef>
+      <a:fontRef idx="minor"/>
+    </dgm:style>
+  </dgm:styleLbl>
+  <dgm:styleLbl name="fgAcc0">
+    <dgm:scene3d>
+      <a:camera prst="orthographicFront"/>
+      <a:lightRig rig="threePt" dir="t"/>
+    </dgm:scene3d>
+    <dgm:sp3d/>
+    <dgm:txPr/>
+    <dgm:style>
+      <a:lnRef idx="2">
+        <a:scrgbClr r="0" g="0" b="0"/>
+      </a:lnRef>
+      <a:fillRef idx="1">
+        <a:scrgbClr r="0" g="0" b="0"/>
+      </a:fillRef>
+      <a:effectRef idx="0">
+        <a:scrgbClr r="0" g="0" b="0"/>
+      </a:effectRef>
+      <a:fontRef idx="minor"/>
+    </dgm:style>
+  </dgm:styleLbl>
+  <dgm:styleLbl name="fgAcc2">
+    <dgm:scene3d>
+      <a:camera prst="orthographicFront"/>
+      <a:lightRig rig="threePt" dir="t"/>
+    </dgm:scene3d>
+    <dgm:sp3d/>
+    <dgm:txPr/>
+    <dgm:style>
+      <a:lnRef idx="2">
+        <a:scrgbClr r="0" g="0" b="0"/>
+      </a:lnRef>
+      <a:fillRef idx="1">
+        <a:scrgbClr r="0" g="0" b="0"/>
+      </a:fillRef>
+      <a:effectRef idx="0">
+        <a:scrgbClr r="0" g="0" b="0"/>
+      </a:effectRef>
+      <a:fontRef idx="minor"/>
+    </dgm:style>
+  </dgm:styleLbl>
+  <dgm:styleLbl name="fgAcc3">
+    <dgm:scene3d>
+      <a:camera prst="orthographicFront"/>
+      <a:lightRig rig="threePt" dir="t"/>
+    </dgm:scene3d>
+    <dgm:sp3d/>
+    <dgm:txPr/>
+    <dgm:style>
+      <a:lnRef idx="2">
+        <a:scrgbClr r="0" g="0" b="0"/>
+      </a:lnRef>
+      <a:fillRef idx="1">
+        <a:scrgbClr r="0" g="0" b="0"/>
+      </a:fillRef>
+      <a:effectRef idx="0">
+        <a:scrgbClr r="0" g="0" b="0"/>
+      </a:effectRef>
+      <a:fontRef idx="minor"/>
+    </dgm:style>
+  </dgm:styleLbl>
+  <dgm:styleLbl name="fgAcc4">
+    <dgm:scene3d>
+      <a:camera prst="orthographicFront"/>
+      <a:lightRig rig="threePt" dir="t"/>
+    </dgm:scene3d>
+    <dgm:sp3d/>
+    <dgm:txPr/>
+    <dgm:style>
+      <a:lnRef idx="2">
+        <a:scrgbClr r="0" g="0" b="0"/>
+      </a:lnRef>
+      <a:fillRef idx="1">
+        <a:scrgbClr r="0" g="0" b="0"/>
+      </a:fillRef>
+      <a:effectRef idx="0">
+        <a:scrgbClr r="0" g="0" b="0"/>
+      </a:effectRef>
+      <a:fontRef idx="minor"/>
+    </dgm:style>
+  </dgm:styleLbl>
+  <dgm:styleLbl name="bgShp">
+    <dgm:scene3d>
+      <a:camera prst="orthographicFront"/>
+      <a:lightRig rig="threePt" dir="t"/>
+    </dgm:scene3d>
+    <dgm:sp3d/>
+    <dgm:txPr/>
+    <dgm:style>
+      <a:lnRef idx="0">
+        <a:scrgbClr r="0" g="0" b="0"/>
+      </a:lnRef>
+      <a:fillRef idx="1">
+        <a:scrgbClr r="0" g="0" b="0"/>
+      </a:fillRef>
+      <a:effectRef idx="0">
+        <a:scrgbClr r="0" g="0" b="0"/>
+      </a:effectRef>
+      <a:fontRef idx="minor"/>
+    </dgm:style>
+  </dgm:styleLbl>
+  <dgm:styleLbl name="dkBgShp">
+    <dgm:scene3d>
+      <a:camera prst="orthographicFront"/>
+      <a:lightRig rig="threePt" dir="t"/>
+    </dgm:scene3d>
+    <dgm:sp3d/>
+    <dgm:txPr/>
+    <dgm:style>
+      <a:lnRef idx="0">
+        <a:scrgbClr r="0" g="0" b="0"/>
+      </a:lnRef>
+      <a:fillRef idx="1">
+        <a:scrgbClr r="0" g="0" b="0"/>
+      </a:fillRef>
+      <a:effectRef idx="0">
+        <a:scrgbClr r="0" g="0" b="0"/>
+      </a:effectRef>
+      <a:fontRef idx="minor"/>
+    </dgm:style>
+  </dgm:styleLbl>
+  <dgm:styleLbl name="trBgShp">
+    <dgm:scene3d>
+      <a:camera prst="orthographicFront"/>
+      <a:lightRig rig="threePt" dir="t"/>
+    </dgm:scene3d>
+    <dgm:sp3d/>
+    <dgm:txPr/>
+    <dgm:style>
+      <a:lnRef idx="0">
+        <a:scrgbClr r="0" g="0" b="0"/>
+      </a:lnRef>
+      <a:fillRef idx="1">
+        <a:scrgbClr r="0" g="0" b="0"/>
+      </a:fillRef>
+      <a:effectRef idx="0">
+        <a:scrgbClr r="0" g="0" b="0"/>
+      </a:effectRef>
+      <a:fontRef idx="minor"/>
+    </dgm:style>
+  </dgm:styleLbl>
+  <dgm:styleLbl name="fgShp">
+    <dgm:scene3d>
+      <a:camera prst="orthographicFront"/>
+      <a:lightRig rig="threePt" dir="t"/>
+    </dgm:scene3d>
+    <dgm:sp3d/>
+    <dgm:txPr/>
+    <dgm:style>
+      <a:lnRef idx="2">
+        <a:scrgbClr r="0" g="0" b="0"/>
+      </a:lnRef>
+      <a:fillRef idx="1">
+        <a:scrgbClr r="0" g="0" b="0"/>
+      </a:fillRef>
+      <a:effectRef idx="0">
+        <a:scrgbClr r="0" g="0" b="0"/>
+      </a:effectRef>
+      <a:fontRef idx="minor"/>
+    </dgm:style>
+  </dgm:styleLbl>
+  <dgm:styleLbl name="revTx">
+    <dgm:scene3d>
+      <a:camera prst="orthographicFront"/>
+      <a:lightRig rig="threePt" dir="t"/>
+    </dgm:scene3d>
+    <dgm:sp3d/>
+    <dgm:txPr/>
+    <dgm:style>
+      <a:lnRef idx="0">
+        <a:scrgbClr r="0" g="0" b="0"/>
+      </a:lnRef>
+      <a:fillRef idx="0">
+        <a:scrgbClr r="0" g="0" b="0"/>
+      </a:fillRef>
+      <a:effectRef idx="0">
+        <a:scrgbClr r="0" g="0" b="0"/>
+      </a:effectRef>
+      <a:fontRef idx="minor"/>
+    </dgm:style>
+  </dgm:styleLbl>
+</dgm:styleDef>
+</file>
+
+<file path=ppt/diagrams/quickStyle4.xml><?xml version="1.0" encoding="utf-8"?>
 <dgm:styleDef xmlns:dgm="http://schemas.openxmlformats.org/drawingml/2006/diagram" xmlns:a="http://schemas.openxmlformats.org/drawingml/2006/main" uniqueId="urn:microsoft.com/office/officeart/2005/8/quickstyle/simple1">
   <dgm:title val=""/>
   <dgm:desc val=""/>
@@ -7296,7 +13817,7 @@
           <a:p>
             <a:fld id="{EA0C0817-A112-4847-8014-A94B7D2A4EA3}" type="datetime1">
               <a:rPr lang="en-US" smtClean="0"/>
-              <a:t>4/8/2020</a:t>
+              <a:t>4/10/2020</a:t>
             </a:fld>
             <a:endParaRPr lang="en-US" dirty="0"/>
           </a:p>
@@ -7498,7 +14019,7 @@
           <a:p>
             <a:fld id="{7332B432-ACDA-4023-A761-2BAB76577B62}" type="datetime1">
               <a:rPr lang="en-US" smtClean="0"/>
-              <a:t>4/8/2020</a:t>
+              <a:t>4/10/2020</a:t>
             </a:fld>
             <a:endParaRPr lang="en-US" dirty="0"/>
           </a:p>
@@ -8097,7 +14618,7 @@
           <a:p>
             <a:fld id="{D9C646AA-F36E-4540-911D-FFFC0A0EF24A}" type="datetime1">
               <a:rPr lang="en-US" smtClean="0"/>
-              <a:t>4/8/2020</a:t>
+              <a:t>4/10/2020</a:t>
             </a:fld>
             <a:endParaRPr lang="en-US" dirty="0"/>
           </a:p>
@@ -8417,7 +14938,7 @@
           <a:p>
             <a:fld id="{69186D26-FA5F-4637-B602-B7C2DC34CFD4}" type="datetime1">
               <a:rPr lang="en-US" smtClean="0"/>
-              <a:t>4/8/2020</a:t>
+              <a:t>4/10/2020</a:t>
             </a:fld>
             <a:endParaRPr lang="en-US" dirty="0"/>
           </a:p>
@@ -8854,7 +15375,7 @@
           <a:p>
             <a:fld id="{8A7F15D8-96D1-4781-BC50-CA8A088B2FE4}" type="datetime1">
               <a:rPr lang="en-US" smtClean="0"/>
-              <a:t>4/8/2020</a:t>
+              <a:t>4/10/2020</a:t>
             </a:fld>
             <a:endParaRPr lang="en-US" dirty="0"/>
           </a:p>
@@ -8972,7 +15493,7 @@
           <a:p>
             <a:fld id="{F9A96C99-B8F8-4528-BD05-0E16E943DC09}" type="datetime1">
               <a:rPr lang="en-US" smtClean="0"/>
-              <a:t>4/8/2020</a:t>
+              <a:t>4/10/2020</a:t>
             </a:fld>
             <a:endParaRPr lang="en-US" dirty="0"/>
           </a:p>
@@ -9067,7 +15588,7 @@
           <a:p>
             <a:fld id="{03636942-C211-4B28-8DBD-C953E00AF71B}" type="datetime1">
               <a:rPr lang="en-US" smtClean="0"/>
-              <a:t>4/8/2020</a:t>
+              <a:t>4/10/2020</a:t>
             </a:fld>
             <a:endParaRPr lang="en-US" dirty="0"/>
           </a:p>
@@ -9484,7 +16005,7 @@
           <a:p>
             <a:fld id="{7E8D12A6-918A-48BD-8CB9-CA713993B0EA}" type="datetime1">
               <a:rPr lang="en-US" smtClean="0"/>
-              <a:t>4/8/2020</a:t>
+              <a:t>4/10/2020</a:t>
             </a:fld>
             <a:endParaRPr lang="en-US" dirty="0"/>
           </a:p>
@@ -9746,7 +16267,7 @@
             <a:fld id="{E778CE86-875F-4587-BCF6-FA054AFC0D53}" type="datetime1">
               <a:rPr lang="en-US" smtClean="0"/>
               <a:pPr/>
-              <a:t>4/8/2020</a:t>
+              <a:t>4/10/2020</a:t>
             </a:fld>
             <a:endParaRPr lang="en-US" dirty="0"/>
           </a:p>
@@ -10262,7 +16783,7 @@
           <a:p>
             <a:fld id="{F6FA2B21-3FCD-4721-B95C-427943F61125}" type="datetime1">
               <a:rPr lang="en-US" smtClean="0"/>
-              <a:t>4/8/2020</a:t>
+              <a:t>4/10/2020</a:t>
             </a:fld>
             <a:endParaRPr lang="en-US" dirty="0"/>
           </a:p>
@@ -10973,6 +17494,803 @@
 </file>
 
 <file path=ppt/slides/slide10.xml><?xml version="1.0" encoding="utf-8"?>
+<p:sld xmlns:a="http://schemas.openxmlformats.org/drawingml/2006/main" xmlns:r="http://schemas.openxmlformats.org/officeDocument/2006/relationships" xmlns:p="http://schemas.openxmlformats.org/presentationml/2006/main">
+  <p:cSld>
+    <p:spTree>
+      <p:nvGrpSpPr>
+        <p:cNvPr id="1" name=""/>
+        <p:cNvGrpSpPr/>
+        <p:nvPr/>
+      </p:nvGrpSpPr>
+      <p:grpSpPr>
+        <a:xfrm>
+          <a:off x="0" y="0"/>
+          <a:ext cx="0" cy="0"/>
+          <a:chOff x="0" y="0"/>
+          <a:chExt cx="0" cy="0"/>
+        </a:xfrm>
+      </p:grpSpPr>
+      <p:sp>
+        <p:nvSpPr>
+          <p:cNvPr id="2" name="Title 1">
+            <a:extLst>
+              <a:ext uri="{FF2B5EF4-FFF2-40B4-BE49-F238E27FC236}">
+                <a16:creationId xmlns:a16="http://schemas.microsoft.com/office/drawing/2014/main" id="{99F542B6-AE6F-487D-883B-6E3331807846}"/>
+              </a:ext>
+            </a:extLst>
+          </p:cNvPr>
+          <p:cNvSpPr>
+            <a:spLocks noGrp="1"/>
+          </p:cNvSpPr>
+          <p:nvPr>
+            <p:ph type="title"/>
+          </p:nvPr>
+        </p:nvSpPr>
+        <p:spPr/>
+        <p:txBody>
+          <a:bodyPr/>
+          <a:lstStyle/>
+          <a:p>
+            <a:r>
+              <a:rPr lang="en-US" dirty="0"/>
+              <a:t>Insert New Module</a:t>
+            </a:r>
+          </a:p>
+        </p:txBody>
+      </p:sp>
+      <p:pic>
+        <p:nvPicPr>
+          <p:cNvPr id="5" name="Content Placeholder 4">
+            <a:extLst>
+              <a:ext uri="{FF2B5EF4-FFF2-40B4-BE49-F238E27FC236}">
+                <a16:creationId xmlns:a16="http://schemas.microsoft.com/office/drawing/2014/main" id="{0EB60C22-9273-41CA-A56A-451DEC4EB4E4}"/>
+              </a:ext>
+            </a:extLst>
+          </p:cNvPr>
+          <p:cNvPicPr>
+            <a:picLocks noGrp="1" noChangeAspect="1"/>
+          </p:cNvPicPr>
+          <p:nvPr>
+            <p:ph idx="1"/>
+          </p:nvPr>
+        </p:nvPicPr>
+        <p:blipFill rotWithShape="1">
+          <a:blip r:embed="rId2"/>
+          <a:srcRect r="51900"/>
+          <a:stretch/>
+        </p:blipFill>
+        <p:spPr>
+          <a:xfrm>
+            <a:off x="1966844" y="544302"/>
+            <a:ext cx="5047973" cy="5769396"/>
+          </a:xfrm>
+          <a:prstGeom prst="rect">
+            <a:avLst/>
+          </a:prstGeom>
+        </p:spPr>
+      </p:pic>
+      <p:sp>
+        <p:nvSpPr>
+          <p:cNvPr id="4" name="Text Placeholder 3">
+            <a:extLst>
+              <a:ext uri="{FF2B5EF4-FFF2-40B4-BE49-F238E27FC236}">
+                <a16:creationId xmlns:a16="http://schemas.microsoft.com/office/drawing/2014/main" id="{4ADADAAC-5959-4B47-9A96-0518DE729F70}"/>
+              </a:ext>
+            </a:extLst>
+          </p:cNvPr>
+          <p:cNvSpPr>
+            <a:spLocks noGrp="1"/>
+          </p:cNvSpPr>
+          <p:nvPr>
+            <p:ph type="body" sz="half" idx="2"/>
+          </p:nvPr>
+        </p:nvSpPr>
+        <p:spPr/>
+        <p:txBody>
+          <a:bodyPr/>
+          <a:lstStyle/>
+          <a:p>
+            <a:pPr marL="285750" indent="-285750">
+              <a:buFont typeface="Arial" panose="020B0604020202020204" pitchFamily="34" charset="0"/>
+              <a:buChar char="•"/>
+            </a:pPr>
+            <a:r>
+              <a:rPr lang="en-US" dirty="0"/>
+              <a:t>Add “Attack Functions” to </a:t>
+            </a:r>
+            <a:r>
+              <a:rPr lang="en-US" dirty="0" err="1"/>
+              <a:t>cource</a:t>
+            </a:r>
+            <a:r>
+              <a:rPr lang="en-US" dirty="0"/>
+              <a:t> code</a:t>
+            </a:r>
+          </a:p>
+          <a:p>
+            <a:pPr marL="285750" indent="-285750">
+              <a:buFont typeface="Arial" panose="020B0604020202020204" pitchFamily="34" charset="0"/>
+              <a:buChar char="•"/>
+            </a:pPr>
+            <a:endParaRPr lang="en-US" dirty="0"/>
+          </a:p>
+          <a:p>
+            <a:pPr marL="285750" indent="-285750">
+              <a:buFont typeface="Arial" panose="020B0604020202020204" pitchFamily="34" charset="0"/>
+              <a:buChar char="•"/>
+            </a:pPr>
+            <a:r>
+              <a:rPr lang="en-US" dirty="0"/>
+              <a:t>Enables clean insertion of methods</a:t>
+            </a:r>
+          </a:p>
+        </p:txBody>
+      </p:sp>
+    </p:spTree>
+    <p:extLst>
+      <p:ext uri="{BB962C8B-B14F-4D97-AF65-F5344CB8AC3E}">
+        <p14:creationId xmlns:p14="http://schemas.microsoft.com/office/powerpoint/2010/main" val="2836717654"/>
+      </p:ext>
+    </p:extLst>
+  </p:cSld>
+  <p:clrMapOvr>
+    <a:masterClrMapping/>
+  </p:clrMapOvr>
+</p:sld>
+</file>
+
+<file path=ppt/slides/slide11.xml><?xml version="1.0" encoding="utf-8"?>
+<p:sld xmlns:a="http://schemas.openxmlformats.org/drawingml/2006/main" xmlns:r="http://schemas.openxmlformats.org/officeDocument/2006/relationships" xmlns:p="http://schemas.openxmlformats.org/presentationml/2006/main">
+  <p:cSld>
+    <p:spTree>
+      <p:nvGrpSpPr>
+        <p:cNvPr id="1" name=""/>
+        <p:cNvGrpSpPr/>
+        <p:nvPr/>
+      </p:nvGrpSpPr>
+      <p:grpSpPr>
+        <a:xfrm>
+          <a:off x="0" y="0"/>
+          <a:ext cx="0" cy="0"/>
+          <a:chOff x="0" y="0"/>
+          <a:chExt cx="0" cy="0"/>
+        </a:xfrm>
+      </p:grpSpPr>
+      <p:sp>
+        <p:nvSpPr>
+          <p:cNvPr id="2" name="Title 1">
+            <a:extLst>
+              <a:ext uri="{FF2B5EF4-FFF2-40B4-BE49-F238E27FC236}">
+                <a16:creationId xmlns:a16="http://schemas.microsoft.com/office/drawing/2014/main" id="{50C2D425-441C-4D15-A196-1E8941EACA24}"/>
+              </a:ext>
+            </a:extLst>
+          </p:cNvPr>
+          <p:cNvSpPr>
+            <a:spLocks noGrp="1"/>
+          </p:cNvSpPr>
+          <p:nvPr>
+            <p:ph type="title"/>
+          </p:nvPr>
+        </p:nvSpPr>
+        <p:spPr>
+          <a:xfrm>
+            <a:off x="1066800" y="642594"/>
+            <a:ext cx="10058400" cy="1371600"/>
+          </a:xfrm>
+        </p:spPr>
+        <p:txBody>
+          <a:bodyPr anchor="ctr">
+            <a:normAutofit/>
+          </a:bodyPr>
+          <a:lstStyle/>
+          <a:p>
+            <a:r>
+              <a:rPr lang="en-US" dirty="0"/>
+              <a:t>Trigger Condition</a:t>
+            </a:r>
+          </a:p>
+        </p:txBody>
+      </p:sp>
+      <p:graphicFrame>
+        <p:nvGraphicFramePr>
+          <p:cNvPr id="6" name="Content Placeholder 3">
+            <a:extLst>
+              <a:ext uri="{FF2B5EF4-FFF2-40B4-BE49-F238E27FC236}">
+                <a16:creationId xmlns:a16="http://schemas.microsoft.com/office/drawing/2014/main" id="{935AE6C1-5342-495E-996E-3EA89AA2DCC3}"/>
+              </a:ext>
+            </a:extLst>
+          </p:cNvPr>
+          <p:cNvGraphicFramePr>
+            <a:graphicFrameLocks noGrp="1"/>
+          </p:cNvGraphicFramePr>
+          <p:nvPr>
+            <p:ph idx="1"/>
+            <p:extLst>
+              <p:ext uri="{D42A27DB-BD31-4B8C-83A1-F6EECF244321}">
+                <p14:modId xmlns:p14="http://schemas.microsoft.com/office/powerpoint/2010/main" val="1874660108"/>
+              </p:ext>
+            </p:extLst>
+          </p:nvPr>
+        </p:nvGraphicFramePr>
+        <p:xfrm>
+          <a:off x="1066800" y="2103120"/>
+          <a:ext cx="10058400" cy="3849624"/>
+        </p:xfrm>
+        <a:graphic>
+          <a:graphicData uri="http://schemas.openxmlformats.org/drawingml/2006/diagram">
+            <dgm:relIds xmlns:dgm="http://schemas.openxmlformats.org/drawingml/2006/diagram" xmlns:r="http://schemas.openxmlformats.org/officeDocument/2006/relationships" r:dm="rId2" r:lo="rId3" r:qs="rId4" r:cs="rId5"/>
+          </a:graphicData>
+        </a:graphic>
+      </p:graphicFrame>
+    </p:spTree>
+    <p:extLst>
+      <p:ext uri="{BB962C8B-B14F-4D97-AF65-F5344CB8AC3E}">
+        <p14:creationId xmlns:p14="http://schemas.microsoft.com/office/powerpoint/2010/main" val="3469584700"/>
+      </p:ext>
+    </p:extLst>
+  </p:cSld>
+  <p:clrMapOvr>
+    <a:masterClrMapping/>
+  </p:clrMapOvr>
+</p:sld>
+</file>
+
+<file path=ppt/slides/slide12.xml><?xml version="1.0" encoding="utf-8"?>
+<p:sld xmlns:a="http://schemas.openxmlformats.org/drawingml/2006/main" xmlns:r="http://schemas.openxmlformats.org/officeDocument/2006/relationships" xmlns:p="http://schemas.openxmlformats.org/presentationml/2006/main">
+  <p:cSld>
+    <p:spTree>
+      <p:nvGrpSpPr>
+        <p:cNvPr id="1" name=""/>
+        <p:cNvGrpSpPr/>
+        <p:nvPr/>
+      </p:nvGrpSpPr>
+      <p:grpSpPr>
+        <a:xfrm>
+          <a:off x="0" y="0"/>
+          <a:ext cx="0" cy="0"/>
+          <a:chOff x="0" y="0"/>
+          <a:chExt cx="0" cy="0"/>
+        </a:xfrm>
+      </p:grpSpPr>
+      <p:sp>
+        <p:nvSpPr>
+          <p:cNvPr id="4" name="Title 3">
+            <a:extLst>
+              <a:ext uri="{FF2B5EF4-FFF2-40B4-BE49-F238E27FC236}">
+                <a16:creationId xmlns:a16="http://schemas.microsoft.com/office/drawing/2014/main" id="{E15A8761-3E50-498D-B4D2-B447F4467F86}"/>
+              </a:ext>
+            </a:extLst>
+          </p:cNvPr>
+          <p:cNvSpPr>
+            <a:spLocks noGrp="1"/>
+          </p:cNvSpPr>
+          <p:nvPr>
+            <p:ph type="title"/>
+          </p:nvPr>
+        </p:nvSpPr>
+        <p:spPr/>
+        <p:txBody>
+          <a:bodyPr/>
+          <a:lstStyle/>
+          <a:p>
+            <a:pPr algn="r"/>
+            <a:r>
+              <a:rPr lang="en-US" dirty="0"/>
+              <a:t>Attack Type: Rounding</a:t>
+            </a:r>
+          </a:p>
+        </p:txBody>
+      </p:sp>
+      <p:sp>
+        <p:nvSpPr>
+          <p:cNvPr id="5" name="Content Placeholder 4">
+            <a:extLst>
+              <a:ext uri="{FF2B5EF4-FFF2-40B4-BE49-F238E27FC236}">
+                <a16:creationId xmlns:a16="http://schemas.microsoft.com/office/drawing/2014/main" id="{61344968-A787-4936-BA4F-805B9394AEB5}"/>
+              </a:ext>
+            </a:extLst>
+          </p:cNvPr>
+          <p:cNvSpPr>
+            <a:spLocks noGrp="1"/>
+          </p:cNvSpPr>
+          <p:nvPr>
+            <p:ph sz="half" idx="1"/>
+          </p:nvPr>
+        </p:nvSpPr>
+        <p:spPr/>
+        <p:txBody>
+          <a:bodyPr/>
+          <a:lstStyle/>
+          <a:p>
+            <a:r>
+              <a:rPr lang="en-US" dirty="0"/>
+              <a:t>Round floating-point number to 0 decimals</a:t>
+            </a:r>
+          </a:p>
+          <a:p>
+            <a:endParaRPr lang="en-US" dirty="0"/>
+          </a:p>
+          <a:p>
+            <a:r>
+              <a:rPr lang="en-US" dirty="0"/>
+              <a:t>Reduces numerical accuracy</a:t>
+            </a:r>
+          </a:p>
+          <a:p>
+            <a:endParaRPr lang="en-US" dirty="0"/>
+          </a:p>
+        </p:txBody>
+      </p:sp>
+      <p:sp>
+        <p:nvSpPr>
+          <p:cNvPr id="6" name="Content Placeholder 5">
+            <a:extLst>
+              <a:ext uri="{FF2B5EF4-FFF2-40B4-BE49-F238E27FC236}">
+                <a16:creationId xmlns:a16="http://schemas.microsoft.com/office/drawing/2014/main" id="{A4EC567A-36D1-4C8F-89C3-42B29ABFED57}"/>
+              </a:ext>
+            </a:extLst>
+          </p:cNvPr>
+          <p:cNvSpPr>
+            <a:spLocks noGrp="1"/>
+          </p:cNvSpPr>
+          <p:nvPr>
+            <p:ph sz="half" idx="2"/>
+          </p:nvPr>
+        </p:nvSpPr>
+        <p:spPr/>
+        <p:txBody>
+          <a:bodyPr/>
+          <a:lstStyle/>
+          <a:p>
+            <a:endParaRPr lang="en-US" dirty="0"/>
+          </a:p>
+        </p:txBody>
+      </p:sp>
+    </p:spTree>
+    <p:extLst>
+      <p:ext uri="{BB962C8B-B14F-4D97-AF65-F5344CB8AC3E}">
+        <p14:creationId xmlns:p14="http://schemas.microsoft.com/office/powerpoint/2010/main" val="839760340"/>
+      </p:ext>
+    </p:extLst>
+  </p:cSld>
+  <p:clrMapOvr>
+    <a:masterClrMapping/>
+  </p:clrMapOvr>
+</p:sld>
+</file>
+
+<file path=ppt/slides/slide13.xml><?xml version="1.0" encoding="utf-8"?>
+<p:sld xmlns:a="http://schemas.openxmlformats.org/drawingml/2006/main" xmlns:r="http://schemas.openxmlformats.org/officeDocument/2006/relationships" xmlns:p="http://schemas.openxmlformats.org/presentationml/2006/main">
+  <p:cSld>
+    <p:spTree>
+      <p:nvGrpSpPr>
+        <p:cNvPr id="1" name=""/>
+        <p:cNvGrpSpPr/>
+        <p:nvPr/>
+      </p:nvGrpSpPr>
+      <p:grpSpPr>
+        <a:xfrm>
+          <a:off x="0" y="0"/>
+          <a:ext cx="0" cy="0"/>
+          <a:chOff x="0" y="0"/>
+          <a:chExt cx="0" cy="0"/>
+        </a:xfrm>
+      </p:grpSpPr>
+      <p:sp>
+        <p:nvSpPr>
+          <p:cNvPr id="2" name="Title 1">
+            <a:extLst>
+              <a:ext uri="{FF2B5EF4-FFF2-40B4-BE49-F238E27FC236}">
+                <a16:creationId xmlns:a16="http://schemas.microsoft.com/office/drawing/2014/main" id="{78D317EF-9B78-421D-AA07-50CA5637F07B}"/>
+              </a:ext>
+            </a:extLst>
+          </p:cNvPr>
+          <p:cNvSpPr>
+            <a:spLocks noGrp="1"/>
+          </p:cNvSpPr>
+          <p:nvPr>
+            <p:ph type="title"/>
+          </p:nvPr>
+        </p:nvSpPr>
+        <p:spPr/>
+        <p:txBody>
+          <a:bodyPr/>
+          <a:lstStyle/>
+          <a:p>
+            <a:r>
+              <a:rPr lang="en-US" dirty="0"/>
+              <a:t>Attack Type: Bit Swap</a:t>
+            </a:r>
+          </a:p>
+        </p:txBody>
+      </p:sp>
+      <p:sp>
+        <p:nvSpPr>
+          <p:cNvPr id="3" name="Content Placeholder 2">
+            <a:extLst>
+              <a:ext uri="{FF2B5EF4-FFF2-40B4-BE49-F238E27FC236}">
+                <a16:creationId xmlns:a16="http://schemas.microsoft.com/office/drawing/2014/main" id="{5B2F37F0-2CD5-47D0-83DF-3C7ADA17C373}"/>
+              </a:ext>
+            </a:extLst>
+          </p:cNvPr>
+          <p:cNvSpPr>
+            <a:spLocks noGrp="1"/>
+          </p:cNvSpPr>
+          <p:nvPr>
+            <p:ph sz="half" idx="1"/>
+          </p:nvPr>
+        </p:nvSpPr>
+        <p:spPr/>
+        <p:txBody>
+          <a:bodyPr/>
+          <a:lstStyle/>
+          <a:p>
+            <a:endParaRPr lang="en-US"/>
+          </a:p>
+        </p:txBody>
+      </p:sp>
+      <p:sp>
+        <p:nvSpPr>
+          <p:cNvPr id="4" name="Content Placeholder 3">
+            <a:extLst>
+              <a:ext uri="{FF2B5EF4-FFF2-40B4-BE49-F238E27FC236}">
+                <a16:creationId xmlns:a16="http://schemas.microsoft.com/office/drawing/2014/main" id="{1E722C21-3DAE-44AA-AA00-C17BF841D081}"/>
+              </a:ext>
+            </a:extLst>
+          </p:cNvPr>
+          <p:cNvSpPr>
+            <a:spLocks noGrp="1"/>
+          </p:cNvSpPr>
+          <p:nvPr>
+            <p:ph sz="half" idx="2"/>
+          </p:nvPr>
+        </p:nvSpPr>
+        <p:spPr/>
+        <p:txBody>
+          <a:bodyPr/>
+          <a:lstStyle/>
+          <a:p>
+            <a:endParaRPr lang="en-US" dirty="0"/>
+          </a:p>
+          <a:p>
+            <a:r>
+              <a:rPr lang="en-US" dirty="0"/>
+              <a:t>Convert floating-point number to binary representation</a:t>
+            </a:r>
+          </a:p>
+          <a:p>
+            <a:endParaRPr lang="en-US" dirty="0"/>
+          </a:p>
+          <a:p>
+            <a:r>
+              <a:rPr lang="en-US" dirty="0"/>
+              <a:t>Chose two bits at random, switch them</a:t>
+            </a:r>
+          </a:p>
+          <a:p>
+            <a:endParaRPr lang="en-US" dirty="0"/>
+          </a:p>
+          <a:p>
+            <a:r>
+              <a:rPr lang="en-US" dirty="0"/>
+              <a:t>Attack at a </a:t>
+            </a:r>
+            <a:r>
+              <a:rPr lang="en-US" i="1" dirty="0"/>
+              <a:t>very </a:t>
+            </a:r>
+            <a:r>
+              <a:rPr lang="en-US" dirty="0"/>
+              <a:t>low level</a:t>
+            </a:r>
+          </a:p>
+        </p:txBody>
+      </p:sp>
+    </p:spTree>
+    <p:extLst>
+      <p:ext uri="{BB962C8B-B14F-4D97-AF65-F5344CB8AC3E}">
+        <p14:creationId xmlns:p14="http://schemas.microsoft.com/office/powerpoint/2010/main" val="168063317"/>
+      </p:ext>
+    </p:extLst>
+  </p:cSld>
+  <p:clrMapOvr>
+    <a:masterClrMapping/>
+  </p:clrMapOvr>
+</p:sld>
+</file>
+
+<file path=ppt/slides/slide14.xml><?xml version="1.0" encoding="utf-8"?>
+<p:sld xmlns:a="http://schemas.openxmlformats.org/drawingml/2006/main" xmlns:r="http://schemas.openxmlformats.org/officeDocument/2006/relationships" xmlns:p="http://schemas.openxmlformats.org/presentationml/2006/main">
+  <p:cSld>
+    <p:spTree>
+      <p:nvGrpSpPr>
+        <p:cNvPr id="1" name=""/>
+        <p:cNvGrpSpPr/>
+        <p:nvPr/>
+      </p:nvGrpSpPr>
+      <p:grpSpPr>
+        <a:xfrm>
+          <a:off x="0" y="0"/>
+          <a:ext cx="0" cy="0"/>
+          <a:chOff x="0" y="0"/>
+          <a:chExt cx="0" cy="0"/>
+        </a:xfrm>
+      </p:grpSpPr>
+      <p:sp>
+        <p:nvSpPr>
+          <p:cNvPr id="2" name="Title 1">
+            <a:extLst>
+              <a:ext uri="{FF2B5EF4-FFF2-40B4-BE49-F238E27FC236}">
+                <a16:creationId xmlns:a16="http://schemas.microsoft.com/office/drawing/2014/main" id="{68CDC199-6C69-4254-AB19-DD36B1B778BB}"/>
+              </a:ext>
+            </a:extLst>
+          </p:cNvPr>
+          <p:cNvSpPr>
+            <a:spLocks noGrp="1"/>
+          </p:cNvSpPr>
+          <p:nvPr>
+            <p:ph type="title"/>
+          </p:nvPr>
+        </p:nvSpPr>
+        <p:spPr/>
+        <p:txBody>
+          <a:bodyPr/>
+          <a:lstStyle/>
+          <a:p>
+            <a:pPr algn="r"/>
+            <a:r>
+              <a:rPr lang="en-US" dirty="0"/>
+              <a:t>Attack Type: Mute</a:t>
+            </a:r>
+          </a:p>
+        </p:txBody>
+      </p:sp>
+      <p:sp>
+        <p:nvSpPr>
+          <p:cNvPr id="3" name="Content Placeholder 2">
+            <a:extLst>
+              <a:ext uri="{FF2B5EF4-FFF2-40B4-BE49-F238E27FC236}">
+                <a16:creationId xmlns:a16="http://schemas.microsoft.com/office/drawing/2014/main" id="{70B96955-0368-4BCE-B8ED-0129D13B2004}"/>
+              </a:ext>
+            </a:extLst>
+          </p:cNvPr>
+          <p:cNvSpPr>
+            <a:spLocks noGrp="1"/>
+          </p:cNvSpPr>
+          <p:nvPr>
+            <p:ph sz="half" idx="1"/>
+          </p:nvPr>
+        </p:nvSpPr>
+        <p:spPr/>
+        <p:txBody>
+          <a:bodyPr/>
+          <a:lstStyle/>
+          <a:p>
+            <a:endParaRPr lang="en-US"/>
+          </a:p>
+        </p:txBody>
+      </p:sp>
+      <p:sp>
+        <p:nvSpPr>
+          <p:cNvPr id="4" name="Content Placeholder 3">
+            <a:extLst>
+              <a:ext uri="{FF2B5EF4-FFF2-40B4-BE49-F238E27FC236}">
+                <a16:creationId xmlns:a16="http://schemas.microsoft.com/office/drawing/2014/main" id="{907CA4B8-7C68-4B21-8F48-64E28AC02BA4}"/>
+              </a:ext>
+            </a:extLst>
+          </p:cNvPr>
+          <p:cNvSpPr>
+            <a:spLocks noGrp="1"/>
+          </p:cNvSpPr>
+          <p:nvPr>
+            <p:ph sz="half" idx="2"/>
+          </p:nvPr>
+        </p:nvSpPr>
+        <p:spPr/>
+        <p:txBody>
+          <a:bodyPr/>
+          <a:lstStyle/>
+          <a:p>
+            <a:endParaRPr lang="en-US"/>
+          </a:p>
+        </p:txBody>
+      </p:sp>
+    </p:spTree>
+    <p:extLst>
+      <p:ext uri="{BB962C8B-B14F-4D97-AF65-F5344CB8AC3E}">
+        <p14:creationId xmlns:p14="http://schemas.microsoft.com/office/powerpoint/2010/main" val="2232618348"/>
+      </p:ext>
+    </p:extLst>
+  </p:cSld>
+  <p:clrMapOvr>
+    <a:masterClrMapping/>
+  </p:clrMapOvr>
+</p:sld>
+</file>
+
+<file path=ppt/slides/slide15.xml><?xml version="1.0" encoding="utf-8"?>
+<p:sld xmlns:a="http://schemas.openxmlformats.org/drawingml/2006/main" xmlns:r="http://schemas.openxmlformats.org/officeDocument/2006/relationships" xmlns:p="http://schemas.openxmlformats.org/presentationml/2006/main">
+  <p:cSld>
+    <p:spTree>
+      <p:nvGrpSpPr>
+        <p:cNvPr id="1" name=""/>
+        <p:cNvGrpSpPr/>
+        <p:nvPr/>
+      </p:nvGrpSpPr>
+      <p:grpSpPr>
+        <a:xfrm>
+          <a:off x="0" y="0"/>
+          <a:ext cx="0" cy="0"/>
+          <a:chOff x="0" y="0"/>
+          <a:chExt cx="0" cy="0"/>
+        </a:xfrm>
+      </p:grpSpPr>
+      <p:sp>
+        <p:nvSpPr>
+          <p:cNvPr id="2" name="Title 1">
+            <a:extLst>
+              <a:ext uri="{FF2B5EF4-FFF2-40B4-BE49-F238E27FC236}">
+                <a16:creationId xmlns:a16="http://schemas.microsoft.com/office/drawing/2014/main" id="{3A052AF4-A39B-42FE-84DF-FA6015917CBC}"/>
+              </a:ext>
+            </a:extLst>
+          </p:cNvPr>
+          <p:cNvSpPr>
+            <a:spLocks noGrp="1"/>
+          </p:cNvSpPr>
+          <p:nvPr>
+            <p:ph type="title"/>
+          </p:nvPr>
+        </p:nvSpPr>
+        <p:spPr>
+          <a:xfrm>
+            <a:off x="1066800" y="642594"/>
+            <a:ext cx="10058400" cy="1371600"/>
+          </a:xfrm>
+        </p:spPr>
+        <p:txBody>
+          <a:bodyPr anchor="ctr">
+            <a:normAutofit/>
+          </a:bodyPr>
+          <a:lstStyle/>
+          <a:p>
+            <a:r>
+              <a:rPr lang="en-US" dirty="0"/>
+              <a:t>Technical Specifications</a:t>
+            </a:r>
+          </a:p>
+        </p:txBody>
+      </p:sp>
+      <p:graphicFrame>
+        <p:nvGraphicFramePr>
+          <p:cNvPr id="5" name="Content Placeholder 2">
+            <a:extLst>
+              <a:ext uri="{FF2B5EF4-FFF2-40B4-BE49-F238E27FC236}">
+                <a16:creationId xmlns:a16="http://schemas.microsoft.com/office/drawing/2014/main" id="{EA6FBD0C-00E9-4DCA-AA6D-A1C786B0D7C3}"/>
+              </a:ext>
+            </a:extLst>
+          </p:cNvPr>
+          <p:cNvGraphicFramePr>
+            <a:graphicFrameLocks noGrp="1"/>
+          </p:cNvGraphicFramePr>
+          <p:nvPr>
+            <p:ph idx="1"/>
+            <p:extLst>
+              <p:ext uri="{D42A27DB-BD31-4B8C-83A1-F6EECF244321}">
+                <p14:modId xmlns:p14="http://schemas.microsoft.com/office/powerpoint/2010/main" val="2176861765"/>
+              </p:ext>
+            </p:extLst>
+          </p:nvPr>
+        </p:nvGraphicFramePr>
+        <p:xfrm>
+          <a:off x="1066800" y="2103120"/>
+          <a:ext cx="10058400" cy="3849624"/>
+        </p:xfrm>
+        <a:graphic>
+          <a:graphicData uri="http://schemas.openxmlformats.org/drawingml/2006/diagram">
+            <dgm:relIds xmlns:dgm="http://schemas.openxmlformats.org/drawingml/2006/diagram" xmlns:r="http://schemas.openxmlformats.org/officeDocument/2006/relationships" r:dm="rId2" r:lo="rId3" r:qs="rId4" r:cs="rId5"/>
+          </a:graphicData>
+        </a:graphic>
+      </p:graphicFrame>
+    </p:spTree>
+    <p:extLst>
+      <p:ext uri="{BB962C8B-B14F-4D97-AF65-F5344CB8AC3E}">
+        <p14:creationId xmlns:p14="http://schemas.microsoft.com/office/powerpoint/2010/main" val="1074576645"/>
+      </p:ext>
+    </p:extLst>
+  </p:cSld>
+  <p:clrMapOvr>
+    <a:masterClrMapping/>
+  </p:clrMapOvr>
+</p:sld>
+</file>
+
+<file path=ppt/slides/slide16.xml><?xml version="1.0" encoding="utf-8"?>
+<p:sld xmlns:a="http://schemas.openxmlformats.org/drawingml/2006/main" xmlns:r="http://schemas.openxmlformats.org/officeDocument/2006/relationships" xmlns:p="http://schemas.openxmlformats.org/presentationml/2006/main">
+  <p:cSld>
+    <p:spTree>
+      <p:nvGrpSpPr>
+        <p:cNvPr id="1" name=""/>
+        <p:cNvGrpSpPr/>
+        <p:nvPr/>
+      </p:nvGrpSpPr>
+      <p:grpSpPr>
+        <a:xfrm>
+          <a:off x="0" y="0"/>
+          <a:ext cx="0" cy="0"/>
+          <a:chOff x="0" y="0"/>
+          <a:chExt cx="0" cy="0"/>
+        </a:xfrm>
+      </p:grpSpPr>
+      <p:sp>
+        <p:nvSpPr>
+          <p:cNvPr id="2" name="Title 1">
+            <a:extLst>
+              <a:ext uri="{FF2B5EF4-FFF2-40B4-BE49-F238E27FC236}">
+                <a16:creationId xmlns:a16="http://schemas.microsoft.com/office/drawing/2014/main" id="{26F34E6C-5CF2-4DA5-AD79-BD8A2CBD426E}"/>
+              </a:ext>
+            </a:extLst>
+          </p:cNvPr>
+          <p:cNvSpPr>
+            <a:spLocks noGrp="1"/>
+          </p:cNvSpPr>
+          <p:nvPr>
+            <p:ph type="title"/>
+          </p:nvPr>
+        </p:nvSpPr>
+        <p:spPr/>
+        <p:txBody>
+          <a:bodyPr/>
+          <a:lstStyle/>
+          <a:p>
+            <a:r>
+              <a:rPr lang="en-US" dirty="0"/>
+              <a:t>Single Layer Hidden models</a:t>
+            </a:r>
+          </a:p>
+        </p:txBody>
+      </p:sp>
+      <p:sp>
+        <p:nvSpPr>
+          <p:cNvPr id="3" name="Text Placeholder 2">
+            <a:extLst>
+              <a:ext uri="{FF2B5EF4-FFF2-40B4-BE49-F238E27FC236}">
+                <a16:creationId xmlns:a16="http://schemas.microsoft.com/office/drawing/2014/main" id="{0C58B254-34CA-4A9D-A2AF-6697257F5686}"/>
+              </a:ext>
+            </a:extLst>
+          </p:cNvPr>
+          <p:cNvSpPr>
+            <a:spLocks noGrp="1"/>
+          </p:cNvSpPr>
+          <p:nvPr>
+            <p:ph type="body" idx="1"/>
+          </p:nvPr>
+        </p:nvSpPr>
+        <p:spPr/>
+        <p:txBody>
+          <a:bodyPr/>
+          <a:lstStyle/>
+          <a:p>
+            <a:r>
+              <a:rPr lang="en-US" dirty="0"/>
+              <a:t>20 , 40 , 60 , 80 , 100 , 120</a:t>
+            </a:r>
+          </a:p>
+        </p:txBody>
+      </p:sp>
+    </p:spTree>
+    <p:extLst>
+      <p:ext uri="{BB962C8B-B14F-4D97-AF65-F5344CB8AC3E}">
+        <p14:creationId xmlns:p14="http://schemas.microsoft.com/office/powerpoint/2010/main" val="2597949367"/>
+      </p:ext>
+    </p:extLst>
+  </p:cSld>
+  <p:clrMapOvr>
+    <a:masterClrMapping/>
+  </p:clrMapOvr>
+</p:sld>
+</file>
+
+<file path=ppt/slides/slide17.xml><?xml version="1.0" encoding="utf-8"?>
 <p:sld xmlns:a="http://schemas.openxmlformats.org/drawingml/2006/main" xmlns:r="http://schemas.openxmlformats.org/officeDocument/2006/relationships" xmlns:p="http://schemas.openxmlformats.org/presentationml/2006/main">
   <p:cSld>
     <p:spTree>
@@ -12134,6 +19452,307 @@
 </p:sld>
 </file>
 
+<file path=ppt/slides/slide18.xml><?xml version="1.0" encoding="utf-8"?>
+<p:sld xmlns:a="http://schemas.openxmlformats.org/drawingml/2006/main" xmlns:r="http://schemas.openxmlformats.org/officeDocument/2006/relationships" xmlns:p="http://schemas.openxmlformats.org/presentationml/2006/main">
+  <p:cSld>
+    <p:spTree>
+      <p:nvGrpSpPr>
+        <p:cNvPr id="1" name=""/>
+        <p:cNvGrpSpPr/>
+        <p:nvPr/>
+      </p:nvGrpSpPr>
+      <p:grpSpPr>
+        <a:xfrm>
+          <a:off x="0" y="0"/>
+          <a:ext cx="0" cy="0"/>
+          <a:chOff x="0" y="0"/>
+          <a:chExt cx="0" cy="0"/>
+        </a:xfrm>
+      </p:grpSpPr>
+      <p:sp>
+        <p:nvSpPr>
+          <p:cNvPr id="2" name="Title 1">
+            <a:extLst>
+              <a:ext uri="{FF2B5EF4-FFF2-40B4-BE49-F238E27FC236}">
+                <a16:creationId xmlns:a16="http://schemas.microsoft.com/office/drawing/2014/main" id="{436E2E5C-8F52-47E2-9D69-92BAC60BB509}"/>
+              </a:ext>
+            </a:extLst>
+          </p:cNvPr>
+          <p:cNvSpPr>
+            <a:spLocks noGrp="1"/>
+          </p:cNvSpPr>
+          <p:nvPr>
+            <p:ph type="title"/>
+          </p:nvPr>
+        </p:nvSpPr>
+        <p:spPr/>
+        <p:txBody>
+          <a:bodyPr/>
+          <a:lstStyle/>
+          <a:p>
+            <a:r>
+              <a:rPr lang="en-US" dirty="0"/>
+              <a:t>Model Training Time</a:t>
+            </a:r>
+          </a:p>
+        </p:txBody>
+      </p:sp>
+      <p:sp>
+        <p:nvSpPr>
+          <p:cNvPr id="3" name="Content Placeholder 2">
+            <a:extLst>
+              <a:ext uri="{FF2B5EF4-FFF2-40B4-BE49-F238E27FC236}">
+                <a16:creationId xmlns:a16="http://schemas.microsoft.com/office/drawing/2014/main" id="{0F8A202D-72D0-485F-88DD-617EFD8B56A6}"/>
+              </a:ext>
+            </a:extLst>
+          </p:cNvPr>
+          <p:cNvSpPr>
+            <a:spLocks noGrp="1"/>
+          </p:cNvSpPr>
+          <p:nvPr>
+            <p:ph idx="1"/>
+          </p:nvPr>
+        </p:nvSpPr>
+        <p:spPr/>
+        <p:txBody>
+          <a:bodyPr/>
+          <a:lstStyle/>
+          <a:p>
+            <a:endParaRPr lang="en-US"/>
+          </a:p>
+        </p:txBody>
+      </p:sp>
+      <p:sp>
+        <p:nvSpPr>
+          <p:cNvPr id="4" name="Text Placeholder 3">
+            <a:extLst>
+              <a:ext uri="{FF2B5EF4-FFF2-40B4-BE49-F238E27FC236}">
+                <a16:creationId xmlns:a16="http://schemas.microsoft.com/office/drawing/2014/main" id="{9BC7B35B-4D84-4215-AB7C-EC448302FDDA}"/>
+              </a:ext>
+            </a:extLst>
+          </p:cNvPr>
+          <p:cNvSpPr>
+            <a:spLocks noGrp="1"/>
+          </p:cNvSpPr>
+          <p:nvPr>
+            <p:ph type="body" sz="half" idx="2"/>
+          </p:nvPr>
+        </p:nvSpPr>
+        <p:spPr/>
+        <p:txBody>
+          <a:bodyPr/>
+          <a:lstStyle/>
+          <a:p>
+            <a:pPr marL="285750" indent="-285750">
+              <a:buFont typeface="Arial" panose="020B0604020202020204" pitchFamily="34" charset="0"/>
+              <a:buChar char="•"/>
+            </a:pPr>
+            <a:endParaRPr lang="en-US" dirty="0"/>
+          </a:p>
+          <a:p>
+            <a:pPr marL="285750" indent="-285750">
+              <a:buFont typeface="Arial" panose="020B0604020202020204" pitchFamily="34" charset="0"/>
+              <a:buChar char="•"/>
+            </a:pPr>
+            <a:r>
+              <a:rPr lang="en-US" dirty="0"/>
+              <a:t>For 20,40,60,80,100,120 neurons</a:t>
+            </a:r>
+          </a:p>
+          <a:p>
+            <a:pPr marL="285750" indent="-285750">
+              <a:buFont typeface="Arial" panose="020B0604020202020204" pitchFamily="34" charset="0"/>
+              <a:buChar char="•"/>
+            </a:pPr>
+            <a:endParaRPr lang="en-US" dirty="0"/>
+          </a:p>
+          <a:p>
+            <a:pPr marL="285750" indent="-285750">
+              <a:buFont typeface="Arial" panose="020B0604020202020204" pitchFamily="34" charset="0"/>
+              <a:buChar char="•"/>
+            </a:pPr>
+            <a:r>
+              <a:rPr lang="en-US" dirty="0"/>
+              <a:t>Times based on average of 100 models</a:t>
+            </a:r>
+          </a:p>
+          <a:p>
+            <a:pPr marL="285750" indent="-285750">
+              <a:buFont typeface="Arial" panose="020B0604020202020204" pitchFamily="34" charset="0"/>
+              <a:buChar char="•"/>
+            </a:pPr>
+            <a:endParaRPr lang="en-US" dirty="0"/>
+          </a:p>
+          <a:p>
+            <a:pPr marL="285750" indent="-285750">
+              <a:buFont typeface="Arial" panose="020B0604020202020204" pitchFamily="34" charset="0"/>
+              <a:buChar char="•"/>
+            </a:pPr>
+            <a:r>
+              <a:rPr lang="en-US" dirty="0"/>
+              <a:t>Train Time in seconds</a:t>
+            </a:r>
+          </a:p>
+        </p:txBody>
+      </p:sp>
+    </p:spTree>
+    <p:extLst>
+      <p:ext uri="{BB962C8B-B14F-4D97-AF65-F5344CB8AC3E}">
+        <p14:creationId xmlns:p14="http://schemas.microsoft.com/office/powerpoint/2010/main" val="365603555"/>
+      </p:ext>
+    </p:extLst>
+  </p:cSld>
+  <p:clrMapOvr>
+    <a:masterClrMapping/>
+  </p:clrMapOvr>
+</p:sld>
+</file>
+
+<file path=ppt/slides/slide19.xml><?xml version="1.0" encoding="utf-8"?>
+<p:sld xmlns:a="http://schemas.openxmlformats.org/drawingml/2006/main" xmlns:r="http://schemas.openxmlformats.org/officeDocument/2006/relationships" xmlns:p="http://schemas.openxmlformats.org/presentationml/2006/main">
+  <p:cSld>
+    <p:spTree>
+      <p:nvGrpSpPr>
+        <p:cNvPr id="1" name=""/>
+        <p:cNvGrpSpPr/>
+        <p:nvPr/>
+      </p:nvGrpSpPr>
+      <p:grpSpPr>
+        <a:xfrm>
+          <a:off x="0" y="0"/>
+          <a:ext cx="0" cy="0"/>
+          <a:chOff x="0" y="0"/>
+          <a:chExt cx="0" cy="0"/>
+        </a:xfrm>
+      </p:grpSpPr>
+      <p:sp>
+        <p:nvSpPr>
+          <p:cNvPr id="2" name="Title 1">
+            <a:extLst>
+              <a:ext uri="{FF2B5EF4-FFF2-40B4-BE49-F238E27FC236}">
+                <a16:creationId xmlns:a16="http://schemas.microsoft.com/office/drawing/2014/main" id="{8B55CEED-E90B-4DBD-9FE2-2C18D5A1F730}"/>
+              </a:ext>
+            </a:extLst>
+          </p:cNvPr>
+          <p:cNvSpPr>
+            <a:spLocks noGrp="1"/>
+          </p:cNvSpPr>
+          <p:nvPr>
+            <p:ph type="title"/>
+          </p:nvPr>
+        </p:nvSpPr>
+        <p:spPr/>
+        <p:txBody>
+          <a:bodyPr/>
+          <a:lstStyle/>
+          <a:p>
+            <a:r>
+              <a:rPr lang="en-US" dirty="0"/>
+              <a:t>Model Final Loss Function</a:t>
+            </a:r>
+          </a:p>
+        </p:txBody>
+      </p:sp>
+      <p:sp>
+        <p:nvSpPr>
+          <p:cNvPr id="3" name="Content Placeholder 2">
+            <a:extLst>
+              <a:ext uri="{FF2B5EF4-FFF2-40B4-BE49-F238E27FC236}">
+                <a16:creationId xmlns:a16="http://schemas.microsoft.com/office/drawing/2014/main" id="{70405998-A30C-40EF-A8C7-2ED9CC2C8750}"/>
+              </a:ext>
+            </a:extLst>
+          </p:cNvPr>
+          <p:cNvSpPr>
+            <a:spLocks noGrp="1"/>
+          </p:cNvSpPr>
+          <p:nvPr>
+            <p:ph idx="1"/>
+          </p:nvPr>
+        </p:nvSpPr>
+        <p:spPr/>
+        <p:txBody>
+          <a:bodyPr/>
+          <a:lstStyle/>
+          <a:p>
+            <a:endParaRPr lang="en-US"/>
+          </a:p>
+        </p:txBody>
+      </p:sp>
+      <p:sp>
+        <p:nvSpPr>
+          <p:cNvPr id="4" name="Text Placeholder 3">
+            <a:extLst>
+              <a:ext uri="{FF2B5EF4-FFF2-40B4-BE49-F238E27FC236}">
+                <a16:creationId xmlns:a16="http://schemas.microsoft.com/office/drawing/2014/main" id="{DBAB0999-C050-4BD8-8DCE-0E1F17F489C0}"/>
+              </a:ext>
+            </a:extLst>
+          </p:cNvPr>
+          <p:cNvSpPr>
+            <a:spLocks noGrp="1"/>
+          </p:cNvSpPr>
+          <p:nvPr>
+            <p:ph type="body" sz="half" idx="2"/>
+          </p:nvPr>
+        </p:nvSpPr>
+        <p:spPr/>
+        <p:txBody>
+          <a:bodyPr/>
+          <a:lstStyle/>
+          <a:p>
+            <a:endParaRPr lang="en-US" dirty="0"/>
+          </a:p>
+          <a:p>
+            <a:pPr marL="285750" indent="-285750">
+              <a:buFont typeface="Arial" panose="020B0604020202020204" pitchFamily="34" charset="0"/>
+              <a:buChar char="•"/>
+            </a:pPr>
+            <a:r>
+              <a:rPr lang="en-US" dirty="0"/>
+              <a:t>For 20,40,60,80,100,120 neurons</a:t>
+            </a:r>
+          </a:p>
+          <a:p>
+            <a:pPr marL="285750" indent="-285750">
+              <a:buFont typeface="Arial" panose="020B0604020202020204" pitchFamily="34" charset="0"/>
+              <a:buChar char="•"/>
+            </a:pPr>
+            <a:endParaRPr lang="en-US" dirty="0"/>
+          </a:p>
+          <a:p>
+            <a:pPr marL="285750" indent="-285750">
+              <a:buFont typeface="Arial" panose="020B0604020202020204" pitchFamily="34" charset="0"/>
+              <a:buChar char="•"/>
+            </a:pPr>
+            <a:r>
+              <a:rPr lang="en-US" dirty="0"/>
+              <a:t>Times based on average of 100 models</a:t>
+            </a:r>
+          </a:p>
+          <a:p>
+            <a:pPr marL="285750" indent="-285750">
+              <a:buFont typeface="Arial" panose="020B0604020202020204" pitchFamily="34" charset="0"/>
+              <a:buChar char="•"/>
+            </a:pPr>
+            <a:endParaRPr lang="en-US" dirty="0"/>
+          </a:p>
+          <a:p>
+            <a:endParaRPr lang="en-US" dirty="0"/>
+          </a:p>
+        </p:txBody>
+      </p:sp>
+    </p:spTree>
+    <p:extLst>
+      <p:ext uri="{BB962C8B-B14F-4D97-AF65-F5344CB8AC3E}">
+        <p14:creationId xmlns:p14="http://schemas.microsoft.com/office/powerpoint/2010/main" val="2277249415"/>
+      </p:ext>
+    </p:extLst>
+  </p:cSld>
+  <p:clrMapOvr>
+    <a:masterClrMapping/>
+  </p:clrMapOvr>
+</p:sld>
+</file>
+
 <file path=ppt/slides/slide2.xml><?xml version="1.0" encoding="utf-8"?>
 <p:sld xmlns:a="http://schemas.openxmlformats.org/drawingml/2006/main" xmlns:r="http://schemas.openxmlformats.org/officeDocument/2006/relationships" xmlns:p="http://schemas.openxmlformats.org/presentationml/2006/main">
   <p:cSld>
@@ -12208,6 +19827,1133 @@
     <p:extLst>
       <p:ext uri="{BB962C8B-B14F-4D97-AF65-F5344CB8AC3E}">
         <p14:creationId xmlns:p14="http://schemas.microsoft.com/office/powerpoint/2010/main" val="2341642999"/>
+      </p:ext>
+    </p:extLst>
+  </p:cSld>
+  <p:clrMapOvr>
+    <a:masterClrMapping/>
+  </p:clrMapOvr>
+</p:sld>
+</file>
+
+<file path=ppt/slides/slide20.xml><?xml version="1.0" encoding="utf-8"?>
+<p:sld xmlns:a="http://schemas.openxmlformats.org/drawingml/2006/main" xmlns:r="http://schemas.openxmlformats.org/officeDocument/2006/relationships" xmlns:p="http://schemas.openxmlformats.org/presentationml/2006/main">
+  <p:cSld>
+    <p:spTree>
+      <p:nvGrpSpPr>
+        <p:cNvPr id="1" name=""/>
+        <p:cNvGrpSpPr/>
+        <p:nvPr/>
+      </p:nvGrpSpPr>
+      <p:grpSpPr>
+        <a:xfrm>
+          <a:off x="0" y="0"/>
+          <a:ext cx="0" cy="0"/>
+          <a:chOff x="0" y="0"/>
+          <a:chExt cx="0" cy="0"/>
+        </a:xfrm>
+      </p:grpSpPr>
+      <p:sp>
+        <p:nvSpPr>
+          <p:cNvPr id="2" name="Title 1">
+            <a:extLst>
+              <a:ext uri="{FF2B5EF4-FFF2-40B4-BE49-F238E27FC236}">
+                <a16:creationId xmlns:a16="http://schemas.microsoft.com/office/drawing/2014/main" id="{717C4D17-D569-4054-9F61-A80790AD4520}"/>
+              </a:ext>
+            </a:extLst>
+          </p:cNvPr>
+          <p:cNvSpPr>
+            <a:spLocks noGrp="1"/>
+          </p:cNvSpPr>
+          <p:nvPr>
+            <p:ph type="title"/>
+          </p:nvPr>
+        </p:nvSpPr>
+        <p:spPr/>
+        <p:txBody>
+          <a:bodyPr>
+            <a:normAutofit fontScale="90000"/>
+          </a:bodyPr>
+          <a:lstStyle/>
+          <a:p>
+            <a:r>
+              <a:rPr lang="en-US" dirty="0"/>
+              <a:t>Model Average Precision Scores</a:t>
+            </a:r>
+          </a:p>
+        </p:txBody>
+      </p:sp>
+      <p:sp>
+        <p:nvSpPr>
+          <p:cNvPr id="3" name="Content Placeholder 2">
+            <a:extLst>
+              <a:ext uri="{FF2B5EF4-FFF2-40B4-BE49-F238E27FC236}">
+                <a16:creationId xmlns:a16="http://schemas.microsoft.com/office/drawing/2014/main" id="{8E549C6A-CFB7-4343-BB13-22A34C7F66AF}"/>
+              </a:ext>
+            </a:extLst>
+          </p:cNvPr>
+          <p:cNvSpPr>
+            <a:spLocks noGrp="1"/>
+          </p:cNvSpPr>
+          <p:nvPr>
+            <p:ph idx="1"/>
+          </p:nvPr>
+        </p:nvSpPr>
+        <p:spPr/>
+        <p:txBody>
+          <a:bodyPr/>
+          <a:lstStyle/>
+          <a:p>
+            <a:endParaRPr lang="en-US"/>
+          </a:p>
+        </p:txBody>
+      </p:sp>
+      <p:sp>
+        <p:nvSpPr>
+          <p:cNvPr id="4" name="Text Placeholder 3">
+            <a:extLst>
+              <a:ext uri="{FF2B5EF4-FFF2-40B4-BE49-F238E27FC236}">
+                <a16:creationId xmlns:a16="http://schemas.microsoft.com/office/drawing/2014/main" id="{4C748FA0-FC28-4D06-99B0-07EBAA59B0B2}"/>
+              </a:ext>
+            </a:extLst>
+          </p:cNvPr>
+          <p:cNvSpPr>
+            <a:spLocks noGrp="1"/>
+          </p:cNvSpPr>
+          <p:nvPr>
+            <p:ph type="body" sz="half" idx="2"/>
+          </p:nvPr>
+        </p:nvSpPr>
+        <p:spPr/>
+        <p:txBody>
+          <a:bodyPr/>
+          <a:lstStyle/>
+          <a:p>
+            <a:pPr marL="285750" indent="-285750">
+              <a:buFont typeface="Arial" panose="020B0604020202020204" pitchFamily="34" charset="0"/>
+              <a:buChar char="•"/>
+            </a:pPr>
+            <a:endParaRPr lang="en-US" dirty="0"/>
+          </a:p>
+          <a:p>
+            <a:pPr marL="285750" indent="-285750">
+              <a:buFont typeface="Arial" panose="020B0604020202020204" pitchFamily="34" charset="0"/>
+              <a:buChar char="•"/>
+            </a:pPr>
+            <a:r>
+              <a:rPr lang="en-US" dirty="0"/>
+              <a:t>Each score is averaged over 100 models</a:t>
+            </a:r>
+          </a:p>
+          <a:p>
+            <a:endParaRPr lang="en-US" dirty="0"/>
+          </a:p>
+          <a:p>
+            <a:pPr marL="285750" indent="-285750">
+              <a:buFont typeface="Arial" panose="020B0604020202020204" pitchFamily="34" charset="0"/>
+              <a:buChar char="•"/>
+            </a:pPr>
+            <a:r>
+              <a:rPr lang="en-US" dirty="0"/>
+              <a:t>Uniformly Average over 10 classes</a:t>
+            </a:r>
+          </a:p>
+          <a:p>
+            <a:pPr marL="285750" indent="-285750">
+              <a:buFont typeface="Arial" panose="020B0604020202020204" pitchFamily="34" charset="0"/>
+              <a:buChar char="•"/>
+            </a:pPr>
+            <a:endParaRPr lang="en-US" dirty="0"/>
+          </a:p>
+          <a:p>
+            <a:pPr marL="285750" indent="-285750">
+              <a:buFont typeface="Arial" panose="020B0604020202020204" pitchFamily="34" charset="0"/>
+              <a:buChar char="•"/>
+            </a:pPr>
+            <a:endParaRPr lang="en-US" dirty="0"/>
+          </a:p>
+          <a:p>
+            <a:endParaRPr lang="en-US" dirty="0"/>
+          </a:p>
+          <a:p>
+            <a:endParaRPr lang="en-US" dirty="0"/>
+          </a:p>
+        </p:txBody>
+      </p:sp>
+    </p:spTree>
+    <p:extLst>
+      <p:ext uri="{BB962C8B-B14F-4D97-AF65-F5344CB8AC3E}">
+        <p14:creationId xmlns:p14="http://schemas.microsoft.com/office/powerpoint/2010/main" val="2344104981"/>
+      </p:ext>
+    </p:extLst>
+  </p:cSld>
+  <p:clrMapOvr>
+    <a:masterClrMapping/>
+  </p:clrMapOvr>
+</p:sld>
+</file>
+
+<file path=ppt/slides/slide21.xml><?xml version="1.0" encoding="utf-8"?>
+<p:sld xmlns:a="http://schemas.openxmlformats.org/drawingml/2006/main" xmlns:r="http://schemas.openxmlformats.org/officeDocument/2006/relationships" xmlns:p="http://schemas.openxmlformats.org/presentationml/2006/main">
+  <p:cSld>
+    <p:spTree>
+      <p:nvGrpSpPr>
+        <p:cNvPr id="1" name=""/>
+        <p:cNvGrpSpPr/>
+        <p:nvPr/>
+      </p:nvGrpSpPr>
+      <p:grpSpPr>
+        <a:xfrm>
+          <a:off x="0" y="0"/>
+          <a:ext cx="0" cy="0"/>
+          <a:chOff x="0" y="0"/>
+          <a:chExt cx="0" cy="0"/>
+        </a:xfrm>
+      </p:grpSpPr>
+      <p:sp>
+        <p:nvSpPr>
+          <p:cNvPr id="2" name="Title 1">
+            <a:extLst>
+              <a:ext uri="{FF2B5EF4-FFF2-40B4-BE49-F238E27FC236}">
+                <a16:creationId xmlns:a16="http://schemas.microsoft.com/office/drawing/2014/main" id="{717C4D17-D569-4054-9F61-A80790AD4520}"/>
+              </a:ext>
+            </a:extLst>
+          </p:cNvPr>
+          <p:cNvSpPr>
+            <a:spLocks noGrp="1"/>
+          </p:cNvSpPr>
+          <p:nvPr>
+            <p:ph type="title"/>
+          </p:nvPr>
+        </p:nvSpPr>
+        <p:spPr/>
+        <p:txBody>
+          <a:bodyPr>
+            <a:normAutofit/>
+          </a:bodyPr>
+          <a:lstStyle/>
+          <a:p>
+            <a:r>
+              <a:rPr lang="en-US" dirty="0"/>
+              <a:t>Model Average Recall Scores</a:t>
+            </a:r>
+          </a:p>
+        </p:txBody>
+      </p:sp>
+      <p:sp>
+        <p:nvSpPr>
+          <p:cNvPr id="3" name="Content Placeholder 2">
+            <a:extLst>
+              <a:ext uri="{FF2B5EF4-FFF2-40B4-BE49-F238E27FC236}">
+                <a16:creationId xmlns:a16="http://schemas.microsoft.com/office/drawing/2014/main" id="{8E549C6A-CFB7-4343-BB13-22A34C7F66AF}"/>
+              </a:ext>
+            </a:extLst>
+          </p:cNvPr>
+          <p:cNvSpPr>
+            <a:spLocks noGrp="1"/>
+          </p:cNvSpPr>
+          <p:nvPr>
+            <p:ph idx="1"/>
+          </p:nvPr>
+        </p:nvSpPr>
+        <p:spPr/>
+        <p:txBody>
+          <a:bodyPr/>
+          <a:lstStyle/>
+          <a:p>
+            <a:endParaRPr lang="en-US"/>
+          </a:p>
+        </p:txBody>
+      </p:sp>
+      <p:sp>
+        <p:nvSpPr>
+          <p:cNvPr id="4" name="Text Placeholder 3">
+            <a:extLst>
+              <a:ext uri="{FF2B5EF4-FFF2-40B4-BE49-F238E27FC236}">
+                <a16:creationId xmlns:a16="http://schemas.microsoft.com/office/drawing/2014/main" id="{4C748FA0-FC28-4D06-99B0-07EBAA59B0B2}"/>
+              </a:ext>
+            </a:extLst>
+          </p:cNvPr>
+          <p:cNvSpPr>
+            <a:spLocks noGrp="1"/>
+          </p:cNvSpPr>
+          <p:nvPr>
+            <p:ph type="body" sz="half" idx="2"/>
+          </p:nvPr>
+        </p:nvSpPr>
+        <p:spPr/>
+        <p:txBody>
+          <a:bodyPr/>
+          <a:lstStyle/>
+          <a:p>
+            <a:pPr marL="285750" indent="-285750">
+              <a:buFont typeface="Arial" panose="020B0604020202020204" pitchFamily="34" charset="0"/>
+              <a:buChar char="•"/>
+            </a:pPr>
+            <a:endParaRPr lang="en-US" dirty="0"/>
+          </a:p>
+          <a:p>
+            <a:pPr marL="285750" indent="-285750">
+              <a:buFont typeface="Arial" panose="020B0604020202020204" pitchFamily="34" charset="0"/>
+              <a:buChar char="•"/>
+            </a:pPr>
+            <a:r>
+              <a:rPr lang="en-US" dirty="0"/>
+              <a:t>Each score is averaged over 100 models</a:t>
+            </a:r>
+          </a:p>
+          <a:p>
+            <a:endParaRPr lang="en-US" dirty="0"/>
+          </a:p>
+          <a:p>
+            <a:pPr marL="285750" indent="-285750">
+              <a:buFont typeface="Arial" panose="020B0604020202020204" pitchFamily="34" charset="0"/>
+              <a:buChar char="•"/>
+            </a:pPr>
+            <a:r>
+              <a:rPr lang="en-US" dirty="0"/>
+              <a:t>Uniformly Average over 10 classes</a:t>
+            </a:r>
+          </a:p>
+          <a:p>
+            <a:pPr marL="285750" indent="-285750">
+              <a:buFont typeface="Arial" panose="020B0604020202020204" pitchFamily="34" charset="0"/>
+              <a:buChar char="•"/>
+            </a:pPr>
+            <a:endParaRPr lang="en-US" dirty="0"/>
+          </a:p>
+          <a:p>
+            <a:pPr marL="285750" indent="-285750">
+              <a:buFont typeface="Arial" panose="020B0604020202020204" pitchFamily="34" charset="0"/>
+              <a:buChar char="•"/>
+            </a:pPr>
+            <a:endParaRPr lang="en-US" dirty="0"/>
+          </a:p>
+          <a:p>
+            <a:endParaRPr lang="en-US" dirty="0"/>
+          </a:p>
+          <a:p>
+            <a:endParaRPr lang="en-US" dirty="0"/>
+          </a:p>
+        </p:txBody>
+      </p:sp>
+    </p:spTree>
+    <p:extLst>
+      <p:ext uri="{BB962C8B-B14F-4D97-AF65-F5344CB8AC3E}">
+        <p14:creationId xmlns:p14="http://schemas.microsoft.com/office/powerpoint/2010/main" val="2345205983"/>
+      </p:ext>
+    </p:extLst>
+  </p:cSld>
+  <p:clrMapOvr>
+    <a:masterClrMapping/>
+  </p:clrMapOvr>
+</p:sld>
+</file>
+
+<file path=ppt/slides/slide22.xml><?xml version="1.0" encoding="utf-8"?>
+<p:sld xmlns:a="http://schemas.openxmlformats.org/drawingml/2006/main" xmlns:r="http://schemas.openxmlformats.org/officeDocument/2006/relationships" xmlns:p="http://schemas.openxmlformats.org/presentationml/2006/main">
+  <p:cSld>
+    <p:spTree>
+      <p:nvGrpSpPr>
+        <p:cNvPr id="1" name=""/>
+        <p:cNvGrpSpPr/>
+        <p:nvPr/>
+      </p:nvGrpSpPr>
+      <p:grpSpPr>
+        <a:xfrm>
+          <a:off x="0" y="0"/>
+          <a:ext cx="0" cy="0"/>
+          <a:chOff x="0" y="0"/>
+          <a:chExt cx="0" cy="0"/>
+        </a:xfrm>
+      </p:grpSpPr>
+      <p:sp>
+        <p:nvSpPr>
+          <p:cNvPr id="2" name="Title 1">
+            <a:extLst>
+              <a:ext uri="{FF2B5EF4-FFF2-40B4-BE49-F238E27FC236}">
+                <a16:creationId xmlns:a16="http://schemas.microsoft.com/office/drawing/2014/main" id="{26F34E6C-5CF2-4DA5-AD79-BD8A2CBD426E}"/>
+              </a:ext>
+            </a:extLst>
+          </p:cNvPr>
+          <p:cNvSpPr>
+            <a:spLocks noGrp="1"/>
+          </p:cNvSpPr>
+          <p:nvPr>
+            <p:ph type="title"/>
+          </p:nvPr>
+        </p:nvSpPr>
+        <p:spPr/>
+        <p:txBody>
+          <a:bodyPr/>
+          <a:lstStyle/>
+          <a:p>
+            <a:r>
+              <a:rPr lang="en-US" dirty="0"/>
+              <a:t>Double Layer Hidden models</a:t>
+            </a:r>
+          </a:p>
+        </p:txBody>
+      </p:sp>
+      <p:sp>
+        <p:nvSpPr>
+          <p:cNvPr id="3" name="Text Placeholder 2">
+            <a:extLst>
+              <a:ext uri="{FF2B5EF4-FFF2-40B4-BE49-F238E27FC236}">
+                <a16:creationId xmlns:a16="http://schemas.microsoft.com/office/drawing/2014/main" id="{0C58B254-34CA-4A9D-A2AF-6697257F5686}"/>
+              </a:ext>
+            </a:extLst>
+          </p:cNvPr>
+          <p:cNvSpPr>
+            <a:spLocks noGrp="1"/>
+          </p:cNvSpPr>
+          <p:nvPr>
+            <p:ph type="body" idx="1"/>
+          </p:nvPr>
+        </p:nvSpPr>
+        <p:spPr/>
+        <p:txBody>
+          <a:bodyPr/>
+          <a:lstStyle/>
+          <a:p>
+            <a:r>
+              <a:rPr lang="en-US" dirty="0"/>
+              <a:t>20 , 40 , 60 , 80 , 100 , 120</a:t>
+            </a:r>
+          </a:p>
+        </p:txBody>
+      </p:sp>
+    </p:spTree>
+    <p:extLst>
+      <p:ext uri="{BB962C8B-B14F-4D97-AF65-F5344CB8AC3E}">
+        <p14:creationId xmlns:p14="http://schemas.microsoft.com/office/powerpoint/2010/main" val="2580941735"/>
+      </p:ext>
+    </p:extLst>
+  </p:cSld>
+  <p:clrMapOvr>
+    <a:masterClrMapping/>
+  </p:clrMapOvr>
+</p:sld>
+</file>
+
+<file path=ppt/slides/slide23.xml><?xml version="1.0" encoding="utf-8"?>
+<p:sld xmlns:a="http://schemas.openxmlformats.org/drawingml/2006/main" xmlns:r="http://schemas.openxmlformats.org/officeDocument/2006/relationships" xmlns:p="http://schemas.openxmlformats.org/presentationml/2006/main">
+  <p:cSld>
+    <p:spTree>
+      <p:nvGrpSpPr>
+        <p:cNvPr id="1" name=""/>
+        <p:cNvGrpSpPr/>
+        <p:nvPr/>
+      </p:nvGrpSpPr>
+      <p:grpSpPr>
+        <a:xfrm>
+          <a:off x="0" y="0"/>
+          <a:ext cx="0" cy="0"/>
+          <a:chOff x="0" y="0"/>
+          <a:chExt cx="0" cy="0"/>
+        </a:xfrm>
+      </p:grpSpPr>
+      <p:sp>
+        <p:nvSpPr>
+          <p:cNvPr id="3" name="Title 2">
+            <a:extLst>
+              <a:ext uri="{FF2B5EF4-FFF2-40B4-BE49-F238E27FC236}">
+                <a16:creationId xmlns:a16="http://schemas.microsoft.com/office/drawing/2014/main" id="{3DD90989-678B-4038-BD7B-D87304ABBE43}"/>
+              </a:ext>
+            </a:extLst>
+          </p:cNvPr>
+          <p:cNvSpPr>
+            <a:spLocks noGrp="1"/>
+          </p:cNvSpPr>
+          <p:nvPr>
+            <p:ph type="title"/>
+          </p:nvPr>
+        </p:nvSpPr>
+        <p:spPr/>
+        <p:txBody>
+          <a:bodyPr/>
+          <a:lstStyle/>
+          <a:p>
+            <a:r>
+              <a:rPr lang="en-US" dirty="0"/>
+              <a:t>Single Hidden Layer Models</a:t>
+            </a:r>
+          </a:p>
+        </p:txBody>
+      </p:sp>
+      <mc:AlternateContent xmlns:mc="http://schemas.openxmlformats.org/markup-compatibility/2006">
+        <mc:Choice xmlns:a14="http://schemas.microsoft.com/office/drawing/2010/main" Requires="a14">
+          <p:sp>
+            <p:nvSpPr>
+              <p:cNvPr id="5" name="Content Placeholder 4">
+                <a:extLst>
+                  <a:ext uri="{FF2B5EF4-FFF2-40B4-BE49-F238E27FC236}">
+                    <a16:creationId xmlns:a16="http://schemas.microsoft.com/office/drawing/2014/main" id="{6D5F24FD-4F7B-45A6-A55F-CEC712C67805}"/>
+                  </a:ext>
+                </a:extLst>
+              </p:cNvPr>
+              <p:cNvSpPr>
+                <a:spLocks noGrp="1"/>
+              </p:cNvSpPr>
+              <p:nvPr>
+                <p:ph idx="1"/>
+              </p:nvPr>
+            </p:nvSpPr>
+            <p:spPr/>
+            <p:txBody>
+              <a:bodyPr>
+                <a:normAutofit/>
+              </a:bodyPr>
+              <a:lstStyle/>
+              <a:p>
+                <a:r>
+                  <a:rPr lang="en-US" sz="2000" dirty="0"/>
+                  <a:t>Equation is very similar to single layer</a:t>
+                </a:r>
+              </a:p>
+              <a:p>
+                <a:pPr marL="0" indent="0" algn="ctr">
+                  <a:buNone/>
+                </a:pPr>
+                <a:endParaRPr lang="en-US" i="1" dirty="0">
+                  <a:latin typeface="Cambria Math" panose="02040503050406030204" pitchFamily="18" charset="0"/>
+                </a:endParaRPr>
+              </a:p>
+              <a:p>
+                <a:pPr marL="0" indent="0" algn="ctr">
+                  <a:buNone/>
+                </a:pPr>
+                <a:endParaRPr lang="en-US" i="1" dirty="0">
+                  <a:latin typeface="Cambria Math" panose="02040503050406030204" pitchFamily="18" charset="0"/>
+                </a:endParaRPr>
+              </a:p>
+              <a:p>
+                <a14:m>
+                  <m:oMath xmlns:m="http://schemas.openxmlformats.org/officeDocument/2006/math">
+                    <m:sSup>
+                      <m:sSupPr>
+                        <m:ctrlPr>
+                          <a:rPr lang="en-US" sz="2000" b="0" i="1" dirty="0" smtClean="0">
+                            <a:latin typeface="Cambria Math" panose="02040503050406030204" pitchFamily="18" charset="0"/>
+                          </a:rPr>
+                        </m:ctrlPr>
+                      </m:sSupPr>
+                      <m:e>
+                        <m:acc>
+                          <m:accPr>
+                            <m:chr m:val="̂"/>
+                            <m:ctrlPr>
+                              <a:rPr lang="en-US" sz="2000" b="0" i="1" smtClean="0">
+                                <a:latin typeface="Cambria Math" panose="02040503050406030204" pitchFamily="18" charset="0"/>
+                              </a:rPr>
+                            </m:ctrlPr>
+                          </m:accPr>
+                          <m:e>
+                            <m:r>
+                              <a:rPr lang="en-US" sz="2000" b="0" i="1" smtClean="0">
+                                <a:latin typeface="Cambria Math" panose="02040503050406030204" pitchFamily="18" charset="0"/>
+                              </a:rPr>
+                              <m:t>𝑊</m:t>
+                            </m:r>
+                          </m:e>
+                        </m:acc>
+                      </m:e>
+                      <m:sup>
+                        <m:d>
+                          <m:dPr>
+                            <m:ctrlPr>
+                              <a:rPr lang="en-US" sz="2000" b="0" i="1" dirty="0" smtClean="0">
+                                <a:latin typeface="Cambria Math" panose="02040503050406030204" pitchFamily="18" charset="0"/>
+                              </a:rPr>
+                            </m:ctrlPr>
+                          </m:dPr>
+                          <m:e>
+                            <m:r>
+                              <a:rPr lang="en-US" sz="2000" b="0" i="1" dirty="0" smtClean="0">
+                                <a:latin typeface="Cambria Math" panose="02040503050406030204" pitchFamily="18" charset="0"/>
+                              </a:rPr>
+                              <m:t>𝑙</m:t>
+                            </m:r>
+                          </m:e>
+                        </m:d>
+                      </m:sup>
+                    </m:sSup>
+                  </m:oMath>
+                </a14:m>
+                <a:r>
+                  <a:rPr lang="en-US" sz="2000" dirty="0"/>
+                  <a:t> has shape </a:t>
+                </a:r>
+                <a14:m>
+                  <m:oMath xmlns:m="http://schemas.openxmlformats.org/officeDocument/2006/math">
+                    <m:d>
+                      <m:dPr>
+                        <m:ctrlPr>
+                          <a:rPr lang="en-US" sz="2000" b="0" i="1" smtClean="0">
+                            <a:latin typeface="Cambria Math" panose="02040503050406030204" pitchFamily="18" charset="0"/>
+                          </a:rPr>
+                        </m:ctrlPr>
+                      </m:dPr>
+                      <m:e>
+                        <m:sSup>
+                          <m:sSupPr>
+                            <m:ctrlPr>
+                              <a:rPr lang="en-US" sz="2000" b="0" i="1" smtClean="0">
+                                <a:latin typeface="Cambria Math" panose="02040503050406030204" pitchFamily="18" charset="0"/>
+                              </a:rPr>
+                            </m:ctrlPr>
+                          </m:sSupPr>
+                          <m:e>
+                            <m:acc>
+                              <m:accPr>
+                                <m:chr m:val="⃗"/>
+                                <m:ctrlPr>
+                                  <a:rPr lang="en-US" sz="2000" b="0" i="1" smtClean="0">
+                                    <a:latin typeface="Cambria Math" panose="02040503050406030204" pitchFamily="18" charset="0"/>
+                                  </a:rPr>
+                                </m:ctrlPr>
+                              </m:accPr>
+                              <m:e>
+                                <m:r>
+                                  <a:rPr lang="en-US" sz="2000" b="0" i="1" smtClean="0">
+                                    <a:latin typeface="Cambria Math" panose="02040503050406030204" pitchFamily="18" charset="0"/>
+                                  </a:rPr>
+                                  <m:t>𝑥</m:t>
+                                </m:r>
+                              </m:e>
+                            </m:acc>
+                          </m:e>
+                          <m:sup>
+                            <m:d>
+                              <m:dPr>
+                                <m:ctrlPr>
+                                  <a:rPr lang="en-US" sz="2000" b="0" i="1" smtClean="0">
+                                    <a:latin typeface="Cambria Math" panose="02040503050406030204" pitchFamily="18" charset="0"/>
+                                  </a:rPr>
+                                </m:ctrlPr>
+                              </m:dPr>
+                              <m:e>
+                                <m:r>
+                                  <a:rPr lang="en-US" sz="2000" b="0" i="1" smtClean="0">
+                                    <a:latin typeface="Cambria Math" panose="02040503050406030204" pitchFamily="18" charset="0"/>
+                                  </a:rPr>
+                                  <m:t>𝑙</m:t>
+                                </m:r>
+                                <m:r>
+                                  <a:rPr lang="en-US" sz="2000" b="0" i="1" smtClean="0">
+                                    <a:latin typeface="Cambria Math" panose="02040503050406030204" pitchFamily="18" charset="0"/>
+                                  </a:rPr>
+                                  <m:t>+1</m:t>
+                                </m:r>
+                              </m:e>
+                            </m:d>
+                          </m:sup>
+                        </m:sSup>
+                        <m:r>
+                          <a:rPr lang="en-US" sz="2000" b="0" i="1" smtClean="0">
+                            <a:latin typeface="Cambria Math" panose="02040503050406030204" pitchFamily="18" charset="0"/>
+                          </a:rPr>
+                          <m:t>×</m:t>
+                        </m:r>
+                        <m:sSup>
+                          <m:sSupPr>
+                            <m:ctrlPr>
+                              <a:rPr lang="en-US" sz="2000" b="0" i="1" smtClean="0">
+                                <a:latin typeface="Cambria Math" panose="02040503050406030204" pitchFamily="18" charset="0"/>
+                              </a:rPr>
+                            </m:ctrlPr>
+                          </m:sSupPr>
+                          <m:e>
+                            <m:acc>
+                              <m:accPr>
+                                <m:chr m:val="⃗"/>
+                                <m:ctrlPr>
+                                  <a:rPr lang="en-US" sz="2000" b="0" i="1" smtClean="0">
+                                    <a:latin typeface="Cambria Math" panose="02040503050406030204" pitchFamily="18" charset="0"/>
+                                  </a:rPr>
+                                </m:ctrlPr>
+                              </m:accPr>
+                              <m:e>
+                                <m:r>
+                                  <a:rPr lang="en-US" sz="2000" b="0" i="1" smtClean="0">
+                                    <a:latin typeface="Cambria Math" panose="02040503050406030204" pitchFamily="18" charset="0"/>
+                                  </a:rPr>
+                                  <m:t>𝑥</m:t>
+                                </m:r>
+                              </m:e>
+                            </m:acc>
+                          </m:e>
+                          <m:sup>
+                            <m:d>
+                              <m:dPr>
+                                <m:ctrlPr>
+                                  <a:rPr lang="en-US" sz="2000" b="0" i="1" smtClean="0">
+                                    <a:latin typeface="Cambria Math" panose="02040503050406030204" pitchFamily="18" charset="0"/>
+                                  </a:rPr>
+                                </m:ctrlPr>
+                              </m:dPr>
+                              <m:e>
+                                <m:r>
+                                  <a:rPr lang="en-US" sz="2000" b="0" i="1" smtClean="0">
+                                    <a:latin typeface="Cambria Math" panose="02040503050406030204" pitchFamily="18" charset="0"/>
+                                  </a:rPr>
+                                  <m:t>𝑙</m:t>
+                                </m:r>
+                              </m:e>
+                            </m:d>
+                          </m:sup>
+                        </m:sSup>
+                      </m:e>
+                    </m:d>
+                  </m:oMath>
+                </a14:m>
+                <a:endParaRPr lang="en-US" sz="2000" dirty="0"/>
+              </a:p>
+              <a:p>
+                <a:endParaRPr lang="en-US" sz="2000" dirty="0"/>
+              </a:p>
+              <a:p>
+                <a14:m>
+                  <m:oMath xmlns:m="http://schemas.openxmlformats.org/officeDocument/2006/math">
+                    <m:sSup>
+                      <m:sSupPr>
+                        <m:ctrlPr>
+                          <a:rPr lang="en-US" sz="2000" b="0" i="1" dirty="0" smtClean="0">
+                            <a:latin typeface="Cambria Math" panose="02040503050406030204" pitchFamily="18" charset="0"/>
+                          </a:rPr>
+                        </m:ctrlPr>
+                      </m:sSupPr>
+                      <m:e>
+                        <m:acc>
+                          <m:accPr>
+                            <m:chr m:val="⃗"/>
+                            <m:ctrlPr>
+                              <a:rPr lang="en-US" sz="2000" b="0" i="1" smtClean="0">
+                                <a:latin typeface="Cambria Math" panose="02040503050406030204" pitchFamily="18" charset="0"/>
+                              </a:rPr>
+                            </m:ctrlPr>
+                          </m:accPr>
+                          <m:e>
+                            <m:r>
+                              <a:rPr lang="en-US" sz="2000" b="0" i="1" smtClean="0">
+                                <a:latin typeface="Cambria Math" panose="02040503050406030204" pitchFamily="18" charset="0"/>
+                              </a:rPr>
+                              <m:t>𝛽</m:t>
+                            </m:r>
+                          </m:e>
+                        </m:acc>
+                      </m:e>
+                      <m:sup>
+                        <m:r>
+                          <a:rPr lang="en-US" sz="2000" b="0" i="1" dirty="0" smtClean="0">
+                            <a:latin typeface="Cambria Math" panose="02040503050406030204" pitchFamily="18" charset="0"/>
+                          </a:rPr>
+                          <m:t>(</m:t>
+                        </m:r>
+                        <m:r>
+                          <a:rPr lang="en-US" sz="2000" b="0" i="1" dirty="0" smtClean="0">
+                            <a:latin typeface="Cambria Math" panose="02040503050406030204" pitchFamily="18" charset="0"/>
+                          </a:rPr>
+                          <m:t>𝑙</m:t>
+                        </m:r>
+                        <m:r>
+                          <a:rPr lang="en-US" sz="2000" b="0" i="1" dirty="0" smtClean="0">
+                            <a:latin typeface="Cambria Math" panose="02040503050406030204" pitchFamily="18" charset="0"/>
+                          </a:rPr>
+                          <m:t>)</m:t>
+                        </m:r>
+                      </m:sup>
+                    </m:sSup>
+                  </m:oMath>
+                </a14:m>
+                <a:r>
+                  <a:rPr lang="en-US" sz="2000" dirty="0"/>
+                  <a:t> has same shape as </a:t>
+                </a:r>
+                <a14:m>
+                  <m:oMath xmlns:m="http://schemas.openxmlformats.org/officeDocument/2006/math">
+                    <m:sSup>
+                      <m:sSupPr>
+                        <m:ctrlPr>
+                          <a:rPr lang="en-US" sz="2000" i="1">
+                            <a:latin typeface="Cambria Math" panose="02040503050406030204" pitchFamily="18" charset="0"/>
+                          </a:rPr>
+                        </m:ctrlPr>
+                      </m:sSupPr>
+                      <m:e>
+                        <m:acc>
+                          <m:accPr>
+                            <m:chr m:val="⃗"/>
+                            <m:ctrlPr>
+                              <a:rPr lang="en-US" sz="2000" i="1">
+                                <a:latin typeface="Cambria Math" panose="02040503050406030204" pitchFamily="18" charset="0"/>
+                              </a:rPr>
+                            </m:ctrlPr>
+                          </m:accPr>
+                          <m:e>
+                            <m:r>
+                              <a:rPr lang="en-US" sz="2000" i="1">
+                                <a:latin typeface="Cambria Math" panose="02040503050406030204" pitchFamily="18" charset="0"/>
+                              </a:rPr>
+                              <m:t>𝑥</m:t>
+                            </m:r>
+                          </m:e>
+                        </m:acc>
+                      </m:e>
+                      <m:sup>
+                        <m:d>
+                          <m:dPr>
+                            <m:ctrlPr>
+                              <a:rPr lang="en-US" sz="2000" i="1">
+                                <a:latin typeface="Cambria Math" panose="02040503050406030204" pitchFamily="18" charset="0"/>
+                              </a:rPr>
+                            </m:ctrlPr>
+                          </m:dPr>
+                          <m:e>
+                            <m:r>
+                              <a:rPr lang="en-US" sz="2000" i="1">
+                                <a:latin typeface="Cambria Math" panose="02040503050406030204" pitchFamily="18" charset="0"/>
+                              </a:rPr>
+                              <m:t>𝑙</m:t>
+                            </m:r>
+                            <m:r>
+                              <a:rPr lang="en-US" sz="2000" i="1">
+                                <a:latin typeface="Cambria Math" panose="02040503050406030204" pitchFamily="18" charset="0"/>
+                              </a:rPr>
+                              <m:t>+1</m:t>
+                            </m:r>
+                          </m:e>
+                        </m:d>
+                      </m:sup>
+                    </m:sSup>
+                  </m:oMath>
+                </a14:m>
+                <a:endParaRPr lang="en-US" sz="2000" dirty="0"/>
+              </a:p>
+              <a:p>
+                <a:pPr marL="0" indent="0">
+                  <a:buNone/>
+                </a:pPr>
+                <a:endParaRPr lang="en-US" sz="2000" dirty="0"/>
+              </a:p>
+              <a:p>
+                <a14:m>
+                  <m:oMath xmlns:m="http://schemas.openxmlformats.org/officeDocument/2006/math">
+                    <m:sSup>
+                      <m:sSupPr>
+                        <m:ctrlPr>
+                          <a:rPr lang="en-US" sz="2000" b="0" i="1" smtClean="0">
+                            <a:latin typeface="Cambria Math" panose="02040503050406030204" pitchFamily="18" charset="0"/>
+                          </a:rPr>
+                        </m:ctrlPr>
+                      </m:sSupPr>
+                      <m:e>
+                        <m:r>
+                          <a:rPr lang="en-US" sz="2000" b="0" i="1" smtClean="0">
+                            <a:latin typeface="Cambria Math" panose="02040503050406030204" pitchFamily="18" charset="0"/>
+                          </a:rPr>
+                          <m:t>𝑔</m:t>
+                        </m:r>
+                      </m:e>
+                      <m:sup>
+                        <m:d>
+                          <m:dPr>
+                            <m:ctrlPr>
+                              <a:rPr lang="en-US" sz="2000" b="0" i="1" smtClean="0">
+                                <a:latin typeface="Cambria Math" panose="02040503050406030204" pitchFamily="18" charset="0"/>
+                              </a:rPr>
+                            </m:ctrlPr>
+                          </m:dPr>
+                          <m:e>
+                            <m:r>
+                              <a:rPr lang="en-US" sz="2000" b="0" i="1" smtClean="0">
+                                <a:latin typeface="Cambria Math" panose="02040503050406030204" pitchFamily="18" charset="0"/>
+                              </a:rPr>
+                              <m:t>𝑙</m:t>
+                            </m:r>
+                          </m:e>
+                        </m:d>
+                      </m:sup>
+                    </m:sSup>
+                  </m:oMath>
+                </a14:m>
+                <a:r>
+                  <a:rPr lang="en-US" sz="2000" dirty="0"/>
+                  <a:t> may take on different form with each layer</a:t>
+                </a:r>
+              </a:p>
+              <a:p>
+                <a:endParaRPr lang="en-US" sz="2000" dirty="0"/>
+              </a:p>
+              <a:p>
+                <a:endParaRPr lang="en-US" sz="2000" dirty="0"/>
+              </a:p>
+              <a:p>
+                <a:r>
+                  <a:rPr lang="en-US" sz="2000" dirty="0"/>
+                  <a:t>Extra hidden layer added</a:t>
+                </a:r>
+              </a:p>
+            </p:txBody>
+          </p:sp>
+        </mc:Choice>
+        <mc:Fallback>
+          <p:sp>
+            <p:nvSpPr>
+              <p:cNvPr id="5" name="Content Placeholder 4">
+                <a:extLst>
+                  <a:ext uri="{FF2B5EF4-FFF2-40B4-BE49-F238E27FC236}">
+                    <a16:creationId xmlns:a16="http://schemas.microsoft.com/office/drawing/2014/main" id="{6D5F24FD-4F7B-45A6-A55F-CEC712C67805}"/>
+                  </a:ext>
+                </a:extLst>
+              </p:cNvPr>
+              <p:cNvSpPr>
+                <a:spLocks noGrp="1" noRot="1" noChangeAspect="1" noMove="1" noResize="1" noEditPoints="1" noAdjustHandles="1" noChangeArrowheads="1" noChangeShapeType="1" noTextEdit="1"/>
+              </p:cNvSpPr>
+              <p:nvPr>
+                <p:ph idx="1"/>
+              </p:nvPr>
+            </p:nvSpPr>
+            <p:spPr>
+              <a:blipFill>
+                <a:blip r:embed="rId2"/>
+                <a:stretch>
+                  <a:fillRect l="-800" t="-571"/>
+                </a:stretch>
+              </a:blipFill>
+            </p:spPr>
+            <p:txBody>
+              <a:bodyPr/>
+              <a:lstStyle/>
+              <a:p>
+                <a:r>
+                  <a:rPr lang="en-US">
+                    <a:noFill/>
+                  </a:rPr>
+                  <a:t> </a:t>
+                </a:r>
+              </a:p>
+            </p:txBody>
+          </p:sp>
+        </mc:Fallback>
+      </mc:AlternateContent>
+      <mc:AlternateContent xmlns:mc="http://schemas.openxmlformats.org/markup-compatibility/2006">
+        <mc:Choice xmlns:a14="http://schemas.microsoft.com/office/drawing/2010/main" Requires="a14">
+          <p:sp>
+            <p:nvSpPr>
+              <p:cNvPr id="6" name="Text Placeholder 5">
+                <a:extLst>
+                  <a:ext uri="{FF2B5EF4-FFF2-40B4-BE49-F238E27FC236}">
+                    <a16:creationId xmlns:a16="http://schemas.microsoft.com/office/drawing/2014/main" id="{EF8936E3-4027-4AB5-95F9-B390C4942EAA}"/>
+                  </a:ext>
+                </a:extLst>
+              </p:cNvPr>
+              <p:cNvSpPr>
+                <a:spLocks noGrp="1"/>
+              </p:cNvSpPr>
+              <p:nvPr>
+                <p:ph type="body" sz="half" idx="2"/>
+              </p:nvPr>
+            </p:nvSpPr>
+            <p:spPr/>
+            <p:txBody>
+              <a:bodyPr/>
+              <a:lstStyle/>
+              <a:p>
+                <a:endParaRPr lang="en-US" dirty="0"/>
+              </a:p>
+              <a:p>
+                <a:endParaRPr lang="en-US" dirty="0"/>
+              </a:p>
+              <a:p>
+                <a:endParaRPr lang="en-US" dirty="0"/>
+              </a:p>
+              <a:p>
+                <a:endParaRPr lang="en-US" dirty="0"/>
+              </a:p>
+              <a:p>
+                <a:endParaRPr lang="en-US" dirty="0"/>
+              </a:p>
+              <a:p>
+                <a:pPr marL="285750" indent="-285750">
+                  <a:buFont typeface="Arial" panose="020B0604020202020204" pitchFamily="34" charset="0"/>
+                  <a:buChar char="•"/>
+                </a:pPr>
+                <a:r>
+                  <a:rPr lang="en-US" dirty="0"/>
+                  <a:t>Input: </a:t>
+                </a:r>
+                <a14:m>
+                  <m:oMath xmlns:m="http://schemas.openxmlformats.org/officeDocument/2006/math">
+                    <m:sSup>
+                      <m:sSupPr>
+                        <m:ctrlPr>
+                          <a:rPr lang="en-US" i="1">
+                            <a:latin typeface="Cambria Math" panose="02040503050406030204" pitchFamily="18" charset="0"/>
+                          </a:rPr>
+                        </m:ctrlPr>
+                      </m:sSupPr>
+                      <m:e>
+                        <m:acc>
+                          <m:accPr>
+                            <m:chr m:val="⃗"/>
+                            <m:ctrlPr>
+                              <a:rPr lang="en-US" i="1">
+                                <a:latin typeface="Cambria Math" panose="02040503050406030204" pitchFamily="18" charset="0"/>
+                              </a:rPr>
+                            </m:ctrlPr>
+                          </m:accPr>
+                          <m:e>
+                            <m:r>
+                              <a:rPr lang="en-US" i="1">
+                                <a:latin typeface="Cambria Math" panose="02040503050406030204" pitchFamily="18" charset="0"/>
+                              </a:rPr>
+                              <m:t>𝑥</m:t>
+                            </m:r>
+                          </m:e>
+                        </m:acc>
+                      </m:e>
+                      <m:sup>
+                        <m:d>
+                          <m:dPr>
+                            <m:ctrlPr>
+                              <a:rPr lang="en-US" i="1">
+                                <a:latin typeface="Cambria Math" panose="02040503050406030204" pitchFamily="18" charset="0"/>
+                              </a:rPr>
+                            </m:ctrlPr>
+                          </m:dPr>
+                          <m:e>
+                            <m:r>
+                              <a:rPr lang="en-US" i="1">
+                                <a:latin typeface="Cambria Math" panose="02040503050406030204" pitchFamily="18" charset="0"/>
+                              </a:rPr>
+                              <m:t>0</m:t>
+                            </m:r>
+                          </m:e>
+                        </m:d>
+                      </m:sup>
+                    </m:sSup>
+                  </m:oMath>
+                </a14:m>
+                <a:endParaRPr lang="en-US" dirty="0"/>
+              </a:p>
+              <a:p>
+                <a:pPr marL="285750" indent="-285750">
+                  <a:buFont typeface="Arial" panose="020B0604020202020204" pitchFamily="34" charset="0"/>
+                  <a:buChar char="•"/>
+                </a:pPr>
+                <a:endParaRPr lang="en-US" dirty="0"/>
+              </a:p>
+              <a:p>
+                <a:pPr marL="285750" indent="-285750">
+                  <a:buFont typeface="Arial" panose="020B0604020202020204" pitchFamily="34" charset="0"/>
+                  <a:buChar char="•"/>
+                </a:pPr>
+                <a:r>
+                  <a:rPr lang="en-US" dirty="0"/>
+                  <a:t>Output : </a:t>
+                </a:r>
+                <a14:m>
+                  <m:oMath xmlns:m="http://schemas.openxmlformats.org/officeDocument/2006/math">
+                    <m:sSup>
+                      <m:sSupPr>
+                        <m:ctrlPr>
+                          <a:rPr lang="en-US" i="1">
+                            <a:latin typeface="Cambria Math" panose="02040503050406030204" pitchFamily="18" charset="0"/>
+                          </a:rPr>
+                        </m:ctrlPr>
+                      </m:sSupPr>
+                      <m:e>
+                        <m:acc>
+                          <m:accPr>
+                            <m:chr m:val="⃗"/>
+                            <m:ctrlPr>
+                              <a:rPr lang="en-US" i="1">
+                                <a:latin typeface="Cambria Math" panose="02040503050406030204" pitchFamily="18" charset="0"/>
+                              </a:rPr>
+                            </m:ctrlPr>
+                          </m:accPr>
+                          <m:e>
+                            <m:r>
+                              <a:rPr lang="en-US" i="1">
+                                <a:latin typeface="Cambria Math" panose="02040503050406030204" pitchFamily="18" charset="0"/>
+                              </a:rPr>
+                              <m:t>𝑥</m:t>
+                            </m:r>
+                          </m:e>
+                        </m:acc>
+                      </m:e>
+                      <m:sup>
+                        <m:d>
+                          <m:dPr>
+                            <m:ctrlPr>
+                              <a:rPr lang="en-US" i="1">
+                                <a:latin typeface="Cambria Math" panose="02040503050406030204" pitchFamily="18" charset="0"/>
+                              </a:rPr>
+                            </m:ctrlPr>
+                          </m:dPr>
+                          <m:e>
+                            <m:r>
+                              <a:rPr lang="en-US" b="0" i="1" smtClean="0">
+                                <a:latin typeface="Cambria Math" panose="02040503050406030204" pitchFamily="18" charset="0"/>
+                              </a:rPr>
+                              <m:t>3</m:t>
+                            </m:r>
+                          </m:e>
+                        </m:d>
+                      </m:sup>
+                    </m:sSup>
+                  </m:oMath>
+                </a14:m>
+                <a:endParaRPr lang="en-US" dirty="0"/>
+              </a:p>
+            </p:txBody>
+          </p:sp>
+        </mc:Choice>
+        <mc:Fallback>
+          <p:sp>
+            <p:nvSpPr>
+              <p:cNvPr id="6" name="Text Placeholder 5">
+                <a:extLst>
+                  <a:ext uri="{FF2B5EF4-FFF2-40B4-BE49-F238E27FC236}">
+                    <a16:creationId xmlns:a16="http://schemas.microsoft.com/office/drawing/2014/main" id="{EF8936E3-4027-4AB5-95F9-B390C4942EAA}"/>
+                  </a:ext>
+                </a:extLst>
+              </p:cNvPr>
+              <p:cNvSpPr>
+                <a:spLocks noGrp="1" noRot="1" noChangeAspect="1" noMove="1" noResize="1" noEditPoints="1" noAdjustHandles="1" noChangeArrowheads="1" noChangeShapeType="1" noTextEdit="1"/>
+              </p:cNvSpPr>
+              <p:nvPr>
+                <p:ph type="body" sz="half" idx="2"/>
+              </p:nvPr>
+            </p:nvSpPr>
+            <p:spPr>
+              <a:blipFill>
+                <a:blip r:embed="rId3"/>
+                <a:stretch>
+                  <a:fillRect l="-1351"/>
+                </a:stretch>
+              </a:blipFill>
+            </p:spPr>
+            <p:txBody>
+              <a:bodyPr/>
+              <a:lstStyle/>
+              <a:p>
+                <a:r>
+                  <a:rPr lang="en-US">
+                    <a:noFill/>
+                  </a:rPr>
+                  <a:t> </a:t>
+                </a:r>
+              </a:p>
+            </p:txBody>
+          </p:sp>
+        </mc:Fallback>
+      </mc:AlternateContent>
+    </p:spTree>
+    <p:extLst>
+      <p:ext uri="{BB962C8B-B14F-4D97-AF65-F5344CB8AC3E}">
+        <p14:creationId xmlns:p14="http://schemas.microsoft.com/office/powerpoint/2010/main" val="2327998078"/>
       </p:ext>
     </p:extLst>
   </p:cSld>
@@ -13724,6 +22470,89 @@
           <p:cNvPr id="2" name="Title 1">
             <a:extLst>
               <a:ext uri="{FF2B5EF4-FFF2-40B4-BE49-F238E27FC236}">
+                <a16:creationId xmlns:a16="http://schemas.microsoft.com/office/drawing/2014/main" id="{6F1F73AE-0587-4DB4-86F4-87DC4F54BE3A}"/>
+              </a:ext>
+            </a:extLst>
+          </p:cNvPr>
+          <p:cNvSpPr>
+            <a:spLocks noGrp="1"/>
+          </p:cNvSpPr>
+          <p:nvPr>
+            <p:ph type="title"/>
+          </p:nvPr>
+        </p:nvSpPr>
+        <p:spPr/>
+        <p:txBody>
+          <a:bodyPr/>
+          <a:lstStyle/>
+          <a:p>
+            <a:r>
+              <a:rPr lang="en-US" dirty="0"/>
+              <a:t>Program implementation</a:t>
+            </a:r>
+          </a:p>
+        </p:txBody>
+      </p:sp>
+      <p:sp>
+        <p:nvSpPr>
+          <p:cNvPr id="3" name="Text Placeholder 2">
+            <a:extLst>
+              <a:ext uri="{FF2B5EF4-FFF2-40B4-BE49-F238E27FC236}">
+                <a16:creationId xmlns:a16="http://schemas.microsoft.com/office/drawing/2014/main" id="{208F377D-8EBF-4636-8B23-47F634A7C5D4}"/>
+              </a:ext>
+            </a:extLst>
+          </p:cNvPr>
+          <p:cNvSpPr>
+            <a:spLocks noGrp="1"/>
+          </p:cNvSpPr>
+          <p:nvPr>
+            <p:ph type="body" idx="1"/>
+          </p:nvPr>
+        </p:nvSpPr>
+        <p:spPr/>
+        <p:txBody>
+          <a:bodyPr/>
+          <a:lstStyle/>
+          <a:p>
+            <a:endParaRPr lang="en-US"/>
+          </a:p>
+        </p:txBody>
+      </p:sp>
+    </p:spTree>
+    <p:extLst>
+      <p:ext uri="{BB962C8B-B14F-4D97-AF65-F5344CB8AC3E}">
+        <p14:creationId xmlns:p14="http://schemas.microsoft.com/office/powerpoint/2010/main" val="2227479578"/>
+      </p:ext>
+    </p:extLst>
+  </p:cSld>
+  <p:clrMapOvr>
+    <a:masterClrMapping/>
+  </p:clrMapOvr>
+</p:sld>
+</file>
+
+<file path=ppt/slides/slide9.xml><?xml version="1.0" encoding="utf-8"?>
+<p:sld xmlns:a="http://schemas.openxmlformats.org/drawingml/2006/main" xmlns:r="http://schemas.openxmlformats.org/officeDocument/2006/relationships" xmlns:p="http://schemas.openxmlformats.org/presentationml/2006/main">
+  <p:cSld>
+    <p:spTree>
+      <p:nvGrpSpPr>
+        <p:cNvPr id="1" name=""/>
+        <p:cNvGrpSpPr/>
+        <p:nvPr/>
+      </p:nvGrpSpPr>
+      <p:grpSpPr>
+        <a:xfrm>
+          <a:off x="0" y="0"/>
+          <a:ext cx="0" cy="0"/>
+          <a:chOff x="0" y="0"/>
+          <a:chExt cx="0" cy="0"/>
+        </a:xfrm>
+      </p:grpSpPr>
+      <p:sp>
+        <p:nvSpPr>
+          <p:cNvPr id="2" name="Title 1">
+            <a:extLst>
+              <a:ext uri="{FF2B5EF4-FFF2-40B4-BE49-F238E27FC236}">
                 <a16:creationId xmlns:a16="http://schemas.microsoft.com/office/drawing/2014/main" id="{615C2DCE-3521-4232-BDA5-A82A00FFA51B}"/>
               </a:ext>
             </a:extLst>
@@ -14135,92 +22964,6 @@
 </p:sld>
 </file>
 
-<file path=ppt/slides/slide9.xml><?xml version="1.0" encoding="utf-8"?>
-<p:sld xmlns:a="http://schemas.openxmlformats.org/drawingml/2006/main" xmlns:r="http://schemas.openxmlformats.org/officeDocument/2006/relationships" xmlns:p="http://schemas.openxmlformats.org/presentationml/2006/main">
-  <p:cSld>
-    <p:spTree>
-      <p:nvGrpSpPr>
-        <p:cNvPr id="1" name=""/>
-        <p:cNvGrpSpPr/>
-        <p:nvPr/>
-      </p:nvGrpSpPr>
-      <p:grpSpPr>
-        <a:xfrm>
-          <a:off x="0" y="0"/>
-          <a:ext cx="0" cy="0"/>
-          <a:chOff x="0" y="0"/>
-          <a:chExt cx="0" cy="0"/>
-        </a:xfrm>
-      </p:grpSpPr>
-      <p:sp>
-        <p:nvSpPr>
-          <p:cNvPr id="2" name="Title 1">
-            <a:extLst>
-              <a:ext uri="{FF2B5EF4-FFF2-40B4-BE49-F238E27FC236}">
-                <a16:creationId xmlns:a16="http://schemas.microsoft.com/office/drawing/2014/main" id="{26F34E6C-5CF2-4DA5-AD79-BD8A2CBD426E}"/>
-              </a:ext>
-            </a:extLst>
-          </p:cNvPr>
-          <p:cNvSpPr>
-            <a:spLocks noGrp="1"/>
-          </p:cNvSpPr>
-          <p:nvPr>
-            <p:ph type="title"/>
-          </p:nvPr>
-        </p:nvSpPr>
-        <p:spPr/>
-        <p:txBody>
-          <a:bodyPr/>
-          <a:lstStyle/>
-          <a:p>
-            <a:r>
-              <a:rPr lang="en-US" dirty="0"/>
-              <a:t>Single Layer Hidden models</a:t>
-            </a:r>
-          </a:p>
-        </p:txBody>
-      </p:sp>
-      <p:sp>
-        <p:nvSpPr>
-          <p:cNvPr id="3" name="Text Placeholder 2">
-            <a:extLst>
-              <a:ext uri="{FF2B5EF4-FFF2-40B4-BE49-F238E27FC236}">
-                <a16:creationId xmlns:a16="http://schemas.microsoft.com/office/drawing/2014/main" id="{0C58B254-34CA-4A9D-A2AF-6697257F5686}"/>
-              </a:ext>
-            </a:extLst>
-          </p:cNvPr>
-          <p:cNvSpPr>
-            <a:spLocks noGrp="1"/>
-          </p:cNvSpPr>
-          <p:nvPr>
-            <p:ph type="body" idx="1"/>
-          </p:nvPr>
-        </p:nvSpPr>
-        <p:spPr/>
-        <p:txBody>
-          <a:bodyPr/>
-          <a:lstStyle/>
-          <a:p>
-            <a:r>
-              <a:rPr lang="en-US" dirty="0"/>
-              <a:t>20 , 40 , 60 , 80 , 100 , 120</a:t>
-            </a:r>
-          </a:p>
-        </p:txBody>
-      </p:sp>
-    </p:spTree>
-    <p:extLst>
-      <p:ext uri="{BB962C8B-B14F-4D97-AF65-F5344CB8AC3E}">
-        <p14:creationId xmlns:p14="http://schemas.microsoft.com/office/powerpoint/2010/main" val="2597949367"/>
-      </p:ext>
-    </p:extLst>
-  </p:cSld>
-  <p:clrMapOvr>
-    <a:masterClrMapping/>
-  </p:clrMapOvr>
-</p:sld>
-</file>
-
 <file path=ppt/theme/theme1.xml><?xml version="1.0" encoding="utf-8"?>
 <a:theme xmlns:a="http://schemas.openxmlformats.org/drawingml/2006/main" name="SavonVTI">
   <a:themeElements>
@@ -14498,6 +23241,24 @@
 </file>
 
 <file path=customXml/item1.xml><?xml version="1.0" encoding="utf-8"?>
+<p:properties xmlns:p="http://schemas.microsoft.com/office/2006/metadata/properties" xmlns:xsi="http://www.w3.org/2001/XMLSchema-instance" xmlns:pc="http://schemas.microsoft.com/office/infopath/2007/PartnerControls">
+  <documentManagement>
+    <Status xmlns="71af3243-3dd4-4a8d-8c0d-dd76da1f02a5">Not started</Status>
+    <MediaServiceKeyPoints xmlns="71af3243-3dd4-4a8d-8c0d-dd76da1f02a5" xsi:nil="true"/>
+  </documentManagement>
+</p:properties>
+</file>
+
+<file path=customXml/item2.xml><?xml version="1.0" encoding="utf-8"?>
+<?mso-contentType ?>
+<FormTemplates xmlns="http://schemas.microsoft.com/sharepoint/v3/contenttype/forms">
+  <Display>DocumentLibraryForm</Display>
+  <Edit>DocumentLibraryForm</Edit>
+  <New>DocumentLibraryForm</New>
+</FormTemplates>
+</file>
+
+<file path=customXml/item3.xml><?xml version="1.0" encoding="utf-8"?>
 <ct:contentTypeSchema xmlns:ct="http://schemas.microsoft.com/office/2006/metadata/contentType" xmlns:ma="http://schemas.microsoft.com/office/2006/metadata/properties/metaAttributes" ct:_="" ma:_="" ma:contentTypeName="Document" ma:contentTypeID="0x01010079F111ED35F8CC479449609E8A0923A6" ma:contentTypeVersion="12" ma:contentTypeDescription="Create a new document." ma:contentTypeScope="" ma:versionID="a410dd7f93c95333ffa1b60ed6adedd1">
   <xsd:schema xmlns:xsd="http://www.w3.org/2001/XMLSchema" xmlns:xs="http://www.w3.org/2001/XMLSchema" xmlns:p="http://schemas.microsoft.com/office/2006/metadata/properties" xmlns:ns2="71af3243-3dd4-4a8d-8c0d-dd76da1f02a5" xmlns:ns3="16c05727-aa75-4e4a-9b5f-8a80a1165891" targetNamespace="http://schemas.microsoft.com/office/2006/metadata/properties" ma:root="true" ma:fieldsID="a936d9baba76aa3866493feff160faab" ns2:_="" ns3:_="">
     <xsd:import namespace="71af3243-3dd4-4a8d-8c0d-dd76da1f02a5"/>
@@ -14718,25 +23479,25 @@
 </ct:contentTypeSchema>
 </file>
 
-<file path=customXml/item2.xml><?xml version="1.0" encoding="utf-8"?>
-<?mso-contentType ?>
-<FormTemplates xmlns="http://schemas.microsoft.com/sharepoint/v3/contenttype/forms">
-  <Display>DocumentLibraryForm</Display>
-  <Edit>DocumentLibraryForm</Edit>
-  <New>DocumentLibraryForm</New>
-</FormTemplates>
+<file path=customXml/itemProps1.xml><?xml version="1.0" encoding="utf-8"?>
+<ds:datastoreItem xmlns:ds="http://schemas.openxmlformats.org/officeDocument/2006/customXml" ds:itemID="{137651BA-F45C-4845-9AB3-E0A65B39F5E1}">
+  <ds:schemaRefs>
+    <ds:schemaRef ds:uri="http://schemas.microsoft.com/office/2006/metadata/properties"/>
+    <ds:schemaRef ds:uri="http://schemas.microsoft.com/office/infopath/2007/PartnerControls"/>
+    <ds:schemaRef ds:uri="71af3243-3dd4-4a8d-8c0d-dd76da1f02a5"/>
+  </ds:schemaRefs>
+</ds:datastoreItem>
 </file>
 
-<file path=customXml/item3.xml><?xml version="1.0" encoding="utf-8"?>
-<p:properties xmlns:p="http://schemas.microsoft.com/office/2006/metadata/properties" xmlns:xsi="http://www.w3.org/2001/XMLSchema-instance" xmlns:pc="http://schemas.microsoft.com/office/infopath/2007/PartnerControls">
-  <documentManagement>
-    <Status xmlns="71af3243-3dd4-4a8d-8c0d-dd76da1f02a5">Not started</Status>
-    <MediaServiceKeyPoints xmlns="71af3243-3dd4-4a8d-8c0d-dd76da1f02a5" xsi:nil="true"/>
-  </documentManagement>
-</p:properties>
+<file path=customXml/itemProps2.xml><?xml version="1.0" encoding="utf-8"?>
+<ds:datastoreItem xmlns:ds="http://schemas.openxmlformats.org/officeDocument/2006/customXml" ds:itemID="{CDB58277-F8DF-46FF-84EC-EF41B835E69F}">
+  <ds:schemaRefs>
+    <ds:schemaRef ds:uri="http://schemas.microsoft.com/sharepoint/v3/contenttype/forms"/>
+  </ds:schemaRefs>
+</ds:datastoreItem>
 </file>
 
-<file path=customXml/itemProps1.xml><?xml version="1.0" encoding="utf-8"?>
+<file path=customXml/itemProps3.xml><?xml version="1.0" encoding="utf-8"?>
 <ds:datastoreItem xmlns:ds="http://schemas.openxmlformats.org/officeDocument/2006/customXml" ds:itemID="{2D276E62-80A3-44DD-9BCC-97ED2B99B57F}">
   <ds:schemaRefs>
     <ds:schemaRef ds:uri="http://schemas.microsoft.com/office/2006/metadata/contentType"/>
@@ -14753,22 +23514,4 @@
     <ds:schemaRef ds:uri="http://schemas.microsoft.com/internal/obd"/>
   </ds:schemaRefs>
 </ds:datastoreItem>
-</file>
-
-<file path=customXml/itemProps2.xml><?xml version="1.0" encoding="utf-8"?>
-<ds:datastoreItem xmlns:ds="http://schemas.openxmlformats.org/officeDocument/2006/customXml" ds:itemID="{CDB58277-F8DF-46FF-84EC-EF41B835E69F}">
-  <ds:schemaRefs>
-    <ds:schemaRef ds:uri="http://schemas.microsoft.com/sharepoint/v3/contenttype/forms"/>
-  </ds:schemaRefs>
-</ds:datastoreItem>
-</file>
-
-<file path=customXml/itemProps3.xml><?xml version="1.0" encoding="utf-8"?>
-<ds:datastoreItem xmlns:ds="http://schemas.openxmlformats.org/officeDocument/2006/customXml" ds:itemID="{137651BA-F45C-4845-9AB3-E0A65B39F5E1}">
-  <ds:schemaRefs>
-    <ds:schemaRef ds:uri="http://schemas.microsoft.com/office/2006/metadata/properties"/>
-    <ds:schemaRef ds:uri="http://schemas.microsoft.com/office/infopath/2007/PartnerControls"/>
-    <ds:schemaRef ds:uri="71af3243-3dd4-4a8d-8c0d-dd76da1f02a5"/>
-  </ds:schemaRefs>
-</ds:datastoreItem>
 </file>
--- a/Presentations/14_04_2020/Modeling Attack Functions.pptx
+++ b/Presentations/14_04_2020/Modeling Attack Functions.pptx
@@ -17,17 +17,17 @@
     <p:sldId id="269" r:id="rId14"/>
     <p:sldId id="272" r:id="rId15"/>
     <p:sldId id="273" r:id="rId16"/>
-    <p:sldId id="274" r:id="rId17"/>
-    <p:sldId id="275" r:id="rId18"/>
-    <p:sldId id="271" r:id="rId19"/>
-    <p:sldId id="263" r:id="rId20"/>
-    <p:sldId id="264" r:id="rId21"/>
-    <p:sldId id="276" r:id="rId22"/>
-    <p:sldId id="277" r:id="rId23"/>
-    <p:sldId id="278" r:id="rId24"/>
-    <p:sldId id="279" r:id="rId25"/>
-    <p:sldId id="267" r:id="rId26"/>
-    <p:sldId id="270" r:id="rId27"/>
+    <p:sldId id="271" r:id="rId17"/>
+    <p:sldId id="263" r:id="rId18"/>
+    <p:sldId id="264" r:id="rId19"/>
+    <p:sldId id="276" r:id="rId20"/>
+    <p:sldId id="277" r:id="rId21"/>
+    <p:sldId id="280" r:id="rId22"/>
+    <p:sldId id="278" r:id="rId23"/>
+    <p:sldId id="279" r:id="rId24"/>
+    <p:sldId id="267" r:id="rId25"/>
+    <p:sldId id="270" r:id="rId26"/>
+    <p:sldId id="281" r:id="rId27"/>
   </p:sldIdLst>
   <p:sldSz cx="12192000" cy="6858000"/>
   <p:notesSz cx="6858000" cy="9144000"/>
@@ -13817,7 +13817,7 @@
           <a:p>
             <a:fld id="{EA0C0817-A112-4847-8014-A94B7D2A4EA3}" type="datetime1">
               <a:rPr lang="en-US" smtClean="0"/>
-              <a:t>4/10/2020</a:t>
+              <a:t>4/13/2020</a:t>
             </a:fld>
             <a:endParaRPr lang="en-US" dirty="0"/>
           </a:p>
@@ -14019,7 +14019,7 @@
           <a:p>
             <a:fld id="{7332B432-ACDA-4023-A761-2BAB76577B62}" type="datetime1">
               <a:rPr lang="en-US" smtClean="0"/>
-              <a:t>4/10/2020</a:t>
+              <a:t>4/13/2020</a:t>
             </a:fld>
             <a:endParaRPr lang="en-US" dirty="0"/>
           </a:p>
@@ -14618,7 +14618,7 @@
           <a:p>
             <a:fld id="{D9C646AA-F36E-4540-911D-FFFC0A0EF24A}" type="datetime1">
               <a:rPr lang="en-US" smtClean="0"/>
-              <a:t>4/10/2020</a:t>
+              <a:t>4/13/2020</a:t>
             </a:fld>
             <a:endParaRPr lang="en-US" dirty="0"/>
           </a:p>
@@ -14938,7 +14938,7 @@
           <a:p>
             <a:fld id="{69186D26-FA5F-4637-B602-B7C2DC34CFD4}" type="datetime1">
               <a:rPr lang="en-US" smtClean="0"/>
-              <a:t>4/10/2020</a:t>
+              <a:t>4/13/2020</a:t>
             </a:fld>
             <a:endParaRPr lang="en-US" dirty="0"/>
           </a:p>
@@ -15375,7 +15375,7 @@
           <a:p>
             <a:fld id="{8A7F15D8-96D1-4781-BC50-CA8A088B2FE4}" type="datetime1">
               <a:rPr lang="en-US" smtClean="0"/>
-              <a:t>4/10/2020</a:t>
+              <a:t>4/13/2020</a:t>
             </a:fld>
             <a:endParaRPr lang="en-US" dirty="0"/>
           </a:p>
@@ -15493,7 +15493,7 @@
           <a:p>
             <a:fld id="{F9A96C99-B8F8-4528-BD05-0E16E943DC09}" type="datetime1">
               <a:rPr lang="en-US" smtClean="0"/>
-              <a:t>4/10/2020</a:t>
+              <a:t>4/13/2020</a:t>
             </a:fld>
             <a:endParaRPr lang="en-US" dirty="0"/>
           </a:p>
@@ -15588,7 +15588,7 @@
           <a:p>
             <a:fld id="{03636942-C211-4B28-8DBD-C953E00AF71B}" type="datetime1">
               <a:rPr lang="en-US" smtClean="0"/>
-              <a:t>4/10/2020</a:t>
+              <a:t>4/13/2020</a:t>
             </a:fld>
             <a:endParaRPr lang="en-US" dirty="0"/>
           </a:p>
@@ -16005,7 +16005,7 @@
           <a:p>
             <a:fld id="{7E8D12A6-918A-48BD-8CB9-CA713993B0EA}" type="datetime1">
               <a:rPr lang="en-US" smtClean="0"/>
-              <a:t>4/10/2020</a:t>
+              <a:t>4/13/2020</a:t>
             </a:fld>
             <a:endParaRPr lang="en-US" dirty="0"/>
           </a:p>
@@ -16267,7 +16267,7 @@
             <a:fld id="{E778CE86-875F-4587-BCF6-FA054AFC0D53}" type="datetime1">
               <a:rPr lang="en-US" smtClean="0"/>
               <a:pPr/>
-              <a:t>4/10/2020</a:t>
+              <a:t>4/13/2020</a:t>
             </a:fld>
             <a:endParaRPr lang="en-US" dirty="0"/>
           </a:p>
@@ -16783,7 +16783,7 @@
           <a:p>
             <a:fld id="{F6FA2B21-3FCD-4721-B95C-427943F61125}" type="datetime1">
               <a:rPr lang="en-US" smtClean="0"/>
-              <a:t>4/10/2020</a:t>
+              <a:t>4/13/2020</a:t>
             </a:fld>
             <a:endParaRPr lang="en-US" dirty="0"/>
           </a:p>
@@ -17596,15 +17596,7 @@
             </a:pPr>
             <a:r>
               <a:rPr lang="en-US" dirty="0"/>
-              <a:t>Add “Attack Functions” to </a:t>
-            </a:r>
-            <a:r>
-              <a:rPr lang="en-US" dirty="0" err="1"/>
-              <a:t>cource</a:t>
-            </a:r>
-            <a:r>
-              <a:rPr lang="en-US" dirty="0"/>
-              <a:t> code</a:t>
+              <a:t>Add “Attack Functions” to source code</a:t>
             </a:r>
           </a:p>
           <a:p>
@@ -17776,7 +17768,35 @@
             <a:pPr algn="r"/>
             <a:r>
               <a:rPr lang="en-US" dirty="0"/>
-              <a:t>Attack Type: Rounding</a:t>
+              <a:t>Attack Types</a:t>
+            </a:r>
+          </a:p>
+        </p:txBody>
+      </p:sp>
+      <p:sp>
+        <p:nvSpPr>
+          <p:cNvPr id="3" name="Text Placeholder 2">
+            <a:extLst>
+              <a:ext uri="{FF2B5EF4-FFF2-40B4-BE49-F238E27FC236}">
+                <a16:creationId xmlns:a16="http://schemas.microsoft.com/office/drawing/2014/main" id="{EF2E181F-2777-4FB4-82EB-CB1C3D641265}"/>
+              </a:ext>
+            </a:extLst>
+          </p:cNvPr>
+          <p:cNvSpPr>
+            <a:spLocks noGrp="1"/>
+          </p:cNvSpPr>
+          <p:nvPr>
+            <p:ph type="body" idx="1"/>
+          </p:nvPr>
+        </p:nvSpPr>
+        <p:spPr/>
+        <p:txBody>
+          <a:bodyPr/>
+          <a:lstStyle/>
+          <a:p>
+            <a:r>
+              <a:rPr lang="en-US" dirty="0"/>
+              <a:t>Rounding Activations</a:t>
             </a:r>
           </a:p>
         </p:txBody>
@@ -17794,13 +17814,27 @@
             <a:spLocks noGrp="1"/>
           </p:cNvSpPr>
           <p:nvPr>
-            <p:ph sz="half" idx="1"/>
+            <p:ph sz="half" idx="2"/>
           </p:nvPr>
         </p:nvSpPr>
         <p:spPr/>
         <p:txBody>
-          <a:bodyPr/>
+          <a:bodyPr>
+            <a:normAutofit lnSpcReduction="10000"/>
+          </a:bodyPr>
           <a:lstStyle/>
+          <a:p>
+            <a:endParaRPr lang="en-US" dirty="0"/>
+          </a:p>
+          <a:p>
+            <a:endParaRPr lang="en-US" dirty="0"/>
+          </a:p>
+          <a:p>
+            <a:endParaRPr lang="en-US" dirty="0"/>
+          </a:p>
+          <a:p>
+            <a:endParaRPr lang="en-US" dirty="0"/>
+          </a:p>
           <a:p>
             <a:r>
               <a:rPr lang="en-US" dirty="0"/>
@@ -17808,6 +17842,9 @@
             </a:r>
           </a:p>
           <a:p>
+            <a:pPr marL="0" indent="0">
+              <a:buNone/>
+            </a:pPr>
             <a:endParaRPr lang="en-US" dirty="0"/>
           </a:p>
           <a:p>
@@ -17823,10 +17860,10 @@
       </p:sp>
       <p:sp>
         <p:nvSpPr>
-          <p:cNvPr id="6" name="Content Placeholder 5">
+          <p:cNvPr id="7" name="Text Placeholder 6">
             <a:extLst>
               <a:ext uri="{FF2B5EF4-FFF2-40B4-BE49-F238E27FC236}">
-                <a16:creationId xmlns:a16="http://schemas.microsoft.com/office/drawing/2014/main" id="{A4EC567A-36D1-4C8F-89C3-42B29ABFED57}"/>
+                <a16:creationId xmlns:a16="http://schemas.microsoft.com/office/drawing/2014/main" id="{9DA6F5BC-4BF4-4B58-B80E-72C72177D875}"/>
               </a:ext>
             </a:extLst>
           </p:cNvPr>
@@ -17834,7 +17871,7 @@
             <a:spLocks noGrp="1"/>
           </p:cNvSpPr>
           <p:nvPr>
-            <p:ph sz="half" idx="2"/>
+            <p:ph type="body" sz="quarter" idx="3"/>
           </p:nvPr>
         </p:nvSpPr>
         <p:spPr/>
@@ -17842,10 +17879,357 @@
           <a:bodyPr/>
           <a:lstStyle/>
           <a:p>
+            <a:r>
+              <a:rPr lang="en-US" dirty="0"/>
+              <a:t>Adding Noise to Activations</a:t>
+            </a:r>
+          </a:p>
+        </p:txBody>
+      </p:sp>
+      <p:pic>
+        <p:nvPicPr>
+          <p:cNvPr id="2" name="Content Placeholder 1">
+            <a:extLst>
+              <a:ext uri="{FF2B5EF4-FFF2-40B4-BE49-F238E27FC236}">
+                <a16:creationId xmlns:a16="http://schemas.microsoft.com/office/drawing/2014/main" id="{916CB85B-35CA-4E24-9058-B4E50B9E42CB}"/>
+              </a:ext>
+            </a:extLst>
+          </p:cNvPr>
+          <p:cNvPicPr>
+            <a:picLocks noGrp="1" noChangeAspect="1"/>
+          </p:cNvPicPr>
+          <p:nvPr>
+            <p:ph sz="quarter" idx="4"/>
+          </p:nvPr>
+        </p:nvPicPr>
+        <p:blipFill rotWithShape="1">
+          <a:blip r:embed="rId2"/>
+          <a:srcRect t="46506" r="72605" b="45221"/>
+          <a:stretch/>
+        </p:blipFill>
+        <p:spPr>
+          <a:xfrm>
+            <a:off x="1069848" y="2792472"/>
+            <a:ext cx="4663440" cy="834989"/>
+          </a:xfrm>
+          <a:prstGeom prst="rect">
+            <a:avLst/>
+          </a:prstGeom>
+        </p:spPr>
+      </p:pic>
+      <p:sp>
+        <p:nvSpPr>
+          <p:cNvPr id="8" name="Content Placeholder 4">
+            <a:extLst>
+              <a:ext uri="{FF2B5EF4-FFF2-40B4-BE49-F238E27FC236}">
+                <a16:creationId xmlns:a16="http://schemas.microsoft.com/office/drawing/2014/main" id="{4346899A-7A74-4558-9CFD-9832D50AA403}"/>
+              </a:ext>
+            </a:extLst>
+          </p:cNvPr>
+          <p:cNvSpPr txBox="1">
+            <a:spLocks/>
+          </p:cNvSpPr>
+          <p:nvPr/>
+        </p:nvSpPr>
+        <p:spPr>
+          <a:xfrm>
+            <a:off x="6458712" y="2714414"/>
+            <a:ext cx="4663440" cy="3163825"/>
+          </a:xfrm>
+          <a:prstGeom prst="rect">
+            <a:avLst/>
+          </a:prstGeom>
+        </p:spPr>
+        <p:txBody>
+          <a:bodyPr vert="horz" lIns="91440" tIns="45720" rIns="91440" bIns="45720" rtlCol="0">
+            <a:normAutofit/>
+          </a:bodyPr>
+          <a:lstStyle>
+            <a:lvl1pPr marL="182880" indent="-182880" algn="l" defTabSz="914400" rtl="0" eaLnBrk="1" latinLnBrk="0" hangingPunct="1">
+              <a:lnSpc>
+                <a:spcPct val="110000"/>
+              </a:lnSpc>
+              <a:spcBef>
+                <a:spcPts val="900"/>
+              </a:spcBef>
+              <a:spcAft>
+                <a:spcPts val="0"/>
+              </a:spcAft>
+              <a:buClr>
+                <a:schemeClr val="tx1">
+                  <a:lumMod val="85000"/>
+                  <a:lumOff val="15000"/>
+                </a:schemeClr>
+              </a:buClr>
+              <a:buFont typeface="Garamond" pitchFamily="18" charset="0"/>
+              <a:buChar char="◦"/>
+              <a:defRPr sz="1800" kern="1200">
+                <a:solidFill>
+                  <a:schemeClr val="tx1"/>
+                </a:solidFill>
+                <a:latin typeface="+mn-lt"/>
+                <a:ea typeface="+mn-ea"/>
+                <a:cs typeface="+mn-cs"/>
+              </a:defRPr>
+            </a:lvl1pPr>
+            <a:lvl2pPr marL="457200" indent="-182880" algn="l" defTabSz="914400" rtl="0" eaLnBrk="1" latinLnBrk="0" hangingPunct="1">
+              <a:lnSpc>
+                <a:spcPct val="100000"/>
+              </a:lnSpc>
+              <a:spcBef>
+                <a:spcPts val="500"/>
+              </a:spcBef>
+              <a:buClr>
+                <a:schemeClr val="tx1">
+                  <a:lumMod val="85000"/>
+                  <a:lumOff val="15000"/>
+                </a:schemeClr>
+              </a:buClr>
+              <a:buFont typeface="Garamond" pitchFamily="18" charset="0"/>
+              <a:buChar char="◦"/>
+              <a:defRPr sz="1600" kern="1200">
+                <a:solidFill>
+                  <a:schemeClr val="tx1"/>
+                </a:solidFill>
+                <a:latin typeface="+mn-lt"/>
+                <a:ea typeface="+mn-ea"/>
+                <a:cs typeface="+mn-cs"/>
+              </a:defRPr>
+            </a:lvl2pPr>
+            <a:lvl3pPr marL="731520" indent="-182880" algn="l" defTabSz="914400" rtl="0" eaLnBrk="1" latinLnBrk="0" hangingPunct="1">
+              <a:lnSpc>
+                <a:spcPct val="100000"/>
+              </a:lnSpc>
+              <a:spcBef>
+                <a:spcPts val="500"/>
+              </a:spcBef>
+              <a:buClr>
+                <a:schemeClr val="tx1">
+                  <a:lumMod val="85000"/>
+                  <a:lumOff val="15000"/>
+                </a:schemeClr>
+              </a:buClr>
+              <a:buFont typeface="Garamond" pitchFamily="18" charset="0"/>
+              <a:buChar char="◦"/>
+              <a:defRPr sz="1400" kern="1200">
+                <a:solidFill>
+                  <a:schemeClr val="tx1"/>
+                </a:solidFill>
+                <a:latin typeface="+mn-lt"/>
+                <a:ea typeface="+mn-ea"/>
+                <a:cs typeface="+mn-cs"/>
+              </a:defRPr>
+            </a:lvl3pPr>
+            <a:lvl4pPr marL="1005840" indent="-182880" algn="l" defTabSz="914400" rtl="0" eaLnBrk="1" latinLnBrk="0" hangingPunct="1">
+              <a:lnSpc>
+                <a:spcPct val="100000"/>
+              </a:lnSpc>
+              <a:spcBef>
+                <a:spcPts val="500"/>
+              </a:spcBef>
+              <a:buClr>
+                <a:schemeClr val="tx1">
+                  <a:lumMod val="85000"/>
+                  <a:lumOff val="15000"/>
+                </a:schemeClr>
+              </a:buClr>
+              <a:buFont typeface="Garamond" pitchFamily="18" charset="0"/>
+              <a:buChar char="◦"/>
+              <a:defRPr sz="1400" kern="1200">
+                <a:solidFill>
+                  <a:schemeClr val="tx1"/>
+                </a:solidFill>
+                <a:latin typeface="+mn-lt"/>
+                <a:ea typeface="+mn-ea"/>
+                <a:cs typeface="+mn-cs"/>
+              </a:defRPr>
+            </a:lvl4pPr>
+            <a:lvl5pPr marL="1280160" indent="-182880" algn="l" defTabSz="914400" rtl="0" eaLnBrk="1" latinLnBrk="0" hangingPunct="1">
+              <a:lnSpc>
+                <a:spcPct val="100000"/>
+              </a:lnSpc>
+              <a:spcBef>
+                <a:spcPts val="500"/>
+              </a:spcBef>
+              <a:buClr>
+                <a:schemeClr val="tx1">
+                  <a:lumMod val="85000"/>
+                  <a:lumOff val="15000"/>
+                </a:schemeClr>
+              </a:buClr>
+              <a:buFont typeface="Garamond" pitchFamily="18" charset="0"/>
+              <a:buChar char="◦"/>
+              <a:defRPr sz="1400" kern="1200">
+                <a:solidFill>
+                  <a:schemeClr val="tx1"/>
+                </a:solidFill>
+                <a:latin typeface="+mn-lt"/>
+                <a:ea typeface="+mn-ea"/>
+                <a:cs typeface="+mn-cs"/>
+              </a:defRPr>
+            </a:lvl5pPr>
+            <a:lvl6pPr marL="1600000" indent="-228600" algn="l" defTabSz="914400" rtl="0" eaLnBrk="1" latinLnBrk="0" hangingPunct="1">
+              <a:lnSpc>
+                <a:spcPct val="100000"/>
+              </a:lnSpc>
+              <a:spcBef>
+                <a:spcPts val="500"/>
+              </a:spcBef>
+              <a:buClr>
+                <a:schemeClr val="tx1">
+                  <a:lumMod val="85000"/>
+                  <a:lumOff val="15000"/>
+                </a:schemeClr>
+              </a:buClr>
+              <a:buFont typeface="Garamond" pitchFamily="18" charset="0"/>
+              <a:buChar char="◦"/>
+              <a:defRPr sz="1400" kern="1200">
+                <a:solidFill>
+                  <a:schemeClr val="tx1"/>
+                </a:solidFill>
+                <a:latin typeface="+mn-lt"/>
+                <a:ea typeface="+mn-ea"/>
+                <a:cs typeface="+mn-cs"/>
+              </a:defRPr>
+            </a:lvl6pPr>
+            <a:lvl7pPr marL="1900000" indent="-228600" algn="l" defTabSz="914400" rtl="0" eaLnBrk="1" latinLnBrk="0" hangingPunct="1">
+              <a:lnSpc>
+                <a:spcPct val="100000"/>
+              </a:lnSpc>
+              <a:spcBef>
+                <a:spcPts val="500"/>
+              </a:spcBef>
+              <a:buClr>
+                <a:schemeClr val="tx1">
+                  <a:lumMod val="85000"/>
+                  <a:lumOff val="15000"/>
+                </a:schemeClr>
+              </a:buClr>
+              <a:buFont typeface="Garamond" pitchFamily="18" charset="0"/>
+              <a:buChar char="◦"/>
+              <a:defRPr sz="1400" kern="1200">
+                <a:solidFill>
+                  <a:schemeClr val="tx1"/>
+                </a:solidFill>
+                <a:latin typeface="+mn-lt"/>
+                <a:ea typeface="+mn-ea"/>
+                <a:cs typeface="+mn-cs"/>
+              </a:defRPr>
+            </a:lvl7pPr>
+            <a:lvl8pPr marL="2200000" indent="-228600" algn="l" defTabSz="914400" rtl="0" eaLnBrk="1" latinLnBrk="0" hangingPunct="1">
+              <a:lnSpc>
+                <a:spcPct val="100000"/>
+              </a:lnSpc>
+              <a:spcBef>
+                <a:spcPts val="500"/>
+              </a:spcBef>
+              <a:buClr>
+                <a:schemeClr val="tx1">
+                  <a:lumMod val="85000"/>
+                  <a:lumOff val="15000"/>
+                </a:schemeClr>
+              </a:buClr>
+              <a:buFont typeface="Garamond" pitchFamily="18" charset="0"/>
+              <a:buChar char="◦"/>
+              <a:defRPr sz="1400" kern="1200">
+                <a:solidFill>
+                  <a:schemeClr val="tx1"/>
+                </a:solidFill>
+                <a:latin typeface="+mn-lt"/>
+                <a:ea typeface="+mn-ea"/>
+                <a:cs typeface="+mn-cs"/>
+              </a:defRPr>
+            </a:lvl8pPr>
+            <a:lvl9pPr marL="2500000" indent="-228600" algn="l" defTabSz="914400" rtl="0" eaLnBrk="1" latinLnBrk="0" hangingPunct="1">
+              <a:lnSpc>
+                <a:spcPct val="100000"/>
+              </a:lnSpc>
+              <a:spcBef>
+                <a:spcPts val="500"/>
+              </a:spcBef>
+              <a:buClr>
+                <a:schemeClr val="tx1">
+                  <a:lumMod val="85000"/>
+                  <a:lumOff val="15000"/>
+                </a:schemeClr>
+              </a:buClr>
+              <a:buFont typeface="Garamond" pitchFamily="18" charset="0"/>
+              <a:buChar char="◦"/>
+              <a:defRPr sz="1400" kern="1200">
+                <a:solidFill>
+                  <a:schemeClr val="tx1"/>
+                </a:solidFill>
+                <a:latin typeface="+mn-lt"/>
+                <a:ea typeface="+mn-ea"/>
+                <a:cs typeface="+mn-cs"/>
+              </a:defRPr>
+            </a:lvl9pPr>
+          </a:lstStyle>
+          <a:p>
+            <a:endParaRPr lang="en-US" dirty="0"/>
+          </a:p>
+          <a:p>
+            <a:endParaRPr lang="en-US" dirty="0"/>
+          </a:p>
+          <a:p>
+            <a:endParaRPr lang="en-US" dirty="0"/>
+          </a:p>
+          <a:p>
+            <a:endParaRPr lang="en-US" dirty="0"/>
+          </a:p>
+          <a:p>
+            <a:r>
+              <a:rPr lang="en-US" dirty="0"/>
+              <a:t>Add noise drawn from Gaussian</a:t>
+            </a:r>
+          </a:p>
+          <a:p>
+            <a:pPr marL="0" indent="0">
+              <a:buFont typeface="Garamond" pitchFamily="18" charset="0"/>
+              <a:buNone/>
+            </a:pPr>
+            <a:endParaRPr lang="en-US" dirty="0"/>
+          </a:p>
+          <a:p>
+            <a:r>
+              <a:rPr lang="en-US" dirty="0"/>
+              <a:t>Mean = 0, Variance = 1</a:t>
+            </a:r>
+          </a:p>
+          <a:p>
             <a:endParaRPr lang="en-US" dirty="0"/>
           </a:p>
         </p:txBody>
       </p:sp>
+      <p:pic>
+        <p:nvPicPr>
+          <p:cNvPr id="9" name="Picture 8">
+            <a:extLst>
+              <a:ext uri="{FF2B5EF4-FFF2-40B4-BE49-F238E27FC236}">
+                <a16:creationId xmlns:a16="http://schemas.microsoft.com/office/drawing/2014/main" id="{57938AD1-A6CB-48A7-8AED-91057940D510}"/>
+              </a:ext>
+            </a:extLst>
+          </p:cNvPr>
+          <p:cNvPicPr>
+            <a:picLocks noChangeAspect="1"/>
+          </p:cNvPicPr>
+          <p:nvPr/>
+        </p:nvPicPr>
+        <p:blipFill rotWithShape="1">
+          <a:blip r:embed="rId3"/>
+          <a:srcRect t="60544" r="75752" b="30685"/>
+          <a:stretch/>
+        </p:blipFill>
+        <p:spPr>
+          <a:xfrm>
+            <a:off x="6458712" y="2792472"/>
+            <a:ext cx="4663440" cy="834989"/>
+          </a:xfrm>
+          <a:prstGeom prst="rect">
+            <a:avLst/>
+          </a:prstGeom>
+        </p:spPr>
+      </p:pic>
     </p:spTree>
     <p:extLst>
       <p:ext uri="{BB962C8B-B14F-4D97-AF65-F5344CB8AC3E}">
@@ -17860,255 +18244,6 @@
 </file>
 
 <file path=ppt/slides/slide13.xml><?xml version="1.0" encoding="utf-8"?>
-<p:sld xmlns:a="http://schemas.openxmlformats.org/drawingml/2006/main" xmlns:r="http://schemas.openxmlformats.org/officeDocument/2006/relationships" xmlns:p="http://schemas.openxmlformats.org/presentationml/2006/main">
-  <p:cSld>
-    <p:spTree>
-      <p:nvGrpSpPr>
-        <p:cNvPr id="1" name=""/>
-        <p:cNvGrpSpPr/>
-        <p:nvPr/>
-      </p:nvGrpSpPr>
-      <p:grpSpPr>
-        <a:xfrm>
-          <a:off x="0" y="0"/>
-          <a:ext cx="0" cy="0"/>
-          <a:chOff x="0" y="0"/>
-          <a:chExt cx="0" cy="0"/>
-        </a:xfrm>
-      </p:grpSpPr>
-      <p:sp>
-        <p:nvSpPr>
-          <p:cNvPr id="2" name="Title 1">
-            <a:extLst>
-              <a:ext uri="{FF2B5EF4-FFF2-40B4-BE49-F238E27FC236}">
-                <a16:creationId xmlns:a16="http://schemas.microsoft.com/office/drawing/2014/main" id="{78D317EF-9B78-421D-AA07-50CA5637F07B}"/>
-              </a:ext>
-            </a:extLst>
-          </p:cNvPr>
-          <p:cNvSpPr>
-            <a:spLocks noGrp="1"/>
-          </p:cNvSpPr>
-          <p:nvPr>
-            <p:ph type="title"/>
-          </p:nvPr>
-        </p:nvSpPr>
-        <p:spPr/>
-        <p:txBody>
-          <a:bodyPr/>
-          <a:lstStyle/>
-          <a:p>
-            <a:r>
-              <a:rPr lang="en-US" dirty="0"/>
-              <a:t>Attack Type: Bit Swap</a:t>
-            </a:r>
-          </a:p>
-        </p:txBody>
-      </p:sp>
-      <p:sp>
-        <p:nvSpPr>
-          <p:cNvPr id="3" name="Content Placeholder 2">
-            <a:extLst>
-              <a:ext uri="{FF2B5EF4-FFF2-40B4-BE49-F238E27FC236}">
-                <a16:creationId xmlns:a16="http://schemas.microsoft.com/office/drawing/2014/main" id="{5B2F37F0-2CD5-47D0-83DF-3C7ADA17C373}"/>
-              </a:ext>
-            </a:extLst>
-          </p:cNvPr>
-          <p:cNvSpPr>
-            <a:spLocks noGrp="1"/>
-          </p:cNvSpPr>
-          <p:nvPr>
-            <p:ph sz="half" idx="1"/>
-          </p:nvPr>
-        </p:nvSpPr>
-        <p:spPr/>
-        <p:txBody>
-          <a:bodyPr/>
-          <a:lstStyle/>
-          <a:p>
-            <a:endParaRPr lang="en-US"/>
-          </a:p>
-        </p:txBody>
-      </p:sp>
-      <p:sp>
-        <p:nvSpPr>
-          <p:cNvPr id="4" name="Content Placeholder 3">
-            <a:extLst>
-              <a:ext uri="{FF2B5EF4-FFF2-40B4-BE49-F238E27FC236}">
-                <a16:creationId xmlns:a16="http://schemas.microsoft.com/office/drawing/2014/main" id="{1E722C21-3DAE-44AA-AA00-C17BF841D081}"/>
-              </a:ext>
-            </a:extLst>
-          </p:cNvPr>
-          <p:cNvSpPr>
-            <a:spLocks noGrp="1"/>
-          </p:cNvSpPr>
-          <p:nvPr>
-            <p:ph sz="half" idx="2"/>
-          </p:nvPr>
-        </p:nvSpPr>
-        <p:spPr/>
-        <p:txBody>
-          <a:bodyPr/>
-          <a:lstStyle/>
-          <a:p>
-            <a:endParaRPr lang="en-US" dirty="0"/>
-          </a:p>
-          <a:p>
-            <a:r>
-              <a:rPr lang="en-US" dirty="0"/>
-              <a:t>Convert floating-point number to binary representation</a:t>
-            </a:r>
-          </a:p>
-          <a:p>
-            <a:endParaRPr lang="en-US" dirty="0"/>
-          </a:p>
-          <a:p>
-            <a:r>
-              <a:rPr lang="en-US" dirty="0"/>
-              <a:t>Chose two bits at random, switch them</a:t>
-            </a:r>
-          </a:p>
-          <a:p>
-            <a:endParaRPr lang="en-US" dirty="0"/>
-          </a:p>
-          <a:p>
-            <a:r>
-              <a:rPr lang="en-US" dirty="0"/>
-              <a:t>Attack at a </a:t>
-            </a:r>
-            <a:r>
-              <a:rPr lang="en-US" i="1" dirty="0"/>
-              <a:t>very </a:t>
-            </a:r>
-            <a:r>
-              <a:rPr lang="en-US" dirty="0"/>
-              <a:t>low level</a:t>
-            </a:r>
-          </a:p>
-        </p:txBody>
-      </p:sp>
-    </p:spTree>
-    <p:extLst>
-      <p:ext uri="{BB962C8B-B14F-4D97-AF65-F5344CB8AC3E}">
-        <p14:creationId xmlns:p14="http://schemas.microsoft.com/office/powerpoint/2010/main" val="168063317"/>
-      </p:ext>
-    </p:extLst>
-  </p:cSld>
-  <p:clrMapOvr>
-    <a:masterClrMapping/>
-  </p:clrMapOvr>
-</p:sld>
-</file>
-
-<file path=ppt/slides/slide14.xml><?xml version="1.0" encoding="utf-8"?>
-<p:sld xmlns:a="http://schemas.openxmlformats.org/drawingml/2006/main" xmlns:r="http://schemas.openxmlformats.org/officeDocument/2006/relationships" xmlns:p="http://schemas.openxmlformats.org/presentationml/2006/main">
-  <p:cSld>
-    <p:spTree>
-      <p:nvGrpSpPr>
-        <p:cNvPr id="1" name=""/>
-        <p:cNvGrpSpPr/>
-        <p:nvPr/>
-      </p:nvGrpSpPr>
-      <p:grpSpPr>
-        <a:xfrm>
-          <a:off x="0" y="0"/>
-          <a:ext cx="0" cy="0"/>
-          <a:chOff x="0" y="0"/>
-          <a:chExt cx="0" cy="0"/>
-        </a:xfrm>
-      </p:grpSpPr>
-      <p:sp>
-        <p:nvSpPr>
-          <p:cNvPr id="2" name="Title 1">
-            <a:extLst>
-              <a:ext uri="{FF2B5EF4-FFF2-40B4-BE49-F238E27FC236}">
-                <a16:creationId xmlns:a16="http://schemas.microsoft.com/office/drawing/2014/main" id="{68CDC199-6C69-4254-AB19-DD36B1B778BB}"/>
-              </a:ext>
-            </a:extLst>
-          </p:cNvPr>
-          <p:cNvSpPr>
-            <a:spLocks noGrp="1"/>
-          </p:cNvSpPr>
-          <p:nvPr>
-            <p:ph type="title"/>
-          </p:nvPr>
-        </p:nvSpPr>
-        <p:spPr/>
-        <p:txBody>
-          <a:bodyPr/>
-          <a:lstStyle/>
-          <a:p>
-            <a:pPr algn="r"/>
-            <a:r>
-              <a:rPr lang="en-US" dirty="0"/>
-              <a:t>Attack Type: Mute</a:t>
-            </a:r>
-          </a:p>
-        </p:txBody>
-      </p:sp>
-      <p:sp>
-        <p:nvSpPr>
-          <p:cNvPr id="3" name="Content Placeholder 2">
-            <a:extLst>
-              <a:ext uri="{FF2B5EF4-FFF2-40B4-BE49-F238E27FC236}">
-                <a16:creationId xmlns:a16="http://schemas.microsoft.com/office/drawing/2014/main" id="{70B96955-0368-4BCE-B8ED-0129D13B2004}"/>
-              </a:ext>
-            </a:extLst>
-          </p:cNvPr>
-          <p:cNvSpPr>
-            <a:spLocks noGrp="1"/>
-          </p:cNvSpPr>
-          <p:nvPr>
-            <p:ph sz="half" idx="1"/>
-          </p:nvPr>
-        </p:nvSpPr>
-        <p:spPr/>
-        <p:txBody>
-          <a:bodyPr/>
-          <a:lstStyle/>
-          <a:p>
-            <a:endParaRPr lang="en-US"/>
-          </a:p>
-        </p:txBody>
-      </p:sp>
-      <p:sp>
-        <p:nvSpPr>
-          <p:cNvPr id="4" name="Content Placeholder 3">
-            <a:extLst>
-              <a:ext uri="{FF2B5EF4-FFF2-40B4-BE49-F238E27FC236}">
-                <a16:creationId xmlns:a16="http://schemas.microsoft.com/office/drawing/2014/main" id="{907CA4B8-7C68-4B21-8F48-64E28AC02BA4}"/>
-              </a:ext>
-            </a:extLst>
-          </p:cNvPr>
-          <p:cNvSpPr>
-            <a:spLocks noGrp="1"/>
-          </p:cNvSpPr>
-          <p:nvPr>
-            <p:ph sz="half" idx="2"/>
-          </p:nvPr>
-        </p:nvSpPr>
-        <p:spPr/>
-        <p:txBody>
-          <a:bodyPr/>
-          <a:lstStyle/>
-          <a:p>
-            <a:endParaRPr lang="en-US"/>
-          </a:p>
-        </p:txBody>
-      </p:sp>
-    </p:spTree>
-    <p:extLst>
-      <p:ext uri="{BB962C8B-B14F-4D97-AF65-F5344CB8AC3E}">
-        <p14:creationId xmlns:p14="http://schemas.microsoft.com/office/powerpoint/2010/main" val="2232618348"/>
-      </p:ext>
-    </p:extLst>
-  </p:cSld>
-  <p:clrMapOvr>
-    <a:masterClrMapping/>
-  </p:clrMapOvr>
-</p:sld>
-</file>
-
-<file path=ppt/slides/slide15.xml><?xml version="1.0" encoding="utf-8"?>
 <p:sld xmlns:a="http://schemas.openxmlformats.org/drawingml/2006/main" xmlns:r="http://schemas.openxmlformats.org/officeDocument/2006/relationships" xmlns:p="http://schemas.openxmlformats.org/presentationml/2006/main">
   <p:cSld>
     <p:spTree>
@@ -18204,7 +18339,7 @@
 </p:sld>
 </file>
 
-<file path=ppt/slides/slide16.xml><?xml version="1.0" encoding="utf-8"?>
+<file path=ppt/slides/slide14.xml><?xml version="1.0" encoding="utf-8"?>
 <p:sld xmlns:a="http://schemas.openxmlformats.org/drawingml/2006/main" xmlns:r="http://schemas.openxmlformats.org/officeDocument/2006/relationships" xmlns:p="http://schemas.openxmlformats.org/presentationml/2006/main">
   <p:cSld>
     <p:spTree>
@@ -18290,7 +18425,7 @@
 </p:sld>
 </file>
 
-<file path=ppt/slides/slide17.xml><?xml version="1.0" encoding="utf-8"?>
+<file path=ppt/slides/slide15.xml><?xml version="1.0" encoding="utf-8"?>
 <p:sld xmlns:a="http://schemas.openxmlformats.org/drawingml/2006/main" xmlns:r="http://schemas.openxmlformats.org/officeDocument/2006/relationships" xmlns:p="http://schemas.openxmlformats.org/presentationml/2006/main">
   <p:cSld>
     <p:spTree>
@@ -19452,7 +19587,7 @@
 </p:sld>
 </file>
 
-<file path=ppt/slides/slide18.xml><?xml version="1.0" encoding="utf-8"?>
+<file path=ppt/slides/slide16.xml><?xml version="1.0" encoding="utf-8"?>
 <p:sld xmlns:a="http://schemas.openxmlformats.org/drawingml/2006/main" xmlns:r="http://schemas.openxmlformats.org/officeDocument/2006/relationships" xmlns:p="http://schemas.openxmlformats.org/presentationml/2006/main">
   <p:cSld>
     <p:spTree>
@@ -19608,7 +19743,7 @@
 </p:sld>
 </file>
 
-<file path=ppt/slides/slide19.xml><?xml version="1.0" encoding="utf-8"?>
+<file path=ppt/slides/slide17.xml><?xml version="1.0" encoding="utf-8"?>
 <p:sld xmlns:a="http://schemas.openxmlformats.org/drawingml/2006/main" xmlns:r="http://schemas.openxmlformats.org/officeDocument/2006/relationships" xmlns:p="http://schemas.openxmlformats.org/presentationml/2006/main">
   <p:cSld>
     <p:spTree>
@@ -19753,7 +19888,7 @@
 </p:sld>
 </file>
 
-<file path=ppt/slides/slide2.xml><?xml version="1.0" encoding="utf-8"?>
+<file path=ppt/slides/slide18.xml><?xml version="1.0" encoding="utf-8"?>
 <p:sld xmlns:a="http://schemas.openxmlformats.org/drawingml/2006/main" xmlns:r="http://schemas.openxmlformats.org/officeDocument/2006/relationships" xmlns:p="http://schemas.openxmlformats.org/presentationml/2006/main">
   <p:cSld>
     <p:spTree>
@@ -19775,7 +19910,7 @@
           <p:cNvPr id="2" name="Title 1">
             <a:extLst>
               <a:ext uri="{FF2B5EF4-FFF2-40B4-BE49-F238E27FC236}">
-                <a16:creationId xmlns:a16="http://schemas.microsoft.com/office/drawing/2014/main" id="{6065D779-D08D-438A-8494-D4CC5572197E}"/>
+                <a16:creationId xmlns:a16="http://schemas.microsoft.com/office/drawing/2014/main" id="{8B55CEED-E90B-4DBD-9FE2-2C18D5A1F730}"/>
               </a:ext>
             </a:extLst>
           </p:cNvPr>
@@ -19793,17 +19928,17 @@
           <a:p>
             <a:r>
               <a:rPr lang="en-US" dirty="0"/>
-              <a:t>The mathematical model</a:t>
+              <a:t>Model Iterations to Train</a:t>
             </a:r>
           </a:p>
         </p:txBody>
       </p:sp>
       <p:sp>
         <p:nvSpPr>
-          <p:cNvPr id="3" name="Text Placeholder 2">
+          <p:cNvPr id="3" name="Content Placeholder 2">
             <a:extLst>
               <a:ext uri="{FF2B5EF4-FFF2-40B4-BE49-F238E27FC236}">
-                <a16:creationId xmlns:a16="http://schemas.microsoft.com/office/drawing/2014/main" id="{9F7A1726-C0F7-49AE-ACD2-F055789FBCA5}"/>
+                <a16:creationId xmlns:a16="http://schemas.microsoft.com/office/drawing/2014/main" id="{70405998-A30C-40EF-A8C7-2ED9CC2C8750}"/>
               </a:ext>
             </a:extLst>
           </p:cNvPr>
@@ -19811,7 +19946,7 @@
             <a:spLocks noGrp="1"/>
           </p:cNvSpPr>
           <p:nvPr>
-            <p:ph type="body" idx="1"/>
+            <p:ph idx="1"/>
           </p:nvPr>
         </p:nvSpPr>
         <p:spPr/>
@@ -19823,10 +19958,72 @@
           </a:p>
         </p:txBody>
       </p:sp>
+      <p:sp>
+        <p:nvSpPr>
+          <p:cNvPr id="4" name="Text Placeholder 3">
+            <a:extLst>
+              <a:ext uri="{FF2B5EF4-FFF2-40B4-BE49-F238E27FC236}">
+                <a16:creationId xmlns:a16="http://schemas.microsoft.com/office/drawing/2014/main" id="{DBAB0999-C050-4BD8-8DCE-0E1F17F489C0}"/>
+              </a:ext>
+            </a:extLst>
+          </p:cNvPr>
+          <p:cNvSpPr>
+            <a:spLocks noGrp="1"/>
+          </p:cNvSpPr>
+          <p:nvPr>
+            <p:ph type="body" sz="half" idx="2"/>
+          </p:nvPr>
+        </p:nvSpPr>
+        <p:spPr/>
+        <p:txBody>
+          <a:bodyPr/>
+          <a:lstStyle/>
+          <a:p>
+            <a:endParaRPr lang="en-US" dirty="0"/>
+          </a:p>
+          <a:p>
+            <a:pPr marL="285750" indent="-285750">
+              <a:buFont typeface="Arial" panose="020B0604020202020204" pitchFamily="34" charset="0"/>
+              <a:buChar char="•"/>
+            </a:pPr>
+            <a:r>
+              <a:rPr lang="en-US" dirty="0"/>
+              <a:t>For 20,40,60,80,100,120 neurons</a:t>
+            </a:r>
+          </a:p>
+          <a:p>
+            <a:pPr marL="285750" indent="-285750">
+              <a:buFont typeface="Arial" panose="020B0604020202020204" pitchFamily="34" charset="0"/>
+              <a:buChar char="•"/>
+            </a:pPr>
+            <a:endParaRPr lang="en-US" dirty="0"/>
+          </a:p>
+          <a:p>
+            <a:pPr marL="285750" indent="-285750">
+              <a:buFont typeface="Arial" panose="020B0604020202020204" pitchFamily="34" charset="0"/>
+              <a:buChar char="•"/>
+            </a:pPr>
+            <a:r>
+              <a:rPr lang="en-US" dirty="0"/>
+              <a:t>Times based on average of 100 models</a:t>
+            </a:r>
+          </a:p>
+          <a:p>
+            <a:pPr marL="285750" indent="-285750">
+              <a:buFont typeface="Arial" panose="020B0604020202020204" pitchFamily="34" charset="0"/>
+              <a:buChar char="•"/>
+            </a:pPr>
+            <a:endParaRPr lang="en-US" dirty="0"/>
+          </a:p>
+          <a:p>
+            <a:endParaRPr lang="en-US" dirty="0"/>
+          </a:p>
+        </p:txBody>
+      </p:sp>
     </p:spTree>
     <p:extLst>
       <p:ext uri="{BB962C8B-B14F-4D97-AF65-F5344CB8AC3E}">
-        <p14:creationId xmlns:p14="http://schemas.microsoft.com/office/powerpoint/2010/main" val="2341642999"/>
+        <p14:creationId xmlns:p14="http://schemas.microsoft.com/office/powerpoint/2010/main" val="714133562"/>
       </p:ext>
     </p:extLst>
   </p:cSld>
@@ -19836,7 +20033,7 @@
 </p:sld>
 </file>
 
-<file path=ppt/slides/slide20.xml><?xml version="1.0" encoding="utf-8"?>
+<file path=ppt/slides/slide19.xml><?xml version="1.0" encoding="utf-8"?>
 <p:sld xmlns:a="http://schemas.openxmlformats.org/drawingml/2006/main" xmlns:r="http://schemas.openxmlformats.org/officeDocument/2006/relationships" xmlns:p="http://schemas.openxmlformats.org/presentationml/2006/main">
   <p:cSld>
     <p:spTree>
@@ -19993,7 +20190,90 @@
 </p:sld>
 </file>
 
-<file path=ppt/slides/slide21.xml><?xml version="1.0" encoding="utf-8"?>
+<file path=ppt/slides/slide2.xml><?xml version="1.0" encoding="utf-8"?>
+<p:sld xmlns:a="http://schemas.openxmlformats.org/drawingml/2006/main" xmlns:r="http://schemas.openxmlformats.org/officeDocument/2006/relationships" xmlns:p="http://schemas.openxmlformats.org/presentationml/2006/main">
+  <p:cSld>
+    <p:spTree>
+      <p:nvGrpSpPr>
+        <p:cNvPr id="1" name=""/>
+        <p:cNvGrpSpPr/>
+        <p:nvPr/>
+      </p:nvGrpSpPr>
+      <p:grpSpPr>
+        <a:xfrm>
+          <a:off x="0" y="0"/>
+          <a:ext cx="0" cy="0"/>
+          <a:chOff x="0" y="0"/>
+          <a:chExt cx="0" cy="0"/>
+        </a:xfrm>
+      </p:grpSpPr>
+      <p:sp>
+        <p:nvSpPr>
+          <p:cNvPr id="2" name="Title 1">
+            <a:extLst>
+              <a:ext uri="{FF2B5EF4-FFF2-40B4-BE49-F238E27FC236}">
+                <a16:creationId xmlns:a16="http://schemas.microsoft.com/office/drawing/2014/main" id="{6065D779-D08D-438A-8494-D4CC5572197E}"/>
+              </a:ext>
+            </a:extLst>
+          </p:cNvPr>
+          <p:cNvSpPr>
+            <a:spLocks noGrp="1"/>
+          </p:cNvSpPr>
+          <p:nvPr>
+            <p:ph type="title"/>
+          </p:nvPr>
+        </p:nvSpPr>
+        <p:spPr/>
+        <p:txBody>
+          <a:bodyPr/>
+          <a:lstStyle/>
+          <a:p>
+            <a:r>
+              <a:rPr lang="en-US" dirty="0"/>
+              <a:t>The mathematical model</a:t>
+            </a:r>
+          </a:p>
+        </p:txBody>
+      </p:sp>
+      <p:sp>
+        <p:nvSpPr>
+          <p:cNvPr id="3" name="Text Placeholder 2">
+            <a:extLst>
+              <a:ext uri="{FF2B5EF4-FFF2-40B4-BE49-F238E27FC236}">
+                <a16:creationId xmlns:a16="http://schemas.microsoft.com/office/drawing/2014/main" id="{9F7A1726-C0F7-49AE-ACD2-F055789FBCA5}"/>
+              </a:ext>
+            </a:extLst>
+          </p:cNvPr>
+          <p:cNvSpPr>
+            <a:spLocks noGrp="1"/>
+          </p:cNvSpPr>
+          <p:nvPr>
+            <p:ph type="body" idx="1"/>
+          </p:nvPr>
+        </p:nvSpPr>
+        <p:spPr/>
+        <p:txBody>
+          <a:bodyPr/>
+          <a:lstStyle/>
+          <a:p>
+            <a:endParaRPr lang="en-US"/>
+          </a:p>
+        </p:txBody>
+      </p:sp>
+    </p:spTree>
+    <p:extLst>
+      <p:ext uri="{BB962C8B-B14F-4D97-AF65-F5344CB8AC3E}">
+        <p14:creationId xmlns:p14="http://schemas.microsoft.com/office/powerpoint/2010/main" val="2341642999"/>
+      </p:ext>
+    </p:extLst>
+  </p:cSld>
+  <p:clrMapOvr>
+    <a:masterClrMapping/>
+  </p:clrMapOvr>
+</p:sld>
+</file>
+
+<file path=ppt/slides/slide20.xml><?xml version="1.0" encoding="utf-8"?>
 <p:sld xmlns:a="http://schemas.openxmlformats.org/drawingml/2006/main" xmlns:r="http://schemas.openxmlformats.org/officeDocument/2006/relationships" xmlns:p="http://schemas.openxmlformats.org/presentationml/2006/main">
   <p:cSld>
     <p:spTree>
@@ -20150,7 +20430,7 @@
 </p:sld>
 </file>
 
-<file path=ppt/slides/slide22.xml><?xml version="1.0" encoding="utf-8"?>
+<file path=ppt/slides/slide21.xml><?xml version="1.0" encoding="utf-8"?>
 <p:sld xmlns:a="http://schemas.openxmlformats.org/drawingml/2006/main" xmlns:r="http://schemas.openxmlformats.org/officeDocument/2006/relationships" xmlns:p="http://schemas.openxmlformats.org/presentationml/2006/main">
   <p:cSld>
     <p:spTree>
@@ -20236,7 +20516,7 @@
 </p:sld>
 </file>
 
-<file path=ppt/slides/slide23.xml><?xml version="1.0" encoding="utf-8"?>
+<file path=ppt/slides/slide22.xml><?xml version="1.0" encoding="utf-8"?>
 <p:sld xmlns:a="http://schemas.openxmlformats.org/drawingml/2006/main" xmlns:r="http://schemas.openxmlformats.org/officeDocument/2006/relationships" xmlns:p="http://schemas.openxmlformats.org/presentationml/2006/main">
   <p:cSld>
     <p:spTree>
@@ -20281,8 +20561,8 @@
           </a:p>
         </p:txBody>
       </p:sp>
-      <mc:AlternateContent xmlns:mc="http://schemas.openxmlformats.org/markup-compatibility/2006">
-        <mc:Choice xmlns:a14="http://schemas.microsoft.com/office/drawing/2010/main" Requires="a14">
+      <mc:AlternateContent xmlns:mc="http://schemas.openxmlformats.org/markup-compatibility/2006" xmlns:a14="http://schemas.microsoft.com/office/drawing/2010/main">
+        <mc:Choice Requires="a14">
           <p:sp>
             <p:nvSpPr>
               <p:cNvPr id="5" name="Content Placeholder 4">
@@ -20697,7 +20977,7 @@
             </p:txBody>
           </p:sp>
         </mc:Choice>
-        <mc:Fallback>
+        <mc:Fallback xmlns="">
           <p:sp>
             <p:nvSpPr>
               <p:cNvPr id="5" name="Content Placeholder 4">
@@ -20737,8 +21017,8 @@
           </p:sp>
         </mc:Fallback>
       </mc:AlternateContent>
-      <mc:AlternateContent xmlns:mc="http://schemas.openxmlformats.org/markup-compatibility/2006">
-        <mc:Choice xmlns:a14="http://schemas.microsoft.com/office/drawing/2010/main" Requires="a14">
+      <mc:AlternateContent xmlns:mc="http://schemas.openxmlformats.org/markup-compatibility/2006" xmlns:a14="http://schemas.microsoft.com/office/drawing/2010/main">
+        <mc:Choice Requires="a14">
           <p:sp>
             <p:nvSpPr>
               <p:cNvPr id="6" name="Text Placeholder 5">
@@ -20910,7 +21190,7 @@
             </p:txBody>
           </p:sp>
         </mc:Choice>
-        <mc:Fallback>
+        <mc:Fallback xmlns="">
           <p:sp>
             <p:nvSpPr>
               <p:cNvPr id="6" name="Text Placeholder 5">
@@ -20954,6 +21234,92 @@
     <p:extLst>
       <p:ext uri="{BB962C8B-B14F-4D97-AF65-F5344CB8AC3E}">
         <p14:creationId xmlns:p14="http://schemas.microsoft.com/office/powerpoint/2010/main" val="2327998078"/>
+      </p:ext>
+    </p:extLst>
+  </p:cSld>
+  <p:clrMapOvr>
+    <a:masterClrMapping/>
+  </p:clrMapOvr>
+</p:sld>
+</file>
+
+<file path=ppt/slides/slide23.xml><?xml version="1.0" encoding="utf-8"?>
+<p:sld xmlns:a="http://schemas.openxmlformats.org/drawingml/2006/main" xmlns:r="http://schemas.openxmlformats.org/officeDocument/2006/relationships" xmlns:p="http://schemas.openxmlformats.org/presentationml/2006/main">
+  <p:cSld>
+    <p:spTree>
+      <p:nvGrpSpPr>
+        <p:cNvPr id="1" name=""/>
+        <p:cNvGrpSpPr/>
+        <p:nvPr/>
+      </p:nvGrpSpPr>
+      <p:grpSpPr>
+        <a:xfrm>
+          <a:off x="0" y="0"/>
+          <a:ext cx="0" cy="0"/>
+          <a:chOff x="0" y="0"/>
+          <a:chExt cx="0" cy="0"/>
+        </a:xfrm>
+      </p:grpSpPr>
+      <p:sp>
+        <p:nvSpPr>
+          <p:cNvPr id="2" name="Title 1">
+            <a:extLst>
+              <a:ext uri="{FF2B5EF4-FFF2-40B4-BE49-F238E27FC236}">
+                <a16:creationId xmlns:a16="http://schemas.microsoft.com/office/drawing/2014/main" id="{26F34E6C-5CF2-4DA5-AD79-BD8A2CBD426E}"/>
+              </a:ext>
+            </a:extLst>
+          </p:cNvPr>
+          <p:cNvSpPr>
+            <a:spLocks noGrp="1"/>
+          </p:cNvSpPr>
+          <p:nvPr>
+            <p:ph type="title"/>
+          </p:nvPr>
+        </p:nvSpPr>
+        <p:spPr/>
+        <p:txBody>
+          <a:bodyPr/>
+          <a:lstStyle/>
+          <a:p>
+            <a:r>
+              <a:rPr lang="en-US" dirty="0"/>
+              <a:t>Quadruple Layer Hidden models</a:t>
+            </a:r>
+          </a:p>
+        </p:txBody>
+      </p:sp>
+      <p:sp>
+        <p:nvSpPr>
+          <p:cNvPr id="3" name="Text Placeholder 2">
+            <a:extLst>
+              <a:ext uri="{FF2B5EF4-FFF2-40B4-BE49-F238E27FC236}">
+                <a16:creationId xmlns:a16="http://schemas.microsoft.com/office/drawing/2014/main" id="{0C58B254-34CA-4A9D-A2AF-6697257F5686}"/>
+              </a:ext>
+            </a:extLst>
+          </p:cNvPr>
+          <p:cNvSpPr>
+            <a:spLocks noGrp="1"/>
+          </p:cNvSpPr>
+          <p:nvPr>
+            <p:ph type="body" idx="1"/>
+          </p:nvPr>
+        </p:nvSpPr>
+        <p:spPr/>
+        <p:txBody>
+          <a:bodyPr/>
+          <a:lstStyle/>
+          <a:p>
+            <a:r>
+              <a:rPr lang="en-US" dirty="0"/>
+              <a:t>20 , 40 , 60 , 80 , 100 , 120</a:t>
+            </a:r>
+          </a:p>
+        </p:txBody>
+      </p:sp>
+    </p:spTree>
+    <p:extLst>
+      <p:ext uri="{BB962C8B-B14F-4D97-AF65-F5344CB8AC3E}">
+        <p14:creationId xmlns:p14="http://schemas.microsoft.com/office/powerpoint/2010/main" val="2488873971"/>
       </p:ext>
     </p:extLst>
   </p:cSld>
@@ -21825,8 +22191,8 @@
           </a:p>
         </p:txBody>
       </p:sp>
-      <mc:AlternateContent xmlns:mc="http://schemas.openxmlformats.org/markup-compatibility/2006" xmlns:a14="http://schemas.microsoft.com/office/drawing/2010/main">
-        <mc:Choice Requires="a14">
+      <mc:AlternateContent xmlns:mc="http://schemas.openxmlformats.org/markup-compatibility/2006">
+        <mc:Choice xmlns:a14="http://schemas.microsoft.com/office/drawing/2010/main" Requires="a14">
           <p:sp>
             <p:nvSpPr>
               <p:cNvPr id="3" name="Content Placeholder 2">
@@ -22003,6 +22369,18 @@
                             <a:rPr lang="en-US" sz="3600" b="0" i="1" smtClean="0">
                               <a:latin typeface="Cambria Math" panose="02040503050406030204" pitchFamily="18" charset="0"/>
                             </a:rPr>
+                            <m:t>𝑉</m:t>
+                          </m:r>
+                          <m:r>
+                            <a:rPr lang="en-US" sz="3600" b="0" i="1" smtClean="0">
+                              <a:latin typeface="Cambria Math" panose="02040503050406030204" pitchFamily="18" charset="0"/>
+                            </a:rPr>
+                            <m:t>,</m:t>
+                          </m:r>
+                          <m:r>
+                            <a:rPr lang="en-US" sz="3600" b="0" i="1" smtClean="0">
+                              <a:latin typeface="Cambria Math" panose="02040503050406030204" pitchFamily="18" charset="0"/>
+                            </a:rPr>
                             <m:t>𝑇</m:t>
                           </m:r>
                         </m:e>
@@ -22139,6 +22517,14 @@
                 </a14:m>
                 <a:r>
                   <a:rPr lang="en-US" dirty="0"/>
+                  <a:t>, attack variant, </a:t>
+                </a:r>
+                <a:r>
+                  <a:rPr lang="en-US" i="1" dirty="0"/>
+                  <a:t>V</a:t>
+                </a:r>
+                <a:r>
+                  <a:rPr lang="en-US" dirty="0"/>
                   <a:t>, and trigger condition, </a:t>
                 </a:r>
                 <a14:m>
@@ -22165,7 +22551,7 @@
             </p:txBody>
           </p:sp>
         </mc:Choice>
-        <mc:Fallback xmlns="">
+        <mc:Fallback>
           <p:sp>
             <p:nvSpPr>
               <p:cNvPr id="3" name="Content Placeholder 2">
@@ -23241,21 +23627,21 @@
 </file>
 
 <file path=customXml/item1.xml><?xml version="1.0" encoding="utf-8"?>
+<?mso-contentType ?>
+<FormTemplates xmlns="http://schemas.microsoft.com/sharepoint/v3/contenttype/forms">
+  <Display>DocumentLibraryForm</Display>
+  <Edit>DocumentLibraryForm</Edit>
+  <New>DocumentLibraryForm</New>
+</FormTemplates>
+</file>
+
+<file path=customXml/item2.xml><?xml version="1.0" encoding="utf-8"?>
 <p:properties xmlns:p="http://schemas.microsoft.com/office/2006/metadata/properties" xmlns:xsi="http://www.w3.org/2001/XMLSchema-instance" xmlns:pc="http://schemas.microsoft.com/office/infopath/2007/PartnerControls">
   <documentManagement>
     <Status xmlns="71af3243-3dd4-4a8d-8c0d-dd76da1f02a5">Not started</Status>
     <MediaServiceKeyPoints xmlns="71af3243-3dd4-4a8d-8c0d-dd76da1f02a5" xsi:nil="true"/>
   </documentManagement>
 </p:properties>
-</file>
-
-<file path=customXml/item2.xml><?xml version="1.0" encoding="utf-8"?>
-<?mso-contentType ?>
-<FormTemplates xmlns="http://schemas.microsoft.com/sharepoint/v3/contenttype/forms">
-  <Display>DocumentLibraryForm</Display>
-  <Edit>DocumentLibraryForm</Edit>
-  <New>DocumentLibraryForm</New>
-</FormTemplates>
 </file>
 
 <file path=customXml/item3.xml><?xml version="1.0" encoding="utf-8"?>
@@ -23480,19 +23866,19 @@
 </file>
 
 <file path=customXml/itemProps1.xml><?xml version="1.0" encoding="utf-8"?>
+<ds:datastoreItem xmlns:ds="http://schemas.openxmlformats.org/officeDocument/2006/customXml" ds:itemID="{CDB58277-F8DF-46FF-84EC-EF41B835E69F}">
+  <ds:schemaRefs>
+    <ds:schemaRef ds:uri="http://schemas.microsoft.com/sharepoint/v3/contenttype/forms"/>
+  </ds:schemaRefs>
+</ds:datastoreItem>
+</file>
+
+<file path=customXml/itemProps2.xml><?xml version="1.0" encoding="utf-8"?>
 <ds:datastoreItem xmlns:ds="http://schemas.openxmlformats.org/officeDocument/2006/customXml" ds:itemID="{137651BA-F45C-4845-9AB3-E0A65B39F5E1}">
   <ds:schemaRefs>
     <ds:schemaRef ds:uri="http://schemas.microsoft.com/office/2006/metadata/properties"/>
     <ds:schemaRef ds:uri="http://schemas.microsoft.com/office/infopath/2007/PartnerControls"/>
     <ds:schemaRef ds:uri="71af3243-3dd4-4a8d-8c0d-dd76da1f02a5"/>
-  </ds:schemaRefs>
-</ds:datastoreItem>
-</file>
-
-<file path=customXml/itemProps2.xml><?xml version="1.0" encoding="utf-8"?>
-<ds:datastoreItem xmlns:ds="http://schemas.openxmlformats.org/officeDocument/2006/customXml" ds:itemID="{CDB58277-F8DF-46FF-84EC-EF41B835E69F}">
-  <ds:schemaRefs>
-    <ds:schemaRef ds:uri="http://schemas.microsoft.com/sharepoint/v3/contenttype/forms"/>
   </ds:schemaRefs>
 </ds:datastoreItem>
 </file>

--- a/Presentations/14_04_2020/Modeling Attack Functions.pptx
+++ b/Presentations/14_04_2020/Modeling Attack Functions.pptx
@@ -17,17 +17,27 @@
     <p:sldId id="269" r:id="rId14"/>
     <p:sldId id="272" r:id="rId15"/>
     <p:sldId id="273" r:id="rId16"/>
-    <p:sldId id="271" r:id="rId17"/>
-    <p:sldId id="263" r:id="rId18"/>
-    <p:sldId id="264" r:id="rId19"/>
-    <p:sldId id="276" r:id="rId20"/>
-    <p:sldId id="277" r:id="rId21"/>
-    <p:sldId id="280" r:id="rId22"/>
-    <p:sldId id="278" r:id="rId23"/>
-    <p:sldId id="279" r:id="rId24"/>
-    <p:sldId id="267" r:id="rId25"/>
-    <p:sldId id="270" r:id="rId26"/>
-    <p:sldId id="281" r:id="rId27"/>
+    <p:sldId id="288" r:id="rId17"/>
+    <p:sldId id="271" r:id="rId18"/>
+    <p:sldId id="263" r:id="rId19"/>
+    <p:sldId id="264" r:id="rId20"/>
+    <p:sldId id="276" r:id="rId21"/>
+    <p:sldId id="277" r:id="rId22"/>
+    <p:sldId id="280" r:id="rId23"/>
+    <p:sldId id="278" r:id="rId24"/>
+    <p:sldId id="279" r:id="rId25"/>
+    <p:sldId id="267" r:id="rId26"/>
+    <p:sldId id="270" r:id="rId27"/>
+    <p:sldId id="282" r:id="rId28"/>
+    <p:sldId id="283" r:id="rId29"/>
+    <p:sldId id="284" r:id="rId30"/>
+    <p:sldId id="285" r:id="rId31"/>
+    <p:sldId id="286" r:id="rId32"/>
+    <p:sldId id="281" r:id="rId33"/>
+    <p:sldId id="287" r:id="rId34"/>
+    <p:sldId id="289" r:id="rId35"/>
+    <p:sldId id="291" r:id="rId36"/>
+    <p:sldId id="290" r:id="rId37"/>
   </p:sldIdLst>
   <p:sldSz cx="12192000" cy="6858000"/>
   <p:notesSz cx="6858000" cy="9144000"/>
@@ -18265,6 +18275,124 @@
           <p:cNvPr id="2" name="Title 1">
             <a:extLst>
               <a:ext uri="{FF2B5EF4-FFF2-40B4-BE49-F238E27FC236}">
+                <a16:creationId xmlns:a16="http://schemas.microsoft.com/office/drawing/2014/main" id="{2D055322-C108-44BC-B4E5-82E6AF1C4916}"/>
+              </a:ext>
+            </a:extLst>
+          </p:cNvPr>
+          <p:cNvSpPr>
+            <a:spLocks noGrp="1"/>
+          </p:cNvSpPr>
+          <p:nvPr>
+            <p:ph type="title"/>
+          </p:nvPr>
+        </p:nvSpPr>
+        <p:spPr/>
+        <p:txBody>
+          <a:bodyPr/>
+          <a:lstStyle/>
+          <a:p>
+            <a:r>
+              <a:rPr lang="en-US" dirty="0"/>
+              <a:t>The Attack functions</a:t>
+            </a:r>
+          </a:p>
+        </p:txBody>
+      </p:sp>
+      <p:sp>
+        <p:nvSpPr>
+          <p:cNvPr id="3" name="Content Placeholder 2">
+            <a:extLst>
+              <a:ext uri="{FF2B5EF4-FFF2-40B4-BE49-F238E27FC236}">
+                <a16:creationId xmlns:a16="http://schemas.microsoft.com/office/drawing/2014/main" id="{2224BBC6-9F8A-4C6E-B42A-3BB920F75836}"/>
+              </a:ext>
+            </a:extLst>
+          </p:cNvPr>
+          <p:cNvSpPr>
+            <a:spLocks noGrp="1"/>
+          </p:cNvSpPr>
+          <p:nvPr>
+            <p:ph idx="1"/>
+          </p:nvPr>
+        </p:nvSpPr>
+        <p:spPr/>
+        <p:txBody>
+          <a:bodyPr/>
+          <a:lstStyle/>
+          <a:p>
+            <a:endParaRPr lang="en-US"/>
+          </a:p>
+        </p:txBody>
+      </p:sp>
+      <p:sp>
+        <p:nvSpPr>
+          <p:cNvPr id="4" name="Text Placeholder 3">
+            <a:extLst>
+              <a:ext uri="{FF2B5EF4-FFF2-40B4-BE49-F238E27FC236}">
+                <a16:creationId xmlns:a16="http://schemas.microsoft.com/office/drawing/2014/main" id="{D96B2735-7AE4-4897-A090-7547ED716C09}"/>
+              </a:ext>
+            </a:extLst>
+          </p:cNvPr>
+          <p:cNvSpPr>
+            <a:spLocks noGrp="1"/>
+          </p:cNvSpPr>
+          <p:nvPr>
+            <p:ph type="body" sz="half" idx="2"/>
+          </p:nvPr>
+        </p:nvSpPr>
+        <p:spPr/>
+        <p:txBody>
+          <a:bodyPr/>
+          <a:lstStyle/>
+          <a:p>
+            <a:endParaRPr lang="en-US" dirty="0"/>
+          </a:p>
+          <a:p>
+            <a:pPr marL="285750" indent="-285750">
+              <a:buFont typeface="Arial" panose="020B0604020202020204" pitchFamily="34" charset="0"/>
+              <a:buChar char="•"/>
+            </a:pPr>
+            <a:r>
+              <a:rPr lang="en-US" dirty="0"/>
+              <a:t>Called in forward propagation only</a:t>
+            </a:r>
+          </a:p>
+        </p:txBody>
+      </p:sp>
+    </p:spTree>
+    <p:extLst>
+      <p:ext uri="{BB962C8B-B14F-4D97-AF65-F5344CB8AC3E}">
+        <p14:creationId xmlns:p14="http://schemas.microsoft.com/office/powerpoint/2010/main" val="2247249877"/>
+      </p:ext>
+    </p:extLst>
+  </p:cSld>
+  <p:clrMapOvr>
+    <a:masterClrMapping/>
+  </p:clrMapOvr>
+</p:sld>
+</file>
+
+<file path=ppt/slides/slide14.xml><?xml version="1.0" encoding="utf-8"?>
+<p:sld xmlns:a="http://schemas.openxmlformats.org/drawingml/2006/main" xmlns:r="http://schemas.openxmlformats.org/officeDocument/2006/relationships" xmlns:p="http://schemas.openxmlformats.org/presentationml/2006/main">
+  <p:cSld>
+    <p:spTree>
+      <p:nvGrpSpPr>
+        <p:cNvPr id="1" name=""/>
+        <p:cNvGrpSpPr/>
+        <p:nvPr/>
+      </p:nvGrpSpPr>
+      <p:grpSpPr>
+        <a:xfrm>
+          <a:off x="0" y="0"/>
+          <a:ext cx="0" cy="0"/>
+          <a:chOff x="0" y="0"/>
+          <a:chExt cx="0" cy="0"/>
+        </a:xfrm>
+      </p:grpSpPr>
+      <p:sp>
+        <p:nvSpPr>
+          <p:cNvPr id="2" name="Title 1">
+            <a:extLst>
+              <a:ext uri="{FF2B5EF4-FFF2-40B4-BE49-F238E27FC236}">
                 <a16:creationId xmlns:a16="http://schemas.microsoft.com/office/drawing/2014/main" id="{3A052AF4-A39B-42FE-84DF-FA6015917CBC}"/>
               </a:ext>
             </a:extLst>
@@ -18339,7 +18467,7 @@
 </p:sld>
 </file>
 
-<file path=ppt/slides/slide14.xml><?xml version="1.0" encoding="utf-8"?>
+<file path=ppt/slides/slide15.xml><?xml version="1.0" encoding="utf-8"?>
 <p:sld xmlns:a="http://schemas.openxmlformats.org/drawingml/2006/main" xmlns:r="http://schemas.openxmlformats.org/officeDocument/2006/relationships" xmlns:p="http://schemas.openxmlformats.org/presentationml/2006/main">
   <p:cSld>
     <p:spTree>
@@ -18425,7 +18553,7 @@
 </p:sld>
 </file>
 
-<file path=ppt/slides/slide15.xml><?xml version="1.0" encoding="utf-8"?>
+<file path=ppt/slides/slide16.xml><?xml version="1.0" encoding="utf-8"?>
 <p:sld xmlns:a="http://schemas.openxmlformats.org/drawingml/2006/main" xmlns:r="http://schemas.openxmlformats.org/officeDocument/2006/relationships" xmlns:p="http://schemas.openxmlformats.org/presentationml/2006/main">
   <p:cSld>
     <p:spTree>
@@ -19587,7 +19715,7 @@
 </p:sld>
 </file>
 
-<file path=ppt/slides/slide16.xml><?xml version="1.0" encoding="utf-8"?>
+<file path=ppt/slides/slide17.xml><?xml version="1.0" encoding="utf-8"?>
 <p:sld xmlns:a="http://schemas.openxmlformats.org/drawingml/2006/main" xmlns:r="http://schemas.openxmlformats.org/officeDocument/2006/relationships" xmlns:p="http://schemas.openxmlformats.org/presentationml/2006/main">
   <p:cSld>
     <p:spTree>
@@ -19629,31 +19757,6 @@
               <a:rPr lang="en-US" dirty="0"/>
               <a:t>Model Training Time</a:t>
             </a:r>
-          </a:p>
-        </p:txBody>
-      </p:sp>
-      <p:sp>
-        <p:nvSpPr>
-          <p:cNvPr id="3" name="Content Placeholder 2">
-            <a:extLst>
-              <a:ext uri="{FF2B5EF4-FFF2-40B4-BE49-F238E27FC236}">
-                <a16:creationId xmlns:a16="http://schemas.microsoft.com/office/drawing/2014/main" id="{0F8A202D-72D0-485F-88DD-617EFD8B56A6}"/>
-              </a:ext>
-            </a:extLst>
-          </p:cNvPr>
-          <p:cNvSpPr>
-            <a:spLocks noGrp="1"/>
-          </p:cNvSpPr>
-          <p:nvPr>
-            <p:ph idx="1"/>
-          </p:nvPr>
-        </p:nvSpPr>
-        <p:spPr/>
-        <p:txBody>
-          <a:bodyPr/>
-          <a:lstStyle/>
-          <a:p>
-            <a:endParaRPr lang="en-US"/>
           </a:p>
         </p:txBody>
       </p:sp>
@@ -19730,6 +19833,35 @@
           </a:p>
         </p:txBody>
       </p:sp>
+      <p:pic>
+        <p:nvPicPr>
+          <p:cNvPr id="10" name="Content Placeholder 9" descr="A close up of a map&#10;&#10;Description automatically generated">
+            <a:extLst>
+              <a:ext uri="{FF2B5EF4-FFF2-40B4-BE49-F238E27FC236}">
+                <a16:creationId xmlns:a16="http://schemas.microsoft.com/office/drawing/2014/main" id="{A9F3A4E7-5AB3-4DE9-86B6-A238DB3F14C7}"/>
+              </a:ext>
+            </a:extLst>
+          </p:cNvPr>
+          <p:cNvPicPr>
+            <a:picLocks noGrp="1" noChangeAspect="1"/>
+          </p:cNvPicPr>
+          <p:nvPr>
+            <p:ph idx="1"/>
+          </p:nvPr>
+        </p:nvPicPr>
+        <p:blipFill>
+          <a:blip r:embed="rId2"/>
+          <a:stretch>
+            <a:fillRect/>
+          </a:stretch>
+        </p:blipFill>
+        <p:spPr>
+          <a:xfrm>
+            <a:off x="685800" y="1219200"/>
+            <a:ext cx="6858000" cy="4114799"/>
+          </a:xfrm>
+        </p:spPr>
+      </p:pic>
     </p:spTree>
     <p:extLst>
       <p:ext uri="{BB962C8B-B14F-4D97-AF65-F5344CB8AC3E}">
@@ -19743,7 +19875,7 @@
 </p:sld>
 </file>
 
-<file path=ppt/slides/slide17.xml><?xml version="1.0" encoding="utf-8"?>
+<file path=ppt/slides/slide18.xml><?xml version="1.0" encoding="utf-8"?>
 <p:sld xmlns:a="http://schemas.openxmlformats.org/drawingml/2006/main" xmlns:r="http://schemas.openxmlformats.org/officeDocument/2006/relationships" xmlns:p="http://schemas.openxmlformats.org/presentationml/2006/main">
   <p:cSld>
     <p:spTree>
@@ -19788,31 +19920,35 @@
           </a:p>
         </p:txBody>
       </p:sp>
-      <p:sp>
-        <p:nvSpPr>
-          <p:cNvPr id="3" name="Content Placeholder 2">
+      <p:pic>
+        <p:nvPicPr>
+          <p:cNvPr id="6" name="Content Placeholder 5" descr="A close up of a map&#10;&#10;Description automatically generated">
             <a:extLst>
               <a:ext uri="{FF2B5EF4-FFF2-40B4-BE49-F238E27FC236}">
-                <a16:creationId xmlns:a16="http://schemas.microsoft.com/office/drawing/2014/main" id="{70405998-A30C-40EF-A8C7-2ED9CC2C8750}"/>
+                <a16:creationId xmlns:a16="http://schemas.microsoft.com/office/drawing/2014/main" id="{59971CB2-AA3A-4BFC-88F3-0F6954F48BE3}"/>
               </a:ext>
             </a:extLst>
           </p:cNvPr>
-          <p:cNvSpPr>
-            <a:spLocks noGrp="1"/>
-          </p:cNvSpPr>
+          <p:cNvPicPr>
+            <a:picLocks noGrp="1" noChangeAspect="1"/>
+          </p:cNvPicPr>
           <p:nvPr>
             <p:ph idx="1"/>
           </p:nvPr>
-        </p:nvSpPr>
-        <p:spPr/>
-        <p:txBody>
-          <a:bodyPr/>
-          <a:lstStyle/>
-          <a:p>
-            <a:endParaRPr lang="en-US"/>
-          </a:p>
-        </p:txBody>
-      </p:sp>
+        </p:nvPicPr>
+        <p:blipFill>
+          <a:blip r:embed="rId2"/>
+          <a:stretch>
+            <a:fillRect/>
+          </a:stretch>
+        </p:blipFill>
+        <p:spPr>
+          <a:xfrm>
+            <a:off x="685800" y="1219200"/>
+            <a:ext cx="6858000" cy="4114799"/>
+          </a:xfrm>
+        </p:spPr>
+      </p:pic>
       <p:sp>
         <p:nvSpPr>
           <p:cNvPr id="4" name="Text Placeholder 3">
@@ -19888,7 +20024,7 @@
 </p:sld>
 </file>
 
-<file path=ppt/slides/slide18.xml><?xml version="1.0" encoding="utf-8"?>
+<file path=ppt/slides/slide19.xml><?xml version="1.0" encoding="utf-8"?>
 <p:sld xmlns:a="http://schemas.openxmlformats.org/drawingml/2006/main" xmlns:r="http://schemas.openxmlformats.org/officeDocument/2006/relationships" xmlns:p="http://schemas.openxmlformats.org/presentationml/2006/main">
   <p:cSld>
     <p:spTree>
@@ -19933,31 +20069,35 @@
           </a:p>
         </p:txBody>
       </p:sp>
-      <p:sp>
-        <p:nvSpPr>
-          <p:cNvPr id="3" name="Content Placeholder 2">
+      <p:pic>
+        <p:nvPicPr>
+          <p:cNvPr id="6" name="Content Placeholder 5" descr="A close up of a map&#10;&#10;Description automatically generated">
             <a:extLst>
               <a:ext uri="{FF2B5EF4-FFF2-40B4-BE49-F238E27FC236}">
-                <a16:creationId xmlns:a16="http://schemas.microsoft.com/office/drawing/2014/main" id="{70405998-A30C-40EF-A8C7-2ED9CC2C8750}"/>
+                <a16:creationId xmlns:a16="http://schemas.microsoft.com/office/drawing/2014/main" id="{0E14DF04-EE4A-42B0-84EC-E7CBF49BA9FB}"/>
               </a:ext>
             </a:extLst>
           </p:cNvPr>
-          <p:cNvSpPr>
-            <a:spLocks noGrp="1"/>
-          </p:cNvSpPr>
+          <p:cNvPicPr>
+            <a:picLocks noGrp="1" noChangeAspect="1"/>
+          </p:cNvPicPr>
           <p:nvPr>
             <p:ph idx="1"/>
           </p:nvPr>
-        </p:nvSpPr>
-        <p:spPr/>
-        <p:txBody>
-          <a:bodyPr/>
-          <a:lstStyle/>
-          <a:p>
-            <a:endParaRPr lang="en-US"/>
-          </a:p>
-        </p:txBody>
-      </p:sp>
+        </p:nvPicPr>
+        <p:blipFill>
+          <a:blip r:embed="rId2"/>
+          <a:stretch>
+            <a:fillRect/>
+          </a:stretch>
+        </p:blipFill>
+        <p:spPr>
+          <a:xfrm>
+            <a:off x="685800" y="1219200"/>
+            <a:ext cx="6858000" cy="4114799"/>
+          </a:xfrm>
+        </p:spPr>
+      </p:pic>
       <p:sp>
         <p:nvSpPr>
           <p:cNvPr id="4" name="Text Placeholder 3">
@@ -20024,163 +20164,6 @@
     <p:extLst>
       <p:ext uri="{BB962C8B-B14F-4D97-AF65-F5344CB8AC3E}">
         <p14:creationId xmlns:p14="http://schemas.microsoft.com/office/powerpoint/2010/main" val="714133562"/>
-      </p:ext>
-    </p:extLst>
-  </p:cSld>
-  <p:clrMapOvr>
-    <a:masterClrMapping/>
-  </p:clrMapOvr>
-</p:sld>
-</file>
-
-<file path=ppt/slides/slide19.xml><?xml version="1.0" encoding="utf-8"?>
-<p:sld xmlns:a="http://schemas.openxmlformats.org/drawingml/2006/main" xmlns:r="http://schemas.openxmlformats.org/officeDocument/2006/relationships" xmlns:p="http://schemas.openxmlformats.org/presentationml/2006/main">
-  <p:cSld>
-    <p:spTree>
-      <p:nvGrpSpPr>
-        <p:cNvPr id="1" name=""/>
-        <p:cNvGrpSpPr/>
-        <p:nvPr/>
-      </p:nvGrpSpPr>
-      <p:grpSpPr>
-        <a:xfrm>
-          <a:off x="0" y="0"/>
-          <a:ext cx="0" cy="0"/>
-          <a:chOff x="0" y="0"/>
-          <a:chExt cx="0" cy="0"/>
-        </a:xfrm>
-      </p:grpSpPr>
-      <p:sp>
-        <p:nvSpPr>
-          <p:cNvPr id="2" name="Title 1">
-            <a:extLst>
-              <a:ext uri="{FF2B5EF4-FFF2-40B4-BE49-F238E27FC236}">
-                <a16:creationId xmlns:a16="http://schemas.microsoft.com/office/drawing/2014/main" id="{717C4D17-D569-4054-9F61-A80790AD4520}"/>
-              </a:ext>
-            </a:extLst>
-          </p:cNvPr>
-          <p:cNvSpPr>
-            <a:spLocks noGrp="1"/>
-          </p:cNvSpPr>
-          <p:nvPr>
-            <p:ph type="title"/>
-          </p:nvPr>
-        </p:nvSpPr>
-        <p:spPr/>
-        <p:txBody>
-          <a:bodyPr>
-            <a:normAutofit fontScale="90000"/>
-          </a:bodyPr>
-          <a:lstStyle/>
-          <a:p>
-            <a:r>
-              <a:rPr lang="en-US" dirty="0"/>
-              <a:t>Model Average Precision Scores</a:t>
-            </a:r>
-          </a:p>
-        </p:txBody>
-      </p:sp>
-      <p:sp>
-        <p:nvSpPr>
-          <p:cNvPr id="3" name="Content Placeholder 2">
-            <a:extLst>
-              <a:ext uri="{FF2B5EF4-FFF2-40B4-BE49-F238E27FC236}">
-                <a16:creationId xmlns:a16="http://schemas.microsoft.com/office/drawing/2014/main" id="{8E549C6A-CFB7-4343-BB13-22A34C7F66AF}"/>
-              </a:ext>
-            </a:extLst>
-          </p:cNvPr>
-          <p:cNvSpPr>
-            <a:spLocks noGrp="1"/>
-          </p:cNvSpPr>
-          <p:nvPr>
-            <p:ph idx="1"/>
-          </p:nvPr>
-        </p:nvSpPr>
-        <p:spPr/>
-        <p:txBody>
-          <a:bodyPr/>
-          <a:lstStyle/>
-          <a:p>
-            <a:endParaRPr lang="en-US"/>
-          </a:p>
-        </p:txBody>
-      </p:sp>
-      <p:sp>
-        <p:nvSpPr>
-          <p:cNvPr id="4" name="Text Placeholder 3">
-            <a:extLst>
-              <a:ext uri="{FF2B5EF4-FFF2-40B4-BE49-F238E27FC236}">
-                <a16:creationId xmlns:a16="http://schemas.microsoft.com/office/drawing/2014/main" id="{4C748FA0-FC28-4D06-99B0-07EBAA59B0B2}"/>
-              </a:ext>
-            </a:extLst>
-          </p:cNvPr>
-          <p:cNvSpPr>
-            <a:spLocks noGrp="1"/>
-          </p:cNvSpPr>
-          <p:nvPr>
-            <p:ph type="body" sz="half" idx="2"/>
-          </p:nvPr>
-        </p:nvSpPr>
-        <p:spPr/>
-        <p:txBody>
-          <a:bodyPr/>
-          <a:lstStyle/>
-          <a:p>
-            <a:pPr marL="285750" indent="-285750">
-              <a:buFont typeface="Arial" panose="020B0604020202020204" pitchFamily="34" charset="0"/>
-              <a:buChar char="•"/>
-            </a:pPr>
-            <a:endParaRPr lang="en-US" dirty="0"/>
-          </a:p>
-          <a:p>
-            <a:pPr marL="285750" indent="-285750">
-              <a:buFont typeface="Arial" panose="020B0604020202020204" pitchFamily="34" charset="0"/>
-              <a:buChar char="•"/>
-            </a:pPr>
-            <a:r>
-              <a:rPr lang="en-US" dirty="0"/>
-              <a:t>Each score is averaged over 100 models</a:t>
-            </a:r>
-          </a:p>
-          <a:p>
-            <a:endParaRPr lang="en-US" dirty="0"/>
-          </a:p>
-          <a:p>
-            <a:pPr marL="285750" indent="-285750">
-              <a:buFont typeface="Arial" panose="020B0604020202020204" pitchFamily="34" charset="0"/>
-              <a:buChar char="•"/>
-            </a:pPr>
-            <a:r>
-              <a:rPr lang="en-US" dirty="0"/>
-              <a:t>Uniformly Average over 10 classes</a:t>
-            </a:r>
-          </a:p>
-          <a:p>
-            <a:pPr marL="285750" indent="-285750">
-              <a:buFont typeface="Arial" panose="020B0604020202020204" pitchFamily="34" charset="0"/>
-              <a:buChar char="•"/>
-            </a:pPr>
-            <a:endParaRPr lang="en-US" dirty="0"/>
-          </a:p>
-          <a:p>
-            <a:pPr marL="285750" indent="-285750">
-              <a:buFont typeface="Arial" panose="020B0604020202020204" pitchFamily="34" charset="0"/>
-              <a:buChar char="•"/>
-            </a:pPr>
-            <a:endParaRPr lang="en-US" dirty="0"/>
-          </a:p>
-          <a:p>
-            <a:endParaRPr lang="en-US" dirty="0"/>
-          </a:p>
-          <a:p>
-            <a:endParaRPr lang="en-US" dirty="0"/>
-          </a:p>
-        </p:txBody>
-      </p:sp>
-    </p:spTree>
-    <p:extLst>
-      <p:ext uri="{BB962C8B-B14F-4D97-AF65-F5344CB8AC3E}">
-        <p14:creationId xmlns:p14="http://schemas.microsoft.com/office/powerpoint/2010/main" val="2344104981"/>
       </p:ext>
     </p:extLst>
   </p:cSld>
@@ -20309,6 +20292,167 @@
         <p:spPr/>
         <p:txBody>
           <a:bodyPr>
+            <a:normAutofit fontScale="90000"/>
+          </a:bodyPr>
+          <a:lstStyle/>
+          <a:p>
+            <a:r>
+              <a:rPr lang="en-US" dirty="0"/>
+              <a:t>Model Average Precision Scores</a:t>
+            </a:r>
+          </a:p>
+        </p:txBody>
+      </p:sp>
+      <p:pic>
+        <p:nvPicPr>
+          <p:cNvPr id="6" name="Content Placeholder 5" descr="A close up of a map&#10;&#10;Description automatically generated">
+            <a:extLst>
+              <a:ext uri="{FF2B5EF4-FFF2-40B4-BE49-F238E27FC236}">
+                <a16:creationId xmlns:a16="http://schemas.microsoft.com/office/drawing/2014/main" id="{7AB0CBB9-E160-4BC8-AB27-00170B5B53FE}"/>
+              </a:ext>
+            </a:extLst>
+          </p:cNvPr>
+          <p:cNvPicPr>
+            <a:picLocks noGrp="1" noChangeAspect="1"/>
+          </p:cNvPicPr>
+          <p:nvPr>
+            <p:ph idx="1"/>
+          </p:nvPr>
+        </p:nvPicPr>
+        <p:blipFill>
+          <a:blip r:embed="rId2"/>
+          <a:stretch>
+            <a:fillRect/>
+          </a:stretch>
+        </p:blipFill>
+        <p:spPr>
+          <a:xfrm>
+            <a:off x="685800" y="1219200"/>
+            <a:ext cx="6858000" cy="4114799"/>
+          </a:xfrm>
+        </p:spPr>
+      </p:pic>
+      <p:sp>
+        <p:nvSpPr>
+          <p:cNvPr id="4" name="Text Placeholder 3">
+            <a:extLst>
+              <a:ext uri="{FF2B5EF4-FFF2-40B4-BE49-F238E27FC236}">
+                <a16:creationId xmlns:a16="http://schemas.microsoft.com/office/drawing/2014/main" id="{4C748FA0-FC28-4D06-99B0-07EBAA59B0B2}"/>
+              </a:ext>
+            </a:extLst>
+          </p:cNvPr>
+          <p:cNvSpPr>
+            <a:spLocks noGrp="1"/>
+          </p:cNvSpPr>
+          <p:nvPr>
+            <p:ph type="body" sz="half" idx="2"/>
+          </p:nvPr>
+        </p:nvSpPr>
+        <p:spPr/>
+        <p:txBody>
+          <a:bodyPr/>
+          <a:lstStyle/>
+          <a:p>
+            <a:pPr marL="285750" indent="-285750">
+              <a:buFont typeface="Arial" panose="020B0604020202020204" pitchFamily="34" charset="0"/>
+              <a:buChar char="•"/>
+            </a:pPr>
+            <a:endParaRPr lang="en-US" dirty="0"/>
+          </a:p>
+          <a:p>
+            <a:pPr marL="285750" indent="-285750">
+              <a:buFont typeface="Arial" panose="020B0604020202020204" pitchFamily="34" charset="0"/>
+              <a:buChar char="•"/>
+            </a:pPr>
+            <a:r>
+              <a:rPr lang="en-US" dirty="0"/>
+              <a:t>Each score is averaged over 100 models</a:t>
+            </a:r>
+          </a:p>
+          <a:p>
+            <a:endParaRPr lang="en-US" dirty="0"/>
+          </a:p>
+          <a:p>
+            <a:pPr marL="285750" indent="-285750">
+              <a:buFont typeface="Arial" panose="020B0604020202020204" pitchFamily="34" charset="0"/>
+              <a:buChar char="•"/>
+            </a:pPr>
+            <a:r>
+              <a:rPr lang="en-US" dirty="0"/>
+              <a:t>Uniformly Average over 10 classes</a:t>
+            </a:r>
+          </a:p>
+          <a:p>
+            <a:pPr marL="285750" indent="-285750">
+              <a:buFont typeface="Arial" panose="020B0604020202020204" pitchFamily="34" charset="0"/>
+              <a:buChar char="•"/>
+            </a:pPr>
+            <a:endParaRPr lang="en-US" dirty="0"/>
+          </a:p>
+          <a:p>
+            <a:pPr marL="285750" indent="-285750">
+              <a:buFont typeface="Arial" panose="020B0604020202020204" pitchFamily="34" charset="0"/>
+              <a:buChar char="•"/>
+            </a:pPr>
+            <a:endParaRPr lang="en-US" dirty="0"/>
+          </a:p>
+          <a:p>
+            <a:endParaRPr lang="en-US" dirty="0"/>
+          </a:p>
+          <a:p>
+            <a:endParaRPr lang="en-US" dirty="0"/>
+          </a:p>
+        </p:txBody>
+      </p:sp>
+    </p:spTree>
+    <p:extLst>
+      <p:ext uri="{BB962C8B-B14F-4D97-AF65-F5344CB8AC3E}">
+        <p14:creationId xmlns:p14="http://schemas.microsoft.com/office/powerpoint/2010/main" val="2344104981"/>
+      </p:ext>
+    </p:extLst>
+  </p:cSld>
+  <p:clrMapOvr>
+    <a:masterClrMapping/>
+  </p:clrMapOvr>
+</p:sld>
+</file>
+
+<file path=ppt/slides/slide21.xml><?xml version="1.0" encoding="utf-8"?>
+<p:sld xmlns:a="http://schemas.openxmlformats.org/drawingml/2006/main" xmlns:r="http://schemas.openxmlformats.org/officeDocument/2006/relationships" xmlns:p="http://schemas.openxmlformats.org/presentationml/2006/main">
+  <p:cSld>
+    <p:spTree>
+      <p:nvGrpSpPr>
+        <p:cNvPr id="1" name=""/>
+        <p:cNvGrpSpPr/>
+        <p:nvPr/>
+      </p:nvGrpSpPr>
+      <p:grpSpPr>
+        <a:xfrm>
+          <a:off x="0" y="0"/>
+          <a:ext cx="0" cy="0"/>
+          <a:chOff x="0" y="0"/>
+          <a:chExt cx="0" cy="0"/>
+        </a:xfrm>
+      </p:grpSpPr>
+      <p:sp>
+        <p:nvSpPr>
+          <p:cNvPr id="2" name="Title 1">
+            <a:extLst>
+              <a:ext uri="{FF2B5EF4-FFF2-40B4-BE49-F238E27FC236}">
+                <a16:creationId xmlns:a16="http://schemas.microsoft.com/office/drawing/2014/main" id="{717C4D17-D569-4054-9F61-A80790AD4520}"/>
+              </a:ext>
+            </a:extLst>
+          </p:cNvPr>
+          <p:cNvSpPr>
+            <a:spLocks noGrp="1"/>
+          </p:cNvSpPr>
+          <p:nvPr>
+            <p:ph type="title"/>
+          </p:nvPr>
+        </p:nvSpPr>
+        <p:spPr/>
+        <p:txBody>
+          <a:bodyPr>
             <a:normAutofit/>
           </a:bodyPr>
           <a:lstStyle/>
@@ -20320,31 +20464,35 @@
           </a:p>
         </p:txBody>
       </p:sp>
-      <p:sp>
-        <p:nvSpPr>
-          <p:cNvPr id="3" name="Content Placeholder 2">
+      <p:pic>
+        <p:nvPicPr>
+          <p:cNvPr id="6" name="Content Placeholder 5" descr="A close up of a map&#10;&#10;Description automatically generated">
             <a:extLst>
               <a:ext uri="{FF2B5EF4-FFF2-40B4-BE49-F238E27FC236}">
-                <a16:creationId xmlns:a16="http://schemas.microsoft.com/office/drawing/2014/main" id="{8E549C6A-CFB7-4343-BB13-22A34C7F66AF}"/>
+                <a16:creationId xmlns:a16="http://schemas.microsoft.com/office/drawing/2014/main" id="{3748833D-1B30-4782-8569-901822AF5A00}"/>
               </a:ext>
             </a:extLst>
           </p:cNvPr>
-          <p:cNvSpPr>
-            <a:spLocks noGrp="1"/>
-          </p:cNvSpPr>
+          <p:cNvPicPr>
+            <a:picLocks noGrp="1" noChangeAspect="1"/>
+          </p:cNvPicPr>
           <p:nvPr>
             <p:ph idx="1"/>
           </p:nvPr>
-        </p:nvSpPr>
-        <p:spPr/>
-        <p:txBody>
-          <a:bodyPr/>
-          <a:lstStyle/>
-          <a:p>
-            <a:endParaRPr lang="en-US"/>
-          </a:p>
-        </p:txBody>
-      </p:sp>
+        </p:nvPicPr>
+        <p:blipFill>
+          <a:blip r:embed="rId2"/>
+          <a:stretch>
+            <a:fillRect/>
+          </a:stretch>
+        </p:blipFill>
+        <p:spPr>
+          <a:xfrm>
+            <a:off x="685800" y="1219200"/>
+            <a:ext cx="6858000" cy="4114799"/>
+          </a:xfrm>
+        </p:spPr>
+      </p:pic>
       <p:sp>
         <p:nvSpPr>
           <p:cNvPr id="4" name="Text Placeholder 3">
@@ -20430,7 +20578,7 @@
 </p:sld>
 </file>
 
-<file path=ppt/slides/slide21.xml><?xml version="1.0" encoding="utf-8"?>
+<file path=ppt/slides/slide22.xml><?xml version="1.0" encoding="utf-8"?>
 <p:sld xmlns:a="http://schemas.openxmlformats.org/drawingml/2006/main" xmlns:r="http://schemas.openxmlformats.org/officeDocument/2006/relationships" xmlns:p="http://schemas.openxmlformats.org/presentationml/2006/main">
   <p:cSld>
     <p:spTree>
@@ -20516,7 +20664,7 @@
 </p:sld>
 </file>
 
-<file path=ppt/slides/slide22.xml><?xml version="1.0" encoding="utf-8"?>
+<file path=ppt/slides/slide23.xml><?xml version="1.0" encoding="utf-8"?>
 <p:sld xmlns:a="http://schemas.openxmlformats.org/drawingml/2006/main" xmlns:r="http://schemas.openxmlformats.org/officeDocument/2006/relationships" xmlns:p="http://schemas.openxmlformats.org/presentationml/2006/main">
   <p:cSld>
     <p:spTree>
@@ -21243,7 +21391,787 @@
 </p:sld>
 </file>
 
-<file path=ppt/slides/slide23.xml><?xml version="1.0" encoding="utf-8"?>
+<file path=ppt/slides/slide24.xml><?xml version="1.0" encoding="utf-8"?>
+<p:sld xmlns:a="http://schemas.openxmlformats.org/drawingml/2006/main" xmlns:r="http://schemas.openxmlformats.org/officeDocument/2006/relationships" xmlns:p="http://schemas.openxmlformats.org/presentationml/2006/main">
+  <p:cSld>
+    <p:spTree>
+      <p:nvGrpSpPr>
+        <p:cNvPr id="1" name=""/>
+        <p:cNvGrpSpPr/>
+        <p:nvPr/>
+      </p:nvGrpSpPr>
+      <p:grpSpPr>
+        <a:xfrm>
+          <a:off x="0" y="0"/>
+          <a:ext cx="0" cy="0"/>
+          <a:chOff x="0" y="0"/>
+          <a:chExt cx="0" cy="0"/>
+        </a:xfrm>
+      </p:grpSpPr>
+      <p:sp>
+        <p:nvSpPr>
+          <p:cNvPr id="2" name="Title 1">
+            <a:extLst>
+              <a:ext uri="{FF2B5EF4-FFF2-40B4-BE49-F238E27FC236}">
+                <a16:creationId xmlns:a16="http://schemas.microsoft.com/office/drawing/2014/main" id="{436E2E5C-8F52-47E2-9D69-92BAC60BB509}"/>
+              </a:ext>
+            </a:extLst>
+          </p:cNvPr>
+          <p:cNvSpPr>
+            <a:spLocks noGrp="1"/>
+          </p:cNvSpPr>
+          <p:nvPr>
+            <p:ph type="title"/>
+          </p:nvPr>
+        </p:nvSpPr>
+        <p:spPr/>
+        <p:txBody>
+          <a:bodyPr/>
+          <a:lstStyle/>
+          <a:p>
+            <a:r>
+              <a:rPr lang="en-US" dirty="0"/>
+              <a:t>Model Training Time</a:t>
+            </a:r>
+          </a:p>
+        </p:txBody>
+      </p:sp>
+      <p:sp>
+        <p:nvSpPr>
+          <p:cNvPr id="4" name="Text Placeholder 3">
+            <a:extLst>
+              <a:ext uri="{FF2B5EF4-FFF2-40B4-BE49-F238E27FC236}">
+                <a16:creationId xmlns:a16="http://schemas.microsoft.com/office/drawing/2014/main" id="{9BC7B35B-4D84-4215-AB7C-EC448302FDDA}"/>
+              </a:ext>
+            </a:extLst>
+          </p:cNvPr>
+          <p:cNvSpPr>
+            <a:spLocks noGrp="1"/>
+          </p:cNvSpPr>
+          <p:nvPr>
+            <p:ph type="body" sz="half" idx="2"/>
+          </p:nvPr>
+        </p:nvSpPr>
+        <p:spPr/>
+        <p:txBody>
+          <a:bodyPr/>
+          <a:lstStyle/>
+          <a:p>
+            <a:pPr marL="285750" indent="-285750">
+              <a:buFont typeface="Arial" panose="020B0604020202020204" pitchFamily="34" charset="0"/>
+              <a:buChar char="•"/>
+            </a:pPr>
+            <a:endParaRPr lang="en-US" dirty="0"/>
+          </a:p>
+          <a:p>
+            <a:pPr marL="285750" indent="-285750">
+              <a:buFont typeface="Arial" panose="020B0604020202020204" pitchFamily="34" charset="0"/>
+              <a:buChar char="•"/>
+            </a:pPr>
+            <a:r>
+              <a:rPr lang="en-US" dirty="0"/>
+              <a:t>For 20,40,60,80,100,120 neurons</a:t>
+            </a:r>
+          </a:p>
+          <a:p>
+            <a:pPr marL="285750" indent="-285750">
+              <a:buFont typeface="Arial" panose="020B0604020202020204" pitchFamily="34" charset="0"/>
+              <a:buChar char="•"/>
+            </a:pPr>
+            <a:endParaRPr lang="en-US" dirty="0"/>
+          </a:p>
+          <a:p>
+            <a:pPr marL="285750" indent="-285750">
+              <a:buFont typeface="Arial" panose="020B0604020202020204" pitchFamily="34" charset="0"/>
+              <a:buChar char="•"/>
+            </a:pPr>
+            <a:r>
+              <a:rPr lang="en-US" dirty="0"/>
+              <a:t>Times based on average of 100 models</a:t>
+            </a:r>
+          </a:p>
+          <a:p>
+            <a:pPr marL="285750" indent="-285750">
+              <a:buFont typeface="Arial" panose="020B0604020202020204" pitchFamily="34" charset="0"/>
+              <a:buChar char="•"/>
+            </a:pPr>
+            <a:endParaRPr lang="en-US" dirty="0"/>
+          </a:p>
+          <a:p>
+            <a:pPr marL="285750" indent="-285750">
+              <a:buFont typeface="Arial" panose="020B0604020202020204" pitchFamily="34" charset="0"/>
+              <a:buChar char="•"/>
+            </a:pPr>
+            <a:r>
+              <a:rPr lang="en-US" dirty="0"/>
+              <a:t>Train Time in seconds</a:t>
+            </a:r>
+          </a:p>
+        </p:txBody>
+      </p:sp>
+      <p:pic>
+        <p:nvPicPr>
+          <p:cNvPr id="7" name="Content Placeholder 6" descr="A close up of a map&#10;&#10;Description automatically generated">
+            <a:extLst>
+              <a:ext uri="{FF2B5EF4-FFF2-40B4-BE49-F238E27FC236}">
+                <a16:creationId xmlns:a16="http://schemas.microsoft.com/office/drawing/2014/main" id="{CB2D7C5A-F33B-45BB-B708-47603A778CD5}"/>
+              </a:ext>
+            </a:extLst>
+          </p:cNvPr>
+          <p:cNvPicPr>
+            <a:picLocks noGrp="1" noChangeAspect="1"/>
+          </p:cNvPicPr>
+          <p:nvPr>
+            <p:ph idx="1"/>
+          </p:nvPr>
+        </p:nvPicPr>
+        <p:blipFill>
+          <a:blip r:embed="rId2"/>
+          <a:stretch>
+            <a:fillRect/>
+          </a:stretch>
+        </p:blipFill>
+        <p:spPr>
+          <a:xfrm>
+            <a:off x="685800" y="1219200"/>
+            <a:ext cx="6858000" cy="4114799"/>
+          </a:xfrm>
+        </p:spPr>
+      </p:pic>
+    </p:spTree>
+    <p:extLst>
+      <p:ext uri="{BB962C8B-B14F-4D97-AF65-F5344CB8AC3E}">
+        <p14:creationId xmlns:p14="http://schemas.microsoft.com/office/powerpoint/2010/main" val="4006279233"/>
+      </p:ext>
+    </p:extLst>
+  </p:cSld>
+  <p:clrMapOvr>
+    <a:masterClrMapping/>
+  </p:clrMapOvr>
+</p:sld>
+</file>
+
+<file path=ppt/slides/slide25.xml><?xml version="1.0" encoding="utf-8"?>
+<p:sld xmlns:a="http://schemas.openxmlformats.org/drawingml/2006/main" xmlns:r="http://schemas.openxmlformats.org/officeDocument/2006/relationships" xmlns:p="http://schemas.openxmlformats.org/presentationml/2006/main">
+  <p:cSld>
+    <p:spTree>
+      <p:nvGrpSpPr>
+        <p:cNvPr id="1" name=""/>
+        <p:cNvGrpSpPr/>
+        <p:nvPr/>
+      </p:nvGrpSpPr>
+      <p:grpSpPr>
+        <a:xfrm>
+          <a:off x="0" y="0"/>
+          <a:ext cx="0" cy="0"/>
+          <a:chOff x="0" y="0"/>
+          <a:chExt cx="0" cy="0"/>
+        </a:xfrm>
+      </p:grpSpPr>
+      <p:sp>
+        <p:nvSpPr>
+          <p:cNvPr id="2" name="Title 1">
+            <a:extLst>
+              <a:ext uri="{FF2B5EF4-FFF2-40B4-BE49-F238E27FC236}">
+                <a16:creationId xmlns:a16="http://schemas.microsoft.com/office/drawing/2014/main" id="{8B55CEED-E90B-4DBD-9FE2-2C18D5A1F730}"/>
+              </a:ext>
+            </a:extLst>
+          </p:cNvPr>
+          <p:cNvSpPr>
+            <a:spLocks noGrp="1"/>
+          </p:cNvSpPr>
+          <p:nvPr>
+            <p:ph type="title"/>
+          </p:nvPr>
+        </p:nvSpPr>
+        <p:spPr/>
+        <p:txBody>
+          <a:bodyPr/>
+          <a:lstStyle/>
+          <a:p>
+            <a:r>
+              <a:rPr lang="en-US" dirty="0"/>
+              <a:t>Model Final Loss Function</a:t>
+            </a:r>
+          </a:p>
+        </p:txBody>
+      </p:sp>
+      <p:sp>
+        <p:nvSpPr>
+          <p:cNvPr id="4" name="Text Placeholder 3">
+            <a:extLst>
+              <a:ext uri="{FF2B5EF4-FFF2-40B4-BE49-F238E27FC236}">
+                <a16:creationId xmlns:a16="http://schemas.microsoft.com/office/drawing/2014/main" id="{DBAB0999-C050-4BD8-8DCE-0E1F17F489C0}"/>
+              </a:ext>
+            </a:extLst>
+          </p:cNvPr>
+          <p:cNvSpPr>
+            <a:spLocks noGrp="1"/>
+          </p:cNvSpPr>
+          <p:nvPr>
+            <p:ph type="body" sz="half" idx="2"/>
+          </p:nvPr>
+        </p:nvSpPr>
+        <p:spPr/>
+        <p:txBody>
+          <a:bodyPr/>
+          <a:lstStyle/>
+          <a:p>
+            <a:endParaRPr lang="en-US" dirty="0"/>
+          </a:p>
+          <a:p>
+            <a:pPr marL="285750" indent="-285750">
+              <a:buFont typeface="Arial" panose="020B0604020202020204" pitchFamily="34" charset="0"/>
+              <a:buChar char="•"/>
+            </a:pPr>
+            <a:r>
+              <a:rPr lang="en-US" dirty="0"/>
+              <a:t>For 20,40,60,80,100,120 neurons</a:t>
+            </a:r>
+          </a:p>
+          <a:p>
+            <a:pPr marL="285750" indent="-285750">
+              <a:buFont typeface="Arial" panose="020B0604020202020204" pitchFamily="34" charset="0"/>
+              <a:buChar char="•"/>
+            </a:pPr>
+            <a:endParaRPr lang="en-US" dirty="0"/>
+          </a:p>
+          <a:p>
+            <a:pPr marL="285750" indent="-285750">
+              <a:buFont typeface="Arial" panose="020B0604020202020204" pitchFamily="34" charset="0"/>
+              <a:buChar char="•"/>
+            </a:pPr>
+            <a:r>
+              <a:rPr lang="en-US" dirty="0"/>
+              <a:t>Times based on average of 100 models</a:t>
+            </a:r>
+          </a:p>
+          <a:p>
+            <a:pPr marL="285750" indent="-285750">
+              <a:buFont typeface="Arial" panose="020B0604020202020204" pitchFamily="34" charset="0"/>
+              <a:buChar char="•"/>
+            </a:pPr>
+            <a:endParaRPr lang="en-US" dirty="0"/>
+          </a:p>
+          <a:p>
+            <a:endParaRPr lang="en-US" dirty="0"/>
+          </a:p>
+        </p:txBody>
+      </p:sp>
+      <p:pic>
+        <p:nvPicPr>
+          <p:cNvPr id="8" name="Content Placeholder 7" descr="A close up of a map&#10;&#10;Description automatically generated">
+            <a:extLst>
+              <a:ext uri="{FF2B5EF4-FFF2-40B4-BE49-F238E27FC236}">
+                <a16:creationId xmlns:a16="http://schemas.microsoft.com/office/drawing/2014/main" id="{6B91AE0E-C9C6-4635-A52D-13EAC8CC1999}"/>
+              </a:ext>
+            </a:extLst>
+          </p:cNvPr>
+          <p:cNvPicPr>
+            <a:picLocks noGrp="1" noChangeAspect="1"/>
+          </p:cNvPicPr>
+          <p:nvPr>
+            <p:ph idx="1"/>
+          </p:nvPr>
+        </p:nvPicPr>
+        <p:blipFill>
+          <a:blip r:embed="rId2"/>
+          <a:stretch>
+            <a:fillRect/>
+          </a:stretch>
+        </p:blipFill>
+        <p:spPr>
+          <a:xfrm>
+            <a:off x="685800" y="1219200"/>
+            <a:ext cx="6858000" cy="4114799"/>
+          </a:xfrm>
+        </p:spPr>
+      </p:pic>
+    </p:spTree>
+    <p:extLst>
+      <p:ext uri="{BB962C8B-B14F-4D97-AF65-F5344CB8AC3E}">
+        <p14:creationId xmlns:p14="http://schemas.microsoft.com/office/powerpoint/2010/main" val="2935223702"/>
+      </p:ext>
+    </p:extLst>
+  </p:cSld>
+  <p:clrMapOvr>
+    <a:masterClrMapping/>
+  </p:clrMapOvr>
+</p:sld>
+</file>
+
+<file path=ppt/slides/slide26.xml><?xml version="1.0" encoding="utf-8"?>
+<p:sld xmlns:a="http://schemas.openxmlformats.org/drawingml/2006/main" xmlns:r="http://schemas.openxmlformats.org/officeDocument/2006/relationships" xmlns:p="http://schemas.openxmlformats.org/presentationml/2006/main">
+  <p:cSld>
+    <p:spTree>
+      <p:nvGrpSpPr>
+        <p:cNvPr id="1" name=""/>
+        <p:cNvGrpSpPr/>
+        <p:nvPr/>
+      </p:nvGrpSpPr>
+      <p:grpSpPr>
+        <a:xfrm>
+          <a:off x="0" y="0"/>
+          <a:ext cx="0" cy="0"/>
+          <a:chOff x="0" y="0"/>
+          <a:chExt cx="0" cy="0"/>
+        </a:xfrm>
+      </p:grpSpPr>
+      <p:sp>
+        <p:nvSpPr>
+          <p:cNvPr id="2" name="Title 1">
+            <a:extLst>
+              <a:ext uri="{FF2B5EF4-FFF2-40B4-BE49-F238E27FC236}">
+                <a16:creationId xmlns:a16="http://schemas.microsoft.com/office/drawing/2014/main" id="{8B55CEED-E90B-4DBD-9FE2-2C18D5A1F730}"/>
+              </a:ext>
+            </a:extLst>
+          </p:cNvPr>
+          <p:cNvSpPr>
+            <a:spLocks noGrp="1"/>
+          </p:cNvSpPr>
+          <p:nvPr>
+            <p:ph type="title"/>
+          </p:nvPr>
+        </p:nvSpPr>
+        <p:spPr/>
+        <p:txBody>
+          <a:bodyPr/>
+          <a:lstStyle/>
+          <a:p>
+            <a:r>
+              <a:rPr lang="en-US" dirty="0"/>
+              <a:t>Model Iterations to Train</a:t>
+            </a:r>
+          </a:p>
+        </p:txBody>
+      </p:sp>
+      <p:sp>
+        <p:nvSpPr>
+          <p:cNvPr id="4" name="Text Placeholder 3">
+            <a:extLst>
+              <a:ext uri="{FF2B5EF4-FFF2-40B4-BE49-F238E27FC236}">
+                <a16:creationId xmlns:a16="http://schemas.microsoft.com/office/drawing/2014/main" id="{DBAB0999-C050-4BD8-8DCE-0E1F17F489C0}"/>
+              </a:ext>
+            </a:extLst>
+          </p:cNvPr>
+          <p:cNvSpPr>
+            <a:spLocks noGrp="1"/>
+          </p:cNvSpPr>
+          <p:nvPr>
+            <p:ph type="body" sz="half" idx="2"/>
+          </p:nvPr>
+        </p:nvSpPr>
+        <p:spPr/>
+        <p:txBody>
+          <a:bodyPr/>
+          <a:lstStyle/>
+          <a:p>
+            <a:endParaRPr lang="en-US" dirty="0"/>
+          </a:p>
+          <a:p>
+            <a:pPr marL="285750" indent="-285750">
+              <a:buFont typeface="Arial" panose="020B0604020202020204" pitchFamily="34" charset="0"/>
+              <a:buChar char="•"/>
+            </a:pPr>
+            <a:r>
+              <a:rPr lang="en-US" dirty="0"/>
+              <a:t>For 20,40,60,80,100,120 neurons</a:t>
+            </a:r>
+          </a:p>
+          <a:p>
+            <a:pPr marL="285750" indent="-285750">
+              <a:buFont typeface="Arial" panose="020B0604020202020204" pitchFamily="34" charset="0"/>
+              <a:buChar char="•"/>
+            </a:pPr>
+            <a:endParaRPr lang="en-US" dirty="0"/>
+          </a:p>
+          <a:p>
+            <a:pPr marL="285750" indent="-285750">
+              <a:buFont typeface="Arial" panose="020B0604020202020204" pitchFamily="34" charset="0"/>
+              <a:buChar char="•"/>
+            </a:pPr>
+            <a:r>
+              <a:rPr lang="en-US" dirty="0"/>
+              <a:t>Times based on average of 100 models</a:t>
+            </a:r>
+          </a:p>
+          <a:p>
+            <a:pPr marL="285750" indent="-285750">
+              <a:buFont typeface="Arial" panose="020B0604020202020204" pitchFamily="34" charset="0"/>
+              <a:buChar char="•"/>
+            </a:pPr>
+            <a:endParaRPr lang="en-US" dirty="0"/>
+          </a:p>
+          <a:p>
+            <a:endParaRPr lang="en-US" dirty="0"/>
+          </a:p>
+        </p:txBody>
+      </p:sp>
+      <p:pic>
+        <p:nvPicPr>
+          <p:cNvPr id="8" name="Content Placeholder 7" descr="A close up of a map&#10;&#10;Description automatically generated">
+            <a:extLst>
+              <a:ext uri="{FF2B5EF4-FFF2-40B4-BE49-F238E27FC236}">
+                <a16:creationId xmlns:a16="http://schemas.microsoft.com/office/drawing/2014/main" id="{79C2C8C5-1AF6-4E69-95E5-F357DA2A7605}"/>
+              </a:ext>
+            </a:extLst>
+          </p:cNvPr>
+          <p:cNvPicPr>
+            <a:picLocks noGrp="1" noChangeAspect="1"/>
+          </p:cNvPicPr>
+          <p:nvPr>
+            <p:ph idx="1"/>
+          </p:nvPr>
+        </p:nvPicPr>
+        <p:blipFill>
+          <a:blip r:embed="rId2"/>
+          <a:stretch>
+            <a:fillRect/>
+          </a:stretch>
+        </p:blipFill>
+        <p:spPr>
+          <a:xfrm>
+            <a:off x="685800" y="1219200"/>
+            <a:ext cx="6858000" cy="4114799"/>
+          </a:xfrm>
+        </p:spPr>
+      </p:pic>
+    </p:spTree>
+    <p:extLst>
+      <p:ext uri="{BB962C8B-B14F-4D97-AF65-F5344CB8AC3E}">
+        <p14:creationId xmlns:p14="http://schemas.microsoft.com/office/powerpoint/2010/main" val="1393368597"/>
+      </p:ext>
+    </p:extLst>
+  </p:cSld>
+  <p:clrMapOvr>
+    <a:masterClrMapping/>
+  </p:clrMapOvr>
+</p:sld>
+</file>
+
+<file path=ppt/slides/slide27.xml><?xml version="1.0" encoding="utf-8"?>
+<p:sld xmlns:a="http://schemas.openxmlformats.org/drawingml/2006/main" xmlns:r="http://schemas.openxmlformats.org/officeDocument/2006/relationships" xmlns:p="http://schemas.openxmlformats.org/presentationml/2006/main">
+  <p:cSld>
+    <p:spTree>
+      <p:nvGrpSpPr>
+        <p:cNvPr id="1" name=""/>
+        <p:cNvGrpSpPr/>
+        <p:nvPr/>
+      </p:nvGrpSpPr>
+      <p:grpSpPr>
+        <a:xfrm>
+          <a:off x="0" y="0"/>
+          <a:ext cx="0" cy="0"/>
+          <a:chOff x="0" y="0"/>
+          <a:chExt cx="0" cy="0"/>
+        </a:xfrm>
+      </p:grpSpPr>
+      <p:sp>
+        <p:nvSpPr>
+          <p:cNvPr id="2" name="Title 1">
+            <a:extLst>
+              <a:ext uri="{FF2B5EF4-FFF2-40B4-BE49-F238E27FC236}">
+                <a16:creationId xmlns:a16="http://schemas.microsoft.com/office/drawing/2014/main" id="{717C4D17-D569-4054-9F61-A80790AD4520}"/>
+              </a:ext>
+            </a:extLst>
+          </p:cNvPr>
+          <p:cNvSpPr>
+            <a:spLocks noGrp="1"/>
+          </p:cNvSpPr>
+          <p:nvPr>
+            <p:ph type="title"/>
+          </p:nvPr>
+        </p:nvSpPr>
+        <p:spPr/>
+        <p:txBody>
+          <a:bodyPr>
+            <a:normAutofit fontScale="90000"/>
+          </a:bodyPr>
+          <a:lstStyle/>
+          <a:p>
+            <a:r>
+              <a:rPr lang="en-US" dirty="0"/>
+              <a:t>Model Average Precision Scores</a:t>
+            </a:r>
+          </a:p>
+        </p:txBody>
+      </p:sp>
+      <p:sp>
+        <p:nvSpPr>
+          <p:cNvPr id="4" name="Text Placeholder 3">
+            <a:extLst>
+              <a:ext uri="{FF2B5EF4-FFF2-40B4-BE49-F238E27FC236}">
+                <a16:creationId xmlns:a16="http://schemas.microsoft.com/office/drawing/2014/main" id="{4C748FA0-FC28-4D06-99B0-07EBAA59B0B2}"/>
+              </a:ext>
+            </a:extLst>
+          </p:cNvPr>
+          <p:cNvSpPr>
+            <a:spLocks noGrp="1"/>
+          </p:cNvSpPr>
+          <p:nvPr>
+            <p:ph type="body" sz="half" idx="2"/>
+          </p:nvPr>
+        </p:nvSpPr>
+        <p:spPr/>
+        <p:txBody>
+          <a:bodyPr/>
+          <a:lstStyle/>
+          <a:p>
+            <a:pPr marL="285750" indent="-285750">
+              <a:buFont typeface="Arial" panose="020B0604020202020204" pitchFamily="34" charset="0"/>
+              <a:buChar char="•"/>
+            </a:pPr>
+            <a:endParaRPr lang="en-US" dirty="0"/>
+          </a:p>
+          <a:p>
+            <a:pPr marL="285750" indent="-285750">
+              <a:buFont typeface="Arial" panose="020B0604020202020204" pitchFamily="34" charset="0"/>
+              <a:buChar char="•"/>
+            </a:pPr>
+            <a:r>
+              <a:rPr lang="en-US" dirty="0"/>
+              <a:t>Each score is averaged over 100 models</a:t>
+            </a:r>
+          </a:p>
+          <a:p>
+            <a:endParaRPr lang="en-US" dirty="0"/>
+          </a:p>
+          <a:p>
+            <a:pPr marL="285750" indent="-285750">
+              <a:buFont typeface="Arial" panose="020B0604020202020204" pitchFamily="34" charset="0"/>
+              <a:buChar char="•"/>
+            </a:pPr>
+            <a:r>
+              <a:rPr lang="en-US" dirty="0"/>
+              <a:t>Uniformly Average over 10 classes</a:t>
+            </a:r>
+          </a:p>
+          <a:p>
+            <a:pPr marL="285750" indent="-285750">
+              <a:buFont typeface="Arial" panose="020B0604020202020204" pitchFamily="34" charset="0"/>
+              <a:buChar char="•"/>
+            </a:pPr>
+            <a:endParaRPr lang="en-US" dirty="0"/>
+          </a:p>
+          <a:p>
+            <a:pPr marL="285750" indent="-285750">
+              <a:buFont typeface="Arial" panose="020B0604020202020204" pitchFamily="34" charset="0"/>
+              <a:buChar char="•"/>
+            </a:pPr>
+            <a:endParaRPr lang="en-US" dirty="0"/>
+          </a:p>
+          <a:p>
+            <a:endParaRPr lang="en-US" dirty="0"/>
+          </a:p>
+          <a:p>
+            <a:endParaRPr lang="en-US" dirty="0"/>
+          </a:p>
+        </p:txBody>
+      </p:sp>
+      <p:pic>
+        <p:nvPicPr>
+          <p:cNvPr id="8" name="Content Placeholder 7" descr="A close up of a map&#10;&#10;Description automatically generated">
+            <a:extLst>
+              <a:ext uri="{FF2B5EF4-FFF2-40B4-BE49-F238E27FC236}">
+                <a16:creationId xmlns:a16="http://schemas.microsoft.com/office/drawing/2014/main" id="{CA65ABAE-D084-4D1F-A788-51BA639C1F22}"/>
+              </a:ext>
+            </a:extLst>
+          </p:cNvPr>
+          <p:cNvPicPr>
+            <a:picLocks noGrp="1" noChangeAspect="1"/>
+          </p:cNvPicPr>
+          <p:nvPr>
+            <p:ph idx="1"/>
+          </p:nvPr>
+        </p:nvPicPr>
+        <p:blipFill>
+          <a:blip r:embed="rId2"/>
+          <a:stretch>
+            <a:fillRect/>
+          </a:stretch>
+        </p:blipFill>
+        <p:spPr>
+          <a:xfrm>
+            <a:off x="685800" y="1219200"/>
+            <a:ext cx="6858000" cy="4114799"/>
+          </a:xfrm>
+        </p:spPr>
+      </p:pic>
+    </p:spTree>
+    <p:extLst>
+      <p:ext uri="{BB962C8B-B14F-4D97-AF65-F5344CB8AC3E}">
+        <p14:creationId xmlns:p14="http://schemas.microsoft.com/office/powerpoint/2010/main" val="2370918307"/>
+      </p:ext>
+    </p:extLst>
+  </p:cSld>
+  <p:clrMapOvr>
+    <a:masterClrMapping/>
+  </p:clrMapOvr>
+</p:sld>
+</file>
+
+<file path=ppt/slides/slide28.xml><?xml version="1.0" encoding="utf-8"?>
+<p:sld xmlns:a="http://schemas.openxmlformats.org/drawingml/2006/main" xmlns:r="http://schemas.openxmlformats.org/officeDocument/2006/relationships" xmlns:p="http://schemas.openxmlformats.org/presentationml/2006/main">
+  <p:cSld>
+    <p:spTree>
+      <p:nvGrpSpPr>
+        <p:cNvPr id="1" name=""/>
+        <p:cNvGrpSpPr/>
+        <p:nvPr/>
+      </p:nvGrpSpPr>
+      <p:grpSpPr>
+        <a:xfrm>
+          <a:off x="0" y="0"/>
+          <a:ext cx="0" cy="0"/>
+          <a:chOff x="0" y="0"/>
+          <a:chExt cx="0" cy="0"/>
+        </a:xfrm>
+      </p:grpSpPr>
+      <p:sp>
+        <p:nvSpPr>
+          <p:cNvPr id="2" name="Title 1">
+            <a:extLst>
+              <a:ext uri="{FF2B5EF4-FFF2-40B4-BE49-F238E27FC236}">
+                <a16:creationId xmlns:a16="http://schemas.microsoft.com/office/drawing/2014/main" id="{717C4D17-D569-4054-9F61-A80790AD4520}"/>
+              </a:ext>
+            </a:extLst>
+          </p:cNvPr>
+          <p:cNvSpPr>
+            <a:spLocks noGrp="1"/>
+          </p:cNvSpPr>
+          <p:nvPr>
+            <p:ph type="title"/>
+          </p:nvPr>
+        </p:nvSpPr>
+        <p:spPr/>
+        <p:txBody>
+          <a:bodyPr>
+            <a:normAutofit/>
+          </a:bodyPr>
+          <a:lstStyle/>
+          <a:p>
+            <a:r>
+              <a:rPr lang="en-US" dirty="0"/>
+              <a:t>Model Average Recall Scores</a:t>
+            </a:r>
+          </a:p>
+        </p:txBody>
+      </p:sp>
+      <p:sp>
+        <p:nvSpPr>
+          <p:cNvPr id="4" name="Text Placeholder 3">
+            <a:extLst>
+              <a:ext uri="{FF2B5EF4-FFF2-40B4-BE49-F238E27FC236}">
+                <a16:creationId xmlns:a16="http://schemas.microsoft.com/office/drawing/2014/main" id="{4C748FA0-FC28-4D06-99B0-07EBAA59B0B2}"/>
+              </a:ext>
+            </a:extLst>
+          </p:cNvPr>
+          <p:cNvSpPr>
+            <a:spLocks noGrp="1"/>
+          </p:cNvSpPr>
+          <p:nvPr>
+            <p:ph type="body" sz="half" idx="2"/>
+          </p:nvPr>
+        </p:nvSpPr>
+        <p:spPr/>
+        <p:txBody>
+          <a:bodyPr/>
+          <a:lstStyle/>
+          <a:p>
+            <a:pPr marL="285750" indent="-285750">
+              <a:buFont typeface="Arial" panose="020B0604020202020204" pitchFamily="34" charset="0"/>
+              <a:buChar char="•"/>
+            </a:pPr>
+            <a:endParaRPr lang="en-US" dirty="0"/>
+          </a:p>
+          <a:p>
+            <a:pPr marL="285750" indent="-285750">
+              <a:buFont typeface="Arial" panose="020B0604020202020204" pitchFamily="34" charset="0"/>
+              <a:buChar char="•"/>
+            </a:pPr>
+            <a:r>
+              <a:rPr lang="en-US" dirty="0"/>
+              <a:t>Each score is averaged over 100 models</a:t>
+            </a:r>
+          </a:p>
+          <a:p>
+            <a:endParaRPr lang="en-US" dirty="0"/>
+          </a:p>
+          <a:p>
+            <a:pPr marL="285750" indent="-285750">
+              <a:buFont typeface="Arial" panose="020B0604020202020204" pitchFamily="34" charset="0"/>
+              <a:buChar char="•"/>
+            </a:pPr>
+            <a:r>
+              <a:rPr lang="en-US" dirty="0"/>
+              <a:t>Uniformly Average over 10 classes</a:t>
+            </a:r>
+          </a:p>
+          <a:p>
+            <a:pPr marL="285750" indent="-285750">
+              <a:buFont typeface="Arial" panose="020B0604020202020204" pitchFamily="34" charset="0"/>
+              <a:buChar char="•"/>
+            </a:pPr>
+            <a:endParaRPr lang="en-US" dirty="0"/>
+          </a:p>
+          <a:p>
+            <a:pPr marL="285750" indent="-285750">
+              <a:buFont typeface="Arial" panose="020B0604020202020204" pitchFamily="34" charset="0"/>
+              <a:buChar char="•"/>
+            </a:pPr>
+            <a:endParaRPr lang="en-US" dirty="0"/>
+          </a:p>
+          <a:p>
+            <a:endParaRPr lang="en-US" dirty="0"/>
+          </a:p>
+          <a:p>
+            <a:endParaRPr lang="en-US" dirty="0"/>
+          </a:p>
+        </p:txBody>
+      </p:sp>
+      <p:pic>
+        <p:nvPicPr>
+          <p:cNvPr id="8" name="Content Placeholder 7" descr="A close up of a map&#10;&#10;Description automatically generated">
+            <a:extLst>
+              <a:ext uri="{FF2B5EF4-FFF2-40B4-BE49-F238E27FC236}">
+                <a16:creationId xmlns:a16="http://schemas.microsoft.com/office/drawing/2014/main" id="{9FD91BE7-3FDC-406D-95C8-73BEE73F89C9}"/>
+              </a:ext>
+            </a:extLst>
+          </p:cNvPr>
+          <p:cNvPicPr>
+            <a:picLocks noGrp="1" noChangeAspect="1"/>
+          </p:cNvPicPr>
+          <p:nvPr>
+            <p:ph idx="1"/>
+          </p:nvPr>
+        </p:nvPicPr>
+        <p:blipFill>
+          <a:blip r:embed="rId2"/>
+          <a:stretch>
+            <a:fillRect/>
+          </a:stretch>
+        </p:blipFill>
+        <p:spPr>
+          <a:xfrm>
+            <a:off x="685800" y="1219200"/>
+            <a:ext cx="6858000" cy="4114799"/>
+          </a:xfrm>
+        </p:spPr>
+      </p:pic>
+    </p:spTree>
+    <p:extLst>
+      <p:ext uri="{BB962C8B-B14F-4D97-AF65-F5344CB8AC3E}">
+        <p14:creationId xmlns:p14="http://schemas.microsoft.com/office/powerpoint/2010/main" val="731560907"/>
+      </p:ext>
+    </p:extLst>
+  </p:cSld>
+  <p:clrMapOvr>
+    <a:masterClrMapping/>
+  </p:clrMapOvr>
+</p:sld>
+</file>
+
+<file path=ppt/slides/slide29.xml><?xml version="1.0" encoding="utf-8"?>
 <p:sld xmlns:a="http://schemas.openxmlformats.org/drawingml/2006/main" xmlns:r="http://schemas.openxmlformats.org/officeDocument/2006/relationships" xmlns:p="http://schemas.openxmlformats.org/presentationml/2006/main">
   <p:cSld>
     <p:spTree>
@@ -21283,7 +22211,7 @@
           <a:p>
             <a:r>
               <a:rPr lang="en-US" dirty="0"/>
-              <a:t>Quadruple Layer Hidden models</a:t>
+              <a:t>Analysis Of Models</a:t>
             </a:r>
           </a:p>
         </p:txBody>
@@ -21311,7 +22239,7 @@
           <a:p>
             <a:r>
               <a:rPr lang="en-US" dirty="0"/>
-              <a:t>20 , 40 , 60 , 80 , 100 , 120</a:t>
+              <a:t>Some thoughts</a:t>
             </a:r>
           </a:p>
         </p:txBody>
@@ -21726,6 +22654,472 @@
     <p:extLst>
       <p:ext uri="{BB962C8B-B14F-4D97-AF65-F5344CB8AC3E}">
         <p14:creationId xmlns:p14="http://schemas.microsoft.com/office/powerpoint/2010/main" val="3111704049"/>
+      </p:ext>
+    </p:extLst>
+  </p:cSld>
+  <p:clrMapOvr>
+    <a:masterClrMapping/>
+  </p:clrMapOvr>
+</p:sld>
+</file>
+
+<file path=ppt/slides/slide30.xml><?xml version="1.0" encoding="utf-8"?>
+<p:sld xmlns:a="http://schemas.openxmlformats.org/drawingml/2006/main" xmlns:r="http://schemas.openxmlformats.org/officeDocument/2006/relationships" xmlns:p="http://schemas.openxmlformats.org/presentationml/2006/main">
+  <p:cSld>
+    <p:spTree>
+      <p:nvGrpSpPr>
+        <p:cNvPr id="1" name=""/>
+        <p:cNvGrpSpPr/>
+        <p:nvPr/>
+      </p:nvGrpSpPr>
+      <p:grpSpPr>
+        <a:xfrm>
+          <a:off x="0" y="0"/>
+          <a:ext cx="0" cy="0"/>
+          <a:chOff x="0" y="0"/>
+          <a:chExt cx="0" cy="0"/>
+        </a:xfrm>
+      </p:grpSpPr>
+      <p:sp>
+        <p:nvSpPr>
+          <p:cNvPr id="4" name="Title 3">
+            <a:extLst>
+              <a:ext uri="{FF2B5EF4-FFF2-40B4-BE49-F238E27FC236}">
+                <a16:creationId xmlns:a16="http://schemas.microsoft.com/office/drawing/2014/main" id="{6C9DFEDD-AF4D-47BC-804D-40CCB3ECF454}"/>
+              </a:ext>
+            </a:extLst>
+          </p:cNvPr>
+          <p:cNvSpPr>
+            <a:spLocks noGrp="1"/>
+          </p:cNvSpPr>
+          <p:nvPr>
+            <p:ph type="title"/>
+          </p:nvPr>
+        </p:nvSpPr>
+        <p:spPr/>
+        <p:txBody>
+          <a:bodyPr/>
+          <a:lstStyle/>
+          <a:p>
+            <a:pPr algn="r"/>
+            <a:r>
+              <a:rPr lang="en-US" dirty="0"/>
+              <a:t>Some Concerns…</a:t>
+            </a:r>
+          </a:p>
+        </p:txBody>
+      </p:sp>
+      <p:sp>
+        <p:nvSpPr>
+          <p:cNvPr id="5" name="Content Placeholder 4">
+            <a:extLst>
+              <a:ext uri="{FF2B5EF4-FFF2-40B4-BE49-F238E27FC236}">
+                <a16:creationId xmlns:a16="http://schemas.microsoft.com/office/drawing/2014/main" id="{0560AF25-95E2-4F34-8DED-3FA628E2EDB7}"/>
+              </a:ext>
+            </a:extLst>
+          </p:cNvPr>
+          <p:cNvSpPr>
+            <a:spLocks noGrp="1"/>
+          </p:cNvSpPr>
+          <p:nvPr>
+            <p:ph idx="1"/>
+          </p:nvPr>
+        </p:nvSpPr>
+        <p:spPr/>
+        <p:txBody>
+          <a:bodyPr/>
+          <a:lstStyle/>
+          <a:p>
+            <a:r>
+              <a:rPr lang="en-US" dirty="0"/>
+              <a:t>For each of the five metrics (time, loss value, iterations, precision, recall), we do not see much change</a:t>
+            </a:r>
+          </a:p>
+          <a:p>
+            <a:endParaRPr lang="en-US" dirty="0"/>
+          </a:p>
+          <a:p>
+            <a:r>
+              <a:rPr lang="en-US" dirty="0"/>
+              <a:t>Even averaged over 100 samples</a:t>
+            </a:r>
+          </a:p>
+          <a:p>
+            <a:endParaRPr lang="en-US" dirty="0"/>
+          </a:p>
+          <a:p>
+            <a:r>
+              <a:rPr lang="en-US" dirty="0"/>
+              <a:t>In some cases, attacked models perform better</a:t>
+            </a:r>
+          </a:p>
+          <a:p>
+            <a:pPr marL="0" indent="0">
+              <a:buNone/>
+            </a:pPr>
+            <a:endParaRPr lang="en-US" dirty="0"/>
+          </a:p>
+          <a:p>
+            <a:r>
+              <a:rPr lang="en-US" dirty="0"/>
+              <a:t>This may cause an attack to go unnoticed</a:t>
+            </a:r>
+          </a:p>
+          <a:p>
+            <a:endParaRPr lang="en-US" dirty="0"/>
+          </a:p>
+          <a:p>
+            <a:r>
+              <a:rPr lang="en-US" dirty="0"/>
+              <a:t>Changes are present, but not well pronounced</a:t>
+            </a:r>
+          </a:p>
+        </p:txBody>
+      </p:sp>
+    </p:spTree>
+    <p:extLst>
+      <p:ext uri="{BB962C8B-B14F-4D97-AF65-F5344CB8AC3E}">
+        <p14:creationId xmlns:p14="http://schemas.microsoft.com/office/powerpoint/2010/main" val="3988001218"/>
+      </p:ext>
+    </p:extLst>
+  </p:cSld>
+  <p:clrMapOvr>
+    <a:masterClrMapping/>
+  </p:clrMapOvr>
+</p:sld>
+</file>
+
+<file path=ppt/slides/slide31.xml><?xml version="1.0" encoding="utf-8"?>
+<p:sld xmlns:a="http://schemas.openxmlformats.org/drawingml/2006/main" xmlns:r="http://schemas.openxmlformats.org/officeDocument/2006/relationships" xmlns:p="http://schemas.openxmlformats.org/presentationml/2006/main">
+  <p:cSld>
+    <p:spTree>
+      <p:nvGrpSpPr>
+        <p:cNvPr id="1" name=""/>
+        <p:cNvGrpSpPr/>
+        <p:nvPr/>
+      </p:nvGrpSpPr>
+      <p:grpSpPr>
+        <a:xfrm>
+          <a:off x="0" y="0"/>
+          <a:ext cx="0" cy="0"/>
+          <a:chOff x="0" y="0"/>
+          <a:chExt cx="0" cy="0"/>
+        </a:xfrm>
+      </p:grpSpPr>
+      <p:sp>
+        <p:nvSpPr>
+          <p:cNvPr id="2" name="Title 1">
+            <a:extLst>
+              <a:ext uri="{FF2B5EF4-FFF2-40B4-BE49-F238E27FC236}">
+                <a16:creationId xmlns:a16="http://schemas.microsoft.com/office/drawing/2014/main" id="{9C6FCDCD-C578-435A-A6DC-4D3271371B37}"/>
+              </a:ext>
+            </a:extLst>
+          </p:cNvPr>
+          <p:cNvSpPr>
+            <a:spLocks noGrp="1"/>
+          </p:cNvSpPr>
+          <p:nvPr>
+            <p:ph type="title"/>
+          </p:nvPr>
+        </p:nvSpPr>
+        <p:spPr/>
+        <p:txBody>
+          <a:bodyPr/>
+          <a:lstStyle/>
+          <a:p>
+            <a:r>
+              <a:rPr lang="en-US" dirty="0"/>
+              <a:t>Some Realizations…</a:t>
+            </a:r>
+          </a:p>
+        </p:txBody>
+      </p:sp>
+      <p:sp>
+        <p:nvSpPr>
+          <p:cNvPr id="3" name="Content Placeholder 2">
+            <a:extLst>
+              <a:ext uri="{FF2B5EF4-FFF2-40B4-BE49-F238E27FC236}">
+                <a16:creationId xmlns:a16="http://schemas.microsoft.com/office/drawing/2014/main" id="{EF0B5BE6-7A51-4AD4-8030-3BAD95A635BB}"/>
+              </a:ext>
+            </a:extLst>
+          </p:cNvPr>
+          <p:cNvSpPr>
+            <a:spLocks noGrp="1"/>
+          </p:cNvSpPr>
+          <p:nvPr>
+            <p:ph idx="1"/>
+          </p:nvPr>
+        </p:nvSpPr>
+        <p:spPr/>
+        <p:txBody>
+          <a:bodyPr/>
+          <a:lstStyle/>
+          <a:p>
+            <a:r>
+              <a:rPr lang="en-US" dirty="0"/>
+              <a:t>This shows the incredible corrective power of Networks</a:t>
+            </a:r>
+          </a:p>
+          <a:p>
+            <a:endParaRPr lang="en-US" dirty="0"/>
+          </a:p>
+          <a:p>
+            <a:r>
+              <a:rPr lang="en-US" dirty="0"/>
+              <a:t>Even if not explicitly account for in back propagation, SGD can correct</a:t>
+            </a:r>
+          </a:p>
+          <a:p>
+            <a:endParaRPr lang="en-US" dirty="0"/>
+          </a:p>
+          <a:p>
+            <a:r>
+              <a:rPr lang="en-US" dirty="0"/>
+              <a:t>As long as the back propagation algorithm is intact, the model can always adapt to changes</a:t>
+            </a:r>
+          </a:p>
+          <a:p>
+            <a:endParaRPr lang="en-US" dirty="0"/>
+          </a:p>
+          <a:p>
+            <a:r>
+              <a:rPr lang="en-US" dirty="0"/>
+              <a:t>How far can we take these changes?</a:t>
+            </a:r>
+          </a:p>
+        </p:txBody>
+      </p:sp>
+    </p:spTree>
+    <p:extLst>
+      <p:ext uri="{BB962C8B-B14F-4D97-AF65-F5344CB8AC3E}">
+        <p14:creationId xmlns:p14="http://schemas.microsoft.com/office/powerpoint/2010/main" val="461726309"/>
+      </p:ext>
+    </p:extLst>
+  </p:cSld>
+  <p:clrMapOvr>
+    <a:masterClrMapping/>
+  </p:clrMapOvr>
+</p:sld>
+</file>
+
+<file path=ppt/slides/slide32.xml><?xml version="1.0" encoding="utf-8"?>
+<p:sld xmlns:a="http://schemas.openxmlformats.org/drawingml/2006/main" xmlns:r="http://schemas.openxmlformats.org/officeDocument/2006/relationships" xmlns:p="http://schemas.openxmlformats.org/presentationml/2006/main">
+  <p:cSld>
+    <p:spTree>
+      <p:nvGrpSpPr>
+        <p:cNvPr id="1" name=""/>
+        <p:cNvGrpSpPr/>
+        <p:nvPr/>
+      </p:nvGrpSpPr>
+      <p:grpSpPr>
+        <a:xfrm>
+          <a:off x="0" y="0"/>
+          <a:ext cx="0" cy="0"/>
+          <a:chOff x="0" y="0"/>
+          <a:chExt cx="0" cy="0"/>
+        </a:xfrm>
+      </p:grpSpPr>
+      <p:sp>
+        <p:nvSpPr>
+          <p:cNvPr id="2" name="Title 1">
+            <a:extLst>
+              <a:ext uri="{FF2B5EF4-FFF2-40B4-BE49-F238E27FC236}">
+                <a16:creationId xmlns:a16="http://schemas.microsoft.com/office/drawing/2014/main" id="{CE3D33DC-B949-4FAE-9676-E96B4E26FB2C}"/>
+              </a:ext>
+            </a:extLst>
+          </p:cNvPr>
+          <p:cNvSpPr>
+            <a:spLocks noGrp="1"/>
+          </p:cNvSpPr>
+          <p:nvPr>
+            <p:ph type="title"/>
+          </p:nvPr>
+        </p:nvSpPr>
+        <p:spPr/>
+        <p:txBody>
+          <a:bodyPr/>
+          <a:lstStyle/>
+          <a:p>
+            <a:r>
+              <a:rPr lang="en-US" dirty="0"/>
+              <a:t>Cybersecurity Implications:</a:t>
+            </a:r>
+          </a:p>
+        </p:txBody>
+      </p:sp>
+      <p:sp>
+        <p:nvSpPr>
+          <p:cNvPr id="3" name="Content Placeholder 2">
+            <a:extLst>
+              <a:ext uri="{FF2B5EF4-FFF2-40B4-BE49-F238E27FC236}">
+                <a16:creationId xmlns:a16="http://schemas.microsoft.com/office/drawing/2014/main" id="{2CD30537-8136-4B79-83B6-2F7352BFAB50}"/>
+              </a:ext>
+            </a:extLst>
+          </p:cNvPr>
+          <p:cNvSpPr>
+            <a:spLocks noGrp="1"/>
+          </p:cNvSpPr>
+          <p:nvPr>
+            <p:ph idx="1"/>
+          </p:nvPr>
+        </p:nvSpPr>
+        <p:spPr/>
+        <p:txBody>
+          <a:bodyPr/>
+          <a:lstStyle/>
+          <a:p>
+            <a:r>
+              <a:rPr lang="en-US" dirty="0"/>
+              <a:t>Even a system under</a:t>
+            </a:r>
+          </a:p>
+        </p:txBody>
+      </p:sp>
+    </p:spTree>
+    <p:extLst>
+      <p:ext uri="{BB962C8B-B14F-4D97-AF65-F5344CB8AC3E}">
+        <p14:creationId xmlns:p14="http://schemas.microsoft.com/office/powerpoint/2010/main" val="917407655"/>
+      </p:ext>
+    </p:extLst>
+  </p:cSld>
+  <p:clrMapOvr>
+    <a:masterClrMapping/>
+  </p:clrMapOvr>
+</p:sld>
+</file>
+
+<file path=ppt/slides/slide33.xml><?xml version="1.0" encoding="utf-8"?>
+<p:sld xmlns:a="http://schemas.openxmlformats.org/drawingml/2006/main" xmlns:r="http://schemas.openxmlformats.org/officeDocument/2006/relationships" xmlns:p="http://schemas.openxmlformats.org/presentationml/2006/main">
+  <p:cSld>
+    <p:spTree>
+      <p:nvGrpSpPr>
+        <p:cNvPr id="1" name=""/>
+        <p:cNvGrpSpPr/>
+        <p:nvPr/>
+      </p:nvGrpSpPr>
+      <p:grpSpPr>
+        <a:xfrm>
+          <a:off x="0" y="0"/>
+          <a:ext cx="0" cy="0"/>
+          <a:chOff x="0" y="0"/>
+          <a:chExt cx="0" cy="0"/>
+        </a:xfrm>
+      </p:grpSpPr>
+      <p:sp>
+        <p:nvSpPr>
+          <p:cNvPr id="2" name="Title 1">
+            <a:extLst>
+              <a:ext uri="{FF2B5EF4-FFF2-40B4-BE49-F238E27FC236}">
+                <a16:creationId xmlns:a16="http://schemas.microsoft.com/office/drawing/2014/main" id="{BD577B08-9F8F-4C4E-AF2A-414F2CBD2AAC}"/>
+              </a:ext>
+            </a:extLst>
+          </p:cNvPr>
+          <p:cNvSpPr>
+            <a:spLocks noGrp="1"/>
+          </p:cNvSpPr>
+          <p:nvPr>
+            <p:ph type="title"/>
+          </p:nvPr>
+        </p:nvSpPr>
+        <p:spPr/>
+        <p:txBody>
+          <a:bodyPr/>
+          <a:lstStyle/>
+          <a:p>
+            <a:r>
+              <a:rPr lang="en-US" dirty="0"/>
+              <a:t>Moving Forward</a:t>
+            </a:r>
+          </a:p>
+        </p:txBody>
+      </p:sp>
+      <p:sp>
+        <p:nvSpPr>
+          <p:cNvPr id="3" name="Content Placeholder 2">
+            <a:extLst>
+              <a:ext uri="{FF2B5EF4-FFF2-40B4-BE49-F238E27FC236}">
+                <a16:creationId xmlns:a16="http://schemas.microsoft.com/office/drawing/2014/main" id="{EA6E54D9-5026-4102-ADF0-40192EE4AA5A}"/>
+              </a:ext>
+            </a:extLst>
+          </p:cNvPr>
+          <p:cNvSpPr>
+            <a:spLocks noGrp="1"/>
+          </p:cNvSpPr>
+          <p:nvPr>
+            <p:ph idx="1"/>
+          </p:nvPr>
+        </p:nvSpPr>
+        <p:spPr/>
+        <p:txBody>
+          <a:bodyPr/>
+          <a:lstStyle/>
+          <a:p>
+            <a:r>
+              <a:rPr lang="en-US" dirty="0"/>
+              <a:t>Include Quadruple Layer Models? </a:t>
+            </a:r>
+          </a:p>
+          <a:p>
+            <a:endParaRPr lang="en-US" dirty="0"/>
+          </a:p>
+          <a:p>
+            <a:r>
+              <a:rPr lang="en-US" dirty="0"/>
+              <a:t>Average over 10 – 20 iterations instead of 100 due to time complexity</a:t>
+            </a:r>
+          </a:p>
+          <a:p>
+            <a:endParaRPr lang="en-US" dirty="0"/>
+          </a:p>
+          <a:p>
+            <a:r>
+              <a:rPr lang="en-US" dirty="0"/>
+              <a:t>Include Error bars on plots?</a:t>
+            </a:r>
+          </a:p>
+          <a:p>
+            <a:pPr lvl="1"/>
+            <a:r>
+              <a:rPr lang="en-US" dirty="0"/>
+              <a:t>I have saved minimum &amp; maximum of 100 samples/point</a:t>
+            </a:r>
+          </a:p>
+          <a:p>
+            <a:pPr lvl="1"/>
+            <a:endParaRPr lang="en-US" dirty="0"/>
+          </a:p>
+          <a:p>
+            <a:r>
+              <a:rPr lang="en-US" dirty="0"/>
+              <a:t>Abstract </a:t>
+            </a:r>
+            <a:r>
+              <a:rPr lang="en-US" i="1" dirty="0"/>
+              <a:t>is </a:t>
+            </a:r>
+            <a:r>
+              <a:rPr lang="en-US" dirty="0"/>
+              <a:t>required for URC presentation</a:t>
+            </a:r>
+          </a:p>
+          <a:p>
+            <a:endParaRPr lang="en-US" dirty="0"/>
+          </a:p>
+          <a:p>
+            <a:r>
+              <a:rPr lang="en-US" dirty="0"/>
+              <a:t>Tying back to cybersecurity</a:t>
+            </a:r>
+          </a:p>
+          <a:p>
+            <a:endParaRPr lang="en-US" dirty="0"/>
+          </a:p>
+        </p:txBody>
+      </p:sp>
+    </p:spTree>
+    <p:extLst>
+      <p:ext uri="{BB962C8B-B14F-4D97-AF65-F5344CB8AC3E}">
+        <p14:creationId xmlns:p14="http://schemas.microsoft.com/office/powerpoint/2010/main" val="559373910"/>
       </p:ext>
     </p:extLst>
   </p:cSld>
@@ -22191,8 +23585,8 @@
           </a:p>
         </p:txBody>
       </p:sp>
-      <mc:AlternateContent xmlns:mc="http://schemas.openxmlformats.org/markup-compatibility/2006">
-        <mc:Choice xmlns:a14="http://schemas.microsoft.com/office/drawing/2010/main" Requires="a14">
+      <mc:AlternateContent xmlns:mc="http://schemas.openxmlformats.org/markup-compatibility/2006" xmlns:a14="http://schemas.microsoft.com/office/drawing/2010/main">
+        <mc:Choice Requires="a14">
           <p:sp>
             <p:nvSpPr>
               <p:cNvPr id="3" name="Content Placeholder 2">
@@ -22551,7 +23945,7 @@
             </p:txBody>
           </p:sp>
         </mc:Choice>
-        <mc:Fallback>
+        <mc:Fallback xmlns="">
           <p:sp>
             <p:nvSpPr>
               <p:cNvPr id="3" name="Content Placeholder 2">
@@ -23627,21 +25021,21 @@
 </file>
 
 <file path=customXml/item1.xml><?xml version="1.0" encoding="utf-8"?>
+<p:properties xmlns:p="http://schemas.microsoft.com/office/2006/metadata/properties" xmlns:xsi="http://www.w3.org/2001/XMLSchema-instance" xmlns:pc="http://schemas.microsoft.com/office/infopath/2007/PartnerControls">
+  <documentManagement>
+    <Status xmlns="71af3243-3dd4-4a8d-8c0d-dd76da1f02a5">Not started</Status>
+    <MediaServiceKeyPoints xmlns="71af3243-3dd4-4a8d-8c0d-dd76da1f02a5" xsi:nil="true"/>
+  </documentManagement>
+</p:properties>
+</file>
+
+<file path=customXml/item2.xml><?xml version="1.0" encoding="utf-8"?>
 <?mso-contentType ?>
 <FormTemplates xmlns="http://schemas.microsoft.com/sharepoint/v3/contenttype/forms">
   <Display>DocumentLibraryForm</Display>
   <Edit>DocumentLibraryForm</Edit>
   <New>DocumentLibraryForm</New>
 </FormTemplates>
-</file>
-
-<file path=customXml/item2.xml><?xml version="1.0" encoding="utf-8"?>
-<p:properties xmlns:p="http://schemas.microsoft.com/office/2006/metadata/properties" xmlns:xsi="http://www.w3.org/2001/XMLSchema-instance" xmlns:pc="http://schemas.microsoft.com/office/infopath/2007/PartnerControls">
-  <documentManagement>
-    <Status xmlns="71af3243-3dd4-4a8d-8c0d-dd76da1f02a5">Not started</Status>
-    <MediaServiceKeyPoints xmlns="71af3243-3dd4-4a8d-8c0d-dd76da1f02a5" xsi:nil="true"/>
-  </documentManagement>
-</p:properties>
 </file>
 
 <file path=customXml/item3.xml><?xml version="1.0" encoding="utf-8"?>
@@ -23866,19 +25260,19 @@
 </file>
 
 <file path=customXml/itemProps1.xml><?xml version="1.0" encoding="utf-8"?>
-<ds:datastoreItem xmlns:ds="http://schemas.openxmlformats.org/officeDocument/2006/customXml" ds:itemID="{CDB58277-F8DF-46FF-84EC-EF41B835E69F}">
+<ds:datastoreItem xmlns:ds="http://schemas.openxmlformats.org/officeDocument/2006/customXml" ds:itemID="{137651BA-F45C-4845-9AB3-E0A65B39F5E1}">
   <ds:schemaRefs>
-    <ds:schemaRef ds:uri="http://schemas.microsoft.com/sharepoint/v3/contenttype/forms"/>
+    <ds:schemaRef ds:uri="http://schemas.microsoft.com/office/2006/metadata/properties"/>
+    <ds:schemaRef ds:uri="http://schemas.microsoft.com/office/infopath/2007/PartnerControls"/>
+    <ds:schemaRef ds:uri="71af3243-3dd4-4a8d-8c0d-dd76da1f02a5"/>
   </ds:schemaRefs>
 </ds:datastoreItem>
 </file>
 
 <file path=customXml/itemProps2.xml><?xml version="1.0" encoding="utf-8"?>
-<ds:datastoreItem xmlns:ds="http://schemas.openxmlformats.org/officeDocument/2006/customXml" ds:itemID="{137651BA-F45C-4845-9AB3-E0A65B39F5E1}">
+<ds:datastoreItem xmlns:ds="http://schemas.openxmlformats.org/officeDocument/2006/customXml" ds:itemID="{CDB58277-F8DF-46FF-84EC-EF41B835E69F}">
   <ds:schemaRefs>
-    <ds:schemaRef ds:uri="http://schemas.microsoft.com/office/2006/metadata/properties"/>
-    <ds:schemaRef ds:uri="http://schemas.microsoft.com/office/infopath/2007/PartnerControls"/>
-    <ds:schemaRef ds:uri="71af3243-3dd4-4a8d-8c0d-dd76da1f02a5"/>
+    <ds:schemaRef ds:uri="http://schemas.microsoft.com/sharepoint/v3/contenttype/forms"/>
   </ds:schemaRefs>
 </ds:datastoreItem>
 </file>

--- a/Presentations/14_04_2020/Modeling Attack Functions.pptx
+++ b/Presentations/14_04_2020/Modeling Attack Functions.pptx
@@ -25553,7 +25553,7 @@
           <a:p>
             <a:fld id="{EA0C0817-A112-4847-8014-A94B7D2A4EA3}" type="datetime1">
               <a:rPr lang="en-US" smtClean="0"/>
-              <a:t>4/13/2020</a:t>
+              <a:t>4/14/2020</a:t>
             </a:fld>
             <a:endParaRPr lang="en-US" dirty="0"/>
           </a:p>
@@ -25755,7 +25755,7 @@
           <a:p>
             <a:fld id="{7332B432-ACDA-4023-A761-2BAB76577B62}" type="datetime1">
               <a:rPr lang="en-US" smtClean="0"/>
-              <a:t>4/13/2020</a:t>
+              <a:t>4/14/2020</a:t>
             </a:fld>
             <a:endParaRPr lang="en-US" dirty="0"/>
           </a:p>
@@ -26354,7 +26354,7 @@
           <a:p>
             <a:fld id="{D9C646AA-F36E-4540-911D-FFFC0A0EF24A}" type="datetime1">
               <a:rPr lang="en-US" smtClean="0"/>
-              <a:t>4/13/2020</a:t>
+              <a:t>4/14/2020</a:t>
             </a:fld>
             <a:endParaRPr lang="en-US" dirty="0"/>
           </a:p>
@@ -26674,7 +26674,7 @@
           <a:p>
             <a:fld id="{69186D26-FA5F-4637-B602-B7C2DC34CFD4}" type="datetime1">
               <a:rPr lang="en-US" smtClean="0"/>
-              <a:t>4/13/2020</a:t>
+              <a:t>4/14/2020</a:t>
             </a:fld>
             <a:endParaRPr lang="en-US" dirty="0"/>
           </a:p>
@@ -27111,7 +27111,7 @@
           <a:p>
             <a:fld id="{8A7F15D8-96D1-4781-BC50-CA8A088B2FE4}" type="datetime1">
               <a:rPr lang="en-US" smtClean="0"/>
-              <a:t>4/13/2020</a:t>
+              <a:t>4/14/2020</a:t>
             </a:fld>
             <a:endParaRPr lang="en-US" dirty="0"/>
           </a:p>
@@ -27229,7 +27229,7 @@
           <a:p>
             <a:fld id="{F9A96C99-B8F8-4528-BD05-0E16E943DC09}" type="datetime1">
               <a:rPr lang="en-US" smtClean="0"/>
-              <a:t>4/13/2020</a:t>
+              <a:t>4/14/2020</a:t>
             </a:fld>
             <a:endParaRPr lang="en-US" dirty="0"/>
           </a:p>
@@ -27324,7 +27324,7 @@
           <a:p>
             <a:fld id="{03636942-C211-4B28-8DBD-C953E00AF71B}" type="datetime1">
               <a:rPr lang="en-US" smtClean="0"/>
-              <a:t>4/13/2020</a:t>
+              <a:t>4/14/2020</a:t>
             </a:fld>
             <a:endParaRPr lang="en-US" dirty="0"/>
           </a:p>
@@ -27741,7 +27741,7 @@
           <a:p>
             <a:fld id="{7E8D12A6-918A-48BD-8CB9-CA713993B0EA}" type="datetime1">
               <a:rPr lang="en-US" smtClean="0"/>
-              <a:t>4/13/2020</a:t>
+              <a:t>4/14/2020</a:t>
             </a:fld>
             <a:endParaRPr lang="en-US" dirty="0"/>
           </a:p>
@@ -28003,7 +28003,7 @@
             <a:fld id="{E778CE86-875F-4587-BCF6-FA054AFC0D53}" type="datetime1">
               <a:rPr lang="en-US" smtClean="0"/>
               <a:pPr/>
-              <a:t>4/13/2020</a:t>
+              <a:t>4/14/2020</a:t>
             </a:fld>
             <a:endParaRPr lang="en-US" dirty="0"/>
           </a:p>
@@ -28519,7 +28519,7 @@
           <a:p>
             <a:fld id="{F6FA2B21-3FCD-4721-B95C-427943F61125}" type="datetime1">
               <a:rPr lang="en-US" smtClean="0"/>
-              <a:t>4/13/2020</a:t>
+              <a:t>4/14/2020</a:t>
             </a:fld>
             <a:endParaRPr lang="en-US" dirty="0"/>
           </a:p>
@@ -35989,7 +35989,7 @@
             <p:ph idx="1"/>
             <p:extLst>
               <p:ext uri="{D42A27DB-BD31-4B8C-83A1-F6EECF244321}">
-                <p14:modId xmlns:p14="http://schemas.microsoft.com/office/powerpoint/2010/main" val="3713863779"/>
+                <p14:modId xmlns:p14="http://schemas.microsoft.com/office/powerpoint/2010/main" val="24291979"/>
               </p:ext>
             </p:extLst>
           </p:nvPr>
@@ -36906,24 +36906,6 @@
 </file>
 
 <file path=customXml/item1.xml><?xml version="1.0" encoding="utf-8"?>
-<?mso-contentType ?>
-<FormTemplates xmlns="http://schemas.microsoft.com/sharepoint/v3/contenttype/forms">
-  <Display>DocumentLibraryForm</Display>
-  <Edit>DocumentLibraryForm</Edit>
-  <New>DocumentLibraryForm</New>
-</FormTemplates>
-</file>
-
-<file path=customXml/item2.xml><?xml version="1.0" encoding="utf-8"?>
-<p:properties xmlns:p="http://schemas.microsoft.com/office/2006/metadata/properties" xmlns:xsi="http://www.w3.org/2001/XMLSchema-instance" xmlns:pc="http://schemas.microsoft.com/office/infopath/2007/PartnerControls">
-  <documentManagement>
-    <Status xmlns="71af3243-3dd4-4a8d-8c0d-dd76da1f02a5">Not started</Status>
-    <MediaServiceKeyPoints xmlns="71af3243-3dd4-4a8d-8c0d-dd76da1f02a5" xsi:nil="true"/>
-  </documentManagement>
-</p:properties>
-</file>
-
-<file path=customXml/item3.xml><?xml version="1.0" encoding="utf-8"?>
 <ct:contentTypeSchema xmlns:ct="http://schemas.microsoft.com/office/2006/metadata/contentType" xmlns:ma="http://schemas.microsoft.com/office/2006/metadata/properties/metaAttributes" ct:_="" ma:_="" ma:contentTypeName="Document" ma:contentTypeID="0x01010079F111ED35F8CC479449609E8A0923A6" ma:contentTypeVersion="12" ma:contentTypeDescription="Create a new document." ma:contentTypeScope="" ma:versionID="a410dd7f93c95333ffa1b60ed6adedd1">
   <xsd:schema xmlns:xsd="http://www.w3.org/2001/XMLSchema" xmlns:xs="http://www.w3.org/2001/XMLSchema" xmlns:p="http://schemas.microsoft.com/office/2006/metadata/properties" xmlns:ns2="71af3243-3dd4-4a8d-8c0d-dd76da1f02a5" xmlns:ns3="16c05727-aa75-4e4a-9b5f-8a80a1165891" targetNamespace="http://schemas.microsoft.com/office/2006/metadata/properties" ma:root="true" ma:fieldsID="a936d9baba76aa3866493feff160faab" ns2:_="" ns3:_="">
     <xsd:import namespace="71af3243-3dd4-4a8d-8c0d-dd76da1f02a5"/>
@@ -37144,25 +37126,25 @@
 </ct:contentTypeSchema>
 </file>
 
-<file path=customXml/itemProps1.xml><?xml version="1.0" encoding="utf-8"?>
-<ds:datastoreItem xmlns:ds="http://schemas.openxmlformats.org/officeDocument/2006/customXml" ds:itemID="{CDB58277-F8DF-46FF-84EC-EF41B835E69F}">
-  <ds:schemaRefs>
-    <ds:schemaRef ds:uri="http://schemas.microsoft.com/sharepoint/v3/contenttype/forms"/>
-  </ds:schemaRefs>
-</ds:datastoreItem>
+<file path=customXml/item2.xml><?xml version="1.0" encoding="utf-8"?>
+<p:properties xmlns:p="http://schemas.microsoft.com/office/2006/metadata/properties" xmlns:xsi="http://www.w3.org/2001/XMLSchema-instance" xmlns:pc="http://schemas.microsoft.com/office/infopath/2007/PartnerControls">
+  <documentManagement>
+    <Status xmlns="71af3243-3dd4-4a8d-8c0d-dd76da1f02a5">Not started</Status>
+    <MediaServiceKeyPoints xmlns="71af3243-3dd4-4a8d-8c0d-dd76da1f02a5" xsi:nil="true"/>
+  </documentManagement>
+</p:properties>
 </file>
 
-<file path=customXml/itemProps2.xml><?xml version="1.0" encoding="utf-8"?>
-<ds:datastoreItem xmlns:ds="http://schemas.openxmlformats.org/officeDocument/2006/customXml" ds:itemID="{137651BA-F45C-4845-9AB3-E0A65B39F5E1}">
-  <ds:schemaRefs>
-    <ds:schemaRef ds:uri="http://schemas.microsoft.com/office/2006/metadata/properties"/>
-    <ds:schemaRef ds:uri="http://schemas.microsoft.com/office/infopath/2007/PartnerControls"/>
-    <ds:schemaRef ds:uri="71af3243-3dd4-4a8d-8c0d-dd76da1f02a5"/>
-  </ds:schemaRefs>
-</ds:datastoreItem>
+<file path=customXml/item3.xml><?xml version="1.0" encoding="utf-8"?>
+<?mso-contentType ?>
+<FormTemplates xmlns="http://schemas.microsoft.com/sharepoint/v3/contenttype/forms">
+  <Display>DocumentLibraryForm</Display>
+  <Edit>DocumentLibraryForm</Edit>
+  <New>DocumentLibraryForm</New>
+</FormTemplates>
 </file>
 
-<file path=customXml/itemProps3.xml><?xml version="1.0" encoding="utf-8"?>
+<file path=customXml/itemProps1.xml><?xml version="1.0" encoding="utf-8"?>
 <ds:datastoreItem xmlns:ds="http://schemas.openxmlformats.org/officeDocument/2006/customXml" ds:itemID="{2D276E62-80A3-44DD-9BCC-97ED2B99B57F}">
   <ds:schemaRefs>
     <ds:schemaRef ds:uri="http://schemas.microsoft.com/office/2006/metadata/contentType"/>
@@ -37179,4 +37161,29 @@
     <ds:schemaRef ds:uri="http://schemas.microsoft.com/internal/obd"/>
   </ds:schemaRefs>
 </ds:datastoreItem>
+</file>
+
+<file path=customXml/itemProps2.xml><?xml version="1.0" encoding="utf-8"?>
+<ds:datastoreItem xmlns:ds="http://schemas.openxmlformats.org/officeDocument/2006/customXml" ds:itemID="{137651BA-F45C-4845-9AB3-E0A65B39F5E1}">
+  <ds:schemaRefs>
+    <ds:schemaRef ds:uri="http://schemas.microsoft.com/office/2006/documentManagement/types"/>
+    <ds:schemaRef ds:uri="http://schemas.microsoft.com/office/infopath/2007/PartnerControls"/>
+    <ds:schemaRef ds:uri="http://purl.org/dc/elements/1.1/"/>
+    <ds:schemaRef ds:uri="http://schemas.microsoft.com/office/2006/metadata/properties"/>
+    <ds:schemaRef ds:uri="http://purl.org/dc/terms/"/>
+    <ds:schemaRef ds:uri="http://schemas.openxmlformats.org/package/2006/metadata/core-properties"/>
+    <ds:schemaRef ds:uri="16c05727-aa75-4e4a-9b5f-8a80a1165891"/>
+    <ds:schemaRef ds:uri="http://purl.org/dc/dcmitype/"/>
+    <ds:schemaRef ds:uri="71af3243-3dd4-4a8d-8c0d-dd76da1f02a5"/>
+    <ds:schemaRef ds:uri="http://www.w3.org/XML/1998/namespace"/>
+  </ds:schemaRefs>
+</ds:datastoreItem>
+</file>
+
+<file path=customXml/itemProps3.xml><?xml version="1.0" encoding="utf-8"?>
+<ds:datastoreItem xmlns:ds="http://schemas.openxmlformats.org/officeDocument/2006/customXml" ds:itemID="{CDB58277-F8DF-46FF-84EC-EF41B835E69F}">
+  <ds:schemaRefs>
+    <ds:schemaRef ds:uri="http://schemas.microsoft.com/sharepoint/v3/contenttype/forms"/>
+  </ds:schemaRefs>
+</ds:datastoreItem>
 </file>